--- a/AnimationSkillShare/动画实用技巧.pptx
+++ b/AnimationSkillShare/动画实用技巧.pptx
@@ -5,11 +5,16 @@
     <p:sldMasterId id="2147483648" r:id="rId1"/>
   </p:sldMasterIdLst>
   <p:notesMasterIdLst>
-    <p:notesMasterId r:id="rId4"/>
+    <p:notesMasterId r:id="rId9"/>
   </p:notesMasterIdLst>
   <p:sldIdLst>
     <p:sldId id="256" r:id="rId2"/>
-    <p:sldId id="257" r:id="rId3"/>
+    <p:sldId id="263" r:id="rId3"/>
+    <p:sldId id="257" r:id="rId4"/>
+    <p:sldId id="261" r:id="rId5"/>
+    <p:sldId id="260" r:id="rId6"/>
+    <p:sldId id="258" r:id="rId7"/>
+    <p:sldId id="259" r:id="rId8"/>
   </p:sldIdLst>
   <p:sldSz cx="12192000" cy="6858000"/>
   <p:notesSz cx="6858000" cy="9144000"/>
@@ -108,6 +113,11 @@
       </a:defRPr>
     </a:lvl9pPr>
   </p:defaultTextStyle>
+  <p:extLst>
+    <p:ext uri="{EFAFB233-063F-42B5-8137-9DF3F51BA10A}">
+      <p15:sldGuideLst xmlns:p15="http://schemas.microsoft.com/office/powerpoint/2012/main"/>
+    </p:ext>
+  </p:extLst>
 </p:presentation>
 </file>
 
@@ -193,7 +203,7 @@
           <a:p>
             <a:fld id="{433AAF85-9BEC-EE4B-A2D6-629E21E2BD86}" type="datetimeFigureOut">
               <a:rPr kumimoji="1" lang="zh-CN" altLang="en-US" smtClean="0"/>
-              <a:t>15/10/24</a:t>
+              <a:t>15/10/26</a:t>
             </a:fld>
             <a:endParaRPr kumimoji="1" lang="zh-CN" altLang="en-US"/>
           </a:p>
@@ -505,6 +515,10 @@
           <a:bodyPr/>
           <a:lstStyle/>
           <a:p>
+            <a:r>
+              <a:rPr kumimoji="1" lang="zh-CN" altLang="en-US" dirty="0" smtClean="0"/>
+              <a:t>尽量讲大家平时接触得比较少的</a:t>
+            </a:r>
             <a:endParaRPr kumimoji="1" lang="zh-CN" altLang="en-US" dirty="0"/>
           </a:p>
         </p:txBody>
@@ -536,6 +550,206 @@
     <p:extLst>
       <p:ext uri="{BB962C8B-B14F-4D97-AF65-F5344CB8AC3E}">
         <p14:creationId xmlns:p14="http://schemas.microsoft.com/office/powerpoint/2010/main" val="1827336327"/>
+      </p:ext>
+    </p:extLst>
+  </p:cSld>
+  <p:clrMapOvr>
+    <a:masterClrMapping/>
+  </p:clrMapOvr>
+</p:notes>
+</file>
+
+<file path=ppt/notesSlides/notesSlide2.xml><?xml version="1.0" encoding="utf-8"?>
+<p:notes xmlns:a="http://schemas.openxmlformats.org/drawingml/2006/main" xmlns:r="http://schemas.openxmlformats.org/officeDocument/2006/relationships" xmlns:p="http://schemas.openxmlformats.org/presentationml/2006/main">
+  <p:cSld>
+    <p:spTree>
+      <p:nvGrpSpPr>
+        <p:cNvPr id="1" name=""/>
+        <p:cNvGrpSpPr/>
+        <p:nvPr/>
+      </p:nvGrpSpPr>
+      <p:grpSpPr>
+        <a:xfrm>
+          <a:off x="0" y="0"/>
+          <a:ext cx="0" cy="0"/>
+          <a:chOff x="0" y="0"/>
+          <a:chExt cx="0" cy="0"/>
+        </a:xfrm>
+      </p:grpSpPr>
+      <p:sp>
+        <p:nvSpPr>
+          <p:cNvPr id="2" name="幻灯片图像占位符 1"/>
+          <p:cNvSpPr>
+            <a:spLocks noGrp="1" noRot="1" noChangeAspect="1"/>
+          </p:cNvSpPr>
+          <p:nvPr>
+            <p:ph type="sldImg"/>
+          </p:nvPr>
+        </p:nvSpPr>
+        <p:spPr/>
+      </p:sp>
+      <p:sp>
+        <p:nvSpPr>
+          <p:cNvPr id="3" name="备注占位符 2"/>
+          <p:cNvSpPr>
+            <a:spLocks noGrp="1"/>
+          </p:cNvSpPr>
+          <p:nvPr>
+            <p:ph type="body" idx="1"/>
+          </p:nvPr>
+        </p:nvSpPr>
+        <p:spPr/>
+        <p:txBody>
+          <a:bodyPr/>
+          <a:lstStyle/>
+          <a:p>
+            <a:endParaRPr kumimoji="1" lang="zh-CN" altLang="en-US" dirty="0" smtClean="0"/>
+          </a:p>
+        </p:txBody>
+      </p:sp>
+      <p:sp>
+        <p:nvSpPr>
+          <p:cNvPr id="4" name="幻灯片编号占位符 3"/>
+          <p:cNvSpPr>
+            <a:spLocks noGrp="1"/>
+          </p:cNvSpPr>
+          <p:nvPr>
+            <p:ph type="sldNum" sz="quarter" idx="10"/>
+          </p:nvPr>
+        </p:nvSpPr>
+        <p:spPr/>
+        <p:txBody>
+          <a:bodyPr/>
+          <a:lstStyle/>
+          <a:p>
+            <a:fld id="{53190343-A285-E444-9B8B-A03A0DB5BFEC}" type="slidenum">
+              <a:rPr kumimoji="1" lang="zh-CN" altLang="en-US" smtClean="0"/>
+              <a:t>2</a:t>
+            </a:fld>
+            <a:endParaRPr kumimoji="1" lang="zh-CN" altLang="en-US"/>
+          </a:p>
+        </p:txBody>
+      </p:sp>
+    </p:spTree>
+    <p:extLst>
+      <p:ext uri="{BB962C8B-B14F-4D97-AF65-F5344CB8AC3E}">
+        <p14:creationId xmlns:p14="http://schemas.microsoft.com/office/powerpoint/2010/main" val="135497281"/>
+      </p:ext>
+    </p:extLst>
+  </p:cSld>
+  <p:clrMapOvr>
+    <a:masterClrMapping/>
+  </p:clrMapOvr>
+</p:notes>
+</file>
+
+<file path=ppt/notesSlides/notesSlide3.xml><?xml version="1.0" encoding="utf-8"?>
+<p:notes xmlns:a="http://schemas.openxmlformats.org/drawingml/2006/main" xmlns:r="http://schemas.openxmlformats.org/officeDocument/2006/relationships" xmlns:p="http://schemas.openxmlformats.org/presentationml/2006/main">
+  <p:cSld>
+    <p:spTree>
+      <p:nvGrpSpPr>
+        <p:cNvPr id="1" name=""/>
+        <p:cNvGrpSpPr/>
+        <p:nvPr/>
+      </p:nvGrpSpPr>
+      <p:grpSpPr>
+        <a:xfrm>
+          <a:off x="0" y="0"/>
+          <a:ext cx="0" cy="0"/>
+          <a:chOff x="0" y="0"/>
+          <a:chExt cx="0" cy="0"/>
+        </a:xfrm>
+      </p:grpSpPr>
+      <p:sp>
+        <p:nvSpPr>
+          <p:cNvPr id="2" name="幻灯片图像占位符 1"/>
+          <p:cNvSpPr>
+            <a:spLocks noGrp="1" noRot="1" noChangeAspect="1"/>
+          </p:cNvSpPr>
+          <p:nvPr>
+            <p:ph type="sldImg"/>
+          </p:nvPr>
+        </p:nvSpPr>
+        <p:spPr/>
+      </p:sp>
+      <p:sp>
+        <p:nvSpPr>
+          <p:cNvPr id="3" name="备注占位符 2"/>
+          <p:cNvSpPr>
+            <a:spLocks noGrp="1"/>
+          </p:cNvSpPr>
+          <p:nvPr>
+            <p:ph type="body" idx="1"/>
+          </p:nvPr>
+        </p:nvSpPr>
+        <p:spPr/>
+        <p:txBody>
+          <a:bodyPr/>
+          <a:lstStyle/>
+          <a:p>
+            <a:r>
+              <a:rPr kumimoji="1" lang="zh-CN" altLang="en-US" dirty="0" smtClean="0"/>
+              <a:t>首先，讲</a:t>
+            </a:r>
+            <a:r>
+              <a:rPr kumimoji="1" lang="en-US" altLang="zh-CN" dirty="0" smtClean="0"/>
+              <a:t>Animator</a:t>
+            </a:r>
+            <a:endParaRPr kumimoji="1" lang="zh-CN" altLang="en-US" dirty="0" smtClean="0"/>
+          </a:p>
+          <a:p>
+            <a:r>
+              <a:rPr kumimoji="1" lang="en-US" altLang="zh-CN" dirty="0" smtClean="0"/>
+              <a:t>Animator</a:t>
+            </a:r>
+            <a:r>
+              <a:rPr kumimoji="1" lang="zh-CN" altLang="en-US" dirty="0" smtClean="0"/>
+              <a:t>，顾名思义，就是用来制作动画的</a:t>
+            </a:r>
+            <a:endParaRPr kumimoji="1" lang="en-US" altLang="zh-CN" dirty="0" smtClean="0"/>
+          </a:p>
+          <a:p>
+            <a:r>
+              <a:rPr kumimoji="1" lang="en-US" altLang="zh-CN" dirty="0" smtClean="0"/>
+              <a:t>Animator</a:t>
+            </a:r>
+            <a:r>
+              <a:rPr kumimoji="1" lang="zh-CN" altLang="en-US" dirty="0" smtClean="0"/>
+              <a:t>是这一系列的基类</a:t>
+            </a:r>
+          </a:p>
+          <a:p>
+            <a:endParaRPr kumimoji="1" lang="zh-CN" altLang="en-US" dirty="0"/>
+          </a:p>
+        </p:txBody>
+      </p:sp>
+      <p:sp>
+        <p:nvSpPr>
+          <p:cNvPr id="4" name="幻灯片编号占位符 3"/>
+          <p:cNvSpPr>
+            <a:spLocks noGrp="1"/>
+          </p:cNvSpPr>
+          <p:nvPr>
+            <p:ph type="sldNum" sz="quarter" idx="10"/>
+          </p:nvPr>
+        </p:nvSpPr>
+        <p:spPr/>
+        <p:txBody>
+          <a:bodyPr/>
+          <a:lstStyle/>
+          <a:p>
+            <a:fld id="{53190343-A285-E444-9B8B-A03A0DB5BFEC}" type="slidenum">
+              <a:rPr kumimoji="1" lang="zh-CN" altLang="en-US" smtClean="0"/>
+              <a:t>3</a:t>
+            </a:fld>
+            <a:endParaRPr kumimoji="1" lang="zh-CN" altLang="en-US"/>
+          </a:p>
+        </p:txBody>
+      </p:sp>
+    </p:spTree>
+    <p:extLst>
+      <p:ext uri="{BB962C8B-B14F-4D97-AF65-F5344CB8AC3E}">
+        <p14:creationId xmlns:p14="http://schemas.microsoft.com/office/powerpoint/2010/main" val="1369133069"/>
       </p:ext>
     </p:extLst>
   </p:cSld>
@@ -676,7 +890,7 @@
           <a:p>
             <a:fld id="{88050F38-946A-4344-8969-2030EF824029}" type="datetimeFigureOut">
               <a:rPr kumimoji="1" lang="zh-CN" altLang="en-US" smtClean="0"/>
-              <a:t>15/10/24</a:t>
+              <a:t>15/10/26</a:t>
             </a:fld>
             <a:endParaRPr kumimoji="1" lang="zh-CN" altLang="en-US"/>
           </a:p>
@@ -846,7 +1060,7 @@
           <a:p>
             <a:fld id="{88050F38-946A-4344-8969-2030EF824029}" type="datetimeFigureOut">
               <a:rPr kumimoji="1" lang="zh-CN" altLang="en-US" smtClean="0"/>
-              <a:t>15/10/24</a:t>
+              <a:t>15/10/26</a:t>
             </a:fld>
             <a:endParaRPr kumimoji="1" lang="zh-CN" altLang="en-US"/>
           </a:p>
@@ -1026,7 +1240,7 @@
           <a:p>
             <a:fld id="{88050F38-946A-4344-8969-2030EF824029}" type="datetimeFigureOut">
               <a:rPr kumimoji="1" lang="zh-CN" altLang="en-US" smtClean="0"/>
-              <a:t>15/10/24</a:t>
+              <a:t>15/10/26</a:t>
             </a:fld>
             <a:endParaRPr kumimoji="1" lang="zh-CN" altLang="en-US"/>
           </a:p>
@@ -1196,7 +1410,7 @@
           <a:p>
             <a:fld id="{88050F38-946A-4344-8969-2030EF824029}" type="datetimeFigureOut">
               <a:rPr kumimoji="1" lang="zh-CN" altLang="en-US" smtClean="0"/>
-              <a:t>15/10/24</a:t>
+              <a:t>15/10/26</a:t>
             </a:fld>
             <a:endParaRPr kumimoji="1" lang="zh-CN" altLang="en-US"/>
           </a:p>
@@ -1442,7 +1656,7 @@
           <a:p>
             <a:fld id="{88050F38-946A-4344-8969-2030EF824029}" type="datetimeFigureOut">
               <a:rPr kumimoji="1" lang="zh-CN" altLang="en-US" smtClean="0"/>
-              <a:t>15/10/24</a:t>
+              <a:t>15/10/26</a:t>
             </a:fld>
             <a:endParaRPr kumimoji="1" lang="zh-CN" altLang="en-US"/>
           </a:p>
@@ -1674,7 +1888,7 @@
           <a:p>
             <a:fld id="{88050F38-946A-4344-8969-2030EF824029}" type="datetimeFigureOut">
               <a:rPr kumimoji="1" lang="zh-CN" altLang="en-US" smtClean="0"/>
-              <a:t>15/10/24</a:t>
+              <a:t>15/10/26</a:t>
             </a:fld>
             <a:endParaRPr kumimoji="1" lang="zh-CN" altLang="en-US"/>
           </a:p>
@@ -2041,7 +2255,7 @@
           <a:p>
             <a:fld id="{88050F38-946A-4344-8969-2030EF824029}" type="datetimeFigureOut">
               <a:rPr kumimoji="1" lang="zh-CN" altLang="en-US" smtClean="0"/>
-              <a:t>15/10/24</a:t>
+              <a:t>15/10/26</a:t>
             </a:fld>
             <a:endParaRPr kumimoji="1" lang="zh-CN" altLang="en-US"/>
           </a:p>
@@ -2159,7 +2373,7 @@
           <a:p>
             <a:fld id="{88050F38-946A-4344-8969-2030EF824029}" type="datetimeFigureOut">
               <a:rPr kumimoji="1" lang="zh-CN" altLang="en-US" smtClean="0"/>
-              <a:t>15/10/24</a:t>
+              <a:t>15/10/26</a:t>
             </a:fld>
             <a:endParaRPr kumimoji="1" lang="zh-CN" altLang="en-US"/>
           </a:p>
@@ -2254,7 +2468,7 @@
           <a:p>
             <a:fld id="{88050F38-946A-4344-8969-2030EF824029}" type="datetimeFigureOut">
               <a:rPr kumimoji="1" lang="zh-CN" altLang="en-US" smtClean="0"/>
-              <a:t>15/10/24</a:t>
+              <a:t>15/10/26</a:t>
             </a:fld>
             <a:endParaRPr kumimoji="1" lang="zh-CN" altLang="en-US"/>
           </a:p>
@@ -2531,7 +2745,7 @@
           <a:p>
             <a:fld id="{88050F38-946A-4344-8969-2030EF824029}" type="datetimeFigureOut">
               <a:rPr kumimoji="1" lang="zh-CN" altLang="en-US" smtClean="0"/>
-              <a:t>15/10/24</a:t>
+              <a:t>15/10/26</a:t>
             </a:fld>
             <a:endParaRPr kumimoji="1" lang="zh-CN" altLang="en-US"/>
           </a:p>
@@ -2784,7 +2998,7 @@
           <a:p>
             <a:fld id="{88050F38-946A-4344-8969-2030EF824029}" type="datetimeFigureOut">
               <a:rPr kumimoji="1" lang="zh-CN" altLang="en-US" smtClean="0"/>
-              <a:t>15/10/24</a:t>
+              <a:t>15/10/26</a:t>
             </a:fld>
             <a:endParaRPr kumimoji="1" lang="zh-CN" altLang="en-US"/>
           </a:p>
@@ -2997,7 +3211,7 @@
           <a:p>
             <a:fld id="{88050F38-946A-4344-8969-2030EF824029}" type="datetimeFigureOut">
               <a:rPr kumimoji="1" lang="zh-CN" altLang="en-US" smtClean="0"/>
-              <a:t>15/10/24</a:t>
+              <a:t>15/10/26</a:t>
             </a:fld>
             <a:endParaRPr kumimoji="1" lang="zh-CN" altLang="en-US"/>
           </a:p>
@@ -3491,6 +3705,85 @@
             <a:spLocks noGrp="1"/>
           </p:cNvSpPr>
           <p:nvPr>
+            <p:ph type="ctrTitle"/>
+          </p:nvPr>
+        </p:nvSpPr>
+        <p:spPr/>
+        <p:txBody>
+          <a:bodyPr/>
+          <a:lstStyle/>
+          <a:p>
+            <a:r>
+              <a:rPr kumimoji="1" lang="en-US" altLang="zh-CN" dirty="0" smtClean="0"/>
+              <a:t>Animator</a:t>
+            </a:r>
+            <a:endParaRPr kumimoji="1" lang="zh-CN" altLang="en-US" dirty="0"/>
+          </a:p>
+        </p:txBody>
+      </p:sp>
+      <p:sp>
+        <p:nvSpPr>
+          <p:cNvPr id="3" name="副标题 2"/>
+          <p:cNvSpPr>
+            <a:spLocks noGrp="1"/>
+          </p:cNvSpPr>
+          <p:nvPr>
+            <p:ph type="subTitle" idx="1"/>
+          </p:nvPr>
+        </p:nvSpPr>
+        <p:spPr/>
+        <p:txBody>
+          <a:bodyPr/>
+          <a:lstStyle/>
+          <a:p>
+            <a:endParaRPr kumimoji="1" lang="zh-CN" altLang="en-US"/>
+          </a:p>
+        </p:txBody>
+      </p:sp>
+    </p:spTree>
+    <p:extLst>
+      <p:ext uri="{BB962C8B-B14F-4D97-AF65-F5344CB8AC3E}">
+        <p14:creationId xmlns:p14="http://schemas.microsoft.com/office/powerpoint/2010/main" val="149798315"/>
+      </p:ext>
+    </p:extLst>
+  </p:cSld>
+  <p:clrMapOvr>
+    <a:masterClrMapping/>
+  </p:clrMapOvr>
+  <p:timing>
+    <p:tnLst>
+      <p:par>
+        <p:cTn id="1" dur="indefinite" restart="never" nodeType="tmRoot"/>
+      </p:par>
+    </p:tnLst>
+  </p:timing>
+</p:sld>
+</file>
+
+<file path=ppt/slides/slide3.xml><?xml version="1.0" encoding="utf-8"?>
+<p:sld xmlns:a="http://schemas.openxmlformats.org/drawingml/2006/main" xmlns:r="http://schemas.openxmlformats.org/officeDocument/2006/relationships" xmlns:p="http://schemas.openxmlformats.org/presentationml/2006/main">
+  <p:cSld>
+    <p:spTree>
+      <p:nvGrpSpPr>
+        <p:cNvPr id="1" name=""/>
+        <p:cNvGrpSpPr/>
+        <p:nvPr/>
+      </p:nvGrpSpPr>
+      <p:grpSpPr>
+        <a:xfrm>
+          <a:off x="0" y="0"/>
+          <a:ext cx="0" cy="0"/>
+          <a:chOff x="0" y="0"/>
+          <a:chExt cx="0" cy="0"/>
+        </a:xfrm>
+      </p:grpSpPr>
+      <p:sp>
+        <p:nvSpPr>
+          <p:cNvPr id="2" name="标题 1"/>
+          <p:cNvSpPr>
+            <a:spLocks noGrp="1"/>
+          </p:cNvSpPr>
+          <p:nvPr>
             <p:ph type="title"/>
           </p:nvPr>
         </p:nvSpPr>
@@ -3499,29 +3792,38 @@
           <a:bodyPr/>
           <a:lstStyle/>
           <a:p>
-            <a:endParaRPr kumimoji="1" lang="zh-CN" altLang="en-US"/>
-          </a:p>
-        </p:txBody>
-      </p:sp>
-      <p:sp>
-        <p:nvSpPr>
-          <p:cNvPr id="3" name="内容占位符 2"/>
-          <p:cNvSpPr>
-            <a:spLocks noGrp="1"/>
-          </p:cNvSpPr>
-          <p:nvPr>
-            <p:ph idx="1"/>
-          </p:nvPr>
-        </p:nvSpPr>
-        <p:spPr/>
-        <p:txBody>
-          <a:bodyPr/>
-          <a:lstStyle/>
-          <a:p>
-            <a:endParaRPr kumimoji="1" lang="zh-CN" altLang="en-US"/>
-          </a:p>
-        </p:txBody>
-      </p:sp>
+            <a:r>
+              <a:rPr kumimoji="1" lang="en-US" altLang="zh-CN" dirty="0" smtClean="0"/>
+              <a:t>Animator</a:t>
+            </a:r>
+            <a:endParaRPr kumimoji="1" lang="zh-CN" altLang="en-US" dirty="0"/>
+          </a:p>
+        </p:txBody>
+      </p:sp>
+      <p:pic>
+        <p:nvPicPr>
+          <p:cNvPr id="4" name="图片 3"/>
+          <p:cNvPicPr>
+            <a:picLocks noChangeAspect="1"/>
+          </p:cNvPicPr>
+          <p:nvPr/>
+        </p:nvPicPr>
+        <p:blipFill>
+          <a:blip r:embed="rId3"/>
+          <a:stretch>
+            <a:fillRect/>
+          </a:stretch>
+        </p:blipFill>
+        <p:spPr>
+          <a:xfrm>
+            <a:off x="2257425" y="2082800"/>
+            <a:ext cx="8191500" cy="3670300"/>
+          </a:xfrm>
+          <a:prstGeom prst="rect">
+            <a:avLst/>
+          </a:prstGeom>
+        </p:spPr>
+      </p:pic>
     </p:spTree>
     <p:extLst>
       <p:ext uri="{BB962C8B-B14F-4D97-AF65-F5344CB8AC3E}">
@@ -3535,6 +3837,318 @@
   <p:transition spd="med">
     <p:pull/>
   </p:transition>
+  <p:timing>
+    <p:tnLst>
+      <p:par>
+        <p:cTn id="1" dur="indefinite" restart="never" nodeType="tmRoot"/>
+      </p:par>
+    </p:tnLst>
+  </p:timing>
+</p:sld>
+</file>
+
+<file path=ppt/slides/slide4.xml><?xml version="1.0" encoding="utf-8"?>
+<p:sld xmlns:a="http://schemas.openxmlformats.org/drawingml/2006/main" xmlns:r="http://schemas.openxmlformats.org/officeDocument/2006/relationships" xmlns:p="http://schemas.openxmlformats.org/presentationml/2006/main">
+  <p:cSld>
+    <p:spTree>
+      <p:nvGrpSpPr>
+        <p:cNvPr id="1" name=""/>
+        <p:cNvGrpSpPr/>
+        <p:nvPr/>
+      </p:nvGrpSpPr>
+      <p:grpSpPr>
+        <a:xfrm>
+          <a:off x="0" y="0"/>
+          <a:ext cx="0" cy="0"/>
+          <a:chOff x="0" y="0"/>
+          <a:chExt cx="0" cy="0"/>
+        </a:xfrm>
+      </p:grpSpPr>
+      <p:sp>
+        <p:nvSpPr>
+          <p:cNvPr id="2" name="标题 1"/>
+          <p:cNvSpPr>
+            <a:spLocks noGrp="1"/>
+          </p:cNvSpPr>
+          <p:nvPr>
+            <p:ph type="title"/>
+          </p:nvPr>
+        </p:nvSpPr>
+        <p:spPr/>
+        <p:txBody>
+          <a:bodyPr/>
+          <a:lstStyle/>
+          <a:p>
+            <a:endParaRPr kumimoji="1" lang="zh-CN" altLang="en-US"/>
+          </a:p>
+        </p:txBody>
+      </p:sp>
+      <p:sp>
+        <p:nvSpPr>
+          <p:cNvPr id="3" name="图片占位符 2"/>
+          <p:cNvSpPr>
+            <a:spLocks noGrp="1"/>
+          </p:cNvSpPr>
+          <p:nvPr>
+            <p:ph type="pic" idx="1"/>
+          </p:nvPr>
+        </p:nvSpPr>
+        <p:spPr/>
+      </p:sp>
+      <p:sp>
+        <p:nvSpPr>
+          <p:cNvPr id="4" name="文本占位符 3"/>
+          <p:cNvSpPr>
+            <a:spLocks noGrp="1"/>
+          </p:cNvSpPr>
+          <p:nvPr>
+            <p:ph type="body" sz="half" idx="2"/>
+          </p:nvPr>
+        </p:nvSpPr>
+        <p:spPr/>
+        <p:txBody>
+          <a:bodyPr/>
+          <a:lstStyle/>
+          <a:p>
+            <a:endParaRPr kumimoji="1" lang="zh-CN" altLang="en-US"/>
+          </a:p>
+        </p:txBody>
+      </p:sp>
+    </p:spTree>
+    <p:extLst>
+      <p:ext uri="{BB962C8B-B14F-4D97-AF65-F5344CB8AC3E}">
+        <p14:creationId xmlns:p14="http://schemas.microsoft.com/office/powerpoint/2010/main" val="294702567"/>
+      </p:ext>
+    </p:extLst>
+  </p:cSld>
+  <p:clrMapOvr>
+    <a:masterClrMapping/>
+  </p:clrMapOvr>
+  <p:timing>
+    <p:tnLst>
+      <p:par>
+        <p:cTn id="1" dur="indefinite" restart="never" nodeType="tmRoot"/>
+      </p:par>
+    </p:tnLst>
+  </p:timing>
+</p:sld>
+</file>
+
+<file path=ppt/slides/slide5.xml><?xml version="1.0" encoding="utf-8"?>
+<p:sld xmlns:a="http://schemas.openxmlformats.org/drawingml/2006/main" xmlns:r="http://schemas.openxmlformats.org/officeDocument/2006/relationships" xmlns:p="http://schemas.openxmlformats.org/presentationml/2006/main">
+  <p:cSld>
+    <p:spTree>
+      <p:nvGrpSpPr>
+        <p:cNvPr id="1" name=""/>
+        <p:cNvGrpSpPr/>
+        <p:nvPr/>
+      </p:nvGrpSpPr>
+      <p:grpSpPr>
+        <a:xfrm>
+          <a:off x="0" y="0"/>
+          <a:ext cx="0" cy="0"/>
+          <a:chOff x="0" y="0"/>
+          <a:chExt cx="0" cy="0"/>
+        </a:xfrm>
+      </p:grpSpPr>
+      <p:sp>
+        <p:nvSpPr>
+          <p:cNvPr id="2" name="标题 1"/>
+          <p:cNvSpPr>
+            <a:spLocks noGrp="1"/>
+          </p:cNvSpPr>
+          <p:nvPr>
+            <p:ph type="title"/>
+          </p:nvPr>
+        </p:nvSpPr>
+        <p:spPr/>
+        <p:txBody>
+          <a:bodyPr/>
+          <a:lstStyle/>
+          <a:p>
+            <a:endParaRPr kumimoji="1" lang="zh-CN" altLang="en-US"/>
+          </a:p>
+        </p:txBody>
+      </p:sp>
+      <p:sp>
+        <p:nvSpPr>
+          <p:cNvPr id="3" name="文本占位符 2"/>
+          <p:cNvSpPr>
+            <a:spLocks noGrp="1"/>
+          </p:cNvSpPr>
+          <p:nvPr>
+            <p:ph type="body" idx="1"/>
+          </p:nvPr>
+        </p:nvSpPr>
+        <p:spPr/>
+        <p:txBody>
+          <a:bodyPr/>
+          <a:lstStyle/>
+          <a:p>
+            <a:endParaRPr kumimoji="1" lang="zh-CN" altLang="en-US"/>
+          </a:p>
+        </p:txBody>
+      </p:sp>
+    </p:spTree>
+    <p:extLst>
+      <p:ext uri="{BB962C8B-B14F-4D97-AF65-F5344CB8AC3E}">
+        <p14:creationId xmlns:p14="http://schemas.microsoft.com/office/powerpoint/2010/main" val="596516649"/>
+      </p:ext>
+    </p:extLst>
+  </p:cSld>
+  <p:clrMapOvr>
+    <a:masterClrMapping/>
+  </p:clrMapOvr>
+  <p:timing>
+    <p:tnLst>
+      <p:par>
+        <p:cTn id="1" dur="indefinite" restart="never" nodeType="tmRoot"/>
+      </p:par>
+    </p:tnLst>
+  </p:timing>
+</p:sld>
+</file>
+
+<file path=ppt/slides/slide6.xml><?xml version="1.0" encoding="utf-8"?>
+<p:sld xmlns:a="http://schemas.openxmlformats.org/drawingml/2006/main" xmlns:r="http://schemas.openxmlformats.org/officeDocument/2006/relationships" xmlns:p="http://schemas.openxmlformats.org/presentationml/2006/main">
+  <p:cSld>
+    <p:spTree>
+      <p:nvGrpSpPr>
+        <p:cNvPr id="1" name=""/>
+        <p:cNvGrpSpPr/>
+        <p:nvPr/>
+      </p:nvGrpSpPr>
+      <p:grpSpPr>
+        <a:xfrm>
+          <a:off x="0" y="0"/>
+          <a:ext cx="0" cy="0"/>
+          <a:chOff x="0" y="0"/>
+          <a:chExt cx="0" cy="0"/>
+        </a:xfrm>
+      </p:grpSpPr>
+      <p:sp>
+        <p:nvSpPr>
+          <p:cNvPr id="2" name="标题 1"/>
+          <p:cNvSpPr>
+            <a:spLocks noGrp="1"/>
+          </p:cNvSpPr>
+          <p:nvPr>
+            <p:ph type="title"/>
+          </p:nvPr>
+        </p:nvSpPr>
+        <p:spPr/>
+        <p:txBody>
+          <a:bodyPr/>
+          <a:lstStyle/>
+          <a:p>
+            <a:endParaRPr kumimoji="1" lang="zh-CN" altLang="en-US"/>
+          </a:p>
+        </p:txBody>
+      </p:sp>
+      <p:sp>
+        <p:nvSpPr>
+          <p:cNvPr id="3" name="内容占位符 2"/>
+          <p:cNvSpPr>
+            <a:spLocks noGrp="1"/>
+          </p:cNvSpPr>
+          <p:nvPr>
+            <p:ph idx="1"/>
+          </p:nvPr>
+        </p:nvSpPr>
+        <p:spPr/>
+        <p:txBody>
+          <a:bodyPr/>
+          <a:lstStyle/>
+          <a:p>
+            <a:endParaRPr kumimoji="1" lang="zh-CN" altLang="en-US"/>
+          </a:p>
+        </p:txBody>
+      </p:sp>
+    </p:spTree>
+    <p:extLst>
+      <p:ext uri="{BB962C8B-B14F-4D97-AF65-F5344CB8AC3E}">
+        <p14:creationId xmlns:p14="http://schemas.microsoft.com/office/powerpoint/2010/main" val="1957747793"/>
+      </p:ext>
+    </p:extLst>
+  </p:cSld>
+  <p:clrMapOvr>
+    <a:masterClrMapping/>
+  </p:clrMapOvr>
+  <p:timing>
+    <p:tnLst>
+      <p:par>
+        <p:cTn id="1" dur="indefinite" restart="never" nodeType="tmRoot"/>
+      </p:par>
+    </p:tnLst>
+  </p:timing>
+</p:sld>
+</file>
+
+<file path=ppt/slides/slide7.xml><?xml version="1.0" encoding="utf-8"?>
+<p:sld xmlns:a="http://schemas.openxmlformats.org/drawingml/2006/main" xmlns:r="http://schemas.openxmlformats.org/officeDocument/2006/relationships" xmlns:p="http://schemas.openxmlformats.org/presentationml/2006/main">
+  <p:cSld>
+    <p:spTree>
+      <p:nvGrpSpPr>
+        <p:cNvPr id="1" name=""/>
+        <p:cNvGrpSpPr/>
+        <p:nvPr/>
+      </p:nvGrpSpPr>
+      <p:grpSpPr>
+        <a:xfrm>
+          <a:off x="0" y="0"/>
+          <a:ext cx="0" cy="0"/>
+          <a:chOff x="0" y="0"/>
+          <a:chExt cx="0" cy="0"/>
+        </a:xfrm>
+      </p:grpSpPr>
+      <p:sp>
+        <p:nvSpPr>
+          <p:cNvPr id="2" name="标题 1"/>
+          <p:cNvSpPr>
+            <a:spLocks noGrp="1"/>
+          </p:cNvSpPr>
+          <p:nvPr>
+            <p:ph type="ctrTitle"/>
+          </p:nvPr>
+        </p:nvSpPr>
+        <p:spPr/>
+        <p:txBody>
+          <a:bodyPr/>
+          <a:lstStyle/>
+          <a:p>
+            <a:endParaRPr kumimoji="1" lang="zh-CN" altLang="en-US"/>
+          </a:p>
+        </p:txBody>
+      </p:sp>
+      <p:sp>
+        <p:nvSpPr>
+          <p:cNvPr id="3" name="副标题 2"/>
+          <p:cNvSpPr>
+            <a:spLocks noGrp="1"/>
+          </p:cNvSpPr>
+          <p:nvPr>
+            <p:ph type="subTitle" idx="1"/>
+          </p:nvPr>
+        </p:nvSpPr>
+        <p:spPr/>
+        <p:txBody>
+          <a:bodyPr/>
+          <a:lstStyle/>
+          <a:p>
+            <a:endParaRPr kumimoji="1" lang="zh-CN" altLang="en-US"/>
+          </a:p>
+        </p:txBody>
+      </p:sp>
+    </p:spTree>
+    <p:extLst>
+      <p:ext uri="{BB962C8B-B14F-4D97-AF65-F5344CB8AC3E}">
+        <p14:creationId xmlns:p14="http://schemas.microsoft.com/office/powerpoint/2010/main" val="719885386"/>
+      </p:ext>
+    </p:extLst>
+  </p:cSld>
+  <p:clrMapOvr>
+    <a:masterClrMapping/>
+  </p:clrMapOvr>
   <p:timing>
     <p:tnLst>
       <p:par>

--- a/AnimationSkillShare/动画实用技巧.pptx
+++ b/AnimationSkillShare/动画实用技巧.pptx
@@ -5,16 +5,17 @@
     <p:sldMasterId id="2147483648" r:id="rId1"/>
   </p:sldMasterIdLst>
   <p:notesMasterIdLst>
-    <p:notesMasterId r:id="rId9"/>
+    <p:notesMasterId r:id="rId10"/>
   </p:notesMasterIdLst>
   <p:sldIdLst>
     <p:sldId id="256" r:id="rId2"/>
     <p:sldId id="263" r:id="rId3"/>
     <p:sldId id="257" r:id="rId4"/>
-    <p:sldId id="261" r:id="rId5"/>
-    <p:sldId id="260" r:id="rId6"/>
-    <p:sldId id="258" r:id="rId7"/>
-    <p:sldId id="259" r:id="rId8"/>
+    <p:sldId id="258" r:id="rId5"/>
+    <p:sldId id="265" r:id="rId6"/>
+    <p:sldId id="264" r:id="rId7"/>
+    <p:sldId id="266" r:id="rId8"/>
+    <p:sldId id="267" r:id="rId9"/>
   </p:sldIdLst>
   <p:sldSz cx="12192000" cy="6858000"/>
   <p:notesSz cx="6858000" cy="9144000"/>
@@ -203,7 +204,7 @@
           <a:p>
             <a:fld id="{433AAF85-9BEC-EE4B-A2D6-629E21E2BD86}" type="datetimeFigureOut">
               <a:rPr kumimoji="1" lang="zh-CN" altLang="en-US" smtClean="0"/>
-              <a:t>15/10/26</a:t>
+              <a:t>15/10/27</a:t>
             </a:fld>
             <a:endParaRPr kumimoji="1" lang="zh-CN" altLang="en-US"/>
           </a:p>
@@ -715,8 +716,119 @@
             </a:r>
             <a:r>
               <a:rPr kumimoji="1" lang="zh-CN" altLang="en-US" dirty="0" smtClean="0"/>
-              <a:t>是这一系列的基类</a:t>
-            </a:r>
+              <a:t>是这一系列的</a:t>
+            </a:r>
+            <a:r>
+              <a:rPr kumimoji="1" lang="zh-CN" altLang="en-US" dirty="0" smtClean="0"/>
+              <a:t>基类</a:t>
+            </a:r>
+          </a:p>
+          <a:p>
+            <a:r>
+              <a:rPr kumimoji="1" lang="zh-CN" altLang="en-US" dirty="0" smtClean="0"/>
+              <a:t>右边那一块基本上是没用的</a:t>
+            </a:r>
+          </a:p>
+          <a:p>
+            <a:r>
+              <a:rPr kumimoji="1" lang="en-US" altLang="zh-CN" dirty="0" err="1" smtClean="0"/>
+              <a:t>AnimatorSet</a:t>
+            </a:r>
+            <a:r>
+              <a:rPr kumimoji="1" lang="zh-CN" altLang="en-US" dirty="0" smtClean="0"/>
+              <a:t>是用来组合</a:t>
+            </a:r>
+            <a:r>
+              <a:rPr kumimoji="1" lang="en-US" altLang="zh-CN" dirty="0" smtClean="0"/>
+              <a:t>Animator </a:t>
+            </a:r>
+            <a:r>
+              <a:rPr kumimoji="1" lang="zh-CN" altLang="en-US" dirty="0" smtClean="0"/>
+              <a:t>的</a:t>
+            </a:r>
+          </a:p>
+          <a:p>
+            <a:r>
+              <a:rPr kumimoji="1" lang="en-US" altLang="zh-CN" dirty="0" smtClean="0"/>
+              <a:t>ValueAnimator</a:t>
+            </a:r>
+            <a:r>
+              <a:rPr kumimoji="1" lang="zh-CN" altLang="en-US" dirty="0" smtClean="0"/>
+              <a:t>、</a:t>
+            </a:r>
+            <a:r>
+              <a:rPr kumimoji="1" lang="en-US" altLang="zh-CN" dirty="0" err="1" smtClean="0"/>
+              <a:t>ObjectAnimator</a:t>
+            </a:r>
+            <a:r>
+              <a:rPr kumimoji="1" lang="zh-CN" altLang="en-US" dirty="0" smtClean="0"/>
+              <a:t>和</a:t>
+            </a:r>
+            <a:r>
+              <a:rPr kumimoji="1" lang="en-US" altLang="zh-CN" dirty="0" err="1" smtClean="0"/>
+              <a:t>TimeAnimator</a:t>
+            </a:r>
+            <a:r>
+              <a:rPr kumimoji="1" lang="zh-CN" altLang="en-US" dirty="0" smtClean="0"/>
+              <a:t>，以后再分别介绍</a:t>
+            </a:r>
+          </a:p>
+          <a:p>
+            <a:endParaRPr kumimoji="1" lang="zh-CN" altLang="en-US" dirty="0" smtClean="0"/>
+          </a:p>
+          <a:p>
+            <a:pPr marL="0" marR="0" indent="0" algn="l" defTabSz="914400" rtl="0" eaLnBrk="1" fontAlgn="auto" latinLnBrk="0" hangingPunct="1">
+              <a:lnSpc>
+                <a:spcPct val="100000"/>
+              </a:lnSpc>
+              <a:spcBef>
+                <a:spcPts val="0"/>
+              </a:spcBef>
+              <a:spcAft>
+                <a:spcPts val="0"/>
+              </a:spcAft>
+              <a:buClrTx/>
+              <a:buSzTx/>
+              <a:buFontTx/>
+              <a:buNone/>
+              <a:tabLst/>
+              <a:defRPr/>
+            </a:pPr>
+            <a:r>
+              <a:rPr kumimoji="1" lang="zh-CN" altLang="en-US" dirty="0" smtClean="0"/>
+              <a:t>先来看一个</a:t>
+            </a:r>
+            <a:r>
+              <a:rPr kumimoji="1" lang="en-US" altLang="zh-CN" dirty="0" smtClean="0"/>
+              <a:t>demo</a:t>
+            </a:r>
+            <a:r>
+              <a:rPr kumimoji="1" lang="zh-CN" altLang="en-US" dirty="0" smtClean="0"/>
+              <a:t>，切换展示</a:t>
+            </a:r>
+            <a:r>
+              <a:rPr kumimoji="1" lang="en-US" altLang="zh-CN" dirty="0" smtClean="0"/>
+              <a:t>demo1</a:t>
+            </a:r>
+            <a:r>
+              <a:rPr kumimoji="1" lang="zh-CN" altLang="en-US" dirty="0" smtClean="0"/>
+              <a:t>的动画效果</a:t>
+            </a:r>
+          </a:p>
+          <a:p>
+            <a:r>
+              <a:rPr kumimoji="1" lang="zh-CN" altLang="en-US" dirty="0" smtClean="0"/>
+              <a:t>展示完动画效果，再看一下绘制的代码，最后看一下动画控制的代码，然后切回</a:t>
+            </a:r>
+            <a:r>
+              <a:rPr kumimoji="1" lang="en-US" altLang="zh-CN" dirty="0" err="1" smtClean="0"/>
+              <a:t>ppt</a:t>
+            </a:r>
+            <a:r>
+              <a:rPr kumimoji="1" lang="zh-CN" altLang="en-US" dirty="0" smtClean="0"/>
+              <a:t>，进入下一张</a:t>
+            </a:r>
+            <a:endParaRPr kumimoji="1" lang="zh-CN" altLang="en-US" dirty="0" smtClean="0"/>
           </a:p>
           <a:p>
             <a:endParaRPr kumimoji="1" lang="zh-CN" altLang="en-US" dirty="0"/>
@@ -750,6 +862,628 @@
     <p:extLst>
       <p:ext uri="{BB962C8B-B14F-4D97-AF65-F5344CB8AC3E}">
         <p14:creationId xmlns:p14="http://schemas.microsoft.com/office/powerpoint/2010/main" val="1369133069"/>
+      </p:ext>
+    </p:extLst>
+  </p:cSld>
+  <p:clrMapOvr>
+    <a:masterClrMapping/>
+  </p:clrMapOvr>
+</p:notes>
+</file>
+
+<file path=ppt/notesSlides/notesSlide4.xml><?xml version="1.0" encoding="utf-8"?>
+<p:notes xmlns:a="http://schemas.openxmlformats.org/drawingml/2006/main" xmlns:r="http://schemas.openxmlformats.org/officeDocument/2006/relationships" xmlns:p="http://schemas.openxmlformats.org/presentationml/2006/main">
+  <p:cSld>
+    <p:spTree>
+      <p:nvGrpSpPr>
+        <p:cNvPr id="1" name=""/>
+        <p:cNvGrpSpPr/>
+        <p:nvPr/>
+      </p:nvGrpSpPr>
+      <p:grpSpPr>
+        <a:xfrm>
+          <a:off x="0" y="0"/>
+          <a:ext cx="0" cy="0"/>
+          <a:chOff x="0" y="0"/>
+          <a:chExt cx="0" cy="0"/>
+        </a:xfrm>
+      </p:grpSpPr>
+      <p:sp>
+        <p:nvSpPr>
+          <p:cNvPr id="2" name="幻灯片图像占位符 1"/>
+          <p:cNvSpPr>
+            <a:spLocks noGrp="1" noRot="1" noChangeAspect="1"/>
+          </p:cNvSpPr>
+          <p:nvPr>
+            <p:ph type="sldImg"/>
+          </p:nvPr>
+        </p:nvSpPr>
+        <p:spPr/>
+      </p:sp>
+      <p:sp>
+        <p:nvSpPr>
+          <p:cNvPr id="3" name="备注占位符 2"/>
+          <p:cNvSpPr>
+            <a:spLocks noGrp="1"/>
+          </p:cNvSpPr>
+          <p:nvPr>
+            <p:ph type="body" idx="1"/>
+          </p:nvPr>
+        </p:nvSpPr>
+        <p:spPr/>
+        <p:txBody>
+          <a:bodyPr/>
+          <a:lstStyle/>
+          <a:p>
+            <a:r>
+              <a:rPr kumimoji="1" lang="zh-CN" altLang="en-US" dirty="0" smtClean="0"/>
+              <a:t>介绍动画逻辑：动画每一帧更新时，</a:t>
+            </a:r>
+            <a:r>
+              <a:rPr kumimoji="1" lang="en-US" altLang="zh-CN" dirty="0" err="1" smtClean="0"/>
+              <a:t>getAnimatedValue</a:t>
+            </a:r>
+            <a:r>
+              <a:rPr kumimoji="1" lang="zh-CN" altLang="en-US" dirty="0" smtClean="0"/>
+              <a:t>获取值，再乘以高度，然后重绘</a:t>
+            </a:r>
+          </a:p>
+          <a:p>
+            <a:r>
+              <a:rPr kumimoji="1" lang="zh-CN" altLang="en-US" dirty="0" smtClean="0"/>
+              <a:t>介绍一下各个方法</a:t>
+            </a:r>
+            <a:endParaRPr kumimoji="1" lang="zh-CN" altLang="en-US" dirty="0" smtClean="0"/>
+          </a:p>
+          <a:p>
+            <a:r>
+              <a:rPr kumimoji="1" lang="zh-CN" altLang="en-US" dirty="0" smtClean="0"/>
+              <a:t>接着来看一下</a:t>
+            </a:r>
+            <a:r>
+              <a:rPr kumimoji="1" lang="en-US" altLang="zh-CN" dirty="0" smtClean="0"/>
+              <a:t>AnimatorUpdateListener</a:t>
+            </a:r>
+            <a:endParaRPr kumimoji="1" lang="zh-CN" altLang="en-US" dirty="0"/>
+          </a:p>
+        </p:txBody>
+      </p:sp>
+      <p:sp>
+        <p:nvSpPr>
+          <p:cNvPr id="4" name="幻灯片编号占位符 3"/>
+          <p:cNvSpPr>
+            <a:spLocks noGrp="1"/>
+          </p:cNvSpPr>
+          <p:nvPr>
+            <p:ph type="sldNum" sz="quarter" idx="10"/>
+          </p:nvPr>
+        </p:nvSpPr>
+        <p:spPr/>
+        <p:txBody>
+          <a:bodyPr/>
+          <a:lstStyle/>
+          <a:p>
+            <a:fld id="{53190343-A285-E444-9B8B-A03A0DB5BFEC}" type="slidenum">
+              <a:rPr kumimoji="1" lang="zh-CN" altLang="en-US" smtClean="0"/>
+              <a:t>4</a:t>
+            </a:fld>
+            <a:endParaRPr kumimoji="1" lang="zh-CN" altLang="en-US"/>
+          </a:p>
+        </p:txBody>
+      </p:sp>
+    </p:spTree>
+    <p:extLst>
+      <p:ext uri="{BB962C8B-B14F-4D97-AF65-F5344CB8AC3E}">
+        <p14:creationId xmlns:p14="http://schemas.microsoft.com/office/powerpoint/2010/main" val="603570492"/>
+      </p:ext>
+    </p:extLst>
+  </p:cSld>
+  <p:clrMapOvr>
+    <a:masterClrMapping/>
+  </p:clrMapOvr>
+</p:notes>
+</file>
+
+<file path=ppt/notesSlides/notesSlide5.xml><?xml version="1.0" encoding="utf-8"?>
+<p:notes xmlns:a="http://schemas.openxmlformats.org/drawingml/2006/main" xmlns:r="http://schemas.openxmlformats.org/officeDocument/2006/relationships" xmlns:p="http://schemas.openxmlformats.org/presentationml/2006/main">
+  <p:cSld>
+    <p:spTree>
+      <p:nvGrpSpPr>
+        <p:cNvPr id="1" name=""/>
+        <p:cNvGrpSpPr/>
+        <p:nvPr/>
+      </p:nvGrpSpPr>
+      <p:grpSpPr>
+        <a:xfrm>
+          <a:off x="0" y="0"/>
+          <a:ext cx="0" cy="0"/>
+          <a:chOff x="0" y="0"/>
+          <a:chExt cx="0" cy="0"/>
+        </a:xfrm>
+      </p:grpSpPr>
+      <p:sp>
+        <p:nvSpPr>
+          <p:cNvPr id="2" name="幻灯片图像占位符 1"/>
+          <p:cNvSpPr>
+            <a:spLocks noGrp="1" noRot="1" noChangeAspect="1"/>
+          </p:cNvSpPr>
+          <p:nvPr>
+            <p:ph type="sldImg"/>
+          </p:nvPr>
+        </p:nvSpPr>
+        <p:spPr/>
+      </p:sp>
+      <p:sp>
+        <p:nvSpPr>
+          <p:cNvPr id="3" name="备注占位符 2"/>
+          <p:cNvSpPr>
+            <a:spLocks noGrp="1"/>
+          </p:cNvSpPr>
+          <p:nvPr>
+            <p:ph type="body" idx="1"/>
+          </p:nvPr>
+        </p:nvSpPr>
+        <p:spPr/>
+        <p:txBody>
+          <a:bodyPr/>
+          <a:lstStyle/>
+          <a:p>
+            <a:r>
+              <a:rPr kumimoji="1" lang="en-US" altLang="zh-CN" dirty="0" smtClean="0"/>
+              <a:t>onAnimationUpdate</a:t>
+            </a:r>
+            <a:r>
+              <a:rPr kumimoji="1" lang="zh-CN" altLang="en-US" dirty="0" smtClean="0"/>
+              <a:t>每一帧调一次</a:t>
+            </a:r>
+          </a:p>
+          <a:p>
+            <a:endParaRPr kumimoji="1" lang="zh-CN" altLang="en-US" dirty="0" smtClean="0"/>
+          </a:p>
+          <a:p>
+            <a:endParaRPr kumimoji="1" lang="zh-CN" altLang="en-US" dirty="0" smtClean="0"/>
+          </a:p>
+          <a:p>
+            <a:endParaRPr kumimoji="1" lang="zh-CN" altLang="en-US" dirty="0"/>
+          </a:p>
+        </p:txBody>
+      </p:sp>
+      <p:sp>
+        <p:nvSpPr>
+          <p:cNvPr id="4" name="幻灯片编号占位符 3"/>
+          <p:cNvSpPr>
+            <a:spLocks noGrp="1"/>
+          </p:cNvSpPr>
+          <p:nvPr>
+            <p:ph type="sldNum" sz="quarter" idx="10"/>
+          </p:nvPr>
+        </p:nvSpPr>
+        <p:spPr/>
+        <p:txBody>
+          <a:bodyPr/>
+          <a:lstStyle/>
+          <a:p>
+            <a:fld id="{53190343-A285-E444-9B8B-A03A0DB5BFEC}" type="slidenum">
+              <a:rPr kumimoji="1" lang="zh-CN" altLang="en-US" smtClean="0"/>
+              <a:t>5</a:t>
+            </a:fld>
+            <a:endParaRPr kumimoji="1" lang="zh-CN" altLang="en-US"/>
+          </a:p>
+        </p:txBody>
+      </p:sp>
+    </p:spTree>
+    <p:extLst>
+      <p:ext uri="{BB962C8B-B14F-4D97-AF65-F5344CB8AC3E}">
+        <p14:creationId xmlns:p14="http://schemas.microsoft.com/office/powerpoint/2010/main" val="1529195746"/>
+      </p:ext>
+    </p:extLst>
+  </p:cSld>
+  <p:clrMapOvr>
+    <a:masterClrMapping/>
+  </p:clrMapOvr>
+</p:notes>
+</file>
+
+<file path=ppt/notesSlides/notesSlide6.xml><?xml version="1.0" encoding="utf-8"?>
+<p:notes xmlns:a="http://schemas.openxmlformats.org/drawingml/2006/main" xmlns:r="http://schemas.openxmlformats.org/officeDocument/2006/relationships" xmlns:p="http://schemas.openxmlformats.org/presentationml/2006/main">
+  <p:cSld>
+    <p:spTree>
+      <p:nvGrpSpPr>
+        <p:cNvPr id="1" name=""/>
+        <p:cNvGrpSpPr/>
+        <p:nvPr/>
+      </p:nvGrpSpPr>
+      <p:grpSpPr>
+        <a:xfrm>
+          <a:off x="0" y="0"/>
+          <a:ext cx="0" cy="0"/>
+          <a:chOff x="0" y="0"/>
+          <a:chExt cx="0" cy="0"/>
+        </a:xfrm>
+      </p:grpSpPr>
+      <p:sp>
+        <p:nvSpPr>
+          <p:cNvPr id="2" name="幻灯片图像占位符 1"/>
+          <p:cNvSpPr>
+            <a:spLocks noGrp="1" noRot="1" noChangeAspect="1"/>
+          </p:cNvSpPr>
+          <p:nvPr>
+            <p:ph type="sldImg"/>
+          </p:nvPr>
+        </p:nvSpPr>
+        <p:spPr/>
+      </p:sp>
+      <p:sp>
+        <p:nvSpPr>
+          <p:cNvPr id="3" name="备注占位符 2"/>
+          <p:cNvSpPr>
+            <a:spLocks noGrp="1"/>
+          </p:cNvSpPr>
+          <p:nvPr>
+            <p:ph type="body" idx="1"/>
+          </p:nvPr>
+        </p:nvSpPr>
+        <p:spPr/>
+        <p:txBody>
+          <a:bodyPr/>
+          <a:lstStyle/>
+          <a:p>
+            <a:endParaRPr kumimoji="1" lang="zh-CN" altLang="en-US" dirty="0" smtClean="0"/>
+          </a:p>
+          <a:p>
+            <a:endParaRPr kumimoji="1" lang="zh-CN" altLang="en-US" dirty="0"/>
+          </a:p>
+        </p:txBody>
+      </p:sp>
+      <p:sp>
+        <p:nvSpPr>
+          <p:cNvPr id="4" name="幻灯片编号占位符 3"/>
+          <p:cNvSpPr>
+            <a:spLocks noGrp="1"/>
+          </p:cNvSpPr>
+          <p:nvPr>
+            <p:ph type="sldNum" sz="quarter" idx="10"/>
+          </p:nvPr>
+        </p:nvSpPr>
+        <p:spPr/>
+        <p:txBody>
+          <a:bodyPr/>
+          <a:lstStyle/>
+          <a:p>
+            <a:fld id="{53190343-A285-E444-9B8B-A03A0DB5BFEC}" type="slidenum">
+              <a:rPr kumimoji="1" lang="zh-CN" altLang="en-US" smtClean="0"/>
+              <a:t>6</a:t>
+            </a:fld>
+            <a:endParaRPr kumimoji="1" lang="zh-CN" altLang="en-US"/>
+          </a:p>
+        </p:txBody>
+      </p:sp>
+    </p:spTree>
+    <p:extLst>
+      <p:ext uri="{BB962C8B-B14F-4D97-AF65-F5344CB8AC3E}">
+        <p14:creationId xmlns:p14="http://schemas.microsoft.com/office/powerpoint/2010/main" val="150122846"/>
+      </p:ext>
+    </p:extLst>
+  </p:cSld>
+  <p:clrMapOvr>
+    <a:masterClrMapping/>
+  </p:clrMapOvr>
+</p:notes>
+</file>
+
+<file path=ppt/notesSlides/notesSlide7.xml><?xml version="1.0" encoding="utf-8"?>
+<p:notes xmlns:a="http://schemas.openxmlformats.org/drawingml/2006/main" xmlns:r="http://schemas.openxmlformats.org/officeDocument/2006/relationships" xmlns:p="http://schemas.openxmlformats.org/presentationml/2006/main">
+  <p:cSld>
+    <p:spTree>
+      <p:nvGrpSpPr>
+        <p:cNvPr id="1" name=""/>
+        <p:cNvGrpSpPr/>
+        <p:nvPr/>
+      </p:nvGrpSpPr>
+      <p:grpSpPr>
+        <a:xfrm>
+          <a:off x="0" y="0"/>
+          <a:ext cx="0" cy="0"/>
+          <a:chOff x="0" y="0"/>
+          <a:chExt cx="0" cy="0"/>
+        </a:xfrm>
+      </p:grpSpPr>
+      <p:sp>
+        <p:nvSpPr>
+          <p:cNvPr id="2" name="幻灯片图像占位符 1"/>
+          <p:cNvSpPr>
+            <a:spLocks noGrp="1" noRot="1" noChangeAspect="1"/>
+          </p:cNvSpPr>
+          <p:nvPr>
+            <p:ph type="sldImg"/>
+          </p:nvPr>
+        </p:nvSpPr>
+        <p:spPr/>
+      </p:sp>
+      <p:sp>
+        <p:nvSpPr>
+          <p:cNvPr id="3" name="备注占位符 2"/>
+          <p:cNvSpPr>
+            <a:spLocks noGrp="1"/>
+          </p:cNvSpPr>
+          <p:nvPr>
+            <p:ph type="body" idx="1"/>
+          </p:nvPr>
+        </p:nvSpPr>
+        <p:spPr/>
+        <p:txBody>
+          <a:bodyPr/>
+          <a:lstStyle/>
+          <a:p>
+            <a:r>
+              <a:rPr kumimoji="1" lang="zh-CN" altLang="en-US" dirty="0" smtClean="0"/>
+              <a:t>回到刚才的</a:t>
+            </a:r>
+            <a:r>
+              <a:rPr kumimoji="1" lang="en-US" altLang="zh-CN" dirty="0" smtClean="0"/>
+              <a:t>demo</a:t>
+            </a:r>
+            <a:r>
+              <a:rPr kumimoji="1" lang="zh-CN" altLang="en-US" dirty="0" smtClean="0"/>
+              <a:t>，来看一下插值器，插值器大家应该都很熟悉，</a:t>
+            </a:r>
+          </a:p>
+          <a:p>
+            <a:r>
+              <a:rPr kumimoji="1" lang="zh-CN" altLang="en-US" dirty="0" smtClean="0"/>
+              <a:t>常用的有线性、加速、减速、先加速后减速这些，其他的要用的时候到网上搜一下就行</a:t>
+            </a:r>
+          </a:p>
+          <a:p>
+            <a:r>
+              <a:rPr kumimoji="1" lang="zh-CN" altLang="en-US" dirty="0" smtClean="0"/>
+              <a:t>考虑下面这种场景</a:t>
+            </a:r>
+            <a:r>
+              <a:rPr kumimoji="1" lang="zh-CN" altLang="en-US" dirty="0" smtClean="0">
+                <a:sym typeface="Wingdings"/>
+              </a:rPr>
+              <a:t>：</a:t>
+            </a:r>
+          </a:p>
+          <a:p>
+            <a:r>
+              <a:rPr kumimoji="1" lang="zh-CN" altLang="en-US" dirty="0" smtClean="0"/>
+              <a:t>场景待补充</a:t>
+            </a:r>
+          </a:p>
+          <a:p>
+            <a:r>
+              <a:rPr kumimoji="1" lang="is-IS" altLang="zh-CN" dirty="0" smtClean="0"/>
+              <a:t>…...</a:t>
+            </a:r>
+          </a:p>
+          <a:p>
+            <a:endParaRPr kumimoji="1" lang="is-IS" altLang="zh-CN" dirty="0" smtClean="0"/>
+          </a:p>
+          <a:p>
+            <a:r>
+              <a:rPr kumimoji="1" lang="zh-CN" altLang="en-US" dirty="0" smtClean="0"/>
+              <a:t>现有的插值器都不能满足我们的需求</a:t>
+            </a:r>
+          </a:p>
+          <a:p>
+            <a:r>
+              <a:rPr kumimoji="1" lang="zh-CN" altLang="en-US" dirty="0" smtClean="0"/>
+              <a:t>就需要自定义擦值器</a:t>
+            </a:r>
+          </a:p>
+          <a:p>
+            <a:r>
+              <a:rPr kumimoji="1" lang="zh-CN" altLang="en-US" dirty="0" smtClean="0"/>
+              <a:t>进入下一页</a:t>
+            </a:r>
+            <a:endParaRPr kumimoji="1" lang="zh-CN" altLang="en-US" dirty="0" smtClean="0"/>
+          </a:p>
+          <a:p>
+            <a:endParaRPr kumimoji="1" lang="zh-CN" altLang="en-US" dirty="0"/>
+          </a:p>
+        </p:txBody>
+      </p:sp>
+      <p:sp>
+        <p:nvSpPr>
+          <p:cNvPr id="4" name="幻灯片编号占位符 3"/>
+          <p:cNvSpPr>
+            <a:spLocks noGrp="1"/>
+          </p:cNvSpPr>
+          <p:nvPr>
+            <p:ph type="sldNum" sz="quarter" idx="10"/>
+          </p:nvPr>
+        </p:nvSpPr>
+        <p:spPr/>
+        <p:txBody>
+          <a:bodyPr/>
+          <a:lstStyle/>
+          <a:p>
+            <a:fld id="{53190343-A285-E444-9B8B-A03A0DB5BFEC}" type="slidenum">
+              <a:rPr kumimoji="1" lang="zh-CN" altLang="en-US" smtClean="0"/>
+              <a:t>7</a:t>
+            </a:fld>
+            <a:endParaRPr kumimoji="1" lang="zh-CN" altLang="en-US"/>
+          </a:p>
+        </p:txBody>
+      </p:sp>
+    </p:spTree>
+    <p:extLst>
+      <p:ext uri="{BB962C8B-B14F-4D97-AF65-F5344CB8AC3E}">
+        <p14:creationId xmlns:p14="http://schemas.microsoft.com/office/powerpoint/2010/main" val="1494613810"/>
+      </p:ext>
+    </p:extLst>
+  </p:cSld>
+  <p:clrMapOvr>
+    <a:masterClrMapping/>
+  </p:clrMapOvr>
+</p:notes>
+</file>
+
+<file path=ppt/notesSlides/notesSlide8.xml><?xml version="1.0" encoding="utf-8"?>
+<p:notes xmlns:a="http://schemas.openxmlformats.org/drawingml/2006/main" xmlns:r="http://schemas.openxmlformats.org/officeDocument/2006/relationships" xmlns:p="http://schemas.openxmlformats.org/presentationml/2006/main">
+  <p:cSld>
+    <p:spTree>
+      <p:nvGrpSpPr>
+        <p:cNvPr id="1" name=""/>
+        <p:cNvGrpSpPr/>
+        <p:nvPr/>
+      </p:nvGrpSpPr>
+      <p:grpSpPr>
+        <a:xfrm>
+          <a:off x="0" y="0"/>
+          <a:ext cx="0" cy="0"/>
+          <a:chOff x="0" y="0"/>
+          <a:chExt cx="0" cy="0"/>
+        </a:xfrm>
+      </p:grpSpPr>
+      <p:sp>
+        <p:nvSpPr>
+          <p:cNvPr id="2" name="幻灯片图像占位符 1"/>
+          <p:cNvSpPr>
+            <a:spLocks noGrp="1" noRot="1" noChangeAspect="1"/>
+          </p:cNvSpPr>
+          <p:nvPr>
+            <p:ph type="sldImg"/>
+          </p:nvPr>
+        </p:nvSpPr>
+        <p:spPr/>
+      </p:sp>
+      <p:sp>
+        <p:nvSpPr>
+          <p:cNvPr id="3" name="备注占位符 2"/>
+          <p:cNvSpPr>
+            <a:spLocks noGrp="1"/>
+          </p:cNvSpPr>
+          <p:nvPr>
+            <p:ph type="body" idx="1"/>
+          </p:nvPr>
+        </p:nvSpPr>
+        <p:spPr/>
+        <p:txBody>
+          <a:bodyPr/>
+          <a:lstStyle/>
+          <a:p>
+            <a:r>
+              <a:rPr kumimoji="1" lang="zh-CN" altLang="en-US" dirty="0" smtClean="0"/>
+              <a:t>实现</a:t>
+            </a:r>
+            <a:r>
+              <a:rPr kumimoji="1" lang="en-US" altLang="zh-CN" dirty="0" smtClean="0"/>
+              <a:t>Interpolator</a:t>
+            </a:r>
+            <a:r>
+              <a:rPr kumimoji="1" lang="zh-CN" altLang="en-US" dirty="0" smtClean="0"/>
+              <a:t>和</a:t>
+            </a:r>
+            <a:r>
+              <a:rPr kumimoji="1" lang="en-US" altLang="zh-CN" dirty="0" err="1" smtClean="0"/>
+              <a:t>TimeInterpolator</a:t>
+            </a:r>
+            <a:r>
+              <a:rPr kumimoji="1" lang="zh-CN" altLang="en-US" dirty="0" smtClean="0"/>
+              <a:t>都可以</a:t>
+            </a:r>
+          </a:p>
+          <a:p>
+            <a:r>
+              <a:rPr kumimoji="1" lang="zh-CN" altLang="en-US" dirty="0" smtClean="0"/>
+              <a:t>关于为什么有这两个，看代码里面的注释，是说先有的</a:t>
+            </a:r>
+            <a:r>
+              <a:rPr kumimoji="1" lang="en-US" altLang="zh-CN" dirty="0" smtClean="0"/>
+              <a:t>Interpolator</a:t>
+            </a:r>
+            <a:r>
+              <a:rPr kumimoji="1" lang="zh-CN" altLang="en-US" dirty="0" smtClean="0"/>
+              <a:t>，后来引入了</a:t>
+            </a:r>
+            <a:r>
+              <a:rPr kumimoji="1" lang="en-US" altLang="zh-CN" dirty="0" err="1" smtClean="0"/>
+              <a:t>TimeInterpolator</a:t>
+            </a:r>
+            <a:r>
+              <a:rPr kumimoji="1" lang="zh-CN" altLang="en-US" dirty="0" smtClean="0"/>
+              <a:t>，</a:t>
+            </a:r>
+            <a:r>
+              <a:rPr kumimoji="1" lang="en-US" altLang="zh-CN" dirty="0" smtClean="0"/>
+              <a:t>Interpolator</a:t>
+            </a:r>
+            <a:r>
+              <a:rPr kumimoji="1" lang="zh-CN" altLang="en-US" dirty="0" smtClean="0"/>
+              <a:t>就继承</a:t>
+            </a:r>
+            <a:r>
+              <a:rPr kumimoji="1" lang="en-US" altLang="zh-CN" dirty="0" err="1" smtClean="0"/>
+              <a:t>TimeInterpolator</a:t>
+            </a:r>
+            <a:r>
+              <a:rPr kumimoji="1" lang="zh-CN" altLang="en-US" dirty="0" smtClean="0"/>
+              <a:t>，这样两个都可以用</a:t>
+            </a:r>
+          </a:p>
+          <a:p>
+            <a:endParaRPr kumimoji="1" lang="zh-CN" altLang="en-US" dirty="0" smtClean="0"/>
+          </a:p>
+          <a:p>
+            <a:r>
+              <a:rPr kumimoji="1" lang="zh-CN" altLang="en-US" dirty="0" smtClean="0"/>
+              <a:t>只需要实现</a:t>
+            </a:r>
+            <a:r>
+              <a:rPr kumimoji="1" lang="en-US" altLang="zh-CN" dirty="0" err="1" smtClean="0"/>
+              <a:t>getInterpolation</a:t>
+            </a:r>
+            <a:r>
+              <a:rPr kumimoji="1" lang="zh-CN" altLang="en-US" dirty="0" smtClean="0"/>
+              <a:t>这个接口就可以</a:t>
+            </a:r>
+          </a:p>
+          <a:p>
+            <a:r>
+              <a:rPr kumimoji="1" lang="zh-CN" altLang="en-US" dirty="0" smtClean="0"/>
+              <a:t>看</a:t>
+            </a:r>
+            <a:r>
+              <a:rPr kumimoji="1" lang="en-US" altLang="zh-CN" dirty="0" smtClean="0"/>
+              <a:t>demo2</a:t>
+            </a:r>
+            <a:endParaRPr kumimoji="1" lang="zh-CN" altLang="en-US" dirty="0" smtClean="0"/>
+          </a:p>
+          <a:p>
+            <a:endParaRPr kumimoji="1" lang="zh-CN" altLang="en-US" dirty="0"/>
+          </a:p>
+        </p:txBody>
+      </p:sp>
+      <p:sp>
+        <p:nvSpPr>
+          <p:cNvPr id="4" name="幻灯片编号占位符 3"/>
+          <p:cNvSpPr>
+            <a:spLocks noGrp="1"/>
+          </p:cNvSpPr>
+          <p:nvPr>
+            <p:ph type="sldNum" sz="quarter" idx="10"/>
+          </p:nvPr>
+        </p:nvSpPr>
+        <p:spPr/>
+        <p:txBody>
+          <a:bodyPr/>
+          <a:lstStyle/>
+          <a:p>
+            <a:fld id="{53190343-A285-E444-9B8B-A03A0DB5BFEC}" type="slidenum">
+              <a:rPr kumimoji="1" lang="zh-CN" altLang="en-US" smtClean="0"/>
+              <a:t>8</a:t>
+            </a:fld>
+            <a:endParaRPr kumimoji="1" lang="zh-CN" altLang="en-US"/>
+          </a:p>
+        </p:txBody>
+      </p:sp>
+    </p:spTree>
+    <p:extLst>
+      <p:ext uri="{BB962C8B-B14F-4D97-AF65-F5344CB8AC3E}">
+        <p14:creationId xmlns:p14="http://schemas.microsoft.com/office/powerpoint/2010/main" val="620145550"/>
       </p:ext>
     </p:extLst>
   </p:cSld>
@@ -890,7 +1624,7 @@
           <a:p>
             <a:fld id="{88050F38-946A-4344-8969-2030EF824029}" type="datetimeFigureOut">
               <a:rPr kumimoji="1" lang="zh-CN" altLang="en-US" smtClean="0"/>
-              <a:t>15/10/26</a:t>
+              <a:t>15/10/27</a:t>
             </a:fld>
             <a:endParaRPr kumimoji="1" lang="zh-CN" altLang="en-US"/>
           </a:p>
@@ -1060,7 +1794,7 @@
           <a:p>
             <a:fld id="{88050F38-946A-4344-8969-2030EF824029}" type="datetimeFigureOut">
               <a:rPr kumimoji="1" lang="zh-CN" altLang="en-US" smtClean="0"/>
-              <a:t>15/10/26</a:t>
+              <a:t>15/10/27</a:t>
             </a:fld>
             <a:endParaRPr kumimoji="1" lang="zh-CN" altLang="en-US"/>
           </a:p>
@@ -1240,7 +1974,7 @@
           <a:p>
             <a:fld id="{88050F38-946A-4344-8969-2030EF824029}" type="datetimeFigureOut">
               <a:rPr kumimoji="1" lang="zh-CN" altLang="en-US" smtClean="0"/>
-              <a:t>15/10/26</a:t>
+              <a:t>15/10/27</a:t>
             </a:fld>
             <a:endParaRPr kumimoji="1" lang="zh-CN" altLang="en-US"/>
           </a:p>
@@ -1410,7 +2144,7 @@
           <a:p>
             <a:fld id="{88050F38-946A-4344-8969-2030EF824029}" type="datetimeFigureOut">
               <a:rPr kumimoji="1" lang="zh-CN" altLang="en-US" smtClean="0"/>
-              <a:t>15/10/26</a:t>
+              <a:t>15/10/27</a:t>
             </a:fld>
             <a:endParaRPr kumimoji="1" lang="zh-CN" altLang="en-US"/>
           </a:p>
@@ -1656,7 +2390,7 @@
           <a:p>
             <a:fld id="{88050F38-946A-4344-8969-2030EF824029}" type="datetimeFigureOut">
               <a:rPr kumimoji="1" lang="zh-CN" altLang="en-US" smtClean="0"/>
-              <a:t>15/10/26</a:t>
+              <a:t>15/10/27</a:t>
             </a:fld>
             <a:endParaRPr kumimoji="1" lang="zh-CN" altLang="en-US"/>
           </a:p>
@@ -1888,7 +2622,7 @@
           <a:p>
             <a:fld id="{88050F38-946A-4344-8969-2030EF824029}" type="datetimeFigureOut">
               <a:rPr kumimoji="1" lang="zh-CN" altLang="en-US" smtClean="0"/>
-              <a:t>15/10/26</a:t>
+              <a:t>15/10/27</a:t>
             </a:fld>
             <a:endParaRPr kumimoji="1" lang="zh-CN" altLang="en-US"/>
           </a:p>
@@ -2255,7 +2989,7 @@
           <a:p>
             <a:fld id="{88050F38-946A-4344-8969-2030EF824029}" type="datetimeFigureOut">
               <a:rPr kumimoji="1" lang="zh-CN" altLang="en-US" smtClean="0"/>
-              <a:t>15/10/26</a:t>
+              <a:t>15/10/27</a:t>
             </a:fld>
             <a:endParaRPr kumimoji="1" lang="zh-CN" altLang="en-US"/>
           </a:p>
@@ -2373,7 +3107,7 @@
           <a:p>
             <a:fld id="{88050F38-946A-4344-8969-2030EF824029}" type="datetimeFigureOut">
               <a:rPr kumimoji="1" lang="zh-CN" altLang="en-US" smtClean="0"/>
-              <a:t>15/10/26</a:t>
+              <a:t>15/10/27</a:t>
             </a:fld>
             <a:endParaRPr kumimoji="1" lang="zh-CN" altLang="en-US"/>
           </a:p>
@@ -2468,7 +3202,7 @@
           <a:p>
             <a:fld id="{88050F38-946A-4344-8969-2030EF824029}" type="datetimeFigureOut">
               <a:rPr kumimoji="1" lang="zh-CN" altLang="en-US" smtClean="0"/>
-              <a:t>15/10/26</a:t>
+              <a:t>15/10/27</a:t>
             </a:fld>
             <a:endParaRPr kumimoji="1" lang="zh-CN" altLang="en-US"/>
           </a:p>
@@ -2745,7 +3479,7 @@
           <a:p>
             <a:fld id="{88050F38-946A-4344-8969-2030EF824029}" type="datetimeFigureOut">
               <a:rPr kumimoji="1" lang="zh-CN" altLang="en-US" smtClean="0"/>
-              <a:t>15/10/26</a:t>
+              <a:t>15/10/27</a:t>
             </a:fld>
             <a:endParaRPr kumimoji="1" lang="zh-CN" altLang="en-US"/>
           </a:p>
@@ -2998,7 +3732,7 @@
           <a:p>
             <a:fld id="{88050F38-946A-4344-8969-2030EF824029}" type="datetimeFigureOut">
               <a:rPr kumimoji="1" lang="zh-CN" altLang="en-US" smtClean="0"/>
-              <a:t>15/10/26</a:t>
+              <a:t>15/10/27</a:t>
             </a:fld>
             <a:endParaRPr kumimoji="1" lang="zh-CN" altLang="en-US"/>
           </a:p>
@@ -3211,7 +3945,7 @@
           <a:p>
             <a:fld id="{88050F38-946A-4344-8969-2030EF824029}" type="datetimeFigureOut">
               <a:rPr kumimoji="1" lang="zh-CN" altLang="en-US" smtClean="0"/>
-              <a:t>15/10/26</a:t>
+              <a:t>15/10/27</a:t>
             </a:fld>
             <a:endParaRPr kumimoji="1" lang="zh-CN" altLang="en-US"/>
           </a:p>
@@ -3633,7 +4367,11 @@
           <a:p>
             <a:r>
               <a:rPr kumimoji="1" lang="zh-CN" altLang="en-US" dirty="0" smtClean="0"/>
-              <a:t>动画实用技巧</a:t>
+              <a:t>动画</a:t>
+            </a:r>
+            <a:r>
+              <a:rPr kumimoji="1" lang="zh-CN" altLang="en-US" dirty="0" smtClean="0"/>
+              <a:t>－－</a:t>
             </a:r>
             <a:endParaRPr kumimoji="1" lang="zh-CN" altLang="en-US" dirty="0"/>
           </a:p>
@@ -3654,7 +4392,7 @@
           <a:bodyPr/>
           <a:lstStyle/>
           <a:p>
-            <a:endParaRPr kumimoji="1" lang="zh-CN" altLang="en-US"/>
+            <a:endParaRPr kumimoji="1" lang="zh-CN" altLang="en-US" dirty="0"/>
           </a:p>
         </p:txBody>
       </p:sp>
@@ -3879,45 +4617,46 @@
           <a:bodyPr/>
           <a:lstStyle/>
           <a:p>
-            <a:endParaRPr kumimoji="1" lang="zh-CN" altLang="en-US"/>
-          </a:p>
-        </p:txBody>
-      </p:sp>
-      <p:sp>
-        <p:nvSpPr>
-          <p:cNvPr id="3" name="图片占位符 2"/>
-          <p:cNvSpPr>
-            <a:spLocks noGrp="1"/>
-          </p:cNvSpPr>
-          <p:nvPr>
-            <p:ph type="pic" idx="1"/>
-          </p:nvPr>
-        </p:nvSpPr>
-        <p:spPr/>
-      </p:sp>
-      <p:sp>
-        <p:nvSpPr>
-          <p:cNvPr id="4" name="文本占位符 3"/>
-          <p:cNvSpPr>
-            <a:spLocks noGrp="1"/>
-          </p:cNvSpPr>
-          <p:nvPr>
-            <p:ph type="body" sz="half" idx="2"/>
-          </p:nvPr>
-        </p:nvSpPr>
-        <p:spPr/>
-        <p:txBody>
-          <a:bodyPr/>
-          <a:lstStyle/>
-          <a:p>
-            <a:endParaRPr kumimoji="1" lang="zh-CN" altLang="en-US"/>
-          </a:p>
-        </p:txBody>
-      </p:sp>
+            <a:r>
+              <a:rPr kumimoji="1" lang="zh-CN" altLang="en-US" dirty="0" smtClean="0"/>
+              <a:t>一个</a:t>
+            </a:r>
+            <a:r>
+              <a:rPr kumimoji="1" lang="en-US" altLang="zh-CN" dirty="0" smtClean="0"/>
+              <a:t>demo</a:t>
+            </a:r>
+            <a:endParaRPr kumimoji="1" lang="zh-CN" altLang="en-US" dirty="0"/>
+          </a:p>
+        </p:txBody>
+      </p:sp>
+      <p:pic>
+        <p:nvPicPr>
+          <p:cNvPr id="5" name="图片 4"/>
+          <p:cNvPicPr>
+            <a:picLocks noChangeAspect="1"/>
+          </p:cNvPicPr>
+          <p:nvPr/>
+        </p:nvPicPr>
+        <p:blipFill>
+          <a:blip r:embed="rId3"/>
+          <a:stretch>
+            <a:fillRect/>
+          </a:stretch>
+        </p:blipFill>
+        <p:spPr>
+          <a:xfrm>
+            <a:off x="1425575" y="1690688"/>
+            <a:ext cx="9928225" cy="4096652"/>
+          </a:xfrm>
+          <a:prstGeom prst="rect">
+            <a:avLst/>
+          </a:prstGeom>
+        </p:spPr>
+      </p:pic>
     </p:spTree>
     <p:extLst>
       <p:ext uri="{BB962C8B-B14F-4D97-AF65-F5344CB8AC3E}">
-        <p14:creationId xmlns:p14="http://schemas.microsoft.com/office/powerpoint/2010/main" val="294702567"/>
+        <p14:creationId xmlns:p14="http://schemas.microsoft.com/office/powerpoint/2010/main" val="1957747793"/>
       </p:ext>
     </p:extLst>
   </p:cSld>
@@ -3966,33 +4705,42 @@
           <a:bodyPr/>
           <a:lstStyle/>
           <a:p>
-            <a:endParaRPr kumimoji="1" lang="zh-CN" altLang="en-US"/>
-          </a:p>
-        </p:txBody>
-      </p:sp>
-      <p:sp>
-        <p:nvSpPr>
-          <p:cNvPr id="3" name="文本占位符 2"/>
-          <p:cNvSpPr>
-            <a:spLocks noGrp="1"/>
-          </p:cNvSpPr>
-          <p:nvPr>
-            <p:ph type="body" idx="1"/>
-          </p:nvPr>
-        </p:nvSpPr>
-        <p:spPr/>
-        <p:txBody>
-          <a:bodyPr/>
-          <a:lstStyle/>
-          <a:p>
-            <a:endParaRPr kumimoji="1" lang="zh-CN" altLang="en-US"/>
-          </a:p>
-        </p:txBody>
-      </p:sp>
+            <a:r>
+              <a:rPr kumimoji="1" lang="en-US" altLang="zh-CN" dirty="0" smtClean="0"/>
+              <a:t>AnimatorUpdateListener</a:t>
+            </a:r>
+            <a:endParaRPr kumimoji="1" lang="zh-CN" altLang="en-US" dirty="0"/>
+          </a:p>
+        </p:txBody>
+      </p:sp>
+      <p:pic>
+        <p:nvPicPr>
+          <p:cNvPr id="4" name="图片 3"/>
+          <p:cNvPicPr>
+            <a:picLocks noChangeAspect="1"/>
+          </p:cNvPicPr>
+          <p:nvPr/>
+        </p:nvPicPr>
+        <p:blipFill>
+          <a:blip r:embed="rId3"/>
+          <a:stretch>
+            <a:fillRect/>
+          </a:stretch>
+        </p:blipFill>
+        <p:spPr>
+          <a:xfrm>
+            <a:off x="838200" y="1690688"/>
+            <a:ext cx="10541000" cy="4533900"/>
+          </a:xfrm>
+          <a:prstGeom prst="rect">
+            <a:avLst/>
+          </a:prstGeom>
+        </p:spPr>
+      </p:pic>
     </p:spTree>
     <p:extLst>
       <p:ext uri="{BB962C8B-B14F-4D97-AF65-F5344CB8AC3E}">
-        <p14:creationId xmlns:p14="http://schemas.microsoft.com/office/powerpoint/2010/main" val="596516649"/>
+        <p14:creationId xmlns:p14="http://schemas.microsoft.com/office/powerpoint/2010/main" val="1960709859"/>
       </p:ext>
     </p:extLst>
   </p:cSld>
@@ -4041,7 +4789,19 @@
           <a:bodyPr/>
           <a:lstStyle/>
           <a:p>
-            <a:endParaRPr kumimoji="1" lang="zh-CN" altLang="en-US"/>
+            <a:r>
+              <a:rPr kumimoji="1" lang="en-US" altLang="zh-CN" dirty="0" err="1" smtClean="0"/>
+              <a:t>Animator</a:t>
+            </a:r>
+            <a:r>
+              <a:rPr kumimoji="1" lang="en-US" altLang="zh-CN" dirty="0" err="1"/>
+              <a:t>.</a:t>
+            </a:r>
+            <a:r>
+              <a:rPr kumimoji="1" lang="en-US" altLang="zh-CN" dirty="0" err="1" smtClean="0"/>
+              <a:t>Listeners</a:t>
+            </a:r>
+            <a:endParaRPr kumimoji="1" lang="zh-CN" altLang="en-US" dirty="0"/>
           </a:p>
         </p:txBody>
       </p:sp>
@@ -4060,14 +4820,111 @@
           <a:bodyPr/>
           <a:lstStyle/>
           <a:p>
-            <a:endParaRPr kumimoji="1" lang="zh-CN" altLang="en-US"/>
-          </a:p>
-        </p:txBody>
-      </p:sp>
+            <a:endParaRPr lang="en-US" altLang="zh-CN" dirty="0" smtClean="0"/>
+          </a:p>
+          <a:p>
+            <a:endParaRPr lang="zh-CN" altLang="en-US" dirty="0" smtClean="0"/>
+          </a:p>
+          <a:p>
+            <a:r>
+              <a:rPr lang="en-US" altLang="zh-CN" dirty="0" err="1" smtClean="0"/>
+              <a:t>AnimatorListener</a:t>
+            </a:r>
+            <a:endParaRPr lang="zh-CN" altLang="en-US" dirty="0" smtClean="0"/>
+          </a:p>
+          <a:p>
+            <a:endParaRPr lang="en-US" altLang="zh-CN" dirty="0" smtClean="0"/>
+          </a:p>
+          <a:p>
+            <a:endParaRPr lang="zh-CN" altLang="en-US" dirty="0" smtClean="0"/>
+          </a:p>
+          <a:p>
+            <a:r>
+              <a:rPr lang="en-US" altLang="zh-CN" dirty="0" err="1"/>
+              <a:t>AnimatorPauseListener</a:t>
+            </a:r>
+            <a:endParaRPr kumimoji="1" lang="zh-CN" altLang="en-US" dirty="0"/>
+          </a:p>
+        </p:txBody>
+      </p:sp>
+      <p:sp>
+        <p:nvSpPr>
+          <p:cNvPr id="4" name="文本框 3"/>
+          <p:cNvSpPr txBox="1"/>
+          <p:nvPr/>
+        </p:nvSpPr>
+        <p:spPr>
+          <a:xfrm>
+            <a:off x="6372225" y="800100"/>
+            <a:ext cx="184731" cy="369332"/>
+          </a:xfrm>
+          <a:prstGeom prst="rect">
+            <a:avLst/>
+          </a:prstGeom>
+          <a:noFill/>
+        </p:spPr>
+        <p:txBody>
+          <a:bodyPr wrap="none" rtlCol="0">
+            <a:spAutoFit/>
+          </a:bodyPr>
+          <a:lstStyle/>
+          <a:p>
+            <a:endParaRPr kumimoji="1" lang="zh-CN" altLang="en-US" dirty="0"/>
+          </a:p>
+        </p:txBody>
+      </p:sp>
+      <p:pic>
+        <p:nvPicPr>
+          <p:cNvPr id="6" name="图片 5"/>
+          <p:cNvPicPr>
+            <a:picLocks noChangeAspect="1"/>
+          </p:cNvPicPr>
+          <p:nvPr/>
+        </p:nvPicPr>
+        <p:blipFill>
+          <a:blip r:embed="rId3"/>
+          <a:stretch>
+            <a:fillRect/>
+          </a:stretch>
+        </p:blipFill>
+        <p:spPr>
+          <a:xfrm>
+            <a:off x="746125" y="1350963"/>
+            <a:ext cx="11252200" cy="4826000"/>
+          </a:xfrm>
+          <a:prstGeom prst="rect">
+            <a:avLst/>
+          </a:prstGeom>
+        </p:spPr>
+      </p:pic>
+      <p:pic>
+        <p:nvPicPr>
+          <p:cNvPr id="7" name="图片 6"/>
+          <p:cNvPicPr>
+            <a:picLocks noChangeAspect="1"/>
+          </p:cNvPicPr>
+          <p:nvPr/>
+        </p:nvPicPr>
+        <p:blipFill>
+          <a:blip r:embed="rId4"/>
+          <a:stretch>
+            <a:fillRect/>
+          </a:stretch>
+        </p:blipFill>
+        <p:spPr>
+          <a:xfrm>
+            <a:off x="1060450" y="1690688"/>
+            <a:ext cx="10071100" cy="3822700"/>
+          </a:xfrm>
+          <a:prstGeom prst="rect">
+            <a:avLst/>
+          </a:prstGeom>
+        </p:spPr>
+      </p:pic>
     </p:spTree>
     <p:extLst>
       <p:ext uri="{BB962C8B-B14F-4D97-AF65-F5344CB8AC3E}">
-        <p14:creationId xmlns:p14="http://schemas.microsoft.com/office/powerpoint/2010/main" val="1957747793"/>
+        <p14:creationId xmlns:p14="http://schemas.microsoft.com/office/powerpoint/2010/main" val="2114738097"/>
       </p:ext>
     </p:extLst>
   </p:cSld>
@@ -4077,7 +4934,242 @@
   <p:timing>
     <p:tnLst>
       <p:par>
-        <p:cTn id="1" dur="indefinite" restart="never" nodeType="tmRoot"/>
+        <p:cTn id="1" dur="indefinite" restart="never" nodeType="tmRoot">
+          <p:childTnLst>
+            <p:seq concurrent="1" nextAc="seek">
+              <p:cTn id="2" dur="indefinite" nodeType="mainSeq">
+                <p:childTnLst>
+                  <p:par>
+                    <p:cTn id="3" fill="hold">
+                      <p:stCondLst>
+                        <p:cond delay="indefinite"/>
+                      </p:stCondLst>
+                      <p:childTnLst>
+                        <p:par>
+                          <p:cTn id="4" fill="hold">
+                            <p:stCondLst>
+                              <p:cond delay="0"/>
+                            </p:stCondLst>
+                            <p:childTnLst>
+                              <p:par>
+                                <p:cTn id="5" presetID="3" presetClass="entr" presetSubtype="10" fill="hold" nodeType="clickEffect">
+                                  <p:stCondLst>
+                                    <p:cond delay="0"/>
+                                  </p:stCondLst>
+                                  <p:childTnLst>
+                                    <p:set>
+                                      <p:cBhvr>
+                                        <p:cTn id="6" dur="1" fill="hold">
+                                          <p:stCondLst>
+                                            <p:cond delay="0"/>
+                                          </p:stCondLst>
+                                        </p:cTn>
+                                        <p:tgtEl>
+                                          <p:spTgt spid="6"/>
+                                        </p:tgtEl>
+                                        <p:attrNameLst>
+                                          <p:attrName>style.visibility</p:attrName>
+                                        </p:attrNameLst>
+                                      </p:cBhvr>
+                                      <p:to>
+                                        <p:strVal val="visible"/>
+                                      </p:to>
+                                    </p:set>
+                                    <p:animEffect transition="in" filter="blinds(horizontal)">
+                                      <p:cBhvr>
+                                        <p:cTn id="7" dur="500"/>
+                                        <p:tgtEl>
+                                          <p:spTgt spid="6"/>
+                                        </p:tgtEl>
+                                      </p:cBhvr>
+                                    </p:animEffect>
+                                  </p:childTnLst>
+                                </p:cTn>
+                              </p:par>
+                            </p:childTnLst>
+                          </p:cTn>
+                        </p:par>
+                      </p:childTnLst>
+                    </p:cTn>
+                  </p:par>
+                  <p:par>
+                    <p:cTn id="8" fill="hold">
+                      <p:stCondLst>
+                        <p:cond delay="indefinite"/>
+                      </p:stCondLst>
+                      <p:childTnLst>
+                        <p:par>
+                          <p:cTn id="9" fill="hold">
+                            <p:stCondLst>
+                              <p:cond delay="0"/>
+                            </p:stCondLst>
+                            <p:childTnLst>
+                              <p:par>
+                                <p:cTn id="10" presetID="3" presetClass="exit" presetSubtype="10" fill="hold" nodeType="clickEffect">
+                                  <p:stCondLst>
+                                    <p:cond delay="0"/>
+                                  </p:stCondLst>
+                                  <p:childTnLst>
+                                    <p:animEffect transition="out" filter="blinds(horizontal)">
+                                      <p:cBhvr>
+                                        <p:cTn id="11" dur="500"/>
+                                        <p:tgtEl>
+                                          <p:spTgt spid="6"/>
+                                        </p:tgtEl>
+                                      </p:cBhvr>
+                                    </p:animEffect>
+                                    <p:set>
+                                      <p:cBhvr>
+                                        <p:cTn id="12" dur="1" fill="hold">
+                                          <p:stCondLst>
+                                            <p:cond delay="499"/>
+                                          </p:stCondLst>
+                                        </p:cTn>
+                                        <p:tgtEl>
+                                          <p:spTgt spid="6"/>
+                                        </p:tgtEl>
+                                        <p:attrNameLst>
+                                          <p:attrName>style.visibility</p:attrName>
+                                        </p:attrNameLst>
+                                      </p:cBhvr>
+                                      <p:to>
+                                        <p:strVal val="hidden"/>
+                                      </p:to>
+                                    </p:set>
+                                  </p:childTnLst>
+                                </p:cTn>
+                              </p:par>
+                            </p:childTnLst>
+                          </p:cTn>
+                        </p:par>
+                      </p:childTnLst>
+                    </p:cTn>
+                  </p:par>
+                  <p:par>
+                    <p:cTn id="13" fill="hold">
+                      <p:stCondLst>
+                        <p:cond delay="indefinite"/>
+                      </p:stCondLst>
+                      <p:childTnLst>
+                        <p:par>
+                          <p:cTn id="14" fill="hold">
+                            <p:stCondLst>
+                              <p:cond delay="0"/>
+                            </p:stCondLst>
+                            <p:childTnLst>
+                              <p:par>
+                                <p:cTn id="15" presetID="3" presetClass="entr" presetSubtype="10" fill="hold" nodeType="clickEffect">
+                                  <p:stCondLst>
+                                    <p:cond delay="0"/>
+                                  </p:stCondLst>
+                                  <p:childTnLst>
+                                    <p:set>
+                                      <p:cBhvr>
+                                        <p:cTn id="16" dur="1" fill="hold">
+                                          <p:stCondLst>
+                                            <p:cond delay="0"/>
+                                          </p:stCondLst>
+                                        </p:cTn>
+                                        <p:tgtEl>
+                                          <p:spTgt spid="7"/>
+                                        </p:tgtEl>
+                                        <p:attrNameLst>
+                                          <p:attrName>style.visibility</p:attrName>
+                                        </p:attrNameLst>
+                                      </p:cBhvr>
+                                      <p:to>
+                                        <p:strVal val="visible"/>
+                                      </p:to>
+                                    </p:set>
+                                    <p:animEffect transition="in" filter="blinds(horizontal)">
+                                      <p:cBhvr>
+                                        <p:cTn id="17" dur="500"/>
+                                        <p:tgtEl>
+                                          <p:spTgt spid="7"/>
+                                        </p:tgtEl>
+                                      </p:cBhvr>
+                                    </p:animEffect>
+                                  </p:childTnLst>
+                                </p:cTn>
+                              </p:par>
+                            </p:childTnLst>
+                          </p:cTn>
+                        </p:par>
+                      </p:childTnLst>
+                    </p:cTn>
+                  </p:par>
+                  <p:par>
+                    <p:cTn id="18" fill="hold">
+                      <p:stCondLst>
+                        <p:cond delay="indefinite"/>
+                      </p:stCondLst>
+                      <p:childTnLst>
+                        <p:par>
+                          <p:cTn id="19" fill="hold">
+                            <p:stCondLst>
+                              <p:cond delay="0"/>
+                            </p:stCondLst>
+                            <p:childTnLst>
+                              <p:par>
+                                <p:cTn id="20" presetID="3" presetClass="exit" presetSubtype="10" fill="hold" nodeType="clickEffect">
+                                  <p:stCondLst>
+                                    <p:cond delay="0"/>
+                                  </p:stCondLst>
+                                  <p:childTnLst>
+                                    <p:animEffect transition="out" filter="blinds(horizontal)">
+                                      <p:cBhvr>
+                                        <p:cTn id="21" dur="500"/>
+                                        <p:tgtEl>
+                                          <p:spTgt spid="7"/>
+                                        </p:tgtEl>
+                                      </p:cBhvr>
+                                    </p:animEffect>
+                                    <p:set>
+                                      <p:cBhvr>
+                                        <p:cTn id="22" dur="1" fill="hold">
+                                          <p:stCondLst>
+                                            <p:cond delay="499"/>
+                                          </p:stCondLst>
+                                        </p:cTn>
+                                        <p:tgtEl>
+                                          <p:spTgt spid="7"/>
+                                        </p:tgtEl>
+                                        <p:attrNameLst>
+                                          <p:attrName>style.visibility</p:attrName>
+                                        </p:attrNameLst>
+                                      </p:cBhvr>
+                                      <p:to>
+                                        <p:strVal val="hidden"/>
+                                      </p:to>
+                                    </p:set>
+                                  </p:childTnLst>
+                                </p:cTn>
+                              </p:par>
+                            </p:childTnLst>
+                          </p:cTn>
+                        </p:par>
+                      </p:childTnLst>
+                    </p:cTn>
+                  </p:par>
+                </p:childTnLst>
+              </p:cTn>
+              <p:prevCondLst>
+                <p:cond evt="onPrev" delay="0">
+                  <p:tgtEl>
+                    <p:sldTgt/>
+                  </p:tgtEl>
+                </p:cond>
+              </p:prevCondLst>
+              <p:nextCondLst>
+                <p:cond evt="onNext" delay="0">
+                  <p:tgtEl>
+                    <p:sldTgt/>
+                  </p:tgtEl>
+                </p:cond>
+              </p:nextCondLst>
+            </p:seq>
+          </p:childTnLst>
+        </p:cTn>
       </p:par>
     </p:tnLst>
   </p:timing>
@@ -4108,41 +5200,54 @@
             <a:spLocks noGrp="1"/>
           </p:cNvSpPr>
           <p:nvPr>
-            <p:ph type="ctrTitle"/>
-          </p:nvPr>
-        </p:nvSpPr>
-        <p:spPr/>
-        <p:txBody>
-          <a:bodyPr/>
-          <a:lstStyle/>
-          <a:p>
-            <a:endParaRPr kumimoji="1" lang="zh-CN" altLang="en-US"/>
-          </a:p>
-        </p:txBody>
-      </p:sp>
-      <p:sp>
-        <p:nvSpPr>
-          <p:cNvPr id="3" name="副标题 2"/>
-          <p:cNvSpPr>
-            <a:spLocks noGrp="1"/>
-          </p:cNvSpPr>
-          <p:nvPr>
-            <p:ph type="subTitle" idx="1"/>
-          </p:nvPr>
-        </p:nvSpPr>
-        <p:spPr/>
-        <p:txBody>
-          <a:bodyPr/>
-          <a:lstStyle/>
-          <a:p>
-            <a:endParaRPr kumimoji="1" lang="zh-CN" altLang="en-US"/>
-          </a:p>
-        </p:txBody>
-      </p:sp>
+            <p:ph type="title"/>
+          </p:nvPr>
+        </p:nvSpPr>
+        <p:spPr/>
+        <p:txBody>
+          <a:bodyPr/>
+          <a:lstStyle/>
+          <a:p>
+            <a:r>
+              <a:rPr kumimoji="1" lang="zh-CN" altLang="en-US" dirty="0" smtClean="0"/>
+              <a:t>一个</a:t>
+            </a:r>
+            <a:r>
+              <a:rPr kumimoji="1" lang="en-US" altLang="zh-CN" dirty="0" smtClean="0"/>
+              <a:t>demo</a:t>
+            </a:r>
+            <a:endParaRPr kumimoji="1" lang="zh-CN" altLang="en-US" dirty="0"/>
+          </a:p>
+        </p:txBody>
+      </p:sp>
+      <p:pic>
+        <p:nvPicPr>
+          <p:cNvPr id="5" name="图片 4"/>
+          <p:cNvPicPr>
+            <a:picLocks noChangeAspect="1"/>
+          </p:cNvPicPr>
+          <p:nvPr/>
+        </p:nvPicPr>
+        <p:blipFill>
+          <a:blip r:embed="rId3"/>
+          <a:stretch>
+            <a:fillRect/>
+          </a:stretch>
+        </p:blipFill>
+        <p:spPr>
+          <a:xfrm>
+            <a:off x="1425575" y="1690688"/>
+            <a:ext cx="9928225" cy="4096652"/>
+          </a:xfrm>
+          <a:prstGeom prst="rect">
+            <a:avLst/>
+          </a:prstGeom>
+        </p:spPr>
+      </p:pic>
     </p:spTree>
     <p:extLst>
       <p:ext uri="{BB962C8B-B14F-4D97-AF65-F5344CB8AC3E}">
-        <p14:creationId xmlns:p14="http://schemas.microsoft.com/office/powerpoint/2010/main" val="719885386"/>
+        <p14:creationId xmlns:p14="http://schemas.microsoft.com/office/powerpoint/2010/main" val="889023311"/>
       </p:ext>
     </p:extLst>
   </p:cSld>
@@ -4155,6 +5260,339 @@
         <p:cTn id="1" dur="indefinite" restart="never" nodeType="tmRoot"/>
       </p:par>
     </p:tnLst>
+  </p:timing>
+</p:sld>
+</file>
+
+<file path=ppt/slides/slide8.xml><?xml version="1.0" encoding="utf-8"?>
+<p:sld xmlns:a="http://schemas.openxmlformats.org/drawingml/2006/main" xmlns:r="http://schemas.openxmlformats.org/officeDocument/2006/relationships" xmlns:p="http://schemas.openxmlformats.org/presentationml/2006/main">
+  <p:cSld>
+    <p:spTree>
+      <p:nvGrpSpPr>
+        <p:cNvPr id="1" name=""/>
+        <p:cNvGrpSpPr/>
+        <p:nvPr/>
+      </p:nvGrpSpPr>
+      <p:grpSpPr>
+        <a:xfrm>
+          <a:off x="0" y="0"/>
+          <a:ext cx="0" cy="0"/>
+          <a:chOff x="0" y="0"/>
+          <a:chExt cx="0" cy="0"/>
+        </a:xfrm>
+      </p:grpSpPr>
+      <p:sp>
+        <p:nvSpPr>
+          <p:cNvPr id="2" name="标题 1"/>
+          <p:cNvSpPr>
+            <a:spLocks noGrp="1"/>
+          </p:cNvSpPr>
+          <p:nvPr>
+            <p:ph type="title"/>
+          </p:nvPr>
+        </p:nvSpPr>
+        <p:spPr/>
+        <p:txBody>
+          <a:bodyPr/>
+          <a:lstStyle/>
+          <a:p>
+            <a:r>
+              <a:rPr kumimoji="1" lang="en-US" altLang="zh-CN" dirty="0" smtClean="0"/>
+              <a:t>Interpolator</a:t>
+            </a:r>
+            <a:endParaRPr kumimoji="1" lang="zh-CN" altLang="en-US" dirty="0"/>
+          </a:p>
+        </p:txBody>
+      </p:sp>
+      <p:sp>
+        <p:nvSpPr>
+          <p:cNvPr id="3" name="内容占位符 2"/>
+          <p:cNvSpPr>
+            <a:spLocks noGrp="1"/>
+          </p:cNvSpPr>
+          <p:nvPr>
+            <p:ph idx="1"/>
+          </p:nvPr>
+        </p:nvSpPr>
+        <p:spPr/>
+        <p:txBody>
+          <a:bodyPr>
+            <a:normAutofit/>
+          </a:bodyPr>
+          <a:lstStyle/>
+          <a:p>
+            <a:r>
+              <a:rPr lang="en-US" altLang="zh-CN" b="1" dirty="0">
+                <a:solidFill>
+                  <a:srgbClr val="000080"/>
+                </a:solidFill>
+              </a:rPr>
+              <a:t>public interface </a:t>
+            </a:r>
+            <a:r>
+              <a:rPr lang="en-US" altLang="zh-CN" dirty="0" err="1"/>
+              <a:t>TimeInterpolator</a:t>
+            </a:r>
+            <a:r>
+              <a:rPr lang="en-US" altLang="zh-CN" dirty="0"/>
+              <a:t> {</a:t>
+            </a:r>
+            <a:br>
+              <a:rPr lang="en-US" altLang="zh-CN" dirty="0"/>
+            </a:br>
+            <a:r>
+              <a:rPr lang="en-US" altLang="zh-CN" i="1" dirty="0">
+                <a:solidFill>
+                  <a:srgbClr val="808080"/>
+                </a:solidFill>
+              </a:rPr>
+              <a:t/>
+            </a:r>
+            <a:br>
+              <a:rPr lang="en-US" altLang="zh-CN" i="1" dirty="0">
+                <a:solidFill>
+                  <a:srgbClr val="808080"/>
+                </a:solidFill>
+              </a:rPr>
+            </a:br>
+            <a:r>
+              <a:rPr lang="en-US" altLang="zh-CN" i="1" dirty="0">
+                <a:solidFill>
+                  <a:srgbClr val="808080"/>
+                </a:solidFill>
+              </a:rPr>
+              <a:t>    </a:t>
+            </a:r>
+            <a:r>
+              <a:rPr lang="en-US" altLang="zh-CN" b="1" dirty="0">
+                <a:solidFill>
+                  <a:srgbClr val="000080"/>
+                </a:solidFill>
+              </a:rPr>
+              <a:t>float </a:t>
+            </a:r>
+            <a:r>
+              <a:rPr lang="en-US" altLang="zh-CN" dirty="0" err="1"/>
+              <a:t>getInterpolation</a:t>
+            </a:r>
+            <a:r>
+              <a:rPr lang="en-US" altLang="zh-CN" dirty="0"/>
+              <a:t>(</a:t>
+            </a:r>
+            <a:r>
+              <a:rPr lang="en-US" altLang="zh-CN" b="1" dirty="0">
+                <a:solidFill>
+                  <a:srgbClr val="000080"/>
+                </a:solidFill>
+              </a:rPr>
+              <a:t>float </a:t>
+            </a:r>
+            <a:r>
+              <a:rPr lang="en-US" altLang="zh-CN" dirty="0"/>
+              <a:t>input);</a:t>
+            </a:r>
+            <a:br>
+              <a:rPr lang="en-US" altLang="zh-CN" dirty="0"/>
+            </a:br>
+            <a:r>
+              <a:rPr lang="en-US" altLang="zh-CN" dirty="0" smtClean="0"/>
+              <a:t>}</a:t>
+            </a:r>
+            <a:endParaRPr lang="zh-CN" altLang="en-US" dirty="0" smtClean="0"/>
+          </a:p>
+          <a:p>
+            <a:endParaRPr kumimoji="1" lang="zh-CN" altLang="en-US" dirty="0"/>
+          </a:p>
+          <a:p>
+            <a:r>
+              <a:rPr lang="en-US" altLang="zh-CN" b="1" dirty="0">
+                <a:solidFill>
+                  <a:srgbClr val="000080"/>
+                </a:solidFill>
+              </a:rPr>
+              <a:t>public interface </a:t>
+            </a:r>
+            <a:r>
+              <a:rPr lang="en-US" altLang="zh-CN" dirty="0"/>
+              <a:t>Interpolator </a:t>
+            </a:r>
+            <a:r>
+              <a:rPr lang="en-US" altLang="zh-CN" b="1" dirty="0">
+                <a:solidFill>
+                  <a:srgbClr val="000080"/>
+                </a:solidFill>
+              </a:rPr>
+              <a:t>extends </a:t>
+            </a:r>
+            <a:r>
+              <a:rPr lang="en-US" altLang="zh-CN" dirty="0" err="1"/>
+              <a:t>TimeInterpolator</a:t>
+            </a:r>
+            <a:r>
+              <a:rPr lang="en-US" altLang="zh-CN" dirty="0"/>
+              <a:t> {</a:t>
+            </a:r>
+            <a:br>
+              <a:rPr lang="en-US" altLang="zh-CN" dirty="0"/>
+            </a:br>
+            <a:r>
+              <a:rPr lang="en-US" altLang="zh-CN" i="1" dirty="0">
+                <a:solidFill>
+                  <a:srgbClr val="808080"/>
+                </a:solidFill>
+              </a:rPr>
+              <a:t/>
+            </a:r>
+            <a:br>
+              <a:rPr lang="en-US" altLang="zh-CN" i="1" dirty="0">
+                <a:solidFill>
+                  <a:srgbClr val="808080"/>
+                </a:solidFill>
+              </a:rPr>
+            </a:br>
+            <a:r>
+              <a:rPr lang="en-US" altLang="zh-CN" dirty="0"/>
+              <a:t>}</a:t>
+            </a:r>
+            <a:endParaRPr kumimoji="1" lang="zh-CN" altLang="en-US" dirty="0"/>
+          </a:p>
+        </p:txBody>
+      </p:sp>
+      <p:sp>
+        <p:nvSpPr>
+          <p:cNvPr id="4" name="矩形 3"/>
+          <p:cNvSpPr/>
+          <p:nvPr/>
+        </p:nvSpPr>
+        <p:spPr>
+          <a:xfrm>
+            <a:off x="1343025" y="2486025"/>
+            <a:ext cx="5172075" cy="600075"/>
+          </a:xfrm>
+          <a:prstGeom prst="rect">
+            <a:avLst/>
+          </a:prstGeom>
+          <a:noFill/>
+          <a:ln/>
+        </p:spPr>
+        <p:style>
+          <a:lnRef idx="2">
+            <a:schemeClr val="accent6"/>
+          </a:lnRef>
+          <a:fillRef idx="1">
+            <a:schemeClr val="lt1"/>
+          </a:fillRef>
+          <a:effectRef idx="0">
+            <a:schemeClr val="accent6"/>
+          </a:effectRef>
+          <a:fontRef idx="minor">
+            <a:schemeClr val="dk1"/>
+          </a:fontRef>
+        </p:style>
+        <p:txBody>
+          <a:bodyPr rtlCol="0" anchor="ctr"/>
+          <a:lstStyle/>
+          <a:p>
+            <a:pPr algn="ctr"/>
+            <a:endParaRPr kumimoji="1" lang="zh-CN" altLang="en-US"/>
+          </a:p>
+        </p:txBody>
+      </p:sp>
+    </p:spTree>
+    <p:extLst>
+      <p:ext uri="{BB962C8B-B14F-4D97-AF65-F5344CB8AC3E}">
+        <p14:creationId xmlns:p14="http://schemas.microsoft.com/office/powerpoint/2010/main" val="1346811305"/>
+      </p:ext>
+    </p:extLst>
+  </p:cSld>
+  <p:clrMapOvr>
+    <a:masterClrMapping/>
+  </p:clrMapOvr>
+  <p:timing>
+    <p:tnLst>
+      <p:par>
+        <p:cTn id="1" dur="indefinite" restart="never" nodeType="tmRoot">
+          <p:childTnLst>
+            <p:seq concurrent="1" nextAc="seek">
+              <p:cTn id="2" dur="indefinite" nodeType="mainSeq">
+                <p:childTnLst>
+                  <p:par>
+                    <p:cTn id="3" fill="hold">
+                      <p:stCondLst>
+                        <p:cond delay="indefinite"/>
+                      </p:stCondLst>
+                      <p:childTnLst>
+                        <p:par>
+                          <p:cTn id="4" fill="hold">
+                            <p:stCondLst>
+                              <p:cond delay="0"/>
+                            </p:stCondLst>
+                            <p:childTnLst>
+                              <p:par>
+                                <p:cTn id="5" presetID="16" presetClass="entr" presetSubtype="21" fill="hold" grpId="0" nodeType="clickEffect">
+                                  <p:stCondLst>
+                                    <p:cond delay="0"/>
+                                  </p:stCondLst>
+                                  <p:childTnLst>
+                                    <p:set>
+                                      <p:cBhvr>
+                                        <p:cTn id="6" dur="1" fill="hold">
+                                          <p:stCondLst>
+                                            <p:cond delay="0"/>
+                                          </p:stCondLst>
+                                        </p:cTn>
+                                        <p:tgtEl>
+                                          <p:spTgt spid="4"/>
+                                        </p:tgtEl>
+                                        <p:attrNameLst>
+                                          <p:attrName>style.visibility</p:attrName>
+                                        </p:attrNameLst>
+                                      </p:cBhvr>
+                                      <p:to>
+                                        <p:strVal val="visible"/>
+                                      </p:to>
+                                    </p:set>
+                                    <p:animEffect transition="in" filter="barn(inVertical)">
+                                      <p:cBhvr>
+                                        <p:cTn id="7" dur="500"/>
+                                        <p:tgtEl>
+                                          <p:spTgt spid="4"/>
+                                        </p:tgtEl>
+                                      </p:cBhvr>
+                                    </p:animEffect>
+                                  </p:childTnLst>
+                                </p:cTn>
+                              </p:par>
+                            </p:childTnLst>
+                          </p:cTn>
+                        </p:par>
+                      </p:childTnLst>
+                    </p:cTn>
+                  </p:par>
+                </p:childTnLst>
+              </p:cTn>
+              <p:prevCondLst>
+                <p:cond evt="onPrev" delay="0">
+                  <p:tgtEl>
+                    <p:sldTgt/>
+                  </p:tgtEl>
+                </p:cond>
+              </p:prevCondLst>
+              <p:nextCondLst>
+                <p:cond evt="onNext" delay="0">
+                  <p:tgtEl>
+                    <p:sldTgt/>
+                  </p:tgtEl>
+                </p:cond>
+              </p:nextCondLst>
+            </p:seq>
+          </p:childTnLst>
+        </p:cTn>
+      </p:par>
+    </p:tnLst>
+    <p:bldLst>
+      <p:bldP spid="4" grpId="0" animBg="1"/>
+    </p:bldLst>
   </p:timing>
 </p:sld>
 </file>

--- a/AnimationSkillShare/动画实用技巧.pptx
+++ b/AnimationSkillShare/动画实用技巧.pptx
@@ -5,7 +5,7 @@
     <p:sldMasterId id="2147483648" r:id="rId1"/>
   </p:sldMasterIdLst>
   <p:notesMasterIdLst>
-    <p:notesMasterId r:id="rId10"/>
+    <p:notesMasterId r:id="rId14"/>
   </p:notesMasterIdLst>
   <p:sldIdLst>
     <p:sldId id="256" r:id="rId2"/>
@@ -14,8 +14,12 @@
     <p:sldId id="258" r:id="rId5"/>
     <p:sldId id="265" r:id="rId6"/>
     <p:sldId id="264" r:id="rId7"/>
-    <p:sldId id="266" r:id="rId8"/>
-    <p:sldId id="267" r:id="rId9"/>
+    <p:sldId id="271" r:id="rId8"/>
+    <p:sldId id="272" r:id="rId9"/>
+    <p:sldId id="273" r:id="rId10"/>
+    <p:sldId id="267" r:id="rId11"/>
+    <p:sldId id="268" r:id="rId12"/>
+    <p:sldId id="270" r:id="rId13"/>
   </p:sldIdLst>
   <p:sldSz cx="12192000" cy="6858000"/>
   <p:notesSz cx="6858000" cy="9144000"/>
@@ -560,6 +564,237 @@
 </p:notes>
 </file>
 
+<file path=ppt/notesSlides/notesSlide10.xml><?xml version="1.0" encoding="utf-8"?>
+<p:notes xmlns:a="http://schemas.openxmlformats.org/drawingml/2006/main" xmlns:r="http://schemas.openxmlformats.org/officeDocument/2006/relationships" xmlns:p="http://schemas.openxmlformats.org/presentationml/2006/main">
+  <p:cSld>
+    <p:spTree>
+      <p:nvGrpSpPr>
+        <p:cNvPr id="1" name=""/>
+        <p:cNvGrpSpPr/>
+        <p:nvPr/>
+      </p:nvGrpSpPr>
+      <p:grpSpPr>
+        <a:xfrm>
+          <a:off x="0" y="0"/>
+          <a:ext cx="0" cy="0"/>
+          <a:chOff x="0" y="0"/>
+          <a:chExt cx="0" cy="0"/>
+        </a:xfrm>
+      </p:grpSpPr>
+      <p:sp>
+        <p:nvSpPr>
+          <p:cNvPr id="2" name="幻灯片图像占位符 1"/>
+          <p:cNvSpPr>
+            <a:spLocks noGrp="1" noRot="1" noChangeAspect="1"/>
+          </p:cNvSpPr>
+          <p:nvPr>
+            <p:ph type="sldImg"/>
+          </p:nvPr>
+        </p:nvSpPr>
+        <p:spPr/>
+      </p:sp>
+      <p:sp>
+        <p:nvSpPr>
+          <p:cNvPr id="3" name="备注占位符 2"/>
+          <p:cNvSpPr>
+            <a:spLocks noGrp="1"/>
+          </p:cNvSpPr>
+          <p:nvPr>
+            <p:ph type="body" idx="1"/>
+          </p:nvPr>
+        </p:nvSpPr>
+        <p:spPr/>
+        <p:txBody>
+          <a:bodyPr/>
+          <a:lstStyle/>
+          <a:p>
+            <a:r>
+              <a:rPr kumimoji="1" lang="en-US" altLang="zh-CN" baseline="0" dirty="0" smtClean="0"/>
+              <a:t> </a:t>
+            </a:r>
+            <a:r>
+              <a:rPr kumimoji="1" lang="zh-CN" altLang="en-US" baseline="0" dirty="0" smtClean="0"/>
+              <a:t>看一下刚才那个</a:t>
+            </a:r>
+            <a:r>
+              <a:rPr kumimoji="1" lang="en-US" altLang="zh-CN" baseline="0" dirty="0" smtClean="0"/>
+              <a:t>demo</a:t>
+            </a:r>
+            <a:r>
+              <a:rPr kumimoji="1" lang="zh-CN" altLang="en-US" baseline="0" dirty="0" smtClean="0"/>
+              <a:t>中的自定义插值器，</a:t>
+            </a:r>
+          </a:p>
+          <a:p>
+            <a:r>
+              <a:rPr kumimoji="1" lang="zh-CN" altLang="en-US" dirty="0" smtClean="0"/>
+              <a:t>对</a:t>
+            </a:r>
+            <a:r>
+              <a:rPr kumimoji="1" lang="en-US" altLang="zh-CN" dirty="0" smtClean="0"/>
+              <a:t>input</a:t>
+            </a:r>
+            <a:r>
+              <a:rPr kumimoji="1" lang="zh-CN" altLang="en-US" dirty="0" smtClean="0"/>
+              <a:t>乘以</a:t>
+            </a:r>
+            <a:r>
+              <a:rPr kumimoji="1" lang="en-US" altLang="zh-CN" dirty="0" smtClean="0"/>
+              <a:t>PI</a:t>
+            </a:r>
+            <a:r>
+              <a:rPr kumimoji="1" lang="zh-CN" altLang="en-US" dirty="0" smtClean="0"/>
+              <a:t>，再取三角函数</a:t>
+            </a:r>
+            <a:r>
+              <a:rPr kumimoji="1" lang="en-US" altLang="zh-CN" dirty="0" smtClean="0"/>
+              <a:t>sin</a:t>
+            </a:r>
+            <a:endParaRPr kumimoji="1" lang="zh-CN" altLang="en-US" dirty="0" smtClean="0"/>
+          </a:p>
+          <a:p>
+            <a:r>
+              <a:rPr kumimoji="1" lang="en-US" altLang="zh-CN" dirty="0" smtClean="0"/>
+              <a:t>Input</a:t>
+            </a:r>
+            <a:r>
+              <a:rPr kumimoji="1" lang="zh-CN" altLang="en-US" dirty="0" smtClean="0"/>
+              <a:t>是</a:t>
+            </a:r>
+            <a:r>
+              <a:rPr kumimoji="1" lang="en-US" altLang="zh-CN" dirty="0" smtClean="0"/>
+              <a:t>0</a:t>
+            </a:r>
+            <a:r>
+              <a:rPr kumimoji="1" lang="zh-CN" altLang="en-US" dirty="0" smtClean="0"/>
+              <a:t>到</a:t>
+            </a:r>
+            <a:r>
+              <a:rPr kumimoji="1" lang="en-US" altLang="zh-CN" dirty="0" smtClean="0"/>
+              <a:t>1,</a:t>
+            </a:r>
+          </a:p>
+          <a:p>
+            <a:r>
+              <a:rPr kumimoji="1" lang="zh-CN" altLang="en-US" dirty="0" smtClean="0"/>
+              <a:t>来看一下</a:t>
+            </a:r>
+            <a:r>
+              <a:rPr kumimoji="1" lang="en-US" altLang="zh-CN" dirty="0" smtClean="0"/>
+              <a:t>y</a:t>
+            </a:r>
+            <a:r>
+              <a:rPr kumimoji="1" lang="zh-CN" altLang="en-US" dirty="0" smtClean="0"/>
+              <a:t>＝</a:t>
+            </a:r>
+            <a:r>
+              <a:rPr kumimoji="1" lang="en-US" altLang="zh-CN" dirty="0" smtClean="0"/>
+              <a:t>sin(x)</a:t>
+            </a:r>
+            <a:r>
+              <a:rPr kumimoji="1" lang="zh-CN" altLang="en-US" dirty="0" smtClean="0"/>
+              <a:t>的图像</a:t>
+            </a:r>
+          </a:p>
+          <a:p>
+            <a:r>
+              <a:rPr kumimoji="1" lang="en-US" altLang="zh-CN" dirty="0" smtClean="0"/>
+              <a:t>input</a:t>
+            </a:r>
+            <a:r>
+              <a:rPr kumimoji="1" lang="zh-CN" altLang="en-US" dirty="0" smtClean="0"/>
+              <a:t>乘以</a:t>
+            </a:r>
+            <a:r>
+              <a:rPr kumimoji="1" lang="en-US" altLang="zh-CN" dirty="0" smtClean="0"/>
+              <a:t>PI</a:t>
+            </a:r>
+            <a:r>
+              <a:rPr kumimoji="1" lang="zh-CN" altLang="en-US" dirty="0" smtClean="0"/>
+              <a:t>，就是</a:t>
+            </a:r>
+            <a:r>
+              <a:rPr kumimoji="1" lang="en-US" altLang="zh-CN" dirty="0" smtClean="0"/>
+              <a:t>0</a:t>
+            </a:r>
+            <a:r>
+              <a:rPr kumimoji="1" lang="zh-CN" altLang="en-US" dirty="0" smtClean="0"/>
+              <a:t>到</a:t>
+            </a:r>
+            <a:r>
+              <a:rPr kumimoji="1" lang="en-US" altLang="zh-CN" dirty="0" smtClean="0"/>
+              <a:t>PI</a:t>
+            </a:r>
+            <a:r>
+              <a:rPr kumimoji="1" lang="zh-CN" altLang="en-US" dirty="0" smtClean="0"/>
+              <a:t>，</a:t>
+            </a:r>
+          </a:p>
+          <a:p>
+            <a:r>
+              <a:rPr kumimoji="1" lang="zh-CN" altLang="en-US" dirty="0" smtClean="0"/>
+              <a:t>返回值就是</a:t>
+            </a:r>
+            <a:r>
+              <a:rPr kumimoji="1" lang="en-US" altLang="zh-CN" dirty="0" smtClean="0"/>
+              <a:t>0</a:t>
+            </a:r>
+            <a:r>
+              <a:rPr kumimoji="1" lang="zh-CN" altLang="en-US" dirty="0" smtClean="0"/>
+              <a:t>到</a:t>
+            </a:r>
+            <a:r>
+              <a:rPr kumimoji="1" lang="en-US" altLang="zh-CN" dirty="0" smtClean="0"/>
+              <a:t>1</a:t>
+            </a:r>
+            <a:r>
+              <a:rPr kumimoji="1" lang="zh-CN" altLang="en-US" dirty="0" smtClean="0"/>
+              <a:t>再到</a:t>
+            </a:r>
+            <a:r>
+              <a:rPr kumimoji="1" lang="en-US" altLang="zh-CN" dirty="0" smtClean="0"/>
+              <a:t>0</a:t>
+            </a:r>
+            <a:endParaRPr kumimoji="1" lang="zh-CN" altLang="en-US" dirty="0"/>
+          </a:p>
+        </p:txBody>
+      </p:sp>
+      <p:sp>
+        <p:nvSpPr>
+          <p:cNvPr id="4" name="幻灯片编号占位符 3"/>
+          <p:cNvSpPr>
+            <a:spLocks noGrp="1"/>
+          </p:cNvSpPr>
+          <p:nvPr>
+            <p:ph type="sldNum" sz="quarter" idx="10"/>
+          </p:nvPr>
+        </p:nvSpPr>
+        <p:spPr/>
+        <p:txBody>
+          <a:bodyPr/>
+          <a:lstStyle/>
+          <a:p>
+            <a:fld id="{53190343-A285-E444-9B8B-A03A0DB5BFEC}" type="slidenum">
+              <a:rPr kumimoji="1" lang="zh-CN" altLang="en-US" smtClean="0"/>
+              <a:t>11</a:t>
+            </a:fld>
+            <a:endParaRPr kumimoji="1" lang="zh-CN" altLang="en-US"/>
+          </a:p>
+        </p:txBody>
+      </p:sp>
+    </p:spTree>
+    <p:extLst>
+      <p:ext uri="{BB962C8B-B14F-4D97-AF65-F5344CB8AC3E}">
+        <p14:creationId xmlns:p14="http://schemas.microsoft.com/office/powerpoint/2010/main" val="430253414"/>
+      </p:ext>
+    </p:extLst>
+  </p:cSld>
+  <p:clrMapOvr>
+    <a:masterClrMapping/>
+  </p:clrMapOvr>
+</p:notes>
+</file>
+
 <file path=ppt/notesSlides/notesSlide2.xml><?xml version="1.0" encoding="utf-8"?>
 <p:notes xmlns:a="http://schemas.openxmlformats.org/drawingml/2006/main" xmlns:r="http://schemas.openxmlformats.org/officeDocument/2006/relationships" xmlns:p="http://schemas.openxmlformats.org/presentationml/2006/main">
   <p:cSld>
@@ -604,6 +839,10 @@
           <a:bodyPr/>
           <a:lstStyle/>
           <a:p>
+            <a:r>
+              <a:rPr kumimoji="1" lang="zh-CN" altLang="en-US" dirty="0" smtClean="0"/>
+              <a:t>今天的主角</a:t>
+            </a:r>
             <a:endParaRPr kumimoji="1" lang="zh-CN" altLang="en-US" dirty="0" smtClean="0"/>
           </a:p>
         </p:txBody>
@@ -1217,72 +1456,37 @@
           <a:p>
             <a:r>
               <a:rPr kumimoji="1" lang="zh-CN" altLang="en-US" dirty="0" smtClean="0"/>
-              <a:t>回到刚才的</a:t>
+              <a:t>还是回到</a:t>
             </a:r>
             <a:r>
               <a:rPr kumimoji="1" lang="en-US" altLang="zh-CN" dirty="0" smtClean="0"/>
-              <a:t>demo</a:t>
+              <a:t>demo1</a:t>
             </a:r>
             <a:r>
               <a:rPr kumimoji="1" lang="zh-CN" altLang="en-US" dirty="0" smtClean="0"/>
-              <a:t>，来看一下插值器，插值器大家应该都很熟悉，</a:t>
+              <a:t>，</a:t>
             </a:r>
           </a:p>
           <a:p>
             <a:r>
               <a:rPr kumimoji="1" lang="zh-CN" altLang="en-US" dirty="0" smtClean="0"/>
-              <a:t>常用的有线性、加速、减速、先加速后减速这些，其他的要用的时候到网上搜一下就行</a:t>
-            </a:r>
-          </a:p>
-          <a:p>
+              <a:t>接下来讲一下，</a:t>
+            </a:r>
+            <a:r>
+              <a:rPr kumimoji="1" lang="en-US" altLang="zh-CN" dirty="0" err="1" smtClean="0"/>
+              <a:t>getAnimatedValue</a:t>
+            </a:r>
             <a:r>
               <a:rPr kumimoji="1" lang="zh-CN" altLang="en-US" dirty="0" smtClean="0"/>
-              <a:t>考虑下面这种场景</a:t>
-            </a:r>
-            <a:r>
-              <a:rPr kumimoji="1" lang="zh-CN" altLang="en-US" dirty="0" smtClean="0">
-                <a:sym typeface="Wingdings"/>
-              </a:rPr>
-              <a:t>：</a:t>
-            </a:r>
-          </a:p>
-          <a:p>
-            <a:r>
-              <a:rPr kumimoji="1" lang="zh-CN" altLang="en-US" dirty="0" smtClean="0"/>
-              <a:t>场景待补充</a:t>
-            </a:r>
-          </a:p>
-          <a:p>
-            <a:r>
-              <a:rPr kumimoji="1" lang="is-IS" altLang="zh-CN" dirty="0" smtClean="0"/>
-              <a:t>…...</a:t>
-            </a:r>
-          </a:p>
-          <a:p>
-            <a:endParaRPr kumimoji="1" lang="is-IS" altLang="zh-CN" dirty="0" smtClean="0"/>
-          </a:p>
-          <a:p>
-            <a:r>
-              <a:rPr kumimoji="1" lang="zh-CN" altLang="en-US" dirty="0" smtClean="0"/>
-              <a:t>现有的插值器都不能满足我们的需求</a:t>
-            </a:r>
-          </a:p>
-          <a:p>
-            <a:r>
-              <a:rPr kumimoji="1" lang="zh-CN" altLang="en-US" dirty="0" smtClean="0"/>
-              <a:t>就需要自定义擦值器</a:t>
-            </a:r>
-          </a:p>
-          <a:p>
-            <a:r>
-              <a:rPr kumimoji="1" lang="zh-CN" altLang="en-US" dirty="0" smtClean="0"/>
-              <a:t>进入下一页</a:t>
-            </a:r>
+              <a:t>这个方法</a:t>
+            </a:r>
+          </a:p>
+          <a:p>
+            <a:endParaRPr kumimoji="1" lang="en-US" altLang="zh-CN" dirty="0" smtClean="0"/>
+          </a:p>
+          <a:p>
             <a:endParaRPr kumimoji="1" lang="zh-CN" altLang="en-US" dirty="0" smtClean="0"/>
           </a:p>
-          <a:p>
-            <a:endParaRPr kumimoji="1" lang="zh-CN" altLang="en-US" dirty="0"/>
-          </a:p>
         </p:txBody>
       </p:sp>
       <p:sp>
@@ -1302,7 +1506,7 @@
           <a:p>
             <a:fld id="{53190343-A285-E444-9B8B-A03A0DB5BFEC}" type="slidenum">
               <a:rPr kumimoji="1" lang="zh-CN" altLang="en-US" smtClean="0"/>
-              <a:t>7</a:t>
+              <a:t>8</a:t>
             </a:fld>
             <a:endParaRPr kumimoji="1" lang="zh-CN" altLang="en-US"/>
           </a:p>
@@ -1311,7 +1515,7 @@
     </p:spTree>
     <p:extLst>
       <p:ext uri="{BB962C8B-B14F-4D97-AF65-F5344CB8AC3E}">
-        <p14:creationId xmlns:p14="http://schemas.microsoft.com/office/powerpoint/2010/main" val="1494613810"/>
+        <p14:creationId xmlns:p14="http://schemas.microsoft.com/office/powerpoint/2010/main" val="530498338"/>
       </p:ext>
     </p:extLst>
   </p:cSld>
@@ -1367,6 +1571,156 @@
           <a:p>
             <a:r>
               <a:rPr kumimoji="1" lang="zh-CN" altLang="en-US" dirty="0" smtClean="0"/>
+              <a:t>回到刚才的</a:t>
+            </a:r>
+            <a:r>
+              <a:rPr kumimoji="1" lang="en-US" altLang="zh-CN" dirty="0" smtClean="0"/>
+              <a:t>demo</a:t>
+            </a:r>
+            <a:r>
+              <a:rPr kumimoji="1" lang="zh-CN" altLang="en-US" dirty="0" smtClean="0"/>
+              <a:t>，来看一下插值器，插值器大家应该都很熟悉，</a:t>
+            </a:r>
+          </a:p>
+          <a:p>
+            <a:r>
+              <a:rPr kumimoji="1" lang="zh-CN" altLang="en-US" dirty="0" smtClean="0"/>
+              <a:t>常用的有线性、加速、减速、先加速后减速这些，其他的要用的时候到网上搜一下就行</a:t>
+            </a:r>
+          </a:p>
+          <a:p>
+            <a:r>
+              <a:rPr kumimoji="1" lang="zh-CN" altLang="en-US" dirty="0" smtClean="0"/>
+              <a:t>考虑下面这种场景</a:t>
+            </a:r>
+            <a:r>
+              <a:rPr kumimoji="1" lang="zh-CN" altLang="en-US" dirty="0" smtClean="0">
+                <a:sym typeface="Wingdings"/>
+              </a:rPr>
+              <a:t>：</a:t>
+            </a:r>
+          </a:p>
+          <a:p>
+            <a:r>
+              <a:rPr kumimoji="1" lang="zh-CN" altLang="en-US" dirty="0" smtClean="0"/>
+              <a:t>场景待补充</a:t>
+            </a:r>
+          </a:p>
+          <a:p>
+            <a:r>
+              <a:rPr kumimoji="1" lang="is-IS" altLang="zh-CN" dirty="0" smtClean="0"/>
+              <a:t>…...</a:t>
+            </a:r>
+          </a:p>
+          <a:p>
+            <a:endParaRPr kumimoji="1" lang="is-IS" altLang="zh-CN" dirty="0" smtClean="0"/>
+          </a:p>
+          <a:p>
+            <a:r>
+              <a:rPr kumimoji="1" lang="zh-CN" altLang="en-US" dirty="0" smtClean="0"/>
+              <a:t>现有的插值器都不能满足我们的需求</a:t>
+            </a:r>
+          </a:p>
+          <a:p>
+            <a:r>
+              <a:rPr kumimoji="1" lang="zh-CN" altLang="en-US" dirty="0" smtClean="0"/>
+              <a:t>就需要自定义擦值器</a:t>
+            </a:r>
+          </a:p>
+          <a:p>
+            <a:r>
+              <a:rPr kumimoji="1" lang="zh-CN" altLang="en-US" dirty="0" smtClean="0"/>
+              <a:t>进入下一页</a:t>
+            </a:r>
+            <a:endParaRPr kumimoji="1" lang="zh-CN" altLang="en-US" dirty="0" smtClean="0"/>
+          </a:p>
+          <a:p>
+            <a:endParaRPr kumimoji="1" lang="zh-CN" altLang="en-US" dirty="0"/>
+          </a:p>
+        </p:txBody>
+      </p:sp>
+      <p:sp>
+        <p:nvSpPr>
+          <p:cNvPr id="4" name="幻灯片编号占位符 3"/>
+          <p:cNvSpPr>
+            <a:spLocks noGrp="1"/>
+          </p:cNvSpPr>
+          <p:nvPr>
+            <p:ph type="sldNum" sz="quarter" idx="10"/>
+          </p:nvPr>
+        </p:nvSpPr>
+        <p:spPr/>
+        <p:txBody>
+          <a:bodyPr/>
+          <a:lstStyle/>
+          <a:p>
+            <a:fld id="{53190343-A285-E444-9B8B-A03A0DB5BFEC}" type="slidenum">
+              <a:rPr kumimoji="1" lang="zh-CN" altLang="en-US" smtClean="0"/>
+              <a:t>9</a:t>
+            </a:fld>
+            <a:endParaRPr kumimoji="1" lang="zh-CN" altLang="en-US"/>
+          </a:p>
+        </p:txBody>
+      </p:sp>
+    </p:spTree>
+    <p:extLst>
+      <p:ext uri="{BB962C8B-B14F-4D97-AF65-F5344CB8AC3E}">
+        <p14:creationId xmlns:p14="http://schemas.microsoft.com/office/powerpoint/2010/main" val="1251300606"/>
+      </p:ext>
+    </p:extLst>
+  </p:cSld>
+  <p:clrMapOvr>
+    <a:masterClrMapping/>
+  </p:clrMapOvr>
+</p:notes>
+</file>
+
+<file path=ppt/notesSlides/notesSlide9.xml><?xml version="1.0" encoding="utf-8"?>
+<p:notes xmlns:a="http://schemas.openxmlformats.org/drawingml/2006/main" xmlns:r="http://schemas.openxmlformats.org/officeDocument/2006/relationships" xmlns:p="http://schemas.openxmlformats.org/presentationml/2006/main">
+  <p:cSld>
+    <p:spTree>
+      <p:nvGrpSpPr>
+        <p:cNvPr id="1" name=""/>
+        <p:cNvGrpSpPr/>
+        <p:nvPr/>
+      </p:nvGrpSpPr>
+      <p:grpSpPr>
+        <a:xfrm>
+          <a:off x="0" y="0"/>
+          <a:ext cx="0" cy="0"/>
+          <a:chOff x="0" y="0"/>
+          <a:chExt cx="0" cy="0"/>
+        </a:xfrm>
+      </p:grpSpPr>
+      <p:sp>
+        <p:nvSpPr>
+          <p:cNvPr id="2" name="幻灯片图像占位符 1"/>
+          <p:cNvSpPr>
+            <a:spLocks noGrp="1" noRot="1" noChangeAspect="1"/>
+          </p:cNvSpPr>
+          <p:nvPr>
+            <p:ph type="sldImg"/>
+          </p:nvPr>
+        </p:nvSpPr>
+        <p:spPr/>
+      </p:sp>
+      <p:sp>
+        <p:nvSpPr>
+          <p:cNvPr id="3" name="备注占位符 2"/>
+          <p:cNvSpPr>
+            <a:spLocks noGrp="1"/>
+          </p:cNvSpPr>
+          <p:nvPr>
+            <p:ph type="body" idx="1"/>
+          </p:nvPr>
+        </p:nvSpPr>
+        <p:spPr/>
+        <p:txBody>
+          <a:bodyPr/>
+          <a:lstStyle/>
+          <a:p>
+            <a:r>
+              <a:rPr kumimoji="1" lang="zh-CN" altLang="en-US" dirty="0" smtClean="0"/>
               <a:t>实现</a:t>
             </a:r>
             <a:r>
@@ -1474,7 +1828,7 @@
           <a:p>
             <a:fld id="{53190343-A285-E444-9B8B-A03A0DB5BFEC}" type="slidenum">
               <a:rPr kumimoji="1" lang="zh-CN" altLang="en-US" smtClean="0"/>
-              <a:t>8</a:t>
+              <a:t>10</a:t>
             </a:fld>
             <a:endParaRPr kumimoji="1" lang="zh-CN" altLang="en-US"/>
           </a:p>
@@ -4367,11 +4721,11 @@
           <a:p>
             <a:r>
               <a:rPr kumimoji="1" lang="zh-CN" altLang="en-US" dirty="0" smtClean="0"/>
+              <a:t>属性</a:t>
+            </a:r>
+            <a:r>
+              <a:rPr kumimoji="1" lang="zh-CN" altLang="en-US" dirty="0" smtClean="0"/>
               <a:t>动画</a:t>
-            </a:r>
-            <a:r>
-              <a:rPr kumimoji="1" lang="zh-CN" altLang="en-US" dirty="0" smtClean="0"/>
-              <a:t>－－</a:t>
             </a:r>
             <a:endParaRPr kumimoji="1" lang="zh-CN" altLang="en-US" dirty="0"/>
           </a:p>
@@ -4409,6 +4763,972 @@
   <p:transition spd="med">
     <p:pull/>
   </p:transition>
+  <p:timing>
+    <p:tnLst>
+      <p:par>
+        <p:cTn id="1" dur="indefinite" restart="never" nodeType="tmRoot"/>
+      </p:par>
+    </p:tnLst>
+  </p:timing>
+</p:sld>
+</file>
+
+<file path=ppt/slides/slide10.xml><?xml version="1.0" encoding="utf-8"?>
+<p:sld xmlns:a="http://schemas.openxmlformats.org/drawingml/2006/main" xmlns:r="http://schemas.openxmlformats.org/officeDocument/2006/relationships" xmlns:p="http://schemas.openxmlformats.org/presentationml/2006/main">
+  <p:cSld>
+    <p:spTree>
+      <p:nvGrpSpPr>
+        <p:cNvPr id="1" name=""/>
+        <p:cNvGrpSpPr/>
+        <p:nvPr/>
+      </p:nvGrpSpPr>
+      <p:grpSpPr>
+        <a:xfrm>
+          <a:off x="0" y="0"/>
+          <a:ext cx="0" cy="0"/>
+          <a:chOff x="0" y="0"/>
+          <a:chExt cx="0" cy="0"/>
+        </a:xfrm>
+      </p:grpSpPr>
+      <p:sp>
+        <p:nvSpPr>
+          <p:cNvPr id="2" name="标题 1"/>
+          <p:cNvSpPr>
+            <a:spLocks noGrp="1"/>
+          </p:cNvSpPr>
+          <p:nvPr>
+            <p:ph type="title"/>
+          </p:nvPr>
+        </p:nvSpPr>
+        <p:spPr/>
+        <p:txBody>
+          <a:bodyPr/>
+          <a:lstStyle/>
+          <a:p>
+            <a:r>
+              <a:rPr kumimoji="1" lang="en-US" altLang="zh-CN" dirty="0" smtClean="0"/>
+              <a:t>Interpolator</a:t>
+            </a:r>
+            <a:endParaRPr kumimoji="1" lang="zh-CN" altLang="en-US" dirty="0"/>
+          </a:p>
+        </p:txBody>
+      </p:sp>
+      <p:sp>
+        <p:nvSpPr>
+          <p:cNvPr id="3" name="内容占位符 2"/>
+          <p:cNvSpPr>
+            <a:spLocks noGrp="1"/>
+          </p:cNvSpPr>
+          <p:nvPr>
+            <p:ph idx="1"/>
+          </p:nvPr>
+        </p:nvSpPr>
+        <p:spPr/>
+        <p:txBody>
+          <a:bodyPr>
+            <a:normAutofit/>
+          </a:bodyPr>
+          <a:lstStyle/>
+          <a:p>
+            <a:r>
+              <a:rPr lang="en-US" altLang="zh-CN" b="1" dirty="0">
+                <a:solidFill>
+                  <a:srgbClr val="000080"/>
+                </a:solidFill>
+              </a:rPr>
+              <a:t>public interface </a:t>
+            </a:r>
+            <a:r>
+              <a:rPr lang="en-US" altLang="zh-CN" dirty="0" err="1"/>
+              <a:t>TimeInterpolator</a:t>
+            </a:r>
+            <a:r>
+              <a:rPr lang="en-US" altLang="zh-CN" dirty="0"/>
+              <a:t> {</a:t>
+            </a:r>
+            <a:br>
+              <a:rPr lang="en-US" altLang="zh-CN" dirty="0"/>
+            </a:br>
+            <a:r>
+              <a:rPr lang="en-US" altLang="zh-CN" i="1" dirty="0">
+                <a:solidFill>
+                  <a:srgbClr val="808080"/>
+                </a:solidFill>
+              </a:rPr>
+              <a:t/>
+            </a:r>
+            <a:br>
+              <a:rPr lang="en-US" altLang="zh-CN" i="1" dirty="0">
+                <a:solidFill>
+                  <a:srgbClr val="808080"/>
+                </a:solidFill>
+              </a:rPr>
+            </a:br>
+            <a:r>
+              <a:rPr lang="en-US" altLang="zh-CN" i="1" dirty="0">
+                <a:solidFill>
+                  <a:srgbClr val="808080"/>
+                </a:solidFill>
+              </a:rPr>
+              <a:t>    </a:t>
+            </a:r>
+            <a:r>
+              <a:rPr lang="en-US" altLang="zh-CN" b="1" dirty="0">
+                <a:solidFill>
+                  <a:srgbClr val="000080"/>
+                </a:solidFill>
+              </a:rPr>
+              <a:t>float </a:t>
+            </a:r>
+            <a:r>
+              <a:rPr lang="en-US" altLang="zh-CN" dirty="0" err="1"/>
+              <a:t>getInterpolation</a:t>
+            </a:r>
+            <a:r>
+              <a:rPr lang="en-US" altLang="zh-CN" dirty="0"/>
+              <a:t>(</a:t>
+            </a:r>
+            <a:r>
+              <a:rPr lang="en-US" altLang="zh-CN" b="1" dirty="0">
+                <a:solidFill>
+                  <a:srgbClr val="000080"/>
+                </a:solidFill>
+              </a:rPr>
+              <a:t>float </a:t>
+            </a:r>
+            <a:r>
+              <a:rPr lang="en-US" altLang="zh-CN" dirty="0"/>
+              <a:t>input);</a:t>
+            </a:r>
+            <a:br>
+              <a:rPr lang="en-US" altLang="zh-CN" dirty="0"/>
+            </a:br>
+            <a:r>
+              <a:rPr lang="en-US" altLang="zh-CN" dirty="0" smtClean="0"/>
+              <a:t>}</a:t>
+            </a:r>
+            <a:endParaRPr lang="zh-CN" altLang="en-US" dirty="0" smtClean="0"/>
+          </a:p>
+          <a:p>
+            <a:endParaRPr kumimoji="1" lang="zh-CN" altLang="en-US" dirty="0"/>
+          </a:p>
+          <a:p>
+            <a:r>
+              <a:rPr lang="en-US" altLang="zh-CN" b="1" dirty="0">
+                <a:solidFill>
+                  <a:srgbClr val="000080"/>
+                </a:solidFill>
+              </a:rPr>
+              <a:t>public interface </a:t>
+            </a:r>
+            <a:r>
+              <a:rPr lang="en-US" altLang="zh-CN" dirty="0"/>
+              <a:t>Interpolator </a:t>
+            </a:r>
+            <a:r>
+              <a:rPr lang="en-US" altLang="zh-CN" b="1" dirty="0">
+                <a:solidFill>
+                  <a:srgbClr val="000080"/>
+                </a:solidFill>
+              </a:rPr>
+              <a:t>extends </a:t>
+            </a:r>
+            <a:r>
+              <a:rPr lang="en-US" altLang="zh-CN" dirty="0" err="1"/>
+              <a:t>TimeInterpolator</a:t>
+            </a:r>
+            <a:r>
+              <a:rPr lang="en-US" altLang="zh-CN" dirty="0"/>
+              <a:t> {</a:t>
+            </a:r>
+            <a:br>
+              <a:rPr lang="en-US" altLang="zh-CN" dirty="0"/>
+            </a:br>
+            <a:r>
+              <a:rPr lang="en-US" altLang="zh-CN" i="1" dirty="0">
+                <a:solidFill>
+                  <a:srgbClr val="808080"/>
+                </a:solidFill>
+              </a:rPr>
+              <a:t/>
+            </a:r>
+            <a:br>
+              <a:rPr lang="en-US" altLang="zh-CN" i="1" dirty="0">
+                <a:solidFill>
+                  <a:srgbClr val="808080"/>
+                </a:solidFill>
+              </a:rPr>
+            </a:br>
+            <a:r>
+              <a:rPr lang="en-US" altLang="zh-CN" dirty="0"/>
+              <a:t>}</a:t>
+            </a:r>
+            <a:endParaRPr kumimoji="1" lang="zh-CN" altLang="en-US" dirty="0"/>
+          </a:p>
+        </p:txBody>
+      </p:sp>
+      <p:sp>
+        <p:nvSpPr>
+          <p:cNvPr id="4" name="矩形 3"/>
+          <p:cNvSpPr/>
+          <p:nvPr/>
+        </p:nvSpPr>
+        <p:spPr>
+          <a:xfrm>
+            <a:off x="1343025" y="2486025"/>
+            <a:ext cx="5172075" cy="600075"/>
+          </a:xfrm>
+          <a:prstGeom prst="rect">
+            <a:avLst/>
+          </a:prstGeom>
+          <a:noFill/>
+          <a:ln/>
+        </p:spPr>
+        <p:style>
+          <a:lnRef idx="2">
+            <a:schemeClr val="accent6"/>
+          </a:lnRef>
+          <a:fillRef idx="1">
+            <a:schemeClr val="lt1"/>
+          </a:fillRef>
+          <a:effectRef idx="0">
+            <a:schemeClr val="accent6"/>
+          </a:effectRef>
+          <a:fontRef idx="minor">
+            <a:schemeClr val="dk1"/>
+          </a:fontRef>
+        </p:style>
+        <p:txBody>
+          <a:bodyPr rtlCol="0" anchor="ctr"/>
+          <a:lstStyle/>
+          <a:p>
+            <a:pPr algn="ctr"/>
+            <a:endParaRPr kumimoji="1" lang="zh-CN" altLang="en-US"/>
+          </a:p>
+        </p:txBody>
+      </p:sp>
+    </p:spTree>
+    <p:extLst>
+      <p:ext uri="{BB962C8B-B14F-4D97-AF65-F5344CB8AC3E}">
+        <p14:creationId xmlns:p14="http://schemas.microsoft.com/office/powerpoint/2010/main" val="1346811305"/>
+      </p:ext>
+    </p:extLst>
+  </p:cSld>
+  <p:clrMapOvr>
+    <a:masterClrMapping/>
+  </p:clrMapOvr>
+  <p:transition spd="med">
+    <p:pull/>
+  </p:transition>
+  <p:timing>
+    <p:tnLst>
+      <p:par>
+        <p:cTn id="1" dur="indefinite" restart="never" nodeType="tmRoot">
+          <p:childTnLst>
+            <p:seq concurrent="1" nextAc="seek">
+              <p:cTn id="2" dur="indefinite" nodeType="mainSeq">
+                <p:childTnLst>
+                  <p:par>
+                    <p:cTn id="3" fill="hold">
+                      <p:stCondLst>
+                        <p:cond delay="indefinite"/>
+                      </p:stCondLst>
+                      <p:childTnLst>
+                        <p:par>
+                          <p:cTn id="4" fill="hold">
+                            <p:stCondLst>
+                              <p:cond delay="0"/>
+                            </p:stCondLst>
+                            <p:childTnLst>
+                              <p:par>
+                                <p:cTn id="5" presetID="16" presetClass="entr" presetSubtype="21" fill="hold" grpId="0" nodeType="clickEffect">
+                                  <p:stCondLst>
+                                    <p:cond delay="0"/>
+                                  </p:stCondLst>
+                                  <p:childTnLst>
+                                    <p:set>
+                                      <p:cBhvr>
+                                        <p:cTn id="6" dur="1" fill="hold">
+                                          <p:stCondLst>
+                                            <p:cond delay="0"/>
+                                          </p:stCondLst>
+                                        </p:cTn>
+                                        <p:tgtEl>
+                                          <p:spTgt spid="4"/>
+                                        </p:tgtEl>
+                                        <p:attrNameLst>
+                                          <p:attrName>style.visibility</p:attrName>
+                                        </p:attrNameLst>
+                                      </p:cBhvr>
+                                      <p:to>
+                                        <p:strVal val="visible"/>
+                                      </p:to>
+                                    </p:set>
+                                    <p:animEffect transition="in" filter="barn(inVertical)">
+                                      <p:cBhvr>
+                                        <p:cTn id="7" dur="500"/>
+                                        <p:tgtEl>
+                                          <p:spTgt spid="4"/>
+                                        </p:tgtEl>
+                                      </p:cBhvr>
+                                    </p:animEffect>
+                                  </p:childTnLst>
+                                </p:cTn>
+                              </p:par>
+                            </p:childTnLst>
+                          </p:cTn>
+                        </p:par>
+                      </p:childTnLst>
+                    </p:cTn>
+                  </p:par>
+                </p:childTnLst>
+              </p:cTn>
+              <p:prevCondLst>
+                <p:cond evt="onPrev" delay="0">
+                  <p:tgtEl>
+                    <p:sldTgt/>
+                  </p:tgtEl>
+                </p:cond>
+              </p:prevCondLst>
+              <p:nextCondLst>
+                <p:cond evt="onNext" delay="0">
+                  <p:tgtEl>
+                    <p:sldTgt/>
+                  </p:tgtEl>
+                </p:cond>
+              </p:nextCondLst>
+            </p:seq>
+          </p:childTnLst>
+        </p:cTn>
+      </p:par>
+    </p:tnLst>
+    <p:bldLst>
+      <p:bldP spid="4" grpId="0" animBg="1"/>
+    </p:bldLst>
+  </p:timing>
+</p:sld>
+</file>
+
+<file path=ppt/slides/slide11.xml><?xml version="1.0" encoding="utf-8"?>
+<p:sld xmlns:a="http://schemas.openxmlformats.org/drawingml/2006/main" xmlns:r="http://schemas.openxmlformats.org/officeDocument/2006/relationships" xmlns:p="http://schemas.openxmlformats.org/presentationml/2006/main">
+  <p:cSld>
+    <p:spTree>
+      <p:nvGrpSpPr>
+        <p:cNvPr id="1" name=""/>
+        <p:cNvGrpSpPr/>
+        <p:nvPr/>
+      </p:nvGrpSpPr>
+      <p:grpSpPr>
+        <a:xfrm>
+          <a:off x="0" y="0"/>
+          <a:ext cx="0" cy="0"/>
+          <a:chOff x="0" y="0"/>
+          <a:chExt cx="0" cy="0"/>
+        </a:xfrm>
+      </p:grpSpPr>
+      <p:sp>
+        <p:nvSpPr>
+          <p:cNvPr id="2" name="标题 1"/>
+          <p:cNvSpPr>
+            <a:spLocks noGrp="1"/>
+          </p:cNvSpPr>
+          <p:nvPr>
+            <p:ph type="title"/>
+          </p:nvPr>
+        </p:nvSpPr>
+        <p:spPr/>
+        <p:txBody>
+          <a:bodyPr/>
+          <a:lstStyle/>
+          <a:p>
+            <a:r>
+              <a:rPr kumimoji="1" lang="zh-CN" altLang="en-US" dirty="0" smtClean="0"/>
+              <a:t>自定义</a:t>
+            </a:r>
+            <a:r>
+              <a:rPr kumimoji="1" lang="en-US" altLang="zh-CN" dirty="0" smtClean="0"/>
+              <a:t>Interpolator</a:t>
+            </a:r>
+            <a:endParaRPr kumimoji="1" lang="zh-CN" altLang="en-US" dirty="0"/>
+          </a:p>
+        </p:txBody>
+      </p:sp>
+      <p:sp>
+        <p:nvSpPr>
+          <p:cNvPr id="3" name="内容占位符 2"/>
+          <p:cNvSpPr>
+            <a:spLocks noGrp="1"/>
+          </p:cNvSpPr>
+          <p:nvPr>
+            <p:ph idx="1"/>
+          </p:nvPr>
+        </p:nvSpPr>
+        <p:spPr>
+          <a:xfrm>
+            <a:off x="838200" y="1825625"/>
+            <a:ext cx="10515600" cy="2403475"/>
+          </a:xfrm>
+        </p:spPr>
+        <p:txBody>
+          <a:bodyPr/>
+          <a:lstStyle/>
+          <a:p>
+            <a:pPr marL="0" indent="0">
+              <a:buNone/>
+            </a:pPr>
+            <a:r>
+              <a:rPr lang="en-US" altLang="zh-CN" b="1" dirty="0" smtClean="0">
+                <a:solidFill>
+                  <a:srgbClr val="000080"/>
+                </a:solidFill>
+              </a:rPr>
+              <a:t>public </a:t>
+            </a:r>
+            <a:r>
+              <a:rPr lang="en-US" altLang="zh-CN" b="1" dirty="0">
+                <a:solidFill>
+                  <a:srgbClr val="000080"/>
+                </a:solidFill>
+              </a:rPr>
+              <a:t>class </a:t>
+            </a:r>
+            <a:r>
+              <a:rPr lang="en-US" altLang="zh-CN" dirty="0" err="1"/>
+              <a:t>SinInterpolator</a:t>
+            </a:r>
+            <a:r>
+              <a:rPr lang="en-US" altLang="zh-CN" dirty="0"/>
+              <a:t> </a:t>
+            </a:r>
+            <a:r>
+              <a:rPr lang="en-US" altLang="zh-CN" b="1" dirty="0">
+                <a:solidFill>
+                  <a:srgbClr val="000080"/>
+                </a:solidFill>
+              </a:rPr>
+              <a:t>implements </a:t>
+            </a:r>
+            <a:r>
+              <a:rPr lang="en-US" altLang="zh-CN" dirty="0" err="1"/>
+              <a:t>TimeInterpolator</a:t>
+            </a:r>
+            <a:r>
+              <a:rPr lang="en-US" altLang="zh-CN" dirty="0"/>
+              <a:t> {</a:t>
+            </a:r>
+            <a:br>
+              <a:rPr lang="en-US" altLang="zh-CN" dirty="0"/>
+            </a:br>
+            <a:r>
+              <a:rPr lang="en-US" altLang="zh-CN" dirty="0"/>
+              <a:t>    </a:t>
+            </a:r>
+            <a:r>
+              <a:rPr lang="en-US" altLang="zh-CN" dirty="0">
+                <a:solidFill>
+                  <a:srgbClr val="808000"/>
+                </a:solidFill>
+              </a:rPr>
+              <a:t>@Override</a:t>
+            </a:r>
+            <a:br>
+              <a:rPr lang="en-US" altLang="zh-CN" dirty="0">
+                <a:solidFill>
+                  <a:srgbClr val="808000"/>
+                </a:solidFill>
+              </a:rPr>
+            </a:br>
+            <a:r>
+              <a:rPr lang="en-US" altLang="zh-CN" dirty="0">
+                <a:solidFill>
+                  <a:srgbClr val="808000"/>
+                </a:solidFill>
+              </a:rPr>
+              <a:t>    </a:t>
+            </a:r>
+            <a:r>
+              <a:rPr lang="en-US" altLang="zh-CN" b="1" dirty="0">
+                <a:solidFill>
+                  <a:srgbClr val="000080"/>
+                </a:solidFill>
+              </a:rPr>
+              <a:t>public float </a:t>
+            </a:r>
+            <a:r>
+              <a:rPr lang="en-US" altLang="zh-CN" dirty="0" err="1"/>
+              <a:t>getInterpolation</a:t>
+            </a:r>
+            <a:r>
+              <a:rPr lang="en-US" altLang="zh-CN" dirty="0"/>
+              <a:t>(</a:t>
+            </a:r>
+            <a:r>
+              <a:rPr lang="en-US" altLang="zh-CN" b="1" dirty="0">
+                <a:solidFill>
+                  <a:srgbClr val="000080"/>
+                </a:solidFill>
+              </a:rPr>
+              <a:t>float </a:t>
+            </a:r>
+            <a:r>
+              <a:rPr lang="en-US" altLang="zh-CN" dirty="0"/>
+              <a:t>input) {</a:t>
+            </a:r>
+            <a:br>
+              <a:rPr lang="en-US" altLang="zh-CN" dirty="0"/>
+            </a:br>
+            <a:r>
+              <a:rPr lang="en-US" altLang="zh-CN" dirty="0"/>
+              <a:t>        </a:t>
+            </a:r>
+            <a:r>
+              <a:rPr lang="en-US" altLang="zh-CN" b="1" dirty="0">
+                <a:solidFill>
+                  <a:srgbClr val="000080"/>
+                </a:solidFill>
+              </a:rPr>
+              <a:t>return </a:t>
+            </a:r>
+            <a:r>
+              <a:rPr lang="en-US" altLang="zh-CN" dirty="0"/>
+              <a:t>(</a:t>
+            </a:r>
+            <a:r>
+              <a:rPr lang="en-US" altLang="zh-CN" b="1" dirty="0">
+                <a:solidFill>
+                  <a:srgbClr val="000080"/>
+                </a:solidFill>
+              </a:rPr>
+              <a:t>float</a:t>
+            </a:r>
+            <a:r>
+              <a:rPr lang="en-US" altLang="zh-CN" dirty="0"/>
+              <a:t>) </a:t>
+            </a:r>
+            <a:r>
+              <a:rPr lang="en-US" altLang="zh-CN" dirty="0" err="1"/>
+              <a:t>Math.</a:t>
+            </a:r>
+            <a:r>
+              <a:rPr lang="en-US" altLang="zh-CN" i="1" dirty="0" err="1"/>
+              <a:t>sin</a:t>
+            </a:r>
+            <a:r>
+              <a:rPr lang="en-US" altLang="zh-CN" dirty="0"/>
+              <a:t>(input * </a:t>
+            </a:r>
+            <a:r>
+              <a:rPr lang="en-US" altLang="zh-CN" dirty="0" err="1"/>
+              <a:t>Math.</a:t>
+            </a:r>
+            <a:r>
+              <a:rPr lang="en-US" altLang="zh-CN" b="1" i="1" dirty="0" err="1">
+                <a:solidFill>
+                  <a:srgbClr val="660E7A"/>
+                </a:solidFill>
+              </a:rPr>
+              <a:t>PI</a:t>
+            </a:r>
+            <a:r>
+              <a:rPr lang="en-US" altLang="zh-CN" dirty="0"/>
+              <a:t>);</a:t>
+            </a:r>
+            <a:br>
+              <a:rPr lang="en-US" altLang="zh-CN" dirty="0"/>
+            </a:br>
+            <a:r>
+              <a:rPr lang="en-US" altLang="zh-CN" dirty="0"/>
+              <a:t>    }</a:t>
+            </a:r>
+            <a:br>
+              <a:rPr lang="en-US" altLang="zh-CN" dirty="0"/>
+            </a:br>
+            <a:r>
+              <a:rPr lang="en-US" altLang="zh-CN" dirty="0" smtClean="0"/>
+              <a:t>}</a:t>
+            </a:r>
+            <a:endParaRPr kumimoji="1" lang="en-US" altLang="zh-CN" dirty="0"/>
+          </a:p>
+        </p:txBody>
+      </p:sp>
+      <p:pic>
+        <p:nvPicPr>
+          <p:cNvPr id="4" name="图片 3"/>
+          <p:cNvPicPr>
+            <a:picLocks noChangeAspect="1"/>
+          </p:cNvPicPr>
+          <p:nvPr/>
+        </p:nvPicPr>
+        <p:blipFill>
+          <a:blip r:embed="rId3"/>
+          <a:stretch>
+            <a:fillRect/>
+          </a:stretch>
+        </p:blipFill>
+        <p:spPr>
+          <a:xfrm>
+            <a:off x="8086725" y="3358464"/>
+            <a:ext cx="3267075" cy="2953436"/>
+          </a:xfrm>
+          <a:prstGeom prst="rect">
+            <a:avLst/>
+          </a:prstGeom>
+        </p:spPr>
+      </p:pic>
+      <p:sp>
+        <p:nvSpPr>
+          <p:cNvPr id="5" name="文本框 4"/>
+          <p:cNvSpPr txBox="1"/>
+          <p:nvPr/>
+        </p:nvSpPr>
+        <p:spPr>
+          <a:xfrm>
+            <a:off x="866775" y="4578002"/>
+            <a:ext cx="1951175" cy="523220"/>
+          </a:xfrm>
+          <a:prstGeom prst="rect">
+            <a:avLst/>
+          </a:prstGeom>
+          <a:noFill/>
+        </p:spPr>
+        <p:txBody>
+          <a:bodyPr wrap="none" rtlCol="0">
+            <a:spAutoFit/>
+          </a:bodyPr>
+          <a:lstStyle/>
+          <a:p>
+            <a:r>
+              <a:rPr kumimoji="1" lang="en-US" altLang="zh-CN" sz="2800" dirty="0"/>
+              <a:t>input </a:t>
+            </a:r>
+            <a:r>
+              <a:rPr kumimoji="1" lang="en-US" altLang="zh-CN" sz="2800" dirty="0" smtClean="0"/>
+              <a:t>:  0-&gt;1</a:t>
+            </a:r>
+            <a:endParaRPr kumimoji="1" lang="zh-CN" altLang="en-US" sz="2800" dirty="0"/>
+          </a:p>
+        </p:txBody>
+      </p:sp>
+      <p:sp>
+        <p:nvSpPr>
+          <p:cNvPr id="6" name="文本框 5"/>
+          <p:cNvSpPr txBox="1"/>
+          <p:nvPr/>
+        </p:nvSpPr>
+        <p:spPr>
+          <a:xfrm>
+            <a:off x="838200" y="5055055"/>
+            <a:ext cx="2574679" cy="523220"/>
+          </a:xfrm>
+          <a:prstGeom prst="rect">
+            <a:avLst/>
+          </a:prstGeom>
+          <a:noFill/>
+        </p:spPr>
+        <p:txBody>
+          <a:bodyPr wrap="none" rtlCol="0">
+            <a:spAutoFit/>
+          </a:bodyPr>
+          <a:lstStyle/>
+          <a:p>
+            <a:r>
+              <a:rPr kumimoji="1" lang="en-US" altLang="zh-CN" sz="2800" dirty="0" smtClean="0"/>
+              <a:t>return </a:t>
+            </a:r>
+            <a:r>
+              <a:rPr kumimoji="1" lang="en-US" altLang="zh-CN" sz="2800" dirty="0"/>
+              <a:t>: </a:t>
+            </a:r>
+            <a:r>
+              <a:rPr kumimoji="1" lang="en-US" altLang="zh-CN" sz="2800" dirty="0" smtClean="0"/>
+              <a:t>0-</a:t>
+            </a:r>
+            <a:r>
+              <a:rPr kumimoji="1" lang="en-US" altLang="zh-CN" sz="2800" dirty="0"/>
+              <a:t>&gt;1-&gt;</a:t>
+            </a:r>
+            <a:r>
+              <a:rPr kumimoji="1" lang="en-US" altLang="zh-CN" sz="2800" dirty="0" smtClean="0"/>
+              <a:t>0</a:t>
+            </a:r>
+            <a:endParaRPr kumimoji="1" lang="zh-CN" altLang="en-US" sz="2800" dirty="0"/>
+          </a:p>
+        </p:txBody>
+      </p:sp>
+    </p:spTree>
+    <p:extLst>
+      <p:ext uri="{BB962C8B-B14F-4D97-AF65-F5344CB8AC3E}">
+        <p14:creationId xmlns:p14="http://schemas.microsoft.com/office/powerpoint/2010/main" val="298625210"/>
+      </p:ext>
+    </p:extLst>
+  </p:cSld>
+  <p:clrMapOvr>
+    <a:masterClrMapping/>
+  </p:clrMapOvr>
+  <p:transition spd="med">
+    <p:pull/>
+  </p:transition>
+  <p:timing>
+    <p:tnLst>
+      <p:par>
+        <p:cTn id="1" dur="indefinite" restart="never" nodeType="tmRoot">
+          <p:childTnLst>
+            <p:seq concurrent="1" nextAc="seek">
+              <p:cTn id="2" dur="indefinite" nodeType="mainSeq">
+                <p:childTnLst>
+                  <p:par>
+                    <p:cTn id="3" fill="hold">
+                      <p:stCondLst>
+                        <p:cond delay="indefinite"/>
+                      </p:stCondLst>
+                      <p:childTnLst>
+                        <p:par>
+                          <p:cTn id="4" fill="hold">
+                            <p:stCondLst>
+                              <p:cond delay="0"/>
+                            </p:stCondLst>
+                            <p:childTnLst>
+                              <p:par>
+                                <p:cTn id="5" presetID="10" presetClass="entr" presetSubtype="0" fill="hold" grpId="0" nodeType="clickEffect">
+                                  <p:stCondLst>
+                                    <p:cond delay="0"/>
+                                  </p:stCondLst>
+                                  <p:childTnLst>
+                                    <p:set>
+                                      <p:cBhvr>
+                                        <p:cTn id="6" dur="1" fill="hold">
+                                          <p:stCondLst>
+                                            <p:cond delay="0"/>
+                                          </p:stCondLst>
+                                        </p:cTn>
+                                        <p:tgtEl>
+                                          <p:spTgt spid="5"/>
+                                        </p:tgtEl>
+                                        <p:attrNameLst>
+                                          <p:attrName>style.visibility</p:attrName>
+                                        </p:attrNameLst>
+                                      </p:cBhvr>
+                                      <p:to>
+                                        <p:strVal val="visible"/>
+                                      </p:to>
+                                    </p:set>
+                                    <p:animEffect transition="in" filter="fade">
+                                      <p:cBhvr>
+                                        <p:cTn id="7" dur="500"/>
+                                        <p:tgtEl>
+                                          <p:spTgt spid="5"/>
+                                        </p:tgtEl>
+                                      </p:cBhvr>
+                                    </p:animEffect>
+                                  </p:childTnLst>
+                                </p:cTn>
+                              </p:par>
+                            </p:childTnLst>
+                          </p:cTn>
+                        </p:par>
+                      </p:childTnLst>
+                    </p:cTn>
+                  </p:par>
+                  <p:par>
+                    <p:cTn id="8" fill="hold">
+                      <p:stCondLst>
+                        <p:cond delay="indefinite"/>
+                      </p:stCondLst>
+                      <p:childTnLst>
+                        <p:par>
+                          <p:cTn id="9" fill="hold">
+                            <p:stCondLst>
+                              <p:cond delay="0"/>
+                            </p:stCondLst>
+                            <p:childTnLst>
+                              <p:par>
+                                <p:cTn id="10" presetID="10" presetClass="entr" presetSubtype="0" fill="hold" nodeType="clickEffect">
+                                  <p:stCondLst>
+                                    <p:cond delay="0"/>
+                                  </p:stCondLst>
+                                  <p:childTnLst>
+                                    <p:set>
+                                      <p:cBhvr>
+                                        <p:cTn id="11" dur="1" fill="hold">
+                                          <p:stCondLst>
+                                            <p:cond delay="0"/>
+                                          </p:stCondLst>
+                                        </p:cTn>
+                                        <p:tgtEl>
+                                          <p:spTgt spid="4"/>
+                                        </p:tgtEl>
+                                        <p:attrNameLst>
+                                          <p:attrName>style.visibility</p:attrName>
+                                        </p:attrNameLst>
+                                      </p:cBhvr>
+                                      <p:to>
+                                        <p:strVal val="visible"/>
+                                      </p:to>
+                                    </p:set>
+                                    <p:animEffect transition="in" filter="fade">
+                                      <p:cBhvr>
+                                        <p:cTn id="12" dur="500"/>
+                                        <p:tgtEl>
+                                          <p:spTgt spid="4"/>
+                                        </p:tgtEl>
+                                      </p:cBhvr>
+                                    </p:animEffect>
+                                  </p:childTnLst>
+                                </p:cTn>
+                              </p:par>
+                            </p:childTnLst>
+                          </p:cTn>
+                        </p:par>
+                      </p:childTnLst>
+                    </p:cTn>
+                  </p:par>
+                  <p:par>
+                    <p:cTn id="13" fill="hold">
+                      <p:stCondLst>
+                        <p:cond delay="indefinite"/>
+                      </p:stCondLst>
+                      <p:childTnLst>
+                        <p:par>
+                          <p:cTn id="14" fill="hold">
+                            <p:stCondLst>
+                              <p:cond delay="0"/>
+                            </p:stCondLst>
+                            <p:childTnLst>
+                              <p:par>
+                                <p:cTn id="15" presetID="10" presetClass="entr" presetSubtype="0" fill="hold" grpId="0" nodeType="clickEffect">
+                                  <p:stCondLst>
+                                    <p:cond delay="0"/>
+                                  </p:stCondLst>
+                                  <p:childTnLst>
+                                    <p:set>
+                                      <p:cBhvr>
+                                        <p:cTn id="16" dur="1" fill="hold">
+                                          <p:stCondLst>
+                                            <p:cond delay="0"/>
+                                          </p:stCondLst>
+                                        </p:cTn>
+                                        <p:tgtEl>
+                                          <p:spTgt spid="6"/>
+                                        </p:tgtEl>
+                                        <p:attrNameLst>
+                                          <p:attrName>style.visibility</p:attrName>
+                                        </p:attrNameLst>
+                                      </p:cBhvr>
+                                      <p:to>
+                                        <p:strVal val="visible"/>
+                                      </p:to>
+                                    </p:set>
+                                    <p:animEffect transition="in" filter="fade">
+                                      <p:cBhvr>
+                                        <p:cTn id="17" dur="500"/>
+                                        <p:tgtEl>
+                                          <p:spTgt spid="6"/>
+                                        </p:tgtEl>
+                                      </p:cBhvr>
+                                    </p:animEffect>
+                                  </p:childTnLst>
+                                </p:cTn>
+                              </p:par>
+                            </p:childTnLst>
+                          </p:cTn>
+                        </p:par>
+                      </p:childTnLst>
+                    </p:cTn>
+                  </p:par>
+                </p:childTnLst>
+              </p:cTn>
+              <p:prevCondLst>
+                <p:cond evt="onPrev" delay="0">
+                  <p:tgtEl>
+                    <p:sldTgt/>
+                  </p:tgtEl>
+                </p:cond>
+              </p:prevCondLst>
+              <p:nextCondLst>
+                <p:cond evt="onNext" delay="0">
+                  <p:tgtEl>
+                    <p:sldTgt/>
+                  </p:tgtEl>
+                </p:cond>
+              </p:nextCondLst>
+            </p:seq>
+          </p:childTnLst>
+        </p:cTn>
+      </p:par>
+    </p:tnLst>
+    <p:bldLst>
+      <p:bldP spid="5" grpId="0"/>
+      <p:bldP spid="6" grpId="0"/>
+    </p:bldLst>
+  </p:timing>
+</p:sld>
+</file>
+
+<file path=ppt/slides/slide12.xml><?xml version="1.0" encoding="utf-8"?>
+<p:sld xmlns:a="http://schemas.openxmlformats.org/drawingml/2006/main" xmlns:r="http://schemas.openxmlformats.org/officeDocument/2006/relationships" xmlns:p="http://schemas.openxmlformats.org/presentationml/2006/main">
+  <p:cSld>
+    <p:spTree>
+      <p:nvGrpSpPr>
+        <p:cNvPr id="1" name=""/>
+        <p:cNvGrpSpPr/>
+        <p:nvPr/>
+      </p:nvGrpSpPr>
+      <p:grpSpPr>
+        <a:xfrm>
+          <a:off x="0" y="0"/>
+          <a:ext cx="0" cy="0"/>
+          <a:chOff x="0" y="0"/>
+          <a:chExt cx="0" cy="0"/>
+        </a:xfrm>
+      </p:grpSpPr>
+      <p:sp>
+        <p:nvSpPr>
+          <p:cNvPr id="2" name="标题 1"/>
+          <p:cNvSpPr>
+            <a:spLocks noGrp="1"/>
+          </p:cNvSpPr>
+          <p:nvPr>
+            <p:ph type="title"/>
+          </p:nvPr>
+        </p:nvSpPr>
+        <p:spPr/>
+        <p:txBody>
+          <a:bodyPr/>
+          <a:lstStyle/>
+          <a:p>
+            <a:endParaRPr kumimoji="1" lang="zh-CN" altLang="en-US" dirty="0"/>
+          </a:p>
+        </p:txBody>
+      </p:sp>
+      <p:sp>
+        <p:nvSpPr>
+          <p:cNvPr id="3" name="内容占位符 2"/>
+          <p:cNvSpPr>
+            <a:spLocks noGrp="1"/>
+          </p:cNvSpPr>
+          <p:nvPr>
+            <p:ph idx="1"/>
+          </p:nvPr>
+        </p:nvSpPr>
+        <p:spPr/>
+        <p:txBody>
+          <a:bodyPr/>
+          <a:lstStyle/>
+          <a:p>
+            <a:endParaRPr kumimoji="1" lang="zh-CN" altLang="en-US"/>
+          </a:p>
+        </p:txBody>
+      </p:sp>
+    </p:spTree>
+    <p:extLst>
+      <p:ext uri="{BB962C8B-B14F-4D97-AF65-F5344CB8AC3E}">
+        <p14:creationId xmlns:p14="http://schemas.microsoft.com/office/powerpoint/2010/main" val="1586903190"/>
+      </p:ext>
+    </p:extLst>
+  </p:cSld>
+  <p:clrMapOvr>
+    <a:masterClrMapping/>
+  </p:clrMapOvr>
   <p:timing>
     <p:tnLst>
       <p:par>
@@ -4488,6 +5808,9 @@
   <p:clrMapOvr>
     <a:masterClrMapping/>
   </p:clrMapOvr>
+  <p:transition spd="med">
+    <p:pull/>
+  </p:transition>
   <p:timing>
     <p:tnLst>
       <p:par>
@@ -4618,12 +5941,8 @@
           <a:lstStyle/>
           <a:p>
             <a:r>
-              <a:rPr kumimoji="1" lang="zh-CN" altLang="en-US" dirty="0" smtClean="0"/>
-              <a:t>一个</a:t>
-            </a:r>
-            <a:r>
               <a:rPr kumimoji="1" lang="en-US" altLang="zh-CN" dirty="0" smtClean="0"/>
-              <a:t>demo</a:t>
+              <a:t>demo1</a:t>
             </a:r>
             <a:endParaRPr kumimoji="1" lang="zh-CN" altLang="en-US" dirty="0"/>
           </a:p>
@@ -4663,6 +5982,9 @@
   <p:clrMapOvr>
     <a:masterClrMapping/>
   </p:clrMapOvr>
+  <p:transition spd="med">
+    <p:pull/>
+  </p:transition>
   <p:timing>
     <p:tnLst>
       <p:par>
@@ -4747,6 +6069,9 @@
   <p:clrMapOvr>
     <a:masterClrMapping/>
   </p:clrMapOvr>
+  <p:transition spd="med">
+    <p:pull/>
+  </p:transition>
   <p:timing>
     <p:tnLst>
       <p:par>
@@ -4931,6 +6256,9 @@
   <p:clrMapOvr>
     <a:masterClrMapping/>
   </p:clrMapOvr>
+  <p:transition spd="med">
+    <p:pull/>
+  </p:transition>
   <p:timing>
     <p:tnLst>
       <p:par>
@@ -5209,12 +6537,8 @@
           <a:lstStyle/>
           <a:p>
             <a:r>
-              <a:rPr kumimoji="1" lang="zh-CN" altLang="en-US" dirty="0" smtClean="0"/>
-              <a:t>一个</a:t>
-            </a:r>
-            <a:r>
               <a:rPr kumimoji="1" lang="en-US" altLang="zh-CN" dirty="0" smtClean="0"/>
-              <a:t>demo</a:t>
+              <a:t>ValueAnimator</a:t>
             </a:r>
             <a:endParaRPr kumimoji="1" lang="zh-CN" altLang="en-US" dirty="0"/>
           </a:p>
@@ -5222,32 +6546,37 @@
       </p:sp>
       <p:pic>
         <p:nvPicPr>
-          <p:cNvPr id="5" name="图片 4"/>
+          <p:cNvPr id="4" name="内容占位符 3"/>
           <p:cNvPicPr>
-            <a:picLocks noChangeAspect="1"/>
+            <a:picLocks noGrp="1" noChangeAspect="1"/>
           </p:cNvPicPr>
-          <p:nvPr/>
+          <p:nvPr>
+            <p:ph idx="1"/>
+          </p:nvPr>
         </p:nvPicPr>
         <p:blipFill>
-          <a:blip r:embed="rId3"/>
+          <a:blip r:embed="rId2">
+            <a:extLst>
+              <a:ext uri="{28A0092B-C50C-407E-A947-70E740481C1C}">
+                <a14:useLocalDpi xmlns:a14="http://schemas.microsoft.com/office/drawing/2010/main" val="0"/>
+              </a:ext>
+            </a:extLst>
+          </a:blip>
           <a:stretch>
             <a:fillRect/>
           </a:stretch>
         </p:blipFill>
         <p:spPr>
           <a:xfrm>
-            <a:off x="1425575" y="1690688"/>
-            <a:ext cx="9928225" cy="4096652"/>
+            <a:off x="838200" y="1690688"/>
+            <a:ext cx="10840815" cy="5032375"/>
           </a:xfrm>
-          <a:prstGeom prst="rect">
-            <a:avLst/>
-          </a:prstGeom>
         </p:spPr>
       </p:pic>
     </p:spTree>
     <p:extLst>
       <p:ext uri="{BB962C8B-B14F-4D97-AF65-F5344CB8AC3E}">
-        <p14:creationId xmlns:p14="http://schemas.microsoft.com/office/powerpoint/2010/main" val="889023311"/>
+        <p14:creationId xmlns:p14="http://schemas.microsoft.com/office/powerpoint/2010/main" val="500618996"/>
       </p:ext>
     </p:extLst>
   </p:cSld>
@@ -5298,195 +6627,71 @@
           <a:p>
             <a:r>
               <a:rPr kumimoji="1" lang="en-US" altLang="zh-CN" dirty="0" smtClean="0"/>
-              <a:t>Interpolator</a:t>
+              <a:t>demo1</a:t>
             </a:r>
             <a:endParaRPr kumimoji="1" lang="zh-CN" altLang="en-US" dirty="0"/>
           </a:p>
         </p:txBody>
       </p:sp>
-      <p:sp>
-        <p:nvSpPr>
-          <p:cNvPr id="3" name="内容占位符 2"/>
-          <p:cNvSpPr>
-            <a:spLocks noGrp="1"/>
-          </p:cNvSpPr>
-          <p:nvPr>
-            <p:ph idx="1"/>
-          </p:nvPr>
-        </p:nvSpPr>
-        <p:spPr/>
-        <p:txBody>
-          <a:bodyPr>
-            <a:normAutofit/>
-          </a:bodyPr>
-          <a:lstStyle/>
-          <a:p>
-            <a:r>
-              <a:rPr lang="en-US" altLang="zh-CN" b="1" dirty="0">
-                <a:solidFill>
-                  <a:srgbClr val="000080"/>
-                </a:solidFill>
-              </a:rPr>
-              <a:t>public interface </a:t>
-            </a:r>
-            <a:r>
-              <a:rPr lang="en-US" altLang="zh-CN" dirty="0" err="1"/>
-              <a:t>TimeInterpolator</a:t>
-            </a:r>
-            <a:r>
-              <a:rPr lang="en-US" altLang="zh-CN" dirty="0"/>
-              <a:t> {</a:t>
-            </a:r>
-            <a:br>
-              <a:rPr lang="en-US" altLang="zh-CN" dirty="0"/>
-            </a:br>
-            <a:r>
-              <a:rPr lang="en-US" altLang="zh-CN" i="1" dirty="0">
-                <a:solidFill>
-                  <a:srgbClr val="808080"/>
-                </a:solidFill>
-              </a:rPr>
-              <a:t/>
-            </a:r>
-            <a:br>
-              <a:rPr lang="en-US" altLang="zh-CN" i="1" dirty="0">
-                <a:solidFill>
-                  <a:srgbClr val="808080"/>
-                </a:solidFill>
-              </a:rPr>
-            </a:br>
-            <a:r>
-              <a:rPr lang="en-US" altLang="zh-CN" i="1" dirty="0">
-                <a:solidFill>
-                  <a:srgbClr val="808080"/>
-                </a:solidFill>
-              </a:rPr>
-              <a:t>    </a:t>
-            </a:r>
-            <a:r>
-              <a:rPr lang="en-US" altLang="zh-CN" b="1" dirty="0">
-                <a:solidFill>
-                  <a:srgbClr val="000080"/>
-                </a:solidFill>
-              </a:rPr>
-              <a:t>float </a:t>
-            </a:r>
-            <a:r>
-              <a:rPr lang="en-US" altLang="zh-CN" dirty="0" err="1"/>
-              <a:t>getInterpolation</a:t>
-            </a:r>
-            <a:r>
-              <a:rPr lang="en-US" altLang="zh-CN" dirty="0"/>
-              <a:t>(</a:t>
-            </a:r>
-            <a:r>
-              <a:rPr lang="en-US" altLang="zh-CN" b="1" dirty="0">
-                <a:solidFill>
-                  <a:srgbClr val="000080"/>
-                </a:solidFill>
-              </a:rPr>
-              <a:t>float </a:t>
-            </a:r>
-            <a:r>
-              <a:rPr lang="en-US" altLang="zh-CN" dirty="0"/>
-              <a:t>input);</a:t>
-            </a:r>
-            <a:br>
-              <a:rPr lang="en-US" altLang="zh-CN" dirty="0"/>
-            </a:br>
-            <a:r>
-              <a:rPr lang="en-US" altLang="zh-CN" dirty="0" smtClean="0"/>
-              <a:t>}</a:t>
-            </a:r>
-            <a:endParaRPr lang="zh-CN" altLang="en-US" dirty="0" smtClean="0"/>
-          </a:p>
-          <a:p>
-            <a:endParaRPr kumimoji="1" lang="zh-CN" altLang="en-US" dirty="0"/>
-          </a:p>
-          <a:p>
-            <a:r>
-              <a:rPr lang="en-US" altLang="zh-CN" b="1" dirty="0">
-                <a:solidFill>
-                  <a:srgbClr val="000080"/>
-                </a:solidFill>
-              </a:rPr>
-              <a:t>public interface </a:t>
-            </a:r>
-            <a:r>
-              <a:rPr lang="en-US" altLang="zh-CN" dirty="0"/>
-              <a:t>Interpolator </a:t>
-            </a:r>
-            <a:r>
-              <a:rPr lang="en-US" altLang="zh-CN" b="1" dirty="0">
-                <a:solidFill>
-                  <a:srgbClr val="000080"/>
-                </a:solidFill>
-              </a:rPr>
-              <a:t>extends </a:t>
-            </a:r>
-            <a:r>
-              <a:rPr lang="en-US" altLang="zh-CN" dirty="0" err="1"/>
-              <a:t>TimeInterpolator</a:t>
-            </a:r>
-            <a:r>
-              <a:rPr lang="en-US" altLang="zh-CN" dirty="0"/>
-              <a:t> {</a:t>
-            </a:r>
-            <a:br>
-              <a:rPr lang="en-US" altLang="zh-CN" dirty="0"/>
-            </a:br>
-            <a:r>
-              <a:rPr lang="en-US" altLang="zh-CN" i="1" dirty="0">
-                <a:solidFill>
-                  <a:srgbClr val="808080"/>
-                </a:solidFill>
-              </a:rPr>
-              <a:t/>
-            </a:r>
-            <a:br>
-              <a:rPr lang="en-US" altLang="zh-CN" i="1" dirty="0">
-                <a:solidFill>
-                  <a:srgbClr val="808080"/>
-                </a:solidFill>
-              </a:rPr>
-            </a:br>
-            <a:r>
-              <a:rPr lang="en-US" altLang="zh-CN" dirty="0"/>
-              <a:t>}</a:t>
-            </a:r>
-            <a:endParaRPr kumimoji="1" lang="zh-CN" altLang="en-US" dirty="0"/>
-          </a:p>
-        </p:txBody>
-      </p:sp>
-      <p:sp>
-        <p:nvSpPr>
-          <p:cNvPr id="4" name="矩形 3"/>
-          <p:cNvSpPr/>
+      <p:pic>
+        <p:nvPicPr>
+          <p:cNvPr id="5" name="图片 4"/>
+          <p:cNvPicPr>
+            <a:picLocks noChangeAspect="1"/>
+          </p:cNvPicPr>
           <p:nvPr/>
-        </p:nvSpPr>
+        </p:nvPicPr>
+        <p:blipFill>
+          <a:blip r:embed="rId3"/>
+          <a:stretch>
+            <a:fillRect/>
+          </a:stretch>
+        </p:blipFill>
         <p:spPr>
           <a:xfrm>
-            <a:off x="1343025" y="2486025"/>
-            <a:ext cx="5172075" cy="600075"/>
+            <a:off x="1425575" y="1690688"/>
+            <a:ext cx="9928225" cy="4096652"/>
           </a:xfrm>
           <a:prstGeom prst="rect">
             <a:avLst/>
           </a:prstGeom>
+        </p:spPr>
+      </p:pic>
+      <p:sp>
+        <p:nvSpPr>
+          <p:cNvPr id="4" name="圆角矩形 3"/>
+          <p:cNvSpPr/>
+          <p:nvPr/>
+        </p:nvSpPr>
+        <p:spPr>
+          <a:xfrm>
+            <a:off x="5457826" y="3971925"/>
+            <a:ext cx="4171950" cy="400049"/>
+          </a:xfrm>
+          <a:prstGeom prst="roundRect">
+            <a:avLst/>
+          </a:prstGeom>
           <a:noFill/>
-          <a:ln/>
+          <a:ln>
+            <a:solidFill>
+              <a:srgbClr val="FF0000"/>
+            </a:solidFill>
+          </a:ln>
         </p:spPr>
         <p:style>
           <a:lnRef idx="2">
-            <a:schemeClr val="accent6"/>
+            <a:schemeClr val="accent1">
+              <a:shade val="50000"/>
+            </a:schemeClr>
           </a:lnRef>
           <a:fillRef idx="1">
-            <a:schemeClr val="lt1"/>
+            <a:schemeClr val="accent1"/>
           </a:fillRef>
           <a:effectRef idx="0">
-            <a:schemeClr val="accent6"/>
+            <a:schemeClr val="accent1"/>
           </a:effectRef>
           <a:fontRef idx="minor">
-            <a:schemeClr val="dk1"/>
+            <a:schemeClr val="lt1"/>
           </a:fontRef>
         </p:style>
         <p:txBody>
@@ -5501,98 +6706,155 @@
     </p:spTree>
     <p:extLst>
       <p:ext uri="{BB962C8B-B14F-4D97-AF65-F5344CB8AC3E}">
-        <p14:creationId xmlns:p14="http://schemas.microsoft.com/office/powerpoint/2010/main" val="1346811305"/>
+        <p14:creationId xmlns:p14="http://schemas.microsoft.com/office/powerpoint/2010/main" val="887077888"/>
       </p:ext>
     </p:extLst>
   </p:cSld>
   <p:clrMapOvr>
     <a:masterClrMapping/>
   </p:clrMapOvr>
+  <p:transition spd="med">
+    <p:pull/>
+  </p:transition>
   <p:timing>
     <p:tnLst>
       <p:par>
-        <p:cTn id="1" dur="indefinite" restart="never" nodeType="tmRoot">
-          <p:childTnLst>
-            <p:seq concurrent="1" nextAc="seek">
-              <p:cTn id="2" dur="indefinite" nodeType="mainSeq">
-                <p:childTnLst>
-                  <p:par>
-                    <p:cTn id="3" fill="hold">
-                      <p:stCondLst>
-                        <p:cond delay="indefinite"/>
-                      </p:stCondLst>
-                      <p:childTnLst>
-                        <p:par>
-                          <p:cTn id="4" fill="hold">
-                            <p:stCondLst>
-                              <p:cond delay="0"/>
-                            </p:stCondLst>
-                            <p:childTnLst>
-                              <p:par>
-                                <p:cTn id="5" presetID="16" presetClass="entr" presetSubtype="21" fill="hold" grpId="0" nodeType="clickEffect">
-                                  <p:stCondLst>
-                                    <p:cond delay="0"/>
-                                  </p:stCondLst>
-                                  <p:childTnLst>
-                                    <p:set>
-                                      <p:cBhvr>
-                                        <p:cTn id="6" dur="1" fill="hold">
-                                          <p:stCondLst>
-                                            <p:cond delay="0"/>
-                                          </p:stCondLst>
-                                        </p:cTn>
-                                        <p:tgtEl>
-                                          <p:spTgt spid="4"/>
-                                        </p:tgtEl>
-                                        <p:attrNameLst>
-                                          <p:attrName>style.visibility</p:attrName>
-                                        </p:attrNameLst>
-                                      </p:cBhvr>
-                                      <p:to>
-                                        <p:strVal val="visible"/>
-                                      </p:to>
-                                    </p:set>
-                                    <p:animEffect transition="in" filter="barn(inVertical)">
-                                      <p:cBhvr>
-                                        <p:cTn id="7" dur="500"/>
-                                        <p:tgtEl>
-                                          <p:spTgt spid="4"/>
-                                        </p:tgtEl>
-                                      </p:cBhvr>
-                                    </p:animEffect>
-                                  </p:childTnLst>
-                                </p:cTn>
-                              </p:par>
-                            </p:childTnLst>
-                          </p:cTn>
-                        </p:par>
-                      </p:childTnLst>
-                    </p:cTn>
-                  </p:par>
-                </p:childTnLst>
-              </p:cTn>
-              <p:prevCondLst>
-                <p:cond evt="onPrev" delay="0">
-                  <p:tgtEl>
-                    <p:sldTgt/>
-                  </p:tgtEl>
-                </p:cond>
-              </p:prevCondLst>
-              <p:nextCondLst>
-                <p:cond evt="onNext" delay="0">
-                  <p:tgtEl>
-                    <p:sldTgt/>
-                  </p:tgtEl>
-                </p:cond>
-              </p:nextCondLst>
-            </p:seq>
-          </p:childTnLst>
-        </p:cTn>
+        <p:cTn id="1" dur="indefinite" restart="never" nodeType="tmRoot"/>
       </p:par>
     </p:tnLst>
-    <p:bldLst>
-      <p:bldP spid="4" grpId="0" animBg="1"/>
-    </p:bldLst>
+  </p:timing>
+</p:sld>
+</file>
+
+<file path=ppt/slides/slide9.xml><?xml version="1.0" encoding="utf-8"?>
+<p:sld xmlns:a="http://schemas.openxmlformats.org/drawingml/2006/main" xmlns:r="http://schemas.openxmlformats.org/officeDocument/2006/relationships" xmlns:p="http://schemas.openxmlformats.org/presentationml/2006/main">
+  <p:cSld>
+    <p:spTree>
+      <p:nvGrpSpPr>
+        <p:cNvPr id="1" name=""/>
+        <p:cNvGrpSpPr/>
+        <p:nvPr/>
+      </p:nvGrpSpPr>
+      <p:grpSpPr>
+        <a:xfrm>
+          <a:off x="0" y="0"/>
+          <a:ext cx="0" cy="0"/>
+          <a:chOff x="0" y="0"/>
+          <a:chExt cx="0" cy="0"/>
+        </a:xfrm>
+      </p:grpSpPr>
+      <p:sp>
+        <p:nvSpPr>
+          <p:cNvPr id="2" name="标题 1"/>
+          <p:cNvSpPr>
+            <a:spLocks noGrp="1"/>
+          </p:cNvSpPr>
+          <p:nvPr>
+            <p:ph type="title"/>
+          </p:nvPr>
+        </p:nvSpPr>
+        <p:spPr/>
+        <p:txBody>
+          <a:bodyPr/>
+          <a:lstStyle/>
+          <a:p>
+            <a:r>
+              <a:rPr kumimoji="1" lang="en-US" altLang="zh-CN" dirty="0" smtClean="0"/>
+              <a:t>demo1</a:t>
+            </a:r>
+            <a:endParaRPr kumimoji="1" lang="zh-CN" altLang="en-US" dirty="0"/>
+          </a:p>
+        </p:txBody>
+      </p:sp>
+      <p:pic>
+        <p:nvPicPr>
+          <p:cNvPr id="5" name="图片 4"/>
+          <p:cNvPicPr>
+            <a:picLocks noChangeAspect="1"/>
+          </p:cNvPicPr>
+          <p:nvPr/>
+        </p:nvPicPr>
+        <p:blipFill>
+          <a:blip r:embed="rId3"/>
+          <a:stretch>
+            <a:fillRect/>
+          </a:stretch>
+        </p:blipFill>
+        <p:spPr>
+          <a:xfrm>
+            <a:off x="1425575" y="1690688"/>
+            <a:ext cx="9928225" cy="4096652"/>
+          </a:xfrm>
+          <a:prstGeom prst="rect">
+            <a:avLst/>
+          </a:prstGeom>
+        </p:spPr>
+      </p:pic>
+      <p:sp>
+        <p:nvSpPr>
+          <p:cNvPr id="3" name="圆角矩形 2"/>
+          <p:cNvSpPr/>
+          <p:nvPr/>
+        </p:nvSpPr>
+        <p:spPr>
+          <a:xfrm>
+            <a:off x="1425574" y="2200275"/>
+            <a:ext cx="7889875" cy="314325"/>
+          </a:xfrm>
+          <a:prstGeom prst="roundRect">
+            <a:avLst/>
+          </a:prstGeom>
+          <a:noFill/>
+          <a:ln>
+            <a:solidFill>
+              <a:srgbClr val="FF0000"/>
+            </a:solidFill>
+          </a:ln>
+        </p:spPr>
+        <p:style>
+          <a:lnRef idx="2">
+            <a:schemeClr val="accent1">
+              <a:shade val="50000"/>
+            </a:schemeClr>
+          </a:lnRef>
+          <a:fillRef idx="1">
+            <a:schemeClr val="accent1"/>
+          </a:fillRef>
+          <a:effectRef idx="0">
+            <a:schemeClr val="accent1"/>
+          </a:effectRef>
+          <a:fontRef idx="minor">
+            <a:schemeClr val="lt1"/>
+          </a:fontRef>
+        </p:style>
+        <p:txBody>
+          <a:bodyPr rtlCol="0" anchor="ctr"/>
+          <a:lstStyle/>
+          <a:p>
+            <a:pPr algn="ctr"/>
+            <a:endParaRPr kumimoji="1" lang="zh-CN" altLang="en-US"/>
+          </a:p>
+        </p:txBody>
+      </p:sp>
+    </p:spTree>
+    <p:extLst>
+      <p:ext uri="{BB962C8B-B14F-4D97-AF65-F5344CB8AC3E}">
+        <p14:creationId xmlns:p14="http://schemas.microsoft.com/office/powerpoint/2010/main" val="1745790417"/>
+      </p:ext>
+    </p:extLst>
+  </p:cSld>
+  <p:clrMapOvr>
+    <a:masterClrMapping/>
+  </p:clrMapOvr>
+  <p:transition spd="med">
+    <p:pull/>
+  </p:transition>
+  <p:timing>
+    <p:tnLst>
+      <p:par>
+        <p:cTn id="1" dur="indefinite" restart="never" nodeType="tmRoot"/>
+      </p:par>
+    </p:tnLst>
   </p:timing>
 </p:sld>
 </file>

--- a/AnimationSkillShare/动画实用技巧.pptx
+++ b/AnimationSkillShare/动画实用技巧.pptx
@@ -5,7 +5,7 @@
     <p:sldMasterId id="2147483648" r:id="rId1"/>
   </p:sldMasterIdLst>
   <p:notesMasterIdLst>
-    <p:notesMasterId r:id="rId14"/>
+    <p:notesMasterId r:id="rId22"/>
   </p:notesMasterIdLst>
   <p:sldIdLst>
     <p:sldId id="256" r:id="rId2"/>
@@ -15,11 +15,19 @@
     <p:sldId id="265" r:id="rId6"/>
     <p:sldId id="264" r:id="rId7"/>
     <p:sldId id="271" r:id="rId8"/>
-    <p:sldId id="272" r:id="rId9"/>
-    <p:sldId id="273" r:id="rId10"/>
-    <p:sldId id="267" r:id="rId11"/>
-    <p:sldId id="268" r:id="rId12"/>
-    <p:sldId id="270" r:id="rId13"/>
+    <p:sldId id="274" r:id="rId9"/>
+    <p:sldId id="275" r:id="rId10"/>
+    <p:sldId id="272" r:id="rId11"/>
+    <p:sldId id="276" r:id="rId12"/>
+    <p:sldId id="277" r:id="rId13"/>
+    <p:sldId id="273" r:id="rId14"/>
+    <p:sldId id="267" r:id="rId15"/>
+    <p:sldId id="268" r:id="rId16"/>
+    <p:sldId id="270" r:id="rId17"/>
+    <p:sldId id="278" r:id="rId18"/>
+    <p:sldId id="279" r:id="rId19"/>
+    <p:sldId id="280" r:id="rId20"/>
+    <p:sldId id="281" r:id="rId21"/>
   </p:sldIdLst>
   <p:sldSz cx="12192000" cy="6858000"/>
   <p:notesSz cx="6858000" cy="9144000"/>
@@ -208,7 +216,7 @@
           <a:p>
             <a:fld id="{433AAF85-9BEC-EE4B-A2D6-629E21E2BD86}" type="datetimeFigureOut">
               <a:rPr kumimoji="1" lang="zh-CN" altLang="en-US" smtClean="0"/>
-              <a:t>15/10/27</a:t>
+              <a:t>15/11/6</a:t>
             </a:fld>
             <a:endParaRPr kumimoji="1" lang="zh-CN" altLang="en-US"/>
           </a:p>
@@ -609,6 +617,756 @@
           <a:lstStyle/>
           <a:p>
             <a:r>
+              <a:rPr kumimoji="1" lang="zh-CN" altLang="en-US" dirty="0" smtClean="0"/>
+              <a:t>再回到</a:t>
+            </a:r>
+            <a:r>
+              <a:rPr kumimoji="1" lang="en-US" altLang="zh-CN" dirty="0" smtClean="0"/>
+              <a:t>demo1</a:t>
+            </a:r>
+            <a:r>
+              <a:rPr kumimoji="1" lang="zh-CN" altLang="en-US" dirty="0" smtClean="0"/>
+              <a:t>，</a:t>
+            </a:r>
+          </a:p>
+          <a:p>
+            <a:r>
+              <a:rPr kumimoji="1" lang="zh-CN" altLang="en-US" dirty="0" smtClean="0"/>
+              <a:t>接下来讲一下，</a:t>
+            </a:r>
+            <a:r>
+              <a:rPr kumimoji="1" lang="en-US" altLang="zh-CN" dirty="0" err="1" smtClean="0"/>
+              <a:t>getAnimatedValue</a:t>
+            </a:r>
+            <a:r>
+              <a:rPr kumimoji="1" lang="zh-CN" altLang="en-US" dirty="0" smtClean="0"/>
+              <a:t>这个方法</a:t>
+            </a:r>
+          </a:p>
+          <a:p>
+            <a:endParaRPr kumimoji="1" lang="en-US" altLang="zh-CN" dirty="0" smtClean="0"/>
+          </a:p>
+          <a:p>
+            <a:endParaRPr kumimoji="1" lang="zh-CN" altLang="en-US" dirty="0" smtClean="0"/>
+          </a:p>
+        </p:txBody>
+      </p:sp>
+      <p:sp>
+        <p:nvSpPr>
+          <p:cNvPr id="4" name="幻灯片编号占位符 3"/>
+          <p:cNvSpPr>
+            <a:spLocks noGrp="1"/>
+          </p:cNvSpPr>
+          <p:nvPr>
+            <p:ph type="sldNum" sz="quarter" idx="10"/>
+          </p:nvPr>
+        </p:nvSpPr>
+        <p:spPr/>
+        <p:txBody>
+          <a:bodyPr/>
+          <a:lstStyle/>
+          <a:p>
+            <a:fld id="{53190343-A285-E444-9B8B-A03A0DB5BFEC}" type="slidenum">
+              <a:rPr kumimoji="1" lang="zh-CN" altLang="en-US" smtClean="0"/>
+              <a:t>10</a:t>
+            </a:fld>
+            <a:endParaRPr kumimoji="1" lang="zh-CN" altLang="en-US"/>
+          </a:p>
+        </p:txBody>
+      </p:sp>
+    </p:spTree>
+    <p:extLst>
+      <p:ext uri="{BB962C8B-B14F-4D97-AF65-F5344CB8AC3E}">
+        <p14:creationId xmlns:p14="http://schemas.microsoft.com/office/powerpoint/2010/main" val="530498338"/>
+      </p:ext>
+    </p:extLst>
+  </p:cSld>
+  <p:clrMapOvr>
+    <a:masterClrMapping/>
+  </p:clrMapOvr>
+</p:notes>
+</file>
+
+<file path=ppt/notesSlides/notesSlide11.xml><?xml version="1.0" encoding="utf-8"?>
+<p:notes xmlns:a="http://schemas.openxmlformats.org/drawingml/2006/main" xmlns:r="http://schemas.openxmlformats.org/officeDocument/2006/relationships" xmlns:p="http://schemas.openxmlformats.org/presentationml/2006/main">
+  <p:cSld>
+    <p:spTree>
+      <p:nvGrpSpPr>
+        <p:cNvPr id="1" name=""/>
+        <p:cNvGrpSpPr/>
+        <p:nvPr/>
+      </p:nvGrpSpPr>
+      <p:grpSpPr>
+        <a:xfrm>
+          <a:off x="0" y="0"/>
+          <a:ext cx="0" cy="0"/>
+          <a:chOff x="0" y="0"/>
+          <a:chExt cx="0" cy="0"/>
+        </a:xfrm>
+      </p:grpSpPr>
+      <p:sp>
+        <p:nvSpPr>
+          <p:cNvPr id="2" name="幻灯片图像占位符 1"/>
+          <p:cNvSpPr>
+            <a:spLocks noGrp="1" noRot="1" noChangeAspect="1"/>
+          </p:cNvSpPr>
+          <p:nvPr>
+            <p:ph type="sldImg"/>
+          </p:nvPr>
+        </p:nvSpPr>
+        <p:spPr/>
+      </p:sp>
+      <p:sp>
+        <p:nvSpPr>
+          <p:cNvPr id="3" name="备注占位符 2"/>
+          <p:cNvSpPr>
+            <a:spLocks noGrp="1"/>
+          </p:cNvSpPr>
+          <p:nvPr>
+            <p:ph type="body" idx="1"/>
+          </p:nvPr>
+        </p:nvSpPr>
+        <p:spPr/>
+        <p:txBody>
+          <a:bodyPr/>
+          <a:lstStyle/>
+          <a:p>
+            <a:r>
+              <a:rPr kumimoji="1" lang="en-US" altLang="zh-CN" dirty="0" smtClean="0"/>
+              <a:t>ValueAnimator</a:t>
+            </a:r>
+            <a:r>
+              <a:rPr kumimoji="1" lang="zh-CN" altLang="en-US" dirty="0" smtClean="0"/>
+              <a:t>的</a:t>
+            </a:r>
+            <a:r>
+              <a:rPr kumimoji="1" lang="en-US" altLang="zh-CN" dirty="0" err="1" smtClean="0"/>
+              <a:t>getAnimated</a:t>
+            </a:r>
+            <a:r>
+              <a:rPr kumimoji="1" lang="zh-CN" altLang="en-US" dirty="0" smtClean="0"/>
+              <a:t>方法，取</a:t>
+            </a:r>
+            <a:r>
+              <a:rPr kumimoji="1" lang="en-US" altLang="zh-CN" dirty="0" err="1" smtClean="0"/>
+              <a:t>ProperyValuesHolder</a:t>
+            </a:r>
+            <a:r>
+              <a:rPr kumimoji="1" lang="zh-CN" altLang="en-US" dirty="0" smtClean="0"/>
+              <a:t>中的第一个对象，调它的</a:t>
+            </a:r>
+            <a:r>
+              <a:rPr kumimoji="1" lang="en-US" altLang="zh-CN" dirty="0" err="1" smtClean="0"/>
+              <a:t>getAnimatedValue</a:t>
+            </a:r>
+            <a:r>
+              <a:rPr kumimoji="1" lang="zh-CN" altLang="en-US" dirty="0" smtClean="0"/>
+              <a:t>方法，然后直接返回了</a:t>
+            </a:r>
+            <a:r>
+              <a:rPr kumimoji="1" lang="en-US" altLang="zh-CN" dirty="0" err="1" smtClean="0"/>
+              <a:t>mAnimatedValue</a:t>
+            </a:r>
+            <a:r>
+              <a:rPr kumimoji="1" lang="zh-CN" altLang="en-US" dirty="0" smtClean="0"/>
+              <a:t>这个成员变量的值</a:t>
+            </a:r>
+          </a:p>
+          <a:p>
+            <a:r>
+              <a:rPr kumimoji="1" lang="zh-CN" altLang="en-US" dirty="0" smtClean="0"/>
+              <a:t>其实在调</a:t>
+            </a:r>
+            <a:r>
+              <a:rPr kumimoji="1" lang="en-US" altLang="zh-CN" dirty="0" smtClean="0"/>
+              <a:t>onAnimationUpdate</a:t>
+            </a:r>
+            <a:r>
+              <a:rPr kumimoji="1" lang="zh-CN" altLang="en-US" dirty="0" smtClean="0"/>
+              <a:t>之前，已经计算好了值</a:t>
+            </a:r>
+          </a:p>
+          <a:p>
+            <a:r>
+              <a:rPr kumimoji="1" lang="en-US" altLang="zh-CN" dirty="0" smtClean="0"/>
+              <a:t>ValueAnimator</a:t>
+            </a:r>
+            <a:r>
+              <a:rPr kumimoji="1" lang="zh-CN" altLang="en-US" dirty="0" smtClean="0"/>
+              <a:t>中有一个</a:t>
+            </a:r>
+            <a:r>
+              <a:rPr kumimoji="1" lang="en-US" altLang="zh-CN" dirty="0" err="1" smtClean="0"/>
+              <a:t>animateValue</a:t>
+            </a:r>
+            <a:r>
+              <a:rPr kumimoji="1" lang="zh-CN" altLang="en-US" dirty="0" smtClean="0"/>
+              <a:t>方法，先用</a:t>
+            </a:r>
+            <a:r>
+              <a:rPr kumimoji="1" lang="en-US" altLang="zh-CN" dirty="0" err="1" smtClean="0"/>
+              <a:t>mInterpolator</a:t>
+            </a:r>
+            <a:r>
+              <a:rPr kumimoji="1" lang="zh-CN" altLang="en-US" dirty="0" smtClean="0"/>
+              <a:t>计算出</a:t>
+            </a:r>
+            <a:r>
+              <a:rPr kumimoji="1" lang="en-US" altLang="zh-CN" dirty="0" smtClean="0"/>
+              <a:t>fraction</a:t>
+            </a:r>
+            <a:r>
+              <a:rPr kumimoji="1" lang="zh-CN" altLang="en-US" dirty="0" smtClean="0"/>
+              <a:t>，然后调</a:t>
+            </a:r>
+            <a:r>
+              <a:rPr kumimoji="1" lang="en-US" altLang="zh-CN" dirty="0" err="1" smtClean="0"/>
+              <a:t>ProperyValuesHolder</a:t>
+            </a:r>
+            <a:r>
+              <a:rPr kumimoji="1" lang="zh-CN" altLang="en-US" dirty="0" smtClean="0"/>
+              <a:t>对象的</a:t>
+            </a:r>
+            <a:r>
+              <a:rPr kumimoji="1" lang="en-US" altLang="zh-CN" dirty="0" err="1" smtClean="0"/>
+              <a:t>calculateValue</a:t>
+            </a:r>
+            <a:r>
+              <a:rPr kumimoji="1" lang="zh-CN" altLang="en-US" dirty="0" smtClean="0"/>
+              <a:t>方法取计算值，然后再调</a:t>
+            </a:r>
+            <a:r>
+              <a:rPr kumimoji="1" lang="en-US" altLang="zh-CN" dirty="0" err="1" smtClean="0"/>
+              <a:t>OnAnimatorUpdate</a:t>
+            </a:r>
+            <a:r>
+              <a:rPr kumimoji="1" lang="zh-CN" altLang="en-US" dirty="0" smtClean="0"/>
+              <a:t>，</a:t>
+            </a:r>
+          </a:p>
+          <a:p>
+            <a:r>
+              <a:rPr kumimoji="1" lang="zh-CN" altLang="en-US" dirty="0" smtClean="0"/>
+              <a:t>其实也是去调</a:t>
+            </a:r>
+            <a:r>
+              <a:rPr kumimoji="1" lang="en-US" altLang="zh-CN" dirty="0" err="1" smtClean="0"/>
+              <a:t>KeyFrames</a:t>
+            </a:r>
+            <a:r>
+              <a:rPr kumimoji="1" lang="zh-CN" altLang="en-US" dirty="0" smtClean="0"/>
+              <a:t>的</a:t>
+            </a:r>
+            <a:r>
+              <a:rPr kumimoji="1" lang="en-US" altLang="zh-CN" dirty="0" err="1" smtClean="0"/>
+              <a:t>getValue</a:t>
+            </a:r>
+            <a:r>
+              <a:rPr kumimoji="1" lang="zh-CN" altLang="en-US" dirty="0" smtClean="0"/>
+              <a:t>方法获取值，最终是去调</a:t>
+            </a:r>
+            <a:r>
+              <a:rPr kumimoji="1" lang="en-US" altLang="zh-CN" dirty="0" err="1" smtClean="0"/>
+              <a:t>KeyFrame</a:t>
+            </a:r>
+            <a:r>
+              <a:rPr kumimoji="1" lang="zh-CN" altLang="en-US" dirty="0" smtClean="0"/>
+              <a:t>的</a:t>
+            </a:r>
+            <a:r>
+              <a:rPr kumimoji="1" lang="en-US" altLang="zh-CN" dirty="0" err="1" smtClean="0"/>
+              <a:t>getValue</a:t>
+            </a:r>
+            <a:endParaRPr kumimoji="1" lang="zh-CN" altLang="en-US" dirty="0" smtClean="0"/>
+          </a:p>
+        </p:txBody>
+      </p:sp>
+      <p:sp>
+        <p:nvSpPr>
+          <p:cNvPr id="4" name="幻灯片编号占位符 3"/>
+          <p:cNvSpPr>
+            <a:spLocks noGrp="1"/>
+          </p:cNvSpPr>
+          <p:nvPr>
+            <p:ph type="sldNum" sz="quarter" idx="10"/>
+          </p:nvPr>
+        </p:nvSpPr>
+        <p:spPr/>
+        <p:txBody>
+          <a:bodyPr/>
+          <a:lstStyle/>
+          <a:p>
+            <a:fld id="{53190343-A285-E444-9B8B-A03A0DB5BFEC}" type="slidenum">
+              <a:rPr kumimoji="1" lang="zh-CN" altLang="en-US" smtClean="0"/>
+              <a:t>11</a:t>
+            </a:fld>
+            <a:endParaRPr kumimoji="1" lang="zh-CN" altLang="en-US"/>
+          </a:p>
+        </p:txBody>
+      </p:sp>
+    </p:spTree>
+    <p:extLst>
+      <p:ext uri="{BB962C8B-B14F-4D97-AF65-F5344CB8AC3E}">
+        <p14:creationId xmlns:p14="http://schemas.microsoft.com/office/powerpoint/2010/main" val="292423943"/>
+      </p:ext>
+    </p:extLst>
+  </p:cSld>
+  <p:clrMapOvr>
+    <a:masterClrMapping/>
+  </p:clrMapOvr>
+</p:notes>
+</file>
+
+<file path=ppt/notesSlides/notesSlide12.xml><?xml version="1.0" encoding="utf-8"?>
+<p:notes xmlns:a="http://schemas.openxmlformats.org/drawingml/2006/main" xmlns:r="http://schemas.openxmlformats.org/officeDocument/2006/relationships" xmlns:p="http://schemas.openxmlformats.org/presentationml/2006/main">
+  <p:cSld>
+    <p:spTree>
+      <p:nvGrpSpPr>
+        <p:cNvPr id="1" name=""/>
+        <p:cNvGrpSpPr/>
+        <p:nvPr/>
+      </p:nvGrpSpPr>
+      <p:grpSpPr>
+        <a:xfrm>
+          <a:off x="0" y="0"/>
+          <a:ext cx="0" cy="0"/>
+          <a:chOff x="0" y="0"/>
+          <a:chExt cx="0" cy="0"/>
+        </a:xfrm>
+      </p:grpSpPr>
+      <p:sp>
+        <p:nvSpPr>
+          <p:cNvPr id="2" name="幻灯片图像占位符 1"/>
+          <p:cNvSpPr>
+            <a:spLocks noGrp="1" noRot="1" noChangeAspect="1"/>
+          </p:cNvSpPr>
+          <p:nvPr>
+            <p:ph type="sldImg"/>
+          </p:nvPr>
+        </p:nvSpPr>
+        <p:spPr/>
+      </p:sp>
+      <p:sp>
+        <p:nvSpPr>
+          <p:cNvPr id="3" name="备注占位符 2"/>
+          <p:cNvSpPr>
+            <a:spLocks noGrp="1"/>
+          </p:cNvSpPr>
+          <p:nvPr>
+            <p:ph type="body" idx="1"/>
+          </p:nvPr>
+        </p:nvSpPr>
+        <p:spPr/>
+        <p:txBody>
+          <a:bodyPr/>
+          <a:lstStyle/>
+          <a:p>
+            <a:endParaRPr kumimoji="1" lang="zh-CN" altLang="en-US" dirty="0"/>
+          </a:p>
+        </p:txBody>
+      </p:sp>
+      <p:sp>
+        <p:nvSpPr>
+          <p:cNvPr id="4" name="幻灯片编号占位符 3"/>
+          <p:cNvSpPr>
+            <a:spLocks noGrp="1"/>
+          </p:cNvSpPr>
+          <p:nvPr>
+            <p:ph type="sldNum" sz="quarter" idx="10"/>
+          </p:nvPr>
+        </p:nvSpPr>
+        <p:spPr/>
+        <p:txBody>
+          <a:bodyPr/>
+          <a:lstStyle/>
+          <a:p>
+            <a:fld id="{53190343-A285-E444-9B8B-A03A0DB5BFEC}" type="slidenum">
+              <a:rPr kumimoji="1" lang="zh-CN" altLang="en-US" smtClean="0"/>
+              <a:t>12</a:t>
+            </a:fld>
+            <a:endParaRPr kumimoji="1" lang="zh-CN" altLang="en-US"/>
+          </a:p>
+        </p:txBody>
+      </p:sp>
+    </p:spTree>
+    <p:extLst>
+      <p:ext uri="{BB962C8B-B14F-4D97-AF65-F5344CB8AC3E}">
+        <p14:creationId xmlns:p14="http://schemas.microsoft.com/office/powerpoint/2010/main" val="164826621"/>
+      </p:ext>
+    </p:extLst>
+  </p:cSld>
+  <p:clrMapOvr>
+    <a:masterClrMapping/>
+  </p:clrMapOvr>
+</p:notes>
+</file>
+
+<file path=ppt/notesSlides/notesSlide13.xml><?xml version="1.0" encoding="utf-8"?>
+<p:notes xmlns:a="http://schemas.openxmlformats.org/drawingml/2006/main" xmlns:r="http://schemas.openxmlformats.org/officeDocument/2006/relationships" xmlns:p="http://schemas.openxmlformats.org/presentationml/2006/main">
+  <p:cSld>
+    <p:spTree>
+      <p:nvGrpSpPr>
+        <p:cNvPr id="1" name=""/>
+        <p:cNvGrpSpPr/>
+        <p:nvPr/>
+      </p:nvGrpSpPr>
+      <p:grpSpPr>
+        <a:xfrm>
+          <a:off x="0" y="0"/>
+          <a:ext cx="0" cy="0"/>
+          <a:chOff x="0" y="0"/>
+          <a:chExt cx="0" cy="0"/>
+        </a:xfrm>
+      </p:grpSpPr>
+      <p:sp>
+        <p:nvSpPr>
+          <p:cNvPr id="2" name="幻灯片图像占位符 1"/>
+          <p:cNvSpPr>
+            <a:spLocks noGrp="1" noRot="1" noChangeAspect="1"/>
+          </p:cNvSpPr>
+          <p:nvPr>
+            <p:ph type="sldImg"/>
+          </p:nvPr>
+        </p:nvSpPr>
+        <p:spPr/>
+      </p:sp>
+      <p:sp>
+        <p:nvSpPr>
+          <p:cNvPr id="3" name="备注占位符 2"/>
+          <p:cNvSpPr>
+            <a:spLocks noGrp="1"/>
+          </p:cNvSpPr>
+          <p:nvPr>
+            <p:ph type="body" idx="1"/>
+          </p:nvPr>
+        </p:nvSpPr>
+        <p:spPr/>
+        <p:txBody>
+          <a:bodyPr/>
+          <a:lstStyle/>
+          <a:p>
+            <a:r>
+              <a:rPr kumimoji="1" lang="zh-CN" altLang="en-US" dirty="0" smtClean="0"/>
+              <a:t>回到刚才的</a:t>
+            </a:r>
+            <a:r>
+              <a:rPr kumimoji="1" lang="en-US" altLang="zh-CN" dirty="0" smtClean="0"/>
+              <a:t>demo</a:t>
+            </a:r>
+            <a:r>
+              <a:rPr kumimoji="1" lang="zh-CN" altLang="en-US" dirty="0" smtClean="0"/>
+              <a:t>，来看一下插值器，插值器大家应该都很熟悉，</a:t>
+            </a:r>
+          </a:p>
+          <a:p>
+            <a:r>
+              <a:rPr kumimoji="1" lang="zh-CN" altLang="en-US" dirty="0" smtClean="0"/>
+              <a:t>常用的有线性、加速、减速、先加速后减速这些，其他的要用的时候到网上搜一下就行</a:t>
+            </a:r>
+          </a:p>
+          <a:p>
+            <a:r>
+              <a:rPr kumimoji="1" lang="zh-CN" altLang="en-US" dirty="0" smtClean="0"/>
+              <a:t>考虑下面这种场景</a:t>
+            </a:r>
+            <a:r>
+              <a:rPr kumimoji="1" lang="zh-CN" altLang="en-US" dirty="0" smtClean="0">
+                <a:sym typeface="Wingdings"/>
+              </a:rPr>
+              <a:t>：</a:t>
+            </a:r>
+          </a:p>
+          <a:p>
+            <a:r>
+              <a:rPr kumimoji="1" lang="zh-CN" altLang="en-US" dirty="0" smtClean="0"/>
+              <a:t>场景待补充</a:t>
+            </a:r>
+          </a:p>
+          <a:p>
+            <a:r>
+              <a:rPr kumimoji="1" lang="is-IS" altLang="zh-CN" dirty="0" smtClean="0"/>
+              <a:t>…...</a:t>
+            </a:r>
+          </a:p>
+          <a:p>
+            <a:endParaRPr kumimoji="1" lang="is-IS" altLang="zh-CN" dirty="0" smtClean="0"/>
+          </a:p>
+          <a:p>
+            <a:r>
+              <a:rPr kumimoji="1" lang="zh-CN" altLang="en-US" dirty="0" smtClean="0"/>
+              <a:t>现有的插值器都不能满足我们的需求</a:t>
+            </a:r>
+          </a:p>
+          <a:p>
+            <a:r>
+              <a:rPr kumimoji="1" lang="zh-CN" altLang="en-US" dirty="0" smtClean="0"/>
+              <a:t>就需要自定义擦值器</a:t>
+            </a:r>
+          </a:p>
+          <a:p>
+            <a:r>
+              <a:rPr kumimoji="1" lang="zh-CN" altLang="en-US" dirty="0" smtClean="0"/>
+              <a:t>进入下一页</a:t>
+            </a:r>
+          </a:p>
+          <a:p>
+            <a:endParaRPr kumimoji="1" lang="zh-CN" altLang="en-US" dirty="0"/>
+          </a:p>
+        </p:txBody>
+      </p:sp>
+      <p:sp>
+        <p:nvSpPr>
+          <p:cNvPr id="4" name="幻灯片编号占位符 3"/>
+          <p:cNvSpPr>
+            <a:spLocks noGrp="1"/>
+          </p:cNvSpPr>
+          <p:nvPr>
+            <p:ph type="sldNum" sz="quarter" idx="10"/>
+          </p:nvPr>
+        </p:nvSpPr>
+        <p:spPr/>
+        <p:txBody>
+          <a:bodyPr/>
+          <a:lstStyle/>
+          <a:p>
+            <a:fld id="{53190343-A285-E444-9B8B-A03A0DB5BFEC}" type="slidenum">
+              <a:rPr kumimoji="1" lang="zh-CN" altLang="en-US" smtClean="0"/>
+              <a:t>13</a:t>
+            </a:fld>
+            <a:endParaRPr kumimoji="1" lang="zh-CN" altLang="en-US"/>
+          </a:p>
+        </p:txBody>
+      </p:sp>
+    </p:spTree>
+    <p:extLst>
+      <p:ext uri="{BB962C8B-B14F-4D97-AF65-F5344CB8AC3E}">
+        <p14:creationId xmlns:p14="http://schemas.microsoft.com/office/powerpoint/2010/main" val="1251300606"/>
+      </p:ext>
+    </p:extLst>
+  </p:cSld>
+  <p:clrMapOvr>
+    <a:masterClrMapping/>
+  </p:clrMapOvr>
+</p:notes>
+</file>
+
+<file path=ppt/notesSlides/notesSlide14.xml><?xml version="1.0" encoding="utf-8"?>
+<p:notes xmlns:a="http://schemas.openxmlformats.org/drawingml/2006/main" xmlns:r="http://schemas.openxmlformats.org/officeDocument/2006/relationships" xmlns:p="http://schemas.openxmlformats.org/presentationml/2006/main">
+  <p:cSld>
+    <p:spTree>
+      <p:nvGrpSpPr>
+        <p:cNvPr id="1" name=""/>
+        <p:cNvGrpSpPr/>
+        <p:nvPr/>
+      </p:nvGrpSpPr>
+      <p:grpSpPr>
+        <a:xfrm>
+          <a:off x="0" y="0"/>
+          <a:ext cx="0" cy="0"/>
+          <a:chOff x="0" y="0"/>
+          <a:chExt cx="0" cy="0"/>
+        </a:xfrm>
+      </p:grpSpPr>
+      <p:sp>
+        <p:nvSpPr>
+          <p:cNvPr id="2" name="幻灯片图像占位符 1"/>
+          <p:cNvSpPr>
+            <a:spLocks noGrp="1" noRot="1" noChangeAspect="1"/>
+          </p:cNvSpPr>
+          <p:nvPr>
+            <p:ph type="sldImg"/>
+          </p:nvPr>
+        </p:nvSpPr>
+        <p:spPr/>
+      </p:sp>
+      <p:sp>
+        <p:nvSpPr>
+          <p:cNvPr id="3" name="备注占位符 2"/>
+          <p:cNvSpPr>
+            <a:spLocks noGrp="1"/>
+          </p:cNvSpPr>
+          <p:nvPr>
+            <p:ph type="body" idx="1"/>
+          </p:nvPr>
+        </p:nvSpPr>
+        <p:spPr/>
+        <p:txBody>
+          <a:bodyPr/>
+          <a:lstStyle/>
+          <a:p>
+            <a:r>
+              <a:rPr kumimoji="1" lang="zh-CN" altLang="en-US" dirty="0" smtClean="0"/>
+              <a:t>实现</a:t>
+            </a:r>
+            <a:r>
+              <a:rPr kumimoji="1" lang="en-US" altLang="zh-CN" dirty="0" smtClean="0"/>
+              <a:t>Interpolator</a:t>
+            </a:r>
+            <a:r>
+              <a:rPr kumimoji="1" lang="zh-CN" altLang="en-US" dirty="0" smtClean="0"/>
+              <a:t>和</a:t>
+            </a:r>
+            <a:r>
+              <a:rPr kumimoji="1" lang="en-US" altLang="zh-CN" dirty="0" err="1" smtClean="0"/>
+              <a:t>TimeInterpolator</a:t>
+            </a:r>
+            <a:r>
+              <a:rPr kumimoji="1" lang="zh-CN" altLang="en-US" dirty="0" smtClean="0"/>
+              <a:t>都可以</a:t>
+            </a:r>
+          </a:p>
+          <a:p>
+            <a:r>
+              <a:rPr kumimoji="1" lang="zh-CN" altLang="en-US" dirty="0" smtClean="0"/>
+              <a:t>关于为什么有这两个，看代码里面的注释，是说先有的</a:t>
+            </a:r>
+            <a:r>
+              <a:rPr kumimoji="1" lang="en-US" altLang="zh-CN" dirty="0" smtClean="0"/>
+              <a:t>Interpolator</a:t>
+            </a:r>
+            <a:r>
+              <a:rPr kumimoji="1" lang="zh-CN" altLang="en-US" dirty="0" smtClean="0"/>
+              <a:t>，后来引入了</a:t>
+            </a:r>
+            <a:r>
+              <a:rPr kumimoji="1" lang="en-US" altLang="zh-CN" dirty="0" err="1" smtClean="0"/>
+              <a:t>TimeInterpolator</a:t>
+            </a:r>
+            <a:r>
+              <a:rPr kumimoji="1" lang="zh-CN" altLang="en-US" dirty="0" smtClean="0"/>
+              <a:t>，</a:t>
+            </a:r>
+            <a:r>
+              <a:rPr kumimoji="1" lang="en-US" altLang="zh-CN" dirty="0" smtClean="0"/>
+              <a:t>Interpolator</a:t>
+            </a:r>
+            <a:r>
+              <a:rPr kumimoji="1" lang="zh-CN" altLang="en-US" dirty="0" smtClean="0"/>
+              <a:t>就继承</a:t>
+            </a:r>
+            <a:r>
+              <a:rPr kumimoji="1" lang="en-US" altLang="zh-CN" dirty="0" err="1" smtClean="0"/>
+              <a:t>TimeInterpolator</a:t>
+            </a:r>
+            <a:r>
+              <a:rPr kumimoji="1" lang="zh-CN" altLang="en-US" dirty="0" smtClean="0"/>
+              <a:t>，这样两个都可以用</a:t>
+            </a:r>
+          </a:p>
+          <a:p>
+            <a:endParaRPr kumimoji="1" lang="zh-CN" altLang="en-US" dirty="0" smtClean="0"/>
+          </a:p>
+          <a:p>
+            <a:r>
+              <a:rPr kumimoji="1" lang="zh-CN" altLang="en-US" dirty="0" smtClean="0"/>
+              <a:t>只需要实现</a:t>
+            </a:r>
+            <a:r>
+              <a:rPr kumimoji="1" lang="en-US" altLang="zh-CN" dirty="0" err="1" smtClean="0"/>
+              <a:t>getInterpolation</a:t>
+            </a:r>
+            <a:r>
+              <a:rPr kumimoji="1" lang="zh-CN" altLang="en-US" dirty="0" smtClean="0"/>
+              <a:t>这个接口就可以</a:t>
+            </a:r>
+          </a:p>
+          <a:p>
+            <a:r>
+              <a:rPr kumimoji="1" lang="zh-CN" altLang="en-US" dirty="0" smtClean="0"/>
+              <a:t>看</a:t>
+            </a:r>
+            <a:r>
+              <a:rPr kumimoji="1" lang="en-US" altLang="zh-CN" dirty="0" smtClean="0"/>
+              <a:t>demo2</a:t>
+            </a:r>
+            <a:endParaRPr kumimoji="1" lang="zh-CN" altLang="en-US" dirty="0" smtClean="0"/>
+          </a:p>
+          <a:p>
+            <a:endParaRPr kumimoji="1" lang="zh-CN" altLang="en-US" dirty="0"/>
+          </a:p>
+        </p:txBody>
+      </p:sp>
+      <p:sp>
+        <p:nvSpPr>
+          <p:cNvPr id="4" name="幻灯片编号占位符 3"/>
+          <p:cNvSpPr>
+            <a:spLocks noGrp="1"/>
+          </p:cNvSpPr>
+          <p:nvPr>
+            <p:ph type="sldNum" sz="quarter" idx="10"/>
+          </p:nvPr>
+        </p:nvSpPr>
+        <p:spPr/>
+        <p:txBody>
+          <a:bodyPr/>
+          <a:lstStyle/>
+          <a:p>
+            <a:fld id="{53190343-A285-E444-9B8B-A03A0DB5BFEC}" type="slidenum">
+              <a:rPr kumimoji="1" lang="zh-CN" altLang="en-US" smtClean="0"/>
+              <a:t>14</a:t>
+            </a:fld>
+            <a:endParaRPr kumimoji="1" lang="zh-CN" altLang="en-US"/>
+          </a:p>
+        </p:txBody>
+      </p:sp>
+    </p:spTree>
+    <p:extLst>
+      <p:ext uri="{BB962C8B-B14F-4D97-AF65-F5344CB8AC3E}">
+        <p14:creationId xmlns:p14="http://schemas.microsoft.com/office/powerpoint/2010/main" val="620145550"/>
+      </p:ext>
+    </p:extLst>
+  </p:cSld>
+  <p:clrMapOvr>
+    <a:masterClrMapping/>
+  </p:clrMapOvr>
+</p:notes>
+</file>
+
+<file path=ppt/notesSlides/notesSlide15.xml><?xml version="1.0" encoding="utf-8"?>
+<p:notes xmlns:a="http://schemas.openxmlformats.org/drawingml/2006/main" xmlns:r="http://schemas.openxmlformats.org/officeDocument/2006/relationships" xmlns:p="http://schemas.openxmlformats.org/presentationml/2006/main">
+  <p:cSld>
+    <p:spTree>
+      <p:nvGrpSpPr>
+        <p:cNvPr id="1" name=""/>
+        <p:cNvGrpSpPr/>
+        <p:nvPr/>
+      </p:nvGrpSpPr>
+      <p:grpSpPr>
+        <a:xfrm>
+          <a:off x="0" y="0"/>
+          <a:ext cx="0" cy="0"/>
+          <a:chOff x="0" y="0"/>
+          <a:chExt cx="0" cy="0"/>
+        </a:xfrm>
+      </p:grpSpPr>
+      <p:sp>
+        <p:nvSpPr>
+          <p:cNvPr id="2" name="幻灯片图像占位符 1"/>
+          <p:cNvSpPr>
+            <a:spLocks noGrp="1" noRot="1" noChangeAspect="1"/>
+          </p:cNvSpPr>
+          <p:nvPr>
+            <p:ph type="sldImg"/>
+          </p:nvPr>
+        </p:nvSpPr>
+        <p:spPr/>
+      </p:sp>
+      <p:sp>
+        <p:nvSpPr>
+          <p:cNvPr id="3" name="备注占位符 2"/>
+          <p:cNvSpPr>
+            <a:spLocks noGrp="1"/>
+          </p:cNvSpPr>
+          <p:nvPr>
+            <p:ph type="body" idx="1"/>
+          </p:nvPr>
+        </p:nvSpPr>
+        <p:spPr/>
+        <p:txBody>
+          <a:bodyPr/>
+          <a:lstStyle/>
+          <a:p>
+            <a:r>
               <a:rPr kumimoji="1" lang="en-US" altLang="zh-CN" baseline="0" dirty="0" smtClean="0"/>
               <a:t> </a:t>
             </a:r>
@@ -776,7 +1534,7 @@
           <a:p>
             <a:fld id="{53190343-A285-E444-9B8B-A03A0DB5BFEC}" type="slidenum">
               <a:rPr kumimoji="1" lang="zh-CN" altLang="en-US" smtClean="0"/>
-              <a:t>11</a:t>
+              <a:t>15</a:t>
             </a:fld>
             <a:endParaRPr kumimoji="1" lang="zh-CN" altLang="en-US"/>
           </a:p>
@@ -786,6 +1544,139 @@
     <p:extLst>
       <p:ext uri="{BB962C8B-B14F-4D97-AF65-F5344CB8AC3E}">
         <p14:creationId xmlns:p14="http://schemas.microsoft.com/office/powerpoint/2010/main" val="430253414"/>
+      </p:ext>
+    </p:extLst>
+  </p:cSld>
+  <p:clrMapOvr>
+    <a:masterClrMapping/>
+  </p:clrMapOvr>
+</p:notes>
+</file>
+
+<file path=ppt/notesSlides/notesSlide16.xml><?xml version="1.0" encoding="utf-8"?>
+<p:notes xmlns:a="http://schemas.openxmlformats.org/drawingml/2006/main" xmlns:r="http://schemas.openxmlformats.org/officeDocument/2006/relationships" xmlns:p="http://schemas.openxmlformats.org/presentationml/2006/main">
+  <p:cSld>
+    <p:spTree>
+      <p:nvGrpSpPr>
+        <p:cNvPr id="1" name=""/>
+        <p:cNvGrpSpPr/>
+        <p:nvPr/>
+      </p:nvGrpSpPr>
+      <p:grpSpPr>
+        <a:xfrm>
+          <a:off x="0" y="0"/>
+          <a:ext cx="0" cy="0"/>
+          <a:chOff x="0" y="0"/>
+          <a:chExt cx="0" cy="0"/>
+        </a:xfrm>
+      </p:grpSpPr>
+      <p:sp>
+        <p:nvSpPr>
+          <p:cNvPr id="2" name="幻灯片图像占位符 1"/>
+          <p:cNvSpPr>
+            <a:spLocks noGrp="1" noRot="1" noChangeAspect="1"/>
+          </p:cNvSpPr>
+          <p:nvPr>
+            <p:ph type="sldImg"/>
+          </p:nvPr>
+        </p:nvSpPr>
+        <p:spPr/>
+      </p:sp>
+      <p:sp>
+        <p:nvSpPr>
+          <p:cNvPr id="3" name="备注占位符 2"/>
+          <p:cNvSpPr>
+            <a:spLocks noGrp="1"/>
+          </p:cNvSpPr>
+          <p:nvPr>
+            <p:ph type="body" idx="1"/>
+          </p:nvPr>
+        </p:nvSpPr>
+        <p:spPr/>
+        <p:txBody>
+          <a:bodyPr/>
+          <a:lstStyle/>
+          <a:p>
+            <a:r>
+              <a:rPr kumimoji="1" lang="zh-CN" altLang="en-US" dirty="0" smtClean="0"/>
+              <a:t>需要实现接口</a:t>
+            </a:r>
+            <a:r>
+              <a:rPr kumimoji="1" lang="en-US" altLang="zh-CN" dirty="0" err="1" smtClean="0"/>
+              <a:t>TypeEvaluator</a:t>
+            </a:r>
+            <a:r>
+              <a:rPr kumimoji="1" lang="zh-CN" altLang="en-US" dirty="0" smtClean="0"/>
+              <a:t>，</a:t>
+            </a:r>
+          </a:p>
+          <a:p>
+            <a:r>
+              <a:rPr kumimoji="1" lang="en-US" altLang="zh-CN" dirty="0" err="1" smtClean="0"/>
+              <a:t>FloatEvaluator</a:t>
+            </a:r>
+            <a:endParaRPr kumimoji="1" lang="zh-CN" altLang="en-US" dirty="0" smtClean="0"/>
+          </a:p>
+          <a:p>
+            <a:r>
+              <a:rPr kumimoji="1" lang="zh-CN" altLang="en-US" dirty="0" smtClean="0"/>
+              <a:t>刚才的</a:t>
+            </a:r>
+            <a:r>
+              <a:rPr kumimoji="1" lang="en-US" altLang="zh-CN" dirty="0" smtClean="0"/>
+              <a:t>demo</a:t>
+            </a:r>
+            <a:r>
+              <a:rPr kumimoji="1" lang="zh-CN" altLang="en-US" dirty="0" smtClean="0"/>
+              <a:t>里面是重载了</a:t>
+            </a:r>
+            <a:r>
+              <a:rPr kumimoji="1" lang="en-US" altLang="zh-CN" dirty="0" err="1" smtClean="0"/>
+              <a:t>FloatEvaluator</a:t>
+            </a:r>
+            <a:r>
+              <a:rPr kumimoji="1" lang="zh-CN" altLang="en-US" dirty="0" smtClean="0"/>
+              <a:t>的</a:t>
+            </a:r>
+            <a:r>
+              <a:rPr kumimoji="1" lang="en-US" altLang="zh-CN" dirty="0" smtClean="0"/>
+              <a:t>evaluate</a:t>
+            </a:r>
+            <a:r>
+              <a:rPr kumimoji="1" lang="zh-CN" altLang="en-US" dirty="0" smtClean="0"/>
+              <a:t>方法</a:t>
+            </a:r>
+            <a:endParaRPr kumimoji="1" lang="zh-CN" altLang="en-US" dirty="0"/>
+          </a:p>
+        </p:txBody>
+      </p:sp>
+      <p:sp>
+        <p:nvSpPr>
+          <p:cNvPr id="4" name="幻灯片编号占位符 3"/>
+          <p:cNvSpPr>
+            <a:spLocks noGrp="1"/>
+          </p:cNvSpPr>
+          <p:nvPr>
+            <p:ph type="sldNum" sz="quarter" idx="10"/>
+          </p:nvPr>
+        </p:nvSpPr>
+        <p:spPr/>
+        <p:txBody>
+          <a:bodyPr/>
+          <a:lstStyle/>
+          <a:p>
+            <a:fld id="{53190343-A285-E444-9B8B-A03A0DB5BFEC}" type="slidenum">
+              <a:rPr kumimoji="1" lang="zh-CN" altLang="en-US" smtClean="0"/>
+              <a:t>16</a:t>
+            </a:fld>
+            <a:endParaRPr kumimoji="1" lang="zh-CN" altLang="en-US"/>
+          </a:p>
+        </p:txBody>
+      </p:sp>
+    </p:spTree>
+    <p:extLst>
+      <p:ext uri="{BB962C8B-B14F-4D97-AF65-F5344CB8AC3E}">
+        <p14:creationId xmlns:p14="http://schemas.microsoft.com/office/powerpoint/2010/main" val="1466942491"/>
       </p:ext>
     </p:extLst>
   </p:cSld>
@@ -843,7 +1734,6 @@
               <a:rPr kumimoji="1" lang="zh-CN" altLang="en-US" dirty="0" smtClean="0"/>
               <a:t>今天的主角</a:t>
             </a:r>
-            <a:endParaRPr kumimoji="1" lang="zh-CN" altLang="en-US" dirty="0" smtClean="0"/>
           </a:p>
         </p:txBody>
       </p:sp>
@@ -955,11 +1845,7 @@
             </a:r>
             <a:r>
               <a:rPr kumimoji="1" lang="zh-CN" altLang="en-US" dirty="0" smtClean="0"/>
-              <a:t>是这一系列的</a:t>
-            </a:r>
-            <a:r>
-              <a:rPr kumimoji="1" lang="zh-CN" altLang="en-US" dirty="0" smtClean="0"/>
-              <a:t>基类</a:t>
+              <a:t>是这一系列的基类</a:t>
             </a:r>
           </a:p>
           <a:p>
@@ -1067,7 +1953,6 @@
               <a:rPr kumimoji="1" lang="zh-CN" altLang="en-US" dirty="0" smtClean="0"/>
               <a:t>，进入下一张</a:t>
             </a:r>
-            <a:endParaRPr kumimoji="1" lang="zh-CN" altLang="en-US" dirty="0" smtClean="0"/>
           </a:p>
           <a:p>
             <a:endParaRPr kumimoji="1" lang="zh-CN" altLang="en-US" dirty="0"/>
@@ -1172,7 +2057,6 @@
               <a:rPr kumimoji="1" lang="zh-CN" altLang="en-US" dirty="0" smtClean="0"/>
               <a:t>介绍一下各个方法</a:t>
             </a:r>
-            <a:endParaRPr kumimoji="1" lang="zh-CN" altLang="en-US" dirty="0" smtClean="0"/>
           </a:p>
           <a:p>
             <a:r>
@@ -1455,37 +2339,96 @@
           <a:lstStyle/>
           <a:p>
             <a:r>
-              <a:rPr kumimoji="1" lang="zh-CN" altLang="en-US" dirty="0" smtClean="0"/>
-              <a:t>还是回到</a:t>
-            </a:r>
-            <a:r>
               <a:rPr kumimoji="1" lang="en-US" altLang="zh-CN" dirty="0" smtClean="0"/>
-              <a:t>demo1</a:t>
-            </a:r>
-            <a:r>
-              <a:rPr kumimoji="1" lang="zh-CN" altLang="en-US" dirty="0" smtClean="0"/>
-              <a:t>，</a:t>
-            </a:r>
-          </a:p>
-          <a:p>
-            <a:r>
-              <a:rPr kumimoji="1" lang="zh-CN" altLang="en-US" dirty="0" smtClean="0"/>
-              <a:t>接下来讲一下，</a:t>
+              <a:t>ValueAnimator</a:t>
+            </a:r>
+            <a:r>
+              <a:rPr kumimoji="1" lang="zh-CN" altLang="en-US" dirty="0" smtClean="0"/>
+              <a:t>里面有</a:t>
             </a:r>
             <a:r>
               <a:rPr kumimoji="1" lang="en-US" altLang="zh-CN" dirty="0" err="1" smtClean="0"/>
-              <a:t>getAnimatedValue</a:t>
-            </a:r>
-            <a:r>
-              <a:rPr kumimoji="1" lang="zh-CN" altLang="en-US" dirty="0" smtClean="0"/>
-              <a:t>这个方法</a:t>
-            </a:r>
-          </a:p>
-          <a:p>
-            <a:endParaRPr kumimoji="1" lang="en-US" altLang="zh-CN" dirty="0" smtClean="0"/>
-          </a:p>
-          <a:p>
-            <a:endParaRPr kumimoji="1" lang="zh-CN" altLang="en-US" dirty="0" smtClean="0"/>
+              <a:t>PropertyValuesHolder</a:t>
+            </a:r>
+            <a:r>
+              <a:rPr kumimoji="1" lang="zh-CN" altLang="en-US" dirty="0" smtClean="0"/>
+              <a:t>的数组</a:t>
+            </a:r>
+          </a:p>
+          <a:p>
+            <a:r>
+              <a:rPr kumimoji="1" lang="en-US" altLang="zh-CN" dirty="0" err="1" smtClean="0"/>
+              <a:t>PropertyValuesHolder</a:t>
+            </a:r>
+            <a:r>
+              <a:rPr kumimoji="1" lang="zh-CN" altLang="en-US" dirty="0" smtClean="0"/>
+              <a:t>用来保存属性和属性的值的信息，根据属性类型不同，有好多子类</a:t>
+            </a:r>
+          </a:p>
+          <a:p>
+            <a:r>
+              <a:rPr kumimoji="1" lang="en-US" altLang="zh-CN" dirty="0" err="1" smtClean="0"/>
+              <a:t>KeyFrames</a:t>
+            </a:r>
+            <a:r>
+              <a:rPr kumimoji="1" lang="zh-CN" altLang="en-US" dirty="0" smtClean="0"/>
+              <a:t>这个接口用来存储</a:t>
+            </a:r>
+            <a:r>
+              <a:rPr kumimoji="1" lang="en-US" altLang="zh-CN" dirty="0" err="1" smtClean="0"/>
+              <a:t>KeyFrame</a:t>
+            </a:r>
+            <a:r>
+              <a:rPr kumimoji="1" lang="zh-CN" altLang="en-US" dirty="0" smtClean="0"/>
+              <a:t>的对象列表，并提供根据这些</a:t>
+            </a:r>
+            <a:r>
+              <a:rPr kumimoji="1" lang="en-US" altLang="zh-CN" dirty="0" err="1" smtClean="0"/>
+              <a:t>KeyFrame</a:t>
+            </a:r>
+            <a:r>
+              <a:rPr kumimoji="1" lang="zh-CN" altLang="en-US" dirty="0" smtClean="0"/>
+              <a:t>计算值的方法</a:t>
+            </a:r>
+          </a:p>
+          <a:p>
+            <a:r>
+              <a:rPr kumimoji="1" lang="zh-CN" altLang="en-US" dirty="0" smtClean="0"/>
+              <a:t>实际上用到的是</a:t>
+            </a:r>
+            <a:r>
+              <a:rPr kumimoji="1" lang="en-US" altLang="zh-CN" dirty="0" err="1" smtClean="0"/>
+              <a:t>KeyFrameSets</a:t>
+            </a:r>
+            <a:r>
+              <a:rPr kumimoji="1" lang="zh-CN" altLang="en-US" dirty="0" smtClean="0"/>
+              <a:t>这个类</a:t>
+            </a:r>
+          </a:p>
+          <a:p>
+            <a:r>
+              <a:rPr kumimoji="1" lang="en-US" altLang="zh-CN" dirty="0" err="1" smtClean="0"/>
+              <a:t>KeyFrame</a:t>
+            </a:r>
+            <a:r>
+              <a:rPr kumimoji="1" lang="zh-CN" altLang="en-US" dirty="0" smtClean="0"/>
+              <a:t>，就是关键帧，同样也根据类型有不同的子类</a:t>
+            </a:r>
+          </a:p>
+          <a:p>
+            <a:r>
+              <a:rPr kumimoji="1" lang="zh-CN" altLang="en-US" dirty="0" smtClean="0"/>
+              <a:t>对照类图，来看一下前面</a:t>
+            </a:r>
+            <a:r>
+              <a:rPr kumimoji="1" lang="en-US" altLang="zh-CN" dirty="0" smtClean="0"/>
+              <a:t>demo</a:t>
+            </a:r>
+            <a:r>
+              <a:rPr kumimoji="1" lang="zh-CN" altLang="en-US" dirty="0" smtClean="0"/>
+              <a:t>中用到的几个方法</a:t>
+            </a:r>
+            <a:endParaRPr kumimoji="1" lang="zh-CN" altLang="en-US" dirty="0"/>
           </a:p>
         </p:txBody>
       </p:sp>
@@ -1506,7 +2449,7 @@
           <a:p>
             <a:fld id="{53190343-A285-E444-9B8B-A03A0DB5BFEC}" type="slidenum">
               <a:rPr kumimoji="1" lang="zh-CN" altLang="en-US" smtClean="0"/>
-              <a:t>8</a:t>
+              <a:t>7</a:t>
             </a:fld>
             <a:endParaRPr kumimoji="1" lang="zh-CN" altLang="en-US"/>
           </a:p>
@@ -1515,7 +2458,7 @@
     </p:spTree>
     <p:extLst>
       <p:ext uri="{BB962C8B-B14F-4D97-AF65-F5344CB8AC3E}">
-        <p14:creationId xmlns:p14="http://schemas.microsoft.com/office/powerpoint/2010/main" val="530498338"/>
+        <p14:creationId xmlns:p14="http://schemas.microsoft.com/office/powerpoint/2010/main" val="1215828993"/>
       </p:ext>
     </p:extLst>
   </p:cSld>
@@ -1571,70 +2514,16 @@
           <a:p>
             <a:r>
               <a:rPr kumimoji="1" lang="zh-CN" altLang="en-US" dirty="0" smtClean="0"/>
-              <a:t>回到刚才的</a:t>
-            </a:r>
-            <a:r>
-              <a:rPr kumimoji="1" lang="en-US" altLang="zh-CN" dirty="0" smtClean="0"/>
-              <a:t>demo</a:t>
-            </a:r>
-            <a:r>
-              <a:rPr kumimoji="1" lang="zh-CN" altLang="en-US" dirty="0" smtClean="0"/>
-              <a:t>，来看一下插值器，插值器大家应该都很熟悉，</a:t>
-            </a:r>
-          </a:p>
-          <a:p>
-            <a:r>
-              <a:rPr kumimoji="1" lang="zh-CN" altLang="en-US" dirty="0" smtClean="0"/>
-              <a:t>常用的有线性、加速、减速、先加速后减速这些，其他的要用的时候到网上搜一下就行</a:t>
-            </a:r>
-          </a:p>
-          <a:p>
-            <a:r>
-              <a:rPr kumimoji="1" lang="zh-CN" altLang="en-US" dirty="0" smtClean="0"/>
-              <a:t>考虑下面这种场景</a:t>
-            </a:r>
-            <a:r>
-              <a:rPr kumimoji="1" lang="zh-CN" altLang="en-US" dirty="0" smtClean="0">
-                <a:sym typeface="Wingdings"/>
-              </a:rPr>
-              <a:t>：</a:t>
-            </a:r>
-          </a:p>
-          <a:p>
-            <a:r>
-              <a:rPr kumimoji="1" lang="zh-CN" altLang="en-US" dirty="0" smtClean="0"/>
-              <a:t>场景待补充</a:t>
-            </a:r>
-          </a:p>
-          <a:p>
-            <a:r>
-              <a:rPr kumimoji="1" lang="is-IS" altLang="zh-CN" dirty="0" smtClean="0"/>
-              <a:t>…...</a:t>
-            </a:r>
-          </a:p>
-          <a:p>
-            <a:endParaRPr kumimoji="1" lang="is-IS" altLang="zh-CN" dirty="0" smtClean="0"/>
-          </a:p>
-          <a:p>
-            <a:r>
-              <a:rPr kumimoji="1" lang="zh-CN" altLang="en-US" dirty="0" smtClean="0"/>
-              <a:t>现有的插值器都不能满足我们的需求</a:t>
-            </a:r>
-          </a:p>
-          <a:p>
-            <a:r>
-              <a:rPr kumimoji="1" lang="zh-CN" altLang="en-US" dirty="0" smtClean="0"/>
-              <a:t>就需要自定义擦值器</a:t>
-            </a:r>
-          </a:p>
-          <a:p>
-            <a:r>
-              <a:rPr kumimoji="1" lang="zh-CN" altLang="en-US" dirty="0" smtClean="0"/>
-              <a:t>进入下一页</a:t>
-            </a:r>
-            <a:endParaRPr kumimoji="1" lang="zh-CN" altLang="en-US" dirty="0" smtClean="0"/>
-          </a:p>
-          <a:p>
+              <a:t>来看一下</a:t>
+            </a:r>
+            <a:r>
+              <a:rPr kumimoji="1" lang="en-US" altLang="zh-CN" dirty="0" err="1" smtClean="0"/>
+              <a:t>ofFloat</a:t>
+            </a:r>
+            <a:r>
+              <a:rPr kumimoji="1" lang="zh-CN" altLang="en-US" dirty="0" smtClean="0"/>
+              <a:t>这个静态方法</a:t>
+            </a:r>
             <a:endParaRPr kumimoji="1" lang="zh-CN" altLang="en-US" dirty="0"/>
           </a:p>
         </p:txBody>
@@ -1656,7 +2545,7 @@
           <a:p>
             <a:fld id="{53190343-A285-E444-9B8B-A03A0DB5BFEC}" type="slidenum">
               <a:rPr kumimoji="1" lang="zh-CN" altLang="en-US" smtClean="0"/>
-              <a:t>9</a:t>
+              <a:t>8</a:t>
             </a:fld>
             <a:endParaRPr kumimoji="1" lang="zh-CN" altLang="en-US"/>
           </a:p>
@@ -1665,7 +2554,7 @@
     </p:spTree>
     <p:extLst>
       <p:ext uri="{BB962C8B-B14F-4D97-AF65-F5344CB8AC3E}">
-        <p14:creationId xmlns:p14="http://schemas.microsoft.com/office/powerpoint/2010/main" val="1251300606"/>
+        <p14:creationId xmlns:p14="http://schemas.microsoft.com/office/powerpoint/2010/main" val="1617876982"/>
       </p:ext>
     </p:extLst>
   </p:cSld>
@@ -1720,93 +2609,237 @@
           <a:lstStyle/>
           <a:p>
             <a:r>
-              <a:rPr kumimoji="1" lang="zh-CN" altLang="en-US" dirty="0" smtClean="0"/>
-              <a:t>实现</a:t>
-            </a:r>
-            <a:r>
               <a:rPr kumimoji="1" lang="en-US" altLang="zh-CN" dirty="0" smtClean="0"/>
-              <a:t>Interpolator</a:t>
-            </a:r>
-            <a:r>
-              <a:rPr kumimoji="1" lang="zh-CN" altLang="en-US" dirty="0" smtClean="0"/>
-              <a:t>和</a:t>
+              <a:t>ValueAnimator</a:t>
+            </a:r>
+            <a:r>
+              <a:rPr kumimoji="1" lang="zh-CN" altLang="en-US" dirty="0" smtClean="0"/>
+              <a:t>的</a:t>
             </a:r>
             <a:r>
               <a:rPr kumimoji="1" lang="en-US" altLang="zh-CN" dirty="0" err="1" smtClean="0"/>
-              <a:t>TimeInterpolator</a:t>
-            </a:r>
-            <a:r>
-              <a:rPr kumimoji="1" lang="zh-CN" altLang="en-US" dirty="0" smtClean="0"/>
-              <a:t>都可以</a:t>
-            </a:r>
-          </a:p>
-          <a:p>
-            <a:r>
-              <a:rPr kumimoji="1" lang="zh-CN" altLang="en-US" dirty="0" smtClean="0"/>
-              <a:t>关于为什么有这两个，看代码里面的注释，是说先有的</a:t>
+              <a:t>ofFloat</a:t>
+            </a:r>
+            <a:r>
+              <a:rPr kumimoji="1" lang="zh-CN" altLang="en-US" dirty="0" smtClean="0"/>
+              <a:t>方法，首先</a:t>
             </a:r>
             <a:r>
               <a:rPr kumimoji="1" lang="en-US" altLang="zh-CN" dirty="0" smtClean="0"/>
-              <a:t>Interpolator</a:t>
-            </a:r>
-            <a:r>
-              <a:rPr kumimoji="1" lang="zh-CN" altLang="en-US" dirty="0" smtClean="0"/>
-              <a:t>，后来引入了</a:t>
+              <a:t>new</a:t>
+            </a:r>
+            <a:r>
+              <a:rPr kumimoji="1" lang="zh-CN" altLang="en-US" dirty="0" smtClean="0"/>
+              <a:t>一个</a:t>
+            </a:r>
+            <a:r>
+              <a:rPr kumimoji="1" lang="en-US" altLang="zh-CN" dirty="0" smtClean="0"/>
+              <a:t>ValueAnimator</a:t>
+            </a:r>
+            <a:r>
+              <a:rPr kumimoji="1" lang="zh-CN" altLang="en-US" dirty="0" smtClean="0"/>
+              <a:t>，然后调</a:t>
             </a:r>
             <a:r>
               <a:rPr kumimoji="1" lang="en-US" altLang="zh-CN" dirty="0" err="1" smtClean="0"/>
-              <a:t>TimeInterpolator</a:t>
-            </a:r>
-            <a:r>
-              <a:rPr kumimoji="1" lang="zh-CN" altLang="en-US" dirty="0" smtClean="0"/>
-              <a:t>，</a:t>
+              <a:t>setFloatValues</a:t>
+            </a:r>
+            <a:r>
+              <a:rPr kumimoji="1" lang="zh-CN" altLang="en-US" dirty="0" smtClean="0"/>
+              <a:t>方法</a:t>
+            </a:r>
+          </a:p>
+          <a:p>
+            <a:r>
+              <a:rPr kumimoji="1" lang="zh-CN" altLang="en-US" dirty="0" smtClean="0"/>
+              <a:t>在</a:t>
+            </a:r>
+            <a:r>
+              <a:rPr kumimoji="1" lang="en-US" altLang="zh-CN" dirty="0" err="1" smtClean="0"/>
+              <a:t>setFloatValues</a:t>
+            </a:r>
+            <a:r>
+              <a:rPr kumimoji="1" lang="zh-CN" altLang="en-US" dirty="0" smtClean="0"/>
+              <a:t>这个方法里面，会去检查</a:t>
+            </a:r>
+            <a:r>
+              <a:rPr kumimoji="1" lang="en-US" altLang="zh-CN" dirty="0" err="1" smtClean="0"/>
+              <a:t>PropertyValuesHolder</a:t>
+            </a:r>
+            <a:r>
+              <a:rPr kumimoji="1" lang="zh-CN" altLang="en-US" dirty="0" smtClean="0"/>
+              <a:t>这个数组是不是空的，如果不是空的，就直接取第一个，调</a:t>
+            </a:r>
+            <a:r>
+              <a:rPr kumimoji="1" lang="en-US" altLang="zh-CN" dirty="0" err="1" smtClean="0"/>
+              <a:t>setFloatValues</a:t>
+            </a:r>
+            <a:r>
+              <a:rPr kumimoji="1" lang="zh-CN" altLang="en-US" dirty="0" smtClean="0"/>
+              <a:t>方法，否则就调</a:t>
+            </a:r>
+            <a:r>
+              <a:rPr kumimoji="1" lang="en-US" altLang="zh-CN" dirty="0" err="1" smtClean="0"/>
+              <a:t>PropertyValuesHolder</a:t>
+            </a:r>
+            <a:r>
+              <a:rPr kumimoji="1" lang="zh-CN" altLang="en-US" dirty="0" smtClean="0"/>
+              <a:t>的</a:t>
+            </a:r>
+            <a:r>
+              <a:rPr kumimoji="1" lang="en-US" altLang="zh-CN" dirty="0" err="1" smtClean="0"/>
+              <a:t>ofFloat</a:t>
+            </a:r>
+            <a:r>
+              <a:rPr kumimoji="1" lang="zh-CN" altLang="en-US" dirty="0" smtClean="0"/>
+              <a:t>静态方法</a:t>
+            </a:r>
+          </a:p>
+          <a:p>
+            <a:r>
+              <a:rPr kumimoji="1" lang="en-US" altLang="zh-CN" dirty="0" err="1" smtClean="0"/>
+              <a:t>PropertyValuesHolder</a:t>
+            </a:r>
+            <a:r>
+              <a:rPr kumimoji="1" lang="zh-CN" altLang="en-US" dirty="0" smtClean="0"/>
+              <a:t>的</a:t>
+            </a:r>
+            <a:r>
+              <a:rPr kumimoji="1" lang="en-US" altLang="zh-CN" dirty="0" err="1" smtClean="0"/>
+              <a:t>ofFloat</a:t>
+            </a:r>
+            <a:r>
+              <a:rPr kumimoji="1" lang="zh-CN" altLang="en-US" dirty="0" smtClean="0"/>
+              <a:t>方法返回一个</a:t>
+            </a:r>
+            <a:r>
+              <a:rPr kumimoji="1" lang="en-US" altLang="zh-CN" dirty="0" err="1" smtClean="0"/>
+              <a:t>FloatPropertyValuesHolder</a:t>
+            </a:r>
+            <a:r>
+              <a:rPr kumimoji="1" lang="zh-CN" altLang="en-US" dirty="0" smtClean="0"/>
+              <a:t>的对象，图上只写了</a:t>
+            </a:r>
+            <a:r>
+              <a:rPr kumimoji="1" lang="en-US" altLang="zh-CN" dirty="0" err="1" smtClean="0"/>
+              <a:t>ofFloat</a:t>
+            </a:r>
+            <a:r>
+              <a:rPr kumimoji="1" lang="zh-CN" altLang="en-US" dirty="0" smtClean="0"/>
+              <a:t>方法，还有很多其他的，比如</a:t>
+            </a:r>
+            <a:r>
+              <a:rPr kumimoji="1" lang="en-US" altLang="zh-CN" dirty="0" err="1" smtClean="0"/>
+              <a:t>ofInt</a:t>
+            </a:r>
+            <a:r>
+              <a:rPr kumimoji="1" lang="zh-CN" altLang="en-US" dirty="0" smtClean="0"/>
+              <a:t>，就返回一个</a:t>
+            </a:r>
+            <a:r>
+              <a:rPr kumimoji="1" lang="en-US" altLang="zh-CN" dirty="0" err="1" smtClean="0"/>
+              <a:t>IntPropertyValuesHolder</a:t>
+            </a:r>
+            <a:r>
+              <a:rPr kumimoji="1" lang="zh-CN" altLang="en-US" dirty="0" smtClean="0"/>
+              <a:t>对象，这个应该算是工厂模式</a:t>
+            </a:r>
+          </a:p>
+          <a:p>
+            <a:r>
+              <a:rPr kumimoji="1" lang="en-US" altLang="zh-CN" dirty="0" err="1" smtClean="0"/>
+              <a:t>FloatPropertyValuesHolder</a:t>
+            </a:r>
+            <a:r>
+              <a:rPr kumimoji="1" lang="zh-CN" altLang="en-US" dirty="0" smtClean="0"/>
+              <a:t>的构造函数里面，调用</a:t>
+            </a:r>
+            <a:r>
+              <a:rPr kumimoji="1" lang="en-US" altLang="zh-CN" dirty="0" err="1" smtClean="0"/>
+              <a:t>setFloatValues</a:t>
+            </a:r>
+            <a:r>
+              <a:rPr kumimoji="1" lang="zh-CN" altLang="en-US" dirty="0" smtClean="0"/>
+              <a:t>方法，然后又调到父类的</a:t>
+            </a:r>
+            <a:r>
+              <a:rPr kumimoji="1" lang="en-US" altLang="zh-CN" dirty="0" err="1" smtClean="0"/>
+              <a:t>setFloatValues</a:t>
+            </a:r>
+            <a:r>
+              <a:rPr kumimoji="1" lang="zh-CN" altLang="en-US" dirty="0" smtClean="0"/>
+              <a:t>方法</a:t>
+            </a:r>
+          </a:p>
+          <a:p>
+            <a:r>
+              <a:rPr kumimoji="1" lang="en-US" altLang="zh-CN" dirty="0" err="1" smtClean="0"/>
+              <a:t>PropertyValuesHolder</a:t>
+            </a:r>
+            <a:r>
+              <a:rPr kumimoji="1" lang="zh-CN" altLang="en-US" dirty="0" smtClean="0"/>
+              <a:t>的</a:t>
+            </a:r>
+            <a:r>
+              <a:rPr kumimoji="1" lang="en-US" altLang="zh-CN" dirty="0" err="1" smtClean="0"/>
+              <a:t>setFloatValues</a:t>
+            </a:r>
+            <a:r>
+              <a:rPr kumimoji="1" lang="zh-CN" altLang="en-US" dirty="0" smtClean="0"/>
+              <a:t>方法里面，会去调</a:t>
+            </a:r>
+            <a:r>
+              <a:rPr kumimoji="1" lang="en-US" altLang="zh-CN" dirty="0" err="1" smtClean="0"/>
+              <a:t>KeyFrameSet</a:t>
+            </a:r>
+            <a:r>
+              <a:rPr kumimoji="1" lang="zh-CN" altLang="en-US" dirty="0" smtClean="0"/>
+              <a:t>的</a:t>
+            </a:r>
+            <a:r>
+              <a:rPr kumimoji="1" lang="en-US" altLang="zh-CN" dirty="0" err="1" smtClean="0"/>
+              <a:t>ofFloat</a:t>
+            </a:r>
+            <a:r>
+              <a:rPr kumimoji="1" lang="zh-CN" altLang="en-US" dirty="0" smtClean="0"/>
+              <a:t>方法，</a:t>
             </a:r>
             <a:r>
               <a:rPr kumimoji="1" lang="en-US" altLang="zh-CN" dirty="0" smtClean="0"/>
-              <a:t>Interpolator</a:t>
-            </a:r>
-            <a:r>
-              <a:rPr kumimoji="1" lang="zh-CN" altLang="en-US" dirty="0" smtClean="0"/>
-              <a:t>就继承</a:t>
+              <a:t>new</a:t>
+            </a:r>
+            <a:r>
+              <a:rPr kumimoji="1" lang="zh-CN" altLang="en-US" dirty="0" smtClean="0"/>
+              <a:t>一个</a:t>
             </a:r>
             <a:r>
               <a:rPr kumimoji="1" lang="en-US" altLang="zh-CN" dirty="0" err="1" smtClean="0"/>
-              <a:t>TimeInterpolator</a:t>
-            </a:r>
-            <a:r>
-              <a:rPr kumimoji="1" lang="zh-CN" altLang="en-US" dirty="0" smtClean="0"/>
-              <a:t>，这样两个都可以用</a:t>
-            </a:r>
-          </a:p>
-          <a:p>
-            <a:endParaRPr kumimoji="1" lang="zh-CN" altLang="en-US" dirty="0" smtClean="0"/>
-          </a:p>
-          <a:p>
-            <a:r>
-              <a:rPr kumimoji="1" lang="zh-CN" altLang="en-US" dirty="0" smtClean="0"/>
-              <a:t>只需要实现</a:t>
+              <a:t>KeyFrameSets</a:t>
+            </a:r>
+            <a:r>
+              <a:rPr kumimoji="1" lang="zh-CN" altLang="en-US" dirty="0" smtClean="0"/>
+              <a:t>对象，然后会根据</a:t>
             </a:r>
             <a:r>
               <a:rPr kumimoji="1" lang="en-US" altLang="zh-CN" dirty="0" err="1" smtClean="0"/>
-              <a:t>getInterpolation</a:t>
-            </a:r>
-            <a:r>
-              <a:rPr kumimoji="1" lang="zh-CN" altLang="en-US" dirty="0" smtClean="0"/>
-              <a:t>这个接口就可以</a:t>
-            </a:r>
-          </a:p>
-          <a:p>
-            <a:r>
-              <a:rPr kumimoji="1" lang="zh-CN" altLang="en-US" dirty="0" smtClean="0"/>
-              <a:t>看</a:t>
-            </a:r>
-            <a:r>
-              <a:rPr kumimoji="1" lang="en-US" altLang="zh-CN" dirty="0" smtClean="0"/>
-              <a:t>demo2</a:t>
-            </a:r>
-            <a:endParaRPr kumimoji="1" lang="zh-CN" altLang="en-US" dirty="0" smtClean="0"/>
-          </a:p>
-          <a:p>
+              <a:t>vaues</a:t>
+            </a:r>
+            <a:r>
+              <a:rPr kumimoji="1" lang="zh-CN" altLang="en-US" dirty="0" smtClean="0"/>
+              <a:t>参数创建相应的</a:t>
+            </a:r>
+            <a:r>
+              <a:rPr kumimoji="1" lang="en-US" altLang="zh-CN" dirty="0" err="1" smtClean="0"/>
+              <a:t>KeyFrame</a:t>
+            </a:r>
+            <a:r>
+              <a:rPr kumimoji="1" lang="zh-CN" altLang="en-US" dirty="0" smtClean="0"/>
+              <a:t>，这里是</a:t>
+            </a:r>
+            <a:r>
+              <a:rPr kumimoji="1" lang="en-US" altLang="zh-CN" dirty="0" err="1" smtClean="0"/>
+              <a:t>FloatKeyFrame</a:t>
+            </a:r>
             <a:endParaRPr kumimoji="1" lang="zh-CN" altLang="en-US" dirty="0"/>
           </a:p>
         </p:txBody>
@@ -1828,7 +2861,7 @@
           <a:p>
             <a:fld id="{53190343-A285-E444-9B8B-A03A0DB5BFEC}" type="slidenum">
               <a:rPr kumimoji="1" lang="zh-CN" altLang="en-US" smtClean="0"/>
-              <a:t>10</a:t>
+              <a:t>9</a:t>
             </a:fld>
             <a:endParaRPr kumimoji="1" lang="zh-CN" altLang="en-US"/>
           </a:p>
@@ -1837,7 +2870,7 @@
     </p:spTree>
     <p:extLst>
       <p:ext uri="{BB962C8B-B14F-4D97-AF65-F5344CB8AC3E}">
-        <p14:creationId xmlns:p14="http://schemas.microsoft.com/office/powerpoint/2010/main" val="620145550"/>
+        <p14:creationId xmlns:p14="http://schemas.microsoft.com/office/powerpoint/2010/main" val="1646478179"/>
       </p:ext>
     </p:extLst>
   </p:cSld>
@@ -1978,7 +3011,7 @@
           <a:p>
             <a:fld id="{88050F38-946A-4344-8969-2030EF824029}" type="datetimeFigureOut">
               <a:rPr kumimoji="1" lang="zh-CN" altLang="en-US" smtClean="0"/>
-              <a:t>15/10/27</a:t>
+              <a:t>15/11/6</a:t>
             </a:fld>
             <a:endParaRPr kumimoji="1" lang="zh-CN" altLang="en-US"/>
           </a:p>
@@ -2148,7 +3181,7 @@
           <a:p>
             <a:fld id="{88050F38-946A-4344-8969-2030EF824029}" type="datetimeFigureOut">
               <a:rPr kumimoji="1" lang="zh-CN" altLang="en-US" smtClean="0"/>
-              <a:t>15/10/27</a:t>
+              <a:t>15/11/6</a:t>
             </a:fld>
             <a:endParaRPr kumimoji="1" lang="zh-CN" altLang="en-US"/>
           </a:p>
@@ -2328,7 +3361,7 @@
           <a:p>
             <a:fld id="{88050F38-946A-4344-8969-2030EF824029}" type="datetimeFigureOut">
               <a:rPr kumimoji="1" lang="zh-CN" altLang="en-US" smtClean="0"/>
-              <a:t>15/10/27</a:t>
+              <a:t>15/11/6</a:t>
             </a:fld>
             <a:endParaRPr kumimoji="1" lang="zh-CN" altLang="en-US"/>
           </a:p>
@@ -2498,7 +3531,7 @@
           <a:p>
             <a:fld id="{88050F38-946A-4344-8969-2030EF824029}" type="datetimeFigureOut">
               <a:rPr kumimoji="1" lang="zh-CN" altLang="en-US" smtClean="0"/>
-              <a:t>15/10/27</a:t>
+              <a:t>15/11/6</a:t>
             </a:fld>
             <a:endParaRPr kumimoji="1" lang="zh-CN" altLang="en-US"/>
           </a:p>
@@ -2744,7 +3777,7 @@
           <a:p>
             <a:fld id="{88050F38-946A-4344-8969-2030EF824029}" type="datetimeFigureOut">
               <a:rPr kumimoji="1" lang="zh-CN" altLang="en-US" smtClean="0"/>
-              <a:t>15/10/27</a:t>
+              <a:t>15/11/6</a:t>
             </a:fld>
             <a:endParaRPr kumimoji="1" lang="zh-CN" altLang="en-US"/>
           </a:p>
@@ -2976,7 +4009,7 @@
           <a:p>
             <a:fld id="{88050F38-946A-4344-8969-2030EF824029}" type="datetimeFigureOut">
               <a:rPr kumimoji="1" lang="zh-CN" altLang="en-US" smtClean="0"/>
-              <a:t>15/10/27</a:t>
+              <a:t>15/11/6</a:t>
             </a:fld>
             <a:endParaRPr kumimoji="1" lang="zh-CN" altLang="en-US"/>
           </a:p>
@@ -3343,7 +4376,7 @@
           <a:p>
             <a:fld id="{88050F38-946A-4344-8969-2030EF824029}" type="datetimeFigureOut">
               <a:rPr kumimoji="1" lang="zh-CN" altLang="en-US" smtClean="0"/>
-              <a:t>15/10/27</a:t>
+              <a:t>15/11/6</a:t>
             </a:fld>
             <a:endParaRPr kumimoji="1" lang="zh-CN" altLang="en-US"/>
           </a:p>
@@ -3461,7 +4494,7 @@
           <a:p>
             <a:fld id="{88050F38-946A-4344-8969-2030EF824029}" type="datetimeFigureOut">
               <a:rPr kumimoji="1" lang="zh-CN" altLang="en-US" smtClean="0"/>
-              <a:t>15/10/27</a:t>
+              <a:t>15/11/6</a:t>
             </a:fld>
             <a:endParaRPr kumimoji="1" lang="zh-CN" altLang="en-US"/>
           </a:p>
@@ -3556,7 +4589,7 @@
           <a:p>
             <a:fld id="{88050F38-946A-4344-8969-2030EF824029}" type="datetimeFigureOut">
               <a:rPr kumimoji="1" lang="zh-CN" altLang="en-US" smtClean="0"/>
-              <a:t>15/10/27</a:t>
+              <a:t>15/11/6</a:t>
             </a:fld>
             <a:endParaRPr kumimoji="1" lang="zh-CN" altLang="en-US"/>
           </a:p>
@@ -3833,7 +4866,7 @@
           <a:p>
             <a:fld id="{88050F38-946A-4344-8969-2030EF824029}" type="datetimeFigureOut">
               <a:rPr kumimoji="1" lang="zh-CN" altLang="en-US" smtClean="0"/>
-              <a:t>15/10/27</a:t>
+              <a:t>15/11/6</a:t>
             </a:fld>
             <a:endParaRPr kumimoji="1" lang="zh-CN" altLang="en-US"/>
           </a:p>
@@ -4086,7 +5119,7 @@
           <a:p>
             <a:fld id="{88050F38-946A-4344-8969-2030EF824029}" type="datetimeFigureOut">
               <a:rPr kumimoji="1" lang="zh-CN" altLang="en-US" smtClean="0"/>
-              <a:t>15/10/27</a:t>
+              <a:t>15/11/6</a:t>
             </a:fld>
             <a:endParaRPr kumimoji="1" lang="zh-CN" altLang="en-US"/>
           </a:p>
@@ -4299,7 +5332,7 @@
           <a:p>
             <a:fld id="{88050F38-946A-4344-8969-2030EF824029}" type="datetimeFigureOut">
               <a:rPr kumimoji="1" lang="zh-CN" altLang="en-US" smtClean="0"/>
-              <a:t>15/10/27</a:t>
+              <a:t>15/11/6</a:t>
             </a:fld>
             <a:endParaRPr kumimoji="1" lang="zh-CN" altLang="en-US"/>
           </a:p>
@@ -4721,11 +5754,7 @@
           <a:p>
             <a:r>
               <a:rPr kumimoji="1" lang="zh-CN" altLang="en-US" dirty="0" smtClean="0"/>
-              <a:t>属性</a:t>
-            </a:r>
-            <a:r>
-              <a:rPr kumimoji="1" lang="zh-CN" altLang="en-US" dirty="0" smtClean="0"/>
-              <a:t>动画</a:t>
+              <a:t>属性动画</a:t>
             </a:r>
             <a:endParaRPr kumimoji="1" lang="zh-CN" altLang="en-US" dirty="0"/>
           </a:p>
@@ -4774,6 +5803,879 @@
 </file>
 
 <file path=ppt/slides/slide10.xml><?xml version="1.0" encoding="utf-8"?>
+<p:sld xmlns:a="http://schemas.openxmlformats.org/drawingml/2006/main" xmlns:r="http://schemas.openxmlformats.org/officeDocument/2006/relationships" xmlns:p="http://schemas.openxmlformats.org/presentationml/2006/main">
+  <p:cSld>
+    <p:spTree>
+      <p:nvGrpSpPr>
+        <p:cNvPr id="1" name=""/>
+        <p:cNvGrpSpPr/>
+        <p:nvPr/>
+      </p:nvGrpSpPr>
+      <p:grpSpPr>
+        <a:xfrm>
+          <a:off x="0" y="0"/>
+          <a:ext cx="0" cy="0"/>
+          <a:chOff x="0" y="0"/>
+          <a:chExt cx="0" cy="0"/>
+        </a:xfrm>
+      </p:grpSpPr>
+      <p:sp>
+        <p:nvSpPr>
+          <p:cNvPr id="2" name="标题 1"/>
+          <p:cNvSpPr>
+            <a:spLocks noGrp="1"/>
+          </p:cNvSpPr>
+          <p:nvPr>
+            <p:ph type="title"/>
+          </p:nvPr>
+        </p:nvSpPr>
+        <p:spPr/>
+        <p:txBody>
+          <a:bodyPr/>
+          <a:lstStyle/>
+          <a:p>
+            <a:r>
+              <a:rPr kumimoji="1" lang="en-US" altLang="zh-CN" dirty="0" smtClean="0"/>
+              <a:t>demo1</a:t>
+            </a:r>
+            <a:endParaRPr kumimoji="1" lang="zh-CN" altLang="en-US" dirty="0"/>
+          </a:p>
+        </p:txBody>
+      </p:sp>
+      <p:pic>
+        <p:nvPicPr>
+          <p:cNvPr id="5" name="图片 4"/>
+          <p:cNvPicPr>
+            <a:picLocks noChangeAspect="1"/>
+          </p:cNvPicPr>
+          <p:nvPr/>
+        </p:nvPicPr>
+        <p:blipFill>
+          <a:blip r:embed="rId3"/>
+          <a:stretch>
+            <a:fillRect/>
+          </a:stretch>
+        </p:blipFill>
+        <p:spPr>
+          <a:xfrm>
+            <a:off x="1425575" y="1690688"/>
+            <a:ext cx="9928225" cy="4096652"/>
+          </a:xfrm>
+          <a:prstGeom prst="rect">
+            <a:avLst/>
+          </a:prstGeom>
+        </p:spPr>
+      </p:pic>
+      <p:sp>
+        <p:nvSpPr>
+          <p:cNvPr id="4" name="圆角矩形 3"/>
+          <p:cNvSpPr/>
+          <p:nvPr/>
+        </p:nvSpPr>
+        <p:spPr>
+          <a:xfrm>
+            <a:off x="5457826" y="3971925"/>
+            <a:ext cx="4171950" cy="400049"/>
+          </a:xfrm>
+          <a:prstGeom prst="roundRect">
+            <a:avLst/>
+          </a:prstGeom>
+          <a:noFill/>
+          <a:ln>
+            <a:solidFill>
+              <a:srgbClr val="FF0000"/>
+            </a:solidFill>
+          </a:ln>
+        </p:spPr>
+        <p:style>
+          <a:lnRef idx="2">
+            <a:schemeClr val="accent1">
+              <a:shade val="50000"/>
+            </a:schemeClr>
+          </a:lnRef>
+          <a:fillRef idx="1">
+            <a:schemeClr val="accent1"/>
+          </a:fillRef>
+          <a:effectRef idx="0">
+            <a:schemeClr val="accent1"/>
+          </a:effectRef>
+          <a:fontRef idx="minor">
+            <a:schemeClr val="lt1"/>
+          </a:fontRef>
+        </p:style>
+        <p:txBody>
+          <a:bodyPr rtlCol="0" anchor="ctr"/>
+          <a:lstStyle/>
+          <a:p>
+            <a:pPr algn="ctr"/>
+            <a:endParaRPr kumimoji="1" lang="zh-CN" altLang="en-US"/>
+          </a:p>
+        </p:txBody>
+      </p:sp>
+    </p:spTree>
+    <p:extLst>
+      <p:ext uri="{BB962C8B-B14F-4D97-AF65-F5344CB8AC3E}">
+        <p14:creationId xmlns:p14="http://schemas.microsoft.com/office/powerpoint/2010/main" val="887077888"/>
+      </p:ext>
+    </p:extLst>
+  </p:cSld>
+  <p:clrMapOvr>
+    <a:masterClrMapping/>
+  </p:clrMapOvr>
+  <p:transition spd="med">
+    <p:pull/>
+  </p:transition>
+  <p:timing>
+    <p:tnLst>
+      <p:par>
+        <p:cTn id="1" dur="indefinite" restart="never" nodeType="tmRoot"/>
+      </p:par>
+    </p:tnLst>
+  </p:timing>
+</p:sld>
+</file>
+
+<file path=ppt/slides/slide11.xml><?xml version="1.0" encoding="utf-8"?>
+<p:sld xmlns:a="http://schemas.openxmlformats.org/drawingml/2006/main" xmlns:r="http://schemas.openxmlformats.org/officeDocument/2006/relationships" xmlns:p="http://schemas.openxmlformats.org/presentationml/2006/main">
+  <p:cSld>
+    <p:spTree>
+      <p:nvGrpSpPr>
+        <p:cNvPr id="1" name=""/>
+        <p:cNvGrpSpPr/>
+        <p:nvPr/>
+      </p:nvGrpSpPr>
+      <p:grpSpPr>
+        <a:xfrm>
+          <a:off x="0" y="0"/>
+          <a:ext cx="0" cy="0"/>
+          <a:chOff x="0" y="0"/>
+          <a:chExt cx="0" cy="0"/>
+        </a:xfrm>
+      </p:grpSpPr>
+      <p:sp>
+        <p:nvSpPr>
+          <p:cNvPr id="2" name="标题 1"/>
+          <p:cNvSpPr>
+            <a:spLocks noGrp="1"/>
+          </p:cNvSpPr>
+          <p:nvPr>
+            <p:ph type="title"/>
+          </p:nvPr>
+        </p:nvSpPr>
+        <p:spPr/>
+        <p:txBody>
+          <a:bodyPr/>
+          <a:lstStyle/>
+          <a:p>
+            <a:r>
+              <a:rPr kumimoji="1" lang="en-US" altLang="zh-CN" dirty="0" smtClean="0"/>
+              <a:t>ValueAnimator</a:t>
+            </a:r>
+            <a:endParaRPr kumimoji="1" lang="zh-CN" altLang="en-US" dirty="0"/>
+          </a:p>
+        </p:txBody>
+      </p:sp>
+      <p:pic>
+        <p:nvPicPr>
+          <p:cNvPr id="4" name="内容占位符 3"/>
+          <p:cNvPicPr>
+            <a:picLocks noGrp="1" noChangeAspect="1"/>
+          </p:cNvPicPr>
+          <p:nvPr>
+            <p:ph idx="1"/>
+          </p:nvPr>
+        </p:nvPicPr>
+        <p:blipFill>
+          <a:blip r:embed="rId3">
+            <a:extLst>
+              <a:ext uri="{28A0092B-C50C-407E-A947-70E740481C1C}">
+                <a14:useLocalDpi xmlns:a14="http://schemas.microsoft.com/office/drawing/2010/main" val="0"/>
+              </a:ext>
+            </a:extLst>
+          </a:blip>
+          <a:stretch>
+            <a:fillRect/>
+          </a:stretch>
+        </p:blipFill>
+        <p:spPr>
+          <a:xfrm>
+            <a:off x="311382" y="1607560"/>
+            <a:ext cx="11569235" cy="5370512"/>
+          </a:xfrm>
+        </p:spPr>
+      </p:pic>
+    </p:spTree>
+    <p:extLst>
+      <p:ext uri="{BB962C8B-B14F-4D97-AF65-F5344CB8AC3E}">
+        <p14:creationId xmlns:p14="http://schemas.microsoft.com/office/powerpoint/2010/main" val="524305153"/>
+      </p:ext>
+    </p:extLst>
+  </p:cSld>
+  <p:clrMapOvr>
+    <a:masterClrMapping/>
+  </p:clrMapOvr>
+  <p:timing>
+    <p:tnLst>
+      <p:par>
+        <p:cTn id="1" dur="indefinite" restart="never" nodeType="tmRoot"/>
+      </p:par>
+    </p:tnLst>
+  </p:timing>
+</p:sld>
+</file>
+
+<file path=ppt/slides/slide12.xml><?xml version="1.0" encoding="utf-8"?>
+<p:sld xmlns:a="http://schemas.openxmlformats.org/drawingml/2006/main" xmlns:r="http://schemas.openxmlformats.org/officeDocument/2006/relationships" xmlns:p="http://schemas.openxmlformats.org/presentationml/2006/main">
+  <p:cSld>
+    <p:spTree>
+      <p:nvGrpSpPr>
+        <p:cNvPr id="1" name=""/>
+        <p:cNvGrpSpPr/>
+        <p:nvPr/>
+      </p:nvGrpSpPr>
+      <p:grpSpPr>
+        <a:xfrm>
+          <a:off x="0" y="0"/>
+          <a:ext cx="0" cy="0"/>
+          <a:chOff x="0" y="0"/>
+          <a:chExt cx="0" cy="0"/>
+        </a:xfrm>
+      </p:grpSpPr>
+      <p:sp>
+        <p:nvSpPr>
+          <p:cNvPr id="2" name="标题 1"/>
+          <p:cNvSpPr>
+            <a:spLocks noGrp="1"/>
+          </p:cNvSpPr>
+          <p:nvPr>
+            <p:ph type="title"/>
+          </p:nvPr>
+        </p:nvSpPr>
+        <p:spPr/>
+        <p:txBody>
+          <a:bodyPr/>
+          <a:lstStyle/>
+          <a:p>
+            <a:r>
+              <a:rPr kumimoji="1" lang="en-US" altLang="zh-CN" dirty="0" err="1" smtClean="0"/>
+              <a:t>animatedValue</a:t>
+            </a:r>
+            <a:r>
+              <a:rPr kumimoji="1" lang="zh-CN" altLang="en-US" dirty="0" smtClean="0"/>
+              <a:t>计算过程</a:t>
+            </a:r>
+            <a:endParaRPr kumimoji="1" lang="zh-CN" altLang="en-US" dirty="0"/>
+          </a:p>
+        </p:txBody>
+      </p:sp>
+      <p:cxnSp>
+        <p:nvCxnSpPr>
+          <p:cNvPr id="5" name="直线箭头连接符 4"/>
+          <p:cNvCxnSpPr/>
+          <p:nvPr/>
+        </p:nvCxnSpPr>
+        <p:spPr>
+          <a:xfrm flipV="1">
+            <a:off x="443813" y="3491257"/>
+            <a:ext cx="2002825" cy="2"/>
+          </a:xfrm>
+          <a:prstGeom prst="straightConnector1">
+            <a:avLst/>
+          </a:prstGeom>
+          <a:ln>
+            <a:tailEnd type="triangle"/>
+          </a:ln>
+        </p:spPr>
+        <p:style>
+          <a:lnRef idx="3">
+            <a:schemeClr val="accent6"/>
+          </a:lnRef>
+          <a:fillRef idx="0">
+            <a:schemeClr val="accent6"/>
+          </a:fillRef>
+          <a:effectRef idx="2">
+            <a:schemeClr val="accent6"/>
+          </a:effectRef>
+          <a:fontRef idx="minor">
+            <a:schemeClr val="tx1"/>
+          </a:fontRef>
+        </p:style>
+      </p:cxnSp>
+      <p:sp>
+        <p:nvSpPr>
+          <p:cNvPr id="13" name="矩形 12"/>
+          <p:cNvSpPr/>
+          <p:nvPr/>
+        </p:nvSpPr>
+        <p:spPr>
+          <a:xfrm>
+            <a:off x="4198095" y="4862250"/>
+            <a:ext cx="2998771" cy="646331"/>
+          </a:xfrm>
+          <a:prstGeom prst="rect">
+            <a:avLst/>
+          </a:prstGeom>
+          <a:noFill/>
+        </p:spPr>
+        <p:txBody>
+          <a:bodyPr wrap="none" lIns="91440" tIns="45720" rIns="91440" bIns="45720">
+            <a:spAutoFit/>
+          </a:bodyPr>
+          <a:lstStyle/>
+          <a:p>
+            <a:pPr algn="ctr"/>
+            <a:r>
+              <a:rPr lang="en-US" altLang="zh-CN" sz="3600" b="0" cap="none" spc="0" smtClean="0">
+                <a:ln w="0"/>
+                <a:solidFill>
+                  <a:schemeClr val="tx1"/>
+                </a:solidFill>
+                <a:effectLst>
+                  <a:outerShdw blurRad="38100" dist="19050" dir="2700000" algn="tl" rotWithShape="0">
+                    <a:schemeClr val="dk1">
+                      <a:alpha val="40000"/>
+                    </a:schemeClr>
+                  </a:outerShdw>
+                </a:effectLst>
+              </a:rPr>
+              <a:t>animatedValue</a:t>
+            </a:r>
+            <a:endParaRPr lang="zh-CN" altLang="en-US" sz="3600" b="0" cap="none" spc="0" dirty="0">
+              <a:ln w="0"/>
+              <a:solidFill>
+                <a:schemeClr val="tx1"/>
+              </a:solidFill>
+              <a:effectLst>
+                <a:outerShdw blurRad="38100" dist="19050" dir="2700000" algn="tl" rotWithShape="0">
+                  <a:schemeClr val="dk1">
+                    <a:alpha val="40000"/>
+                  </a:schemeClr>
+                </a:outerShdw>
+              </a:effectLst>
+            </a:endParaRPr>
+          </a:p>
+        </p:txBody>
+      </p:sp>
+      <p:sp>
+        <p:nvSpPr>
+          <p:cNvPr id="18" name="圆角矩形 17"/>
+          <p:cNvSpPr/>
+          <p:nvPr/>
+        </p:nvSpPr>
+        <p:spPr>
+          <a:xfrm>
+            <a:off x="2446636" y="3011724"/>
+            <a:ext cx="3426249" cy="959065"/>
+          </a:xfrm>
+          <a:prstGeom prst="roundRect">
+            <a:avLst/>
+          </a:prstGeom>
+        </p:spPr>
+        <p:style>
+          <a:lnRef idx="2">
+            <a:schemeClr val="accent5"/>
+          </a:lnRef>
+          <a:fillRef idx="1">
+            <a:schemeClr val="lt1"/>
+          </a:fillRef>
+          <a:effectRef idx="0">
+            <a:schemeClr val="accent5"/>
+          </a:effectRef>
+          <a:fontRef idx="minor">
+            <a:schemeClr val="dk1"/>
+          </a:fontRef>
+        </p:style>
+        <p:txBody>
+          <a:bodyPr rtlCol="0" anchor="ctr"/>
+          <a:lstStyle/>
+          <a:p>
+            <a:pPr algn="ctr"/>
+            <a:endParaRPr kumimoji="1" lang="zh-CN" altLang="en-US"/>
+          </a:p>
+        </p:txBody>
+      </p:sp>
+      <p:sp>
+        <p:nvSpPr>
+          <p:cNvPr id="19" name="矩形 18"/>
+          <p:cNvSpPr/>
+          <p:nvPr/>
+        </p:nvSpPr>
+        <p:spPr>
+          <a:xfrm>
+            <a:off x="2475390" y="3172853"/>
+            <a:ext cx="3368743" cy="646331"/>
+          </a:xfrm>
+          <a:prstGeom prst="rect">
+            <a:avLst/>
+          </a:prstGeom>
+          <a:noFill/>
+        </p:spPr>
+        <p:txBody>
+          <a:bodyPr wrap="none" lIns="91440" tIns="45720" rIns="91440" bIns="45720">
+            <a:spAutoFit/>
+          </a:bodyPr>
+          <a:lstStyle/>
+          <a:p>
+            <a:pPr algn="ctr"/>
+            <a:r>
+              <a:rPr lang="en-US" altLang="zh-CN" sz="3600" b="0" cap="none" spc="0" dirty="0" err="1" smtClean="0">
+                <a:ln w="0"/>
+                <a:solidFill>
+                  <a:schemeClr val="tx1"/>
+                </a:solidFill>
+                <a:effectLst>
+                  <a:outerShdw blurRad="38100" dist="19050" dir="2700000" algn="tl" rotWithShape="0">
+                    <a:schemeClr val="dk1">
+                      <a:alpha val="40000"/>
+                    </a:schemeClr>
+                  </a:outerShdw>
+                </a:effectLst>
+              </a:rPr>
+              <a:t>TimeInterpolator</a:t>
+            </a:r>
+            <a:endParaRPr lang="zh-CN" altLang="en-US" sz="3600" b="0" cap="none" spc="0" dirty="0">
+              <a:ln w="0"/>
+              <a:solidFill>
+                <a:schemeClr val="tx1"/>
+              </a:solidFill>
+              <a:effectLst>
+                <a:outerShdw blurRad="38100" dist="19050" dir="2700000" algn="tl" rotWithShape="0">
+                  <a:schemeClr val="dk1">
+                    <a:alpha val="40000"/>
+                  </a:schemeClr>
+                </a:outerShdw>
+              </a:effectLst>
+            </a:endParaRPr>
+          </a:p>
+        </p:txBody>
+      </p:sp>
+      <p:cxnSp>
+        <p:nvCxnSpPr>
+          <p:cNvPr id="21" name="直线箭头连接符 20"/>
+          <p:cNvCxnSpPr/>
+          <p:nvPr/>
+        </p:nvCxnSpPr>
+        <p:spPr>
+          <a:xfrm flipV="1">
+            <a:off x="5872885" y="3446592"/>
+            <a:ext cx="2002825" cy="2"/>
+          </a:xfrm>
+          <a:prstGeom prst="straightConnector1">
+            <a:avLst/>
+          </a:prstGeom>
+          <a:ln>
+            <a:tailEnd type="triangle"/>
+          </a:ln>
+        </p:spPr>
+        <p:style>
+          <a:lnRef idx="3">
+            <a:schemeClr val="accent6"/>
+          </a:lnRef>
+          <a:fillRef idx="0">
+            <a:schemeClr val="accent6"/>
+          </a:fillRef>
+          <a:effectRef idx="2">
+            <a:schemeClr val="accent6"/>
+          </a:effectRef>
+          <a:fontRef idx="minor">
+            <a:schemeClr val="tx1"/>
+          </a:fontRef>
+        </p:style>
+      </p:cxnSp>
+      <p:sp>
+        <p:nvSpPr>
+          <p:cNvPr id="22" name="矩形 21"/>
+          <p:cNvSpPr/>
+          <p:nvPr/>
+        </p:nvSpPr>
+        <p:spPr>
+          <a:xfrm>
+            <a:off x="6054809" y="2800261"/>
+            <a:ext cx="1638975" cy="646331"/>
+          </a:xfrm>
+          <a:prstGeom prst="rect">
+            <a:avLst/>
+          </a:prstGeom>
+          <a:noFill/>
+        </p:spPr>
+        <p:txBody>
+          <a:bodyPr wrap="none" lIns="91440" tIns="45720" rIns="91440" bIns="45720">
+            <a:spAutoFit/>
+          </a:bodyPr>
+          <a:lstStyle/>
+          <a:p>
+            <a:pPr algn="ctr"/>
+            <a:r>
+              <a:rPr lang="en-US" altLang="zh-CN" sz="3600" b="0" cap="none" spc="0" dirty="0" smtClean="0">
+                <a:ln w="0"/>
+                <a:solidFill>
+                  <a:schemeClr val="tx1"/>
+                </a:solidFill>
+                <a:effectLst>
+                  <a:outerShdw blurRad="38100" dist="19050" dir="2700000" algn="tl" rotWithShape="0">
+                    <a:schemeClr val="dk1">
+                      <a:alpha val="40000"/>
+                    </a:schemeClr>
+                  </a:outerShdw>
+                </a:effectLst>
+              </a:rPr>
+              <a:t>fraction</a:t>
+            </a:r>
+            <a:endParaRPr lang="zh-CN" altLang="en-US" sz="3600" b="0" cap="none" spc="0" dirty="0">
+              <a:ln w="0"/>
+              <a:solidFill>
+                <a:schemeClr val="tx1"/>
+              </a:solidFill>
+              <a:effectLst>
+                <a:outerShdw blurRad="38100" dist="19050" dir="2700000" algn="tl" rotWithShape="0">
+                  <a:schemeClr val="dk1">
+                    <a:alpha val="40000"/>
+                  </a:schemeClr>
+                </a:outerShdw>
+              </a:effectLst>
+            </a:endParaRPr>
+          </a:p>
+        </p:txBody>
+      </p:sp>
+      <p:sp>
+        <p:nvSpPr>
+          <p:cNvPr id="23" name="圆角矩形 22"/>
+          <p:cNvSpPr/>
+          <p:nvPr/>
+        </p:nvSpPr>
+        <p:spPr>
+          <a:xfrm>
+            <a:off x="7875708" y="2967059"/>
+            <a:ext cx="3177759" cy="959065"/>
+          </a:xfrm>
+          <a:prstGeom prst="roundRect">
+            <a:avLst/>
+          </a:prstGeom>
+        </p:spPr>
+        <p:style>
+          <a:lnRef idx="2">
+            <a:schemeClr val="accent5"/>
+          </a:lnRef>
+          <a:fillRef idx="1">
+            <a:schemeClr val="lt1"/>
+          </a:fillRef>
+          <a:effectRef idx="0">
+            <a:schemeClr val="accent5"/>
+          </a:effectRef>
+          <a:fontRef idx="minor">
+            <a:schemeClr val="dk1"/>
+          </a:fontRef>
+        </p:style>
+        <p:txBody>
+          <a:bodyPr rtlCol="0" anchor="ctr"/>
+          <a:lstStyle/>
+          <a:p>
+            <a:pPr algn="ctr"/>
+            <a:endParaRPr kumimoji="1" lang="zh-CN" altLang="en-US"/>
+          </a:p>
+        </p:txBody>
+      </p:sp>
+      <p:sp>
+        <p:nvSpPr>
+          <p:cNvPr id="24" name="矩形 23"/>
+          <p:cNvSpPr/>
+          <p:nvPr/>
+        </p:nvSpPr>
+        <p:spPr>
+          <a:xfrm>
+            <a:off x="7999957" y="3123426"/>
+            <a:ext cx="2929263" cy="646331"/>
+          </a:xfrm>
+          <a:prstGeom prst="rect">
+            <a:avLst/>
+          </a:prstGeom>
+          <a:noFill/>
+        </p:spPr>
+        <p:txBody>
+          <a:bodyPr wrap="none" lIns="91440" tIns="45720" rIns="91440" bIns="45720">
+            <a:spAutoFit/>
+          </a:bodyPr>
+          <a:lstStyle/>
+          <a:p>
+            <a:pPr algn="ctr"/>
+            <a:r>
+              <a:rPr lang="en-US" altLang="zh-CN" sz="3600" b="0" cap="none" spc="0" dirty="0" err="1" smtClean="0">
+                <a:ln w="0"/>
+                <a:solidFill>
+                  <a:schemeClr val="tx1"/>
+                </a:solidFill>
+                <a:effectLst>
+                  <a:outerShdw blurRad="38100" dist="19050" dir="2700000" algn="tl" rotWithShape="0">
+                    <a:schemeClr val="dk1">
+                      <a:alpha val="40000"/>
+                    </a:schemeClr>
+                  </a:outerShdw>
+                </a:effectLst>
+              </a:rPr>
+              <a:t>TypeEvaluator</a:t>
+            </a:r>
+            <a:endParaRPr lang="zh-CN" altLang="en-US" sz="3600" b="0" cap="none" spc="0" dirty="0">
+              <a:ln w="0"/>
+              <a:solidFill>
+                <a:schemeClr val="tx1"/>
+              </a:solidFill>
+              <a:effectLst>
+                <a:outerShdw blurRad="38100" dist="19050" dir="2700000" algn="tl" rotWithShape="0">
+                  <a:schemeClr val="dk1">
+                    <a:alpha val="40000"/>
+                  </a:schemeClr>
+                </a:outerShdw>
+              </a:effectLst>
+            </a:endParaRPr>
+          </a:p>
+        </p:txBody>
+      </p:sp>
+      <p:cxnSp>
+        <p:nvCxnSpPr>
+          <p:cNvPr id="26" name="肘形连接符 25"/>
+          <p:cNvCxnSpPr>
+            <a:stCxn id="23" idx="3"/>
+          </p:cNvCxnSpPr>
+          <p:nvPr/>
+        </p:nvCxnSpPr>
+        <p:spPr>
+          <a:xfrm flipH="1">
+            <a:off x="7134807" y="3446592"/>
+            <a:ext cx="3918660" cy="1755903"/>
+          </a:xfrm>
+          <a:prstGeom prst="bentConnector3">
+            <a:avLst>
+              <a:gd name="adj1" fmla="val -5834"/>
+            </a:avLst>
+          </a:prstGeom>
+          <a:ln>
+            <a:tailEnd type="triangle"/>
+          </a:ln>
+        </p:spPr>
+        <p:style>
+          <a:lnRef idx="3">
+            <a:schemeClr val="accent6"/>
+          </a:lnRef>
+          <a:fillRef idx="0">
+            <a:schemeClr val="accent6"/>
+          </a:fillRef>
+          <a:effectRef idx="2">
+            <a:schemeClr val="accent6"/>
+          </a:effectRef>
+          <a:fontRef idx="minor">
+            <a:schemeClr val="tx1"/>
+          </a:fontRef>
+        </p:style>
+      </p:cxnSp>
+      <p:sp>
+        <p:nvSpPr>
+          <p:cNvPr id="30" name="矩形 29"/>
+          <p:cNvSpPr/>
+          <p:nvPr/>
+        </p:nvSpPr>
+        <p:spPr>
+          <a:xfrm>
+            <a:off x="778137" y="2997326"/>
+            <a:ext cx="1638975" cy="646331"/>
+          </a:xfrm>
+          <a:prstGeom prst="rect">
+            <a:avLst/>
+          </a:prstGeom>
+          <a:noFill/>
+        </p:spPr>
+        <p:txBody>
+          <a:bodyPr wrap="none" lIns="91440" tIns="45720" rIns="91440" bIns="45720">
+            <a:spAutoFit/>
+          </a:bodyPr>
+          <a:lstStyle/>
+          <a:p>
+            <a:pPr algn="ctr"/>
+            <a:r>
+              <a:rPr lang="en-US" altLang="zh-CN" sz="3600" b="0" cap="none" spc="0" dirty="0" smtClean="0">
+                <a:ln w="0"/>
+                <a:solidFill>
+                  <a:schemeClr val="tx1"/>
+                </a:solidFill>
+                <a:effectLst>
+                  <a:outerShdw blurRad="38100" dist="19050" dir="2700000" algn="tl" rotWithShape="0">
+                    <a:schemeClr val="dk1">
+                      <a:alpha val="40000"/>
+                    </a:schemeClr>
+                  </a:outerShdw>
+                </a:effectLst>
+              </a:rPr>
+              <a:t>fraction</a:t>
+            </a:r>
+            <a:endParaRPr lang="zh-CN" altLang="en-US" sz="3600" b="0" cap="none" spc="0" dirty="0">
+              <a:ln w="0"/>
+              <a:solidFill>
+                <a:schemeClr val="tx1"/>
+              </a:solidFill>
+              <a:effectLst>
+                <a:outerShdw blurRad="38100" dist="19050" dir="2700000" algn="tl" rotWithShape="0">
+                  <a:schemeClr val="dk1">
+                    <a:alpha val="40000"/>
+                  </a:schemeClr>
+                </a:outerShdw>
+              </a:effectLst>
+            </a:endParaRPr>
+          </a:p>
+        </p:txBody>
+      </p:sp>
+    </p:spTree>
+    <p:extLst>
+      <p:ext uri="{BB962C8B-B14F-4D97-AF65-F5344CB8AC3E}">
+        <p14:creationId xmlns:p14="http://schemas.microsoft.com/office/powerpoint/2010/main" val="551836836"/>
+      </p:ext>
+    </p:extLst>
+  </p:cSld>
+  <p:clrMapOvr>
+    <a:masterClrMapping/>
+  </p:clrMapOvr>
+  <p:timing>
+    <p:tnLst>
+      <p:par>
+        <p:cTn id="1" dur="indefinite" restart="never" nodeType="tmRoot"/>
+      </p:par>
+    </p:tnLst>
+  </p:timing>
+</p:sld>
+</file>
+
+<file path=ppt/slides/slide13.xml><?xml version="1.0" encoding="utf-8"?>
+<p:sld xmlns:a="http://schemas.openxmlformats.org/drawingml/2006/main" xmlns:r="http://schemas.openxmlformats.org/officeDocument/2006/relationships" xmlns:p="http://schemas.openxmlformats.org/presentationml/2006/main">
+  <p:cSld>
+    <p:spTree>
+      <p:nvGrpSpPr>
+        <p:cNvPr id="1" name=""/>
+        <p:cNvGrpSpPr/>
+        <p:nvPr/>
+      </p:nvGrpSpPr>
+      <p:grpSpPr>
+        <a:xfrm>
+          <a:off x="0" y="0"/>
+          <a:ext cx="0" cy="0"/>
+          <a:chOff x="0" y="0"/>
+          <a:chExt cx="0" cy="0"/>
+        </a:xfrm>
+      </p:grpSpPr>
+      <p:sp>
+        <p:nvSpPr>
+          <p:cNvPr id="2" name="标题 1"/>
+          <p:cNvSpPr>
+            <a:spLocks noGrp="1"/>
+          </p:cNvSpPr>
+          <p:nvPr>
+            <p:ph type="title"/>
+          </p:nvPr>
+        </p:nvSpPr>
+        <p:spPr/>
+        <p:txBody>
+          <a:bodyPr/>
+          <a:lstStyle/>
+          <a:p>
+            <a:r>
+              <a:rPr kumimoji="1" lang="en-US" altLang="zh-CN" dirty="0" smtClean="0"/>
+              <a:t>demo1</a:t>
+            </a:r>
+            <a:endParaRPr kumimoji="1" lang="zh-CN" altLang="en-US" dirty="0"/>
+          </a:p>
+        </p:txBody>
+      </p:sp>
+      <p:pic>
+        <p:nvPicPr>
+          <p:cNvPr id="5" name="图片 4"/>
+          <p:cNvPicPr>
+            <a:picLocks noChangeAspect="1"/>
+          </p:cNvPicPr>
+          <p:nvPr/>
+        </p:nvPicPr>
+        <p:blipFill>
+          <a:blip r:embed="rId3"/>
+          <a:stretch>
+            <a:fillRect/>
+          </a:stretch>
+        </p:blipFill>
+        <p:spPr>
+          <a:xfrm>
+            <a:off x="1425575" y="1690688"/>
+            <a:ext cx="9928225" cy="4096652"/>
+          </a:xfrm>
+          <a:prstGeom prst="rect">
+            <a:avLst/>
+          </a:prstGeom>
+        </p:spPr>
+      </p:pic>
+      <p:sp>
+        <p:nvSpPr>
+          <p:cNvPr id="3" name="圆角矩形 2"/>
+          <p:cNvSpPr/>
+          <p:nvPr/>
+        </p:nvSpPr>
+        <p:spPr>
+          <a:xfrm>
+            <a:off x="1425574" y="2200275"/>
+            <a:ext cx="7889875" cy="314325"/>
+          </a:xfrm>
+          <a:prstGeom prst="roundRect">
+            <a:avLst/>
+          </a:prstGeom>
+          <a:noFill/>
+          <a:ln>
+            <a:solidFill>
+              <a:srgbClr val="FF0000"/>
+            </a:solidFill>
+          </a:ln>
+        </p:spPr>
+        <p:style>
+          <a:lnRef idx="2">
+            <a:schemeClr val="accent1">
+              <a:shade val="50000"/>
+            </a:schemeClr>
+          </a:lnRef>
+          <a:fillRef idx="1">
+            <a:schemeClr val="accent1"/>
+          </a:fillRef>
+          <a:effectRef idx="0">
+            <a:schemeClr val="accent1"/>
+          </a:effectRef>
+          <a:fontRef idx="minor">
+            <a:schemeClr val="lt1"/>
+          </a:fontRef>
+        </p:style>
+        <p:txBody>
+          <a:bodyPr rtlCol="0" anchor="ctr"/>
+          <a:lstStyle/>
+          <a:p>
+            <a:pPr algn="ctr"/>
+            <a:endParaRPr kumimoji="1" lang="zh-CN" altLang="en-US"/>
+          </a:p>
+        </p:txBody>
+      </p:sp>
+    </p:spTree>
+    <p:extLst>
+      <p:ext uri="{BB962C8B-B14F-4D97-AF65-F5344CB8AC3E}">
+        <p14:creationId xmlns:p14="http://schemas.microsoft.com/office/powerpoint/2010/main" val="1745790417"/>
+      </p:ext>
+    </p:extLst>
+  </p:cSld>
+  <p:clrMapOvr>
+    <a:masterClrMapping/>
+  </p:clrMapOvr>
+  <p:transition spd="med">
+    <p:pull/>
+  </p:transition>
+  <p:timing>
+    <p:tnLst>
+      <p:par>
+        <p:cTn id="1" dur="indefinite" restart="never" nodeType="tmRoot"/>
+      </p:par>
+    </p:tnLst>
+  </p:timing>
+</p:sld>
+</file>
+
+<file path=ppt/slides/slide14.xml><?xml version="1.0" encoding="utf-8"?>
 <p:sld xmlns:a="http://schemas.openxmlformats.org/drawingml/2006/main" xmlns:r="http://schemas.openxmlformats.org/officeDocument/2006/relationships" xmlns:p="http://schemas.openxmlformats.org/presentationml/2006/main">
   <p:cSld>
     <p:spTree>
@@ -5109,7 +7011,7 @@
 </p:sld>
 </file>
 
-<file path=ppt/slides/slide11.xml><?xml version="1.0" encoding="utf-8"?>
+<file path=ppt/slides/slide15.xml><?xml version="1.0" encoding="utf-8"?>
 <p:sld xmlns:a="http://schemas.openxmlformats.org/drawingml/2006/main" xmlns:r="http://schemas.openxmlformats.org/officeDocument/2006/relationships" xmlns:p="http://schemas.openxmlformats.org/presentationml/2006/main">
   <p:cSld>
     <p:spTree>
@@ -5146,8 +7048,8 @@
               <a:t>自定义</a:t>
             </a:r>
             <a:r>
-              <a:rPr kumimoji="1" lang="en-US" altLang="zh-CN" dirty="0" smtClean="0"/>
-              <a:t>Interpolator</a:t>
+              <a:rPr kumimoji="1" lang="en-US" altLang="zh-CN" dirty="0" err="1" smtClean="0"/>
+              <a:t>TimeInterpolator</a:t>
             </a:r>
             <a:endParaRPr kumimoji="1" lang="zh-CN" altLang="en-US" dirty="0"/>
           </a:p>
@@ -5664,7 +7566,7 @@
 </p:sld>
 </file>
 
-<file path=ppt/slides/slide12.xml><?xml version="1.0" encoding="utf-8"?>
+<file path=ppt/slides/slide16.xml><?xml version="1.0" encoding="utf-8"?>
 <p:sld xmlns:a="http://schemas.openxmlformats.org/drawingml/2006/main" xmlns:r="http://schemas.openxmlformats.org/officeDocument/2006/relationships" xmlns:p="http://schemas.openxmlformats.org/presentationml/2006/main">
   <p:cSld>
     <p:spTree>
@@ -5696,6 +7598,14 @@
           <a:bodyPr/>
           <a:lstStyle/>
           <a:p>
+            <a:r>
+              <a:rPr kumimoji="1" lang="zh-CN" altLang="en-US" dirty="0" smtClean="0"/>
+              <a:t>自定义</a:t>
+            </a:r>
+            <a:r>
+              <a:rPr kumimoji="1" lang="en-US" altLang="zh-CN" dirty="0" err="1" smtClean="0"/>
+              <a:t>TypeEvaluator</a:t>
+            </a:r>
             <a:endParaRPr kumimoji="1" lang="zh-CN" altLang="en-US" dirty="0"/>
           </a:p>
         </p:txBody>
@@ -5712,10 +7622,349 @@
         </p:nvSpPr>
         <p:spPr/>
         <p:txBody>
-          <a:bodyPr/>
-          <a:lstStyle/>
-          <a:p>
-            <a:endParaRPr kumimoji="1" lang="zh-CN" altLang="en-US"/>
+          <a:bodyPr>
+            <a:normAutofit fontScale="85000" lnSpcReduction="10000"/>
+          </a:bodyPr>
+          <a:lstStyle/>
+          <a:p>
+            <a:pPr marL="0" indent="0">
+              <a:buNone/>
+            </a:pPr>
+            <a:r>
+              <a:rPr lang="en-US" altLang="zh-CN" b="1" dirty="0">
+                <a:solidFill>
+                  <a:srgbClr val="000080"/>
+                </a:solidFill>
+              </a:rPr>
+              <a:t>public interface </a:t>
+            </a:r>
+            <a:r>
+              <a:rPr lang="en-US" altLang="zh-CN" dirty="0" err="1"/>
+              <a:t>TypeEvaluator</a:t>
+            </a:r>
+            <a:r>
+              <a:rPr lang="en-US" altLang="zh-CN" dirty="0"/>
+              <a:t>&lt;</a:t>
+            </a:r>
+            <a:r>
+              <a:rPr lang="en-US" altLang="zh-CN" dirty="0">
+                <a:solidFill>
+                  <a:srgbClr val="20999D"/>
+                </a:solidFill>
+              </a:rPr>
+              <a:t>T</a:t>
+            </a:r>
+            <a:r>
+              <a:rPr lang="en-US" altLang="zh-CN" dirty="0"/>
+              <a:t>&gt; {</a:t>
+            </a:r>
+            <a:br>
+              <a:rPr lang="en-US" altLang="zh-CN" dirty="0"/>
+            </a:br>
+            <a:r>
+              <a:rPr lang="en-US" altLang="zh-CN" i="1" dirty="0">
+                <a:solidFill>
+                  <a:srgbClr val="808080"/>
+                </a:solidFill>
+              </a:rPr>
+              <a:t/>
+            </a:r>
+            <a:br>
+              <a:rPr lang="en-US" altLang="zh-CN" i="1" dirty="0">
+                <a:solidFill>
+                  <a:srgbClr val="808080"/>
+                </a:solidFill>
+              </a:rPr>
+            </a:br>
+            <a:r>
+              <a:rPr lang="en-US" altLang="zh-CN" i="1" dirty="0">
+                <a:solidFill>
+                  <a:srgbClr val="808080"/>
+                </a:solidFill>
+              </a:rPr>
+              <a:t>    </a:t>
+            </a:r>
+            <a:r>
+              <a:rPr lang="en-US" altLang="zh-CN" b="1" dirty="0">
+                <a:solidFill>
+                  <a:srgbClr val="000080"/>
+                </a:solidFill>
+              </a:rPr>
+              <a:t>public </a:t>
+            </a:r>
+            <a:r>
+              <a:rPr lang="en-US" altLang="zh-CN" dirty="0">
+                <a:solidFill>
+                  <a:srgbClr val="20999D"/>
+                </a:solidFill>
+              </a:rPr>
+              <a:t>T </a:t>
+            </a:r>
+            <a:r>
+              <a:rPr lang="en-US" altLang="zh-CN" dirty="0"/>
+              <a:t>evaluate(</a:t>
+            </a:r>
+            <a:r>
+              <a:rPr lang="en-US" altLang="zh-CN" b="1" dirty="0">
+                <a:solidFill>
+                  <a:srgbClr val="000080"/>
+                </a:solidFill>
+              </a:rPr>
+              <a:t>float </a:t>
+            </a:r>
+            <a:r>
+              <a:rPr lang="en-US" altLang="zh-CN" dirty="0"/>
+              <a:t>fraction, </a:t>
+            </a:r>
+            <a:r>
+              <a:rPr lang="en-US" altLang="zh-CN" dirty="0">
+                <a:solidFill>
+                  <a:srgbClr val="20999D"/>
+                </a:solidFill>
+              </a:rPr>
+              <a:t>T </a:t>
+            </a:r>
+            <a:r>
+              <a:rPr lang="en-US" altLang="zh-CN" dirty="0" err="1"/>
+              <a:t>startValue</a:t>
+            </a:r>
+            <a:r>
+              <a:rPr lang="en-US" altLang="zh-CN" dirty="0"/>
+              <a:t>, </a:t>
+            </a:r>
+            <a:r>
+              <a:rPr lang="en-US" altLang="zh-CN" dirty="0">
+                <a:solidFill>
+                  <a:srgbClr val="20999D"/>
+                </a:solidFill>
+              </a:rPr>
+              <a:t>T </a:t>
+            </a:r>
+            <a:r>
+              <a:rPr lang="en-US" altLang="zh-CN" dirty="0" err="1"/>
+              <a:t>endValue</a:t>
+            </a:r>
+            <a:r>
+              <a:rPr lang="en-US" altLang="zh-CN" dirty="0"/>
+              <a:t>);</a:t>
+            </a:r>
+            <a:br>
+              <a:rPr lang="en-US" altLang="zh-CN" dirty="0"/>
+            </a:br>
+            <a:r>
+              <a:rPr lang="en-US" altLang="zh-CN" dirty="0"/>
+              <a:t/>
+            </a:r>
+            <a:br>
+              <a:rPr lang="en-US" altLang="zh-CN" dirty="0"/>
+            </a:br>
+            <a:r>
+              <a:rPr lang="en-US" altLang="zh-CN" dirty="0"/>
+              <a:t>}</a:t>
+            </a:r>
+            <a:r>
+              <a:rPr lang="en-US" altLang="zh-CN" dirty="0" smtClean="0"/>
+              <a:t/>
+            </a:r>
+            <a:br>
+              <a:rPr lang="en-US" altLang="zh-CN" dirty="0" smtClean="0"/>
+            </a:br>
+            <a:endParaRPr lang="zh-CN" altLang="en-US" dirty="0" smtClean="0"/>
+          </a:p>
+          <a:p>
+            <a:pPr marL="0" indent="0">
+              <a:buNone/>
+            </a:pPr>
+            <a:r>
+              <a:rPr lang="en-US" altLang="zh-CN" b="1" dirty="0">
+                <a:solidFill>
+                  <a:srgbClr val="000080"/>
+                </a:solidFill>
+              </a:rPr>
+              <a:t>public class </a:t>
+            </a:r>
+            <a:r>
+              <a:rPr lang="en-US" altLang="zh-CN" dirty="0" err="1"/>
+              <a:t>FloatEvaluator</a:t>
+            </a:r>
+            <a:r>
+              <a:rPr lang="en-US" altLang="zh-CN" dirty="0"/>
+              <a:t> </a:t>
+            </a:r>
+            <a:r>
+              <a:rPr lang="en-US" altLang="zh-CN" b="1" dirty="0">
+                <a:solidFill>
+                  <a:srgbClr val="000080"/>
+                </a:solidFill>
+              </a:rPr>
+              <a:t>implements </a:t>
+            </a:r>
+            <a:r>
+              <a:rPr lang="en-US" altLang="zh-CN" dirty="0" err="1"/>
+              <a:t>TypeEvaluator</a:t>
+            </a:r>
+            <a:r>
+              <a:rPr lang="en-US" altLang="zh-CN" dirty="0"/>
+              <a:t>&lt;Number&gt; {</a:t>
+            </a:r>
+            <a:br>
+              <a:rPr lang="en-US" altLang="zh-CN" dirty="0"/>
+            </a:br>
+            <a:r>
+              <a:rPr lang="en-US" altLang="zh-CN" dirty="0"/>
+              <a:t/>
+            </a:r>
+            <a:br>
+              <a:rPr lang="en-US" altLang="zh-CN" dirty="0"/>
+            </a:br>
+            <a:r>
+              <a:rPr lang="en-US" altLang="zh-CN" i="1" dirty="0">
+                <a:solidFill>
+                  <a:srgbClr val="808080"/>
+                </a:solidFill>
+              </a:rPr>
+              <a:t/>
+            </a:r>
+            <a:br>
+              <a:rPr lang="en-US" altLang="zh-CN" i="1" dirty="0">
+                <a:solidFill>
+                  <a:srgbClr val="808080"/>
+                </a:solidFill>
+              </a:rPr>
+            </a:br>
+            <a:r>
+              <a:rPr lang="en-US" altLang="zh-CN" i="1" dirty="0">
+                <a:solidFill>
+                  <a:srgbClr val="808080"/>
+                </a:solidFill>
+              </a:rPr>
+              <a:t>    </a:t>
+            </a:r>
+            <a:r>
+              <a:rPr lang="en-US" altLang="zh-CN" b="1" dirty="0">
+                <a:solidFill>
+                  <a:srgbClr val="000080"/>
+                </a:solidFill>
+              </a:rPr>
+              <a:t>public </a:t>
+            </a:r>
+            <a:r>
+              <a:rPr lang="en-US" altLang="zh-CN" dirty="0"/>
+              <a:t>Float evaluate(</a:t>
+            </a:r>
+            <a:r>
+              <a:rPr lang="en-US" altLang="zh-CN" b="1" dirty="0">
+                <a:solidFill>
+                  <a:srgbClr val="000080"/>
+                </a:solidFill>
+              </a:rPr>
+              <a:t>float </a:t>
+            </a:r>
+            <a:r>
+              <a:rPr lang="en-US" altLang="zh-CN" dirty="0"/>
+              <a:t>fraction, Number </a:t>
+            </a:r>
+            <a:r>
+              <a:rPr lang="en-US" altLang="zh-CN" dirty="0" err="1"/>
+              <a:t>startValue</a:t>
+            </a:r>
+            <a:r>
+              <a:rPr lang="en-US" altLang="zh-CN" dirty="0"/>
+              <a:t>, Number </a:t>
+            </a:r>
+            <a:r>
+              <a:rPr lang="en-US" altLang="zh-CN" dirty="0" err="1"/>
+              <a:t>endValue</a:t>
+            </a:r>
+            <a:r>
+              <a:rPr lang="en-US" altLang="zh-CN" dirty="0"/>
+              <a:t>) {</a:t>
+            </a:r>
+            <a:br>
+              <a:rPr lang="en-US" altLang="zh-CN" dirty="0"/>
+            </a:br>
+            <a:r>
+              <a:rPr lang="en-US" altLang="zh-CN" dirty="0"/>
+              <a:t>        </a:t>
+            </a:r>
+            <a:r>
+              <a:rPr lang="en-US" altLang="zh-CN" b="1" dirty="0">
+                <a:solidFill>
+                  <a:srgbClr val="000080"/>
+                </a:solidFill>
+              </a:rPr>
+              <a:t>float </a:t>
+            </a:r>
+            <a:r>
+              <a:rPr lang="en-US" altLang="zh-CN" dirty="0" err="1"/>
+              <a:t>startFloat</a:t>
+            </a:r>
+            <a:r>
+              <a:rPr lang="en-US" altLang="zh-CN" dirty="0"/>
+              <a:t> = </a:t>
+            </a:r>
+            <a:r>
+              <a:rPr lang="en-US" altLang="zh-CN" dirty="0" err="1"/>
+              <a:t>startValue.floatValue</a:t>
+            </a:r>
+            <a:r>
+              <a:rPr lang="en-US" altLang="zh-CN" dirty="0"/>
+              <a:t>();</a:t>
+            </a:r>
+            <a:br>
+              <a:rPr lang="en-US" altLang="zh-CN" dirty="0"/>
+            </a:br>
+            <a:r>
+              <a:rPr lang="en-US" altLang="zh-CN" dirty="0"/>
+              <a:t>        </a:t>
+            </a:r>
+            <a:r>
+              <a:rPr lang="en-US" altLang="zh-CN" b="1" dirty="0">
+                <a:solidFill>
+                  <a:srgbClr val="000080"/>
+                </a:solidFill>
+              </a:rPr>
+              <a:t>return </a:t>
+            </a:r>
+            <a:r>
+              <a:rPr lang="en-US" altLang="zh-CN" dirty="0" err="1"/>
+              <a:t>startFloat</a:t>
+            </a:r>
+            <a:r>
+              <a:rPr lang="en-US" altLang="zh-CN" dirty="0"/>
+              <a:t> + fraction * (</a:t>
+            </a:r>
+            <a:r>
+              <a:rPr lang="en-US" altLang="zh-CN" dirty="0" err="1"/>
+              <a:t>endValue.floatValue</a:t>
+            </a:r>
+            <a:r>
+              <a:rPr lang="en-US" altLang="zh-CN" dirty="0"/>
+              <a:t>() - </a:t>
+            </a:r>
+            <a:r>
+              <a:rPr lang="en-US" altLang="zh-CN" dirty="0" err="1"/>
+              <a:t>startFloat</a:t>
+            </a:r>
+            <a:r>
+              <a:rPr lang="en-US" altLang="zh-CN" dirty="0"/>
+              <a:t>);</a:t>
+            </a:r>
+            <a:br>
+              <a:rPr lang="en-US" altLang="zh-CN" dirty="0"/>
+            </a:br>
+            <a:r>
+              <a:rPr lang="en-US" altLang="zh-CN" dirty="0"/>
+              <a:t>    }</a:t>
+            </a:r>
+            <a:br>
+              <a:rPr lang="en-US" altLang="zh-CN" dirty="0"/>
+            </a:br>
+            <a:r>
+              <a:rPr lang="en-US" altLang="zh-CN" dirty="0"/>
+              <a:t>}</a:t>
+            </a:r>
+            <a:endParaRPr kumimoji="1" lang="zh-CN" altLang="en-US" dirty="0"/>
           </a:p>
         </p:txBody>
       </p:sp>
@@ -5723,6 +7972,316 @@
     <p:extLst>
       <p:ext uri="{BB962C8B-B14F-4D97-AF65-F5344CB8AC3E}">
         <p14:creationId xmlns:p14="http://schemas.microsoft.com/office/powerpoint/2010/main" val="1586903190"/>
+      </p:ext>
+    </p:extLst>
+  </p:cSld>
+  <p:clrMapOvr>
+    <a:masterClrMapping/>
+  </p:clrMapOvr>
+  <p:timing>
+    <p:tnLst>
+      <p:par>
+        <p:cTn id="1" dur="indefinite" restart="never" nodeType="tmRoot"/>
+      </p:par>
+    </p:tnLst>
+  </p:timing>
+</p:sld>
+</file>
+
+<file path=ppt/slides/slide17.xml><?xml version="1.0" encoding="utf-8"?>
+<p:sld xmlns:a="http://schemas.openxmlformats.org/drawingml/2006/main" xmlns:r="http://schemas.openxmlformats.org/officeDocument/2006/relationships" xmlns:p="http://schemas.openxmlformats.org/presentationml/2006/main">
+  <p:cSld>
+    <p:spTree>
+      <p:nvGrpSpPr>
+        <p:cNvPr id="1" name=""/>
+        <p:cNvGrpSpPr/>
+        <p:nvPr/>
+      </p:nvGrpSpPr>
+      <p:grpSpPr>
+        <a:xfrm>
+          <a:off x="0" y="0"/>
+          <a:ext cx="0" cy="0"/>
+          <a:chOff x="0" y="0"/>
+          <a:chExt cx="0" cy="0"/>
+        </a:xfrm>
+      </p:grpSpPr>
+      <p:sp>
+        <p:nvSpPr>
+          <p:cNvPr id="2" name="标题 1"/>
+          <p:cNvSpPr>
+            <a:spLocks noGrp="1"/>
+          </p:cNvSpPr>
+          <p:nvPr>
+            <p:ph type="title"/>
+          </p:nvPr>
+        </p:nvSpPr>
+        <p:spPr/>
+        <p:txBody>
+          <a:bodyPr/>
+          <a:lstStyle/>
+          <a:p>
+            <a:r>
+              <a:rPr kumimoji="1" lang="en-US" altLang="zh-CN" dirty="0" err="1" smtClean="0"/>
+              <a:t>end&amp;cancel</a:t>
+            </a:r>
+            <a:endParaRPr kumimoji="1" lang="zh-CN" altLang="en-US" dirty="0"/>
+          </a:p>
+        </p:txBody>
+      </p:sp>
+      <p:sp>
+        <p:nvSpPr>
+          <p:cNvPr id="3" name="内容占位符 2"/>
+          <p:cNvSpPr>
+            <a:spLocks noGrp="1"/>
+          </p:cNvSpPr>
+          <p:nvPr>
+            <p:ph idx="1"/>
+          </p:nvPr>
+        </p:nvSpPr>
+        <p:spPr/>
+        <p:txBody>
+          <a:bodyPr/>
+          <a:lstStyle/>
+          <a:p>
+            <a:r>
+              <a:rPr kumimoji="1" lang="en-US" altLang="zh-CN" dirty="0" smtClean="0"/>
+              <a:t>end</a:t>
+            </a:r>
+            <a:r>
+              <a:rPr kumimoji="1" lang="zh-CN" altLang="en-US" dirty="0" smtClean="0"/>
+              <a:t>：</a:t>
+            </a:r>
+          </a:p>
+          <a:p>
+            <a:pPr lvl="1"/>
+            <a:r>
+              <a:rPr kumimoji="1" lang="zh-CN" altLang="en-US" dirty="0" smtClean="0"/>
+              <a:t>计算结束状态的值</a:t>
+            </a:r>
+          </a:p>
+          <a:p>
+            <a:pPr lvl="1"/>
+            <a:r>
+              <a:rPr kumimoji="1" lang="zh-CN" altLang="en-US" dirty="0" smtClean="0"/>
+              <a:t>调用</a:t>
+            </a:r>
+            <a:r>
+              <a:rPr kumimoji="1" lang="en-US" altLang="zh-CN" dirty="0" err="1" smtClean="0"/>
+              <a:t>onAnimationUpdate</a:t>
+            </a:r>
+            <a:endParaRPr kumimoji="1" lang="zh-CN" altLang="en-US" dirty="0" smtClean="0"/>
+          </a:p>
+          <a:p>
+            <a:pPr lvl="1"/>
+            <a:r>
+              <a:rPr kumimoji="1" lang="zh-CN" altLang="en-US" dirty="0" smtClean="0"/>
+              <a:t>调用</a:t>
+            </a:r>
+            <a:r>
+              <a:rPr kumimoji="1" lang="en-US" altLang="zh-CN" dirty="0" err="1" smtClean="0"/>
+              <a:t>onAnimationEnd</a:t>
+            </a:r>
+            <a:endParaRPr kumimoji="1" lang="zh-CN" altLang="en-US" dirty="0" smtClean="0"/>
+          </a:p>
+          <a:p>
+            <a:pPr lvl="1"/>
+            <a:endParaRPr kumimoji="1" lang="zh-CN" altLang="en-US" dirty="0"/>
+          </a:p>
+          <a:p>
+            <a:r>
+              <a:rPr kumimoji="1" lang="en-US" altLang="zh-CN" dirty="0" smtClean="0"/>
+              <a:t>cancel</a:t>
+            </a:r>
+            <a:endParaRPr kumimoji="1" lang="zh-CN" altLang="en-US" dirty="0" smtClean="0"/>
+          </a:p>
+          <a:p>
+            <a:pPr lvl="1"/>
+            <a:r>
+              <a:rPr kumimoji="1" lang="zh-CN" altLang="en-US" smtClean="0"/>
+              <a:t>调用</a:t>
+            </a:r>
+            <a:r>
+              <a:rPr kumimoji="1" lang="en-US" altLang="zh-CN" smtClean="0"/>
+              <a:t>onAnimationCancel</a:t>
+            </a:r>
+            <a:endParaRPr kumimoji="1" lang="zh-CN" altLang="en-US" dirty="0" smtClean="0"/>
+          </a:p>
+          <a:p>
+            <a:pPr lvl="1"/>
+            <a:r>
+              <a:rPr kumimoji="1" lang="zh-CN" altLang="en-US" dirty="0" smtClean="0"/>
+              <a:t>调用</a:t>
+            </a:r>
+            <a:r>
+              <a:rPr kumimoji="1" lang="en-US" altLang="zh-CN" dirty="0" err="1" smtClean="0"/>
+              <a:t>onAnimationEnd</a:t>
+            </a:r>
+            <a:endParaRPr kumimoji="1" lang="zh-CN" altLang="en-US" dirty="0"/>
+          </a:p>
+        </p:txBody>
+      </p:sp>
+    </p:spTree>
+    <p:extLst>
+      <p:ext uri="{BB962C8B-B14F-4D97-AF65-F5344CB8AC3E}">
+        <p14:creationId xmlns:p14="http://schemas.microsoft.com/office/powerpoint/2010/main" val="1889804310"/>
+      </p:ext>
+    </p:extLst>
+  </p:cSld>
+  <p:clrMapOvr>
+    <a:masterClrMapping/>
+  </p:clrMapOvr>
+  <p:timing>
+    <p:tnLst>
+      <p:par>
+        <p:cTn id="1" dur="indefinite" restart="never" nodeType="tmRoot"/>
+      </p:par>
+    </p:tnLst>
+  </p:timing>
+</p:sld>
+</file>
+
+<file path=ppt/slides/slide18.xml><?xml version="1.0" encoding="utf-8"?>
+<p:sld xmlns:a="http://schemas.openxmlformats.org/drawingml/2006/main" xmlns:r="http://schemas.openxmlformats.org/officeDocument/2006/relationships" xmlns:p="http://schemas.openxmlformats.org/presentationml/2006/main">
+  <p:cSld>
+    <p:spTree>
+      <p:nvGrpSpPr>
+        <p:cNvPr id="1" name=""/>
+        <p:cNvGrpSpPr/>
+        <p:nvPr/>
+      </p:nvGrpSpPr>
+      <p:grpSpPr>
+        <a:xfrm>
+          <a:off x="0" y="0"/>
+          <a:ext cx="0" cy="0"/>
+          <a:chOff x="0" y="0"/>
+          <a:chExt cx="0" cy="0"/>
+        </a:xfrm>
+      </p:grpSpPr>
+      <p:sp>
+        <p:nvSpPr>
+          <p:cNvPr id="2" name="标题 1"/>
+          <p:cNvSpPr>
+            <a:spLocks noGrp="1"/>
+          </p:cNvSpPr>
+          <p:nvPr>
+            <p:ph type="title"/>
+          </p:nvPr>
+        </p:nvSpPr>
+        <p:spPr/>
+        <p:txBody>
+          <a:bodyPr/>
+          <a:lstStyle/>
+          <a:p>
+            <a:r>
+              <a:rPr kumimoji="1" lang="en-US" altLang="zh-CN" dirty="0" err="1" smtClean="0"/>
+              <a:t>ObjectAnimator</a:t>
+            </a:r>
+            <a:endParaRPr kumimoji="1" lang="zh-CN" altLang="en-US" dirty="0"/>
+          </a:p>
+        </p:txBody>
+      </p:sp>
+      <p:sp>
+        <p:nvSpPr>
+          <p:cNvPr id="3" name="内容占位符 2"/>
+          <p:cNvSpPr>
+            <a:spLocks noGrp="1"/>
+          </p:cNvSpPr>
+          <p:nvPr>
+            <p:ph idx="1"/>
+          </p:nvPr>
+        </p:nvSpPr>
+        <p:spPr/>
+        <p:txBody>
+          <a:bodyPr/>
+          <a:lstStyle/>
+          <a:p>
+            <a:endParaRPr kumimoji="1" lang="zh-CN" altLang="en-US"/>
+          </a:p>
+        </p:txBody>
+      </p:sp>
+    </p:spTree>
+    <p:extLst>
+      <p:ext uri="{BB962C8B-B14F-4D97-AF65-F5344CB8AC3E}">
+        <p14:creationId xmlns:p14="http://schemas.microsoft.com/office/powerpoint/2010/main" val="646755199"/>
+      </p:ext>
+    </p:extLst>
+  </p:cSld>
+  <p:clrMapOvr>
+    <a:masterClrMapping/>
+  </p:clrMapOvr>
+  <p:timing>
+    <p:tnLst>
+      <p:par>
+        <p:cTn id="1" dur="indefinite" restart="never" nodeType="tmRoot"/>
+      </p:par>
+    </p:tnLst>
+  </p:timing>
+</p:sld>
+</file>
+
+<file path=ppt/slides/slide19.xml><?xml version="1.0" encoding="utf-8"?>
+<p:sld xmlns:a="http://schemas.openxmlformats.org/drawingml/2006/main" xmlns:r="http://schemas.openxmlformats.org/officeDocument/2006/relationships" xmlns:p="http://schemas.openxmlformats.org/presentationml/2006/main">
+  <p:cSld>
+    <p:spTree>
+      <p:nvGrpSpPr>
+        <p:cNvPr id="1" name=""/>
+        <p:cNvGrpSpPr/>
+        <p:nvPr/>
+      </p:nvGrpSpPr>
+      <p:grpSpPr>
+        <a:xfrm>
+          <a:off x="0" y="0"/>
+          <a:ext cx="0" cy="0"/>
+          <a:chOff x="0" y="0"/>
+          <a:chExt cx="0" cy="0"/>
+        </a:xfrm>
+      </p:grpSpPr>
+      <p:sp>
+        <p:nvSpPr>
+          <p:cNvPr id="2" name="标题 1"/>
+          <p:cNvSpPr>
+            <a:spLocks noGrp="1"/>
+          </p:cNvSpPr>
+          <p:nvPr>
+            <p:ph type="title"/>
+          </p:nvPr>
+        </p:nvSpPr>
+        <p:spPr/>
+        <p:txBody>
+          <a:bodyPr/>
+          <a:lstStyle/>
+          <a:p>
+            <a:r>
+              <a:rPr kumimoji="1" lang="en-US" altLang="zh-CN" dirty="0" err="1" smtClean="0"/>
+              <a:t>TimeAnimator</a:t>
+            </a:r>
+            <a:endParaRPr kumimoji="1" lang="zh-CN" altLang="en-US" dirty="0"/>
+          </a:p>
+        </p:txBody>
+      </p:sp>
+      <p:sp>
+        <p:nvSpPr>
+          <p:cNvPr id="3" name="内容占位符 2"/>
+          <p:cNvSpPr>
+            <a:spLocks noGrp="1"/>
+          </p:cNvSpPr>
+          <p:nvPr>
+            <p:ph idx="1"/>
+          </p:nvPr>
+        </p:nvSpPr>
+        <p:spPr/>
+        <p:txBody>
+          <a:bodyPr/>
+          <a:lstStyle/>
+          <a:p>
+            <a:endParaRPr kumimoji="1" lang="zh-CN" altLang="en-US"/>
+          </a:p>
+        </p:txBody>
+      </p:sp>
+    </p:spTree>
+    <p:extLst>
+      <p:ext uri="{BB962C8B-B14F-4D97-AF65-F5344CB8AC3E}">
+        <p14:creationId xmlns:p14="http://schemas.microsoft.com/office/powerpoint/2010/main" val="332238283"/>
       </p:ext>
     </p:extLst>
   </p:cSld>
@@ -5811,6 +8370,85 @@
   <p:transition spd="med">
     <p:pull/>
   </p:transition>
+  <p:timing>
+    <p:tnLst>
+      <p:par>
+        <p:cTn id="1" dur="indefinite" restart="never" nodeType="tmRoot"/>
+      </p:par>
+    </p:tnLst>
+  </p:timing>
+</p:sld>
+</file>
+
+<file path=ppt/slides/slide20.xml><?xml version="1.0" encoding="utf-8"?>
+<p:sld xmlns:a="http://schemas.openxmlformats.org/drawingml/2006/main" xmlns:r="http://schemas.openxmlformats.org/officeDocument/2006/relationships" xmlns:p="http://schemas.openxmlformats.org/presentationml/2006/main">
+  <p:cSld>
+    <p:spTree>
+      <p:nvGrpSpPr>
+        <p:cNvPr id="1" name=""/>
+        <p:cNvGrpSpPr/>
+        <p:nvPr/>
+      </p:nvGrpSpPr>
+      <p:grpSpPr>
+        <a:xfrm>
+          <a:off x="0" y="0"/>
+          <a:ext cx="0" cy="0"/>
+          <a:chOff x="0" y="0"/>
+          <a:chExt cx="0" cy="0"/>
+        </a:xfrm>
+      </p:grpSpPr>
+      <p:sp>
+        <p:nvSpPr>
+          <p:cNvPr id="2" name="标题 1"/>
+          <p:cNvSpPr>
+            <a:spLocks noGrp="1"/>
+          </p:cNvSpPr>
+          <p:nvPr>
+            <p:ph type="title"/>
+          </p:nvPr>
+        </p:nvSpPr>
+        <p:spPr/>
+        <p:txBody>
+          <a:bodyPr/>
+          <a:lstStyle/>
+          <a:p>
+            <a:r>
+              <a:rPr kumimoji="1" lang="en-US" altLang="zh-CN" dirty="0" err="1" smtClean="0"/>
+              <a:t>AnimatorSet</a:t>
+            </a:r>
+            <a:endParaRPr kumimoji="1" lang="zh-CN" altLang="en-US" dirty="0"/>
+          </a:p>
+        </p:txBody>
+      </p:sp>
+      <p:sp>
+        <p:nvSpPr>
+          <p:cNvPr id="3" name="内容占位符 2"/>
+          <p:cNvSpPr>
+            <a:spLocks noGrp="1"/>
+          </p:cNvSpPr>
+          <p:nvPr>
+            <p:ph idx="1"/>
+          </p:nvPr>
+        </p:nvSpPr>
+        <p:spPr/>
+        <p:txBody>
+          <a:bodyPr/>
+          <a:lstStyle/>
+          <a:p>
+            <a:endParaRPr kumimoji="1" lang="zh-CN" altLang="en-US"/>
+          </a:p>
+        </p:txBody>
+      </p:sp>
+    </p:spTree>
+    <p:extLst>
+      <p:ext uri="{BB962C8B-B14F-4D97-AF65-F5344CB8AC3E}">
+        <p14:creationId xmlns:p14="http://schemas.microsoft.com/office/powerpoint/2010/main" val="1104561852"/>
+      </p:ext>
+    </p:extLst>
+  </p:cSld>
+  <p:clrMapOvr>
+    <a:masterClrMapping/>
+  </p:clrMapOvr>
   <p:timing>
     <p:tnLst>
       <p:par>
@@ -5895,7 +8533,7 @@
   <p:clrMapOvr>
     <a:masterClrMapping/>
   </p:clrMapOvr>
-  <p:transition spd="med">
+  <p:transition>
     <p:pull/>
   </p:transition>
   <p:timing>
@@ -6555,7 +9193,7 @@
           </p:nvPr>
         </p:nvPicPr>
         <p:blipFill>
-          <a:blip r:embed="rId2">
+          <a:blip r:embed="rId3">
             <a:extLst>
               <a:ext uri="{28A0092B-C50C-407E-A947-70E740481C1C}">
                 <a14:useLocalDpi xmlns:a14="http://schemas.microsoft.com/office/drawing/2010/main" val="0"/>
@@ -6665,8 +9303,8 @@
         </p:nvSpPr>
         <p:spPr>
           <a:xfrm>
-            <a:off x="5457826" y="3971925"/>
-            <a:ext cx="4171950" cy="400049"/>
+            <a:off x="1425576" y="1914525"/>
+            <a:ext cx="6089650" cy="314325"/>
           </a:xfrm>
           <a:prstGeom prst="roundRect">
             <a:avLst/>
@@ -6706,7 +9344,7 @@
     </p:spTree>
     <p:extLst>
       <p:ext uri="{BB962C8B-B14F-4D97-AF65-F5344CB8AC3E}">
-        <p14:creationId xmlns:p14="http://schemas.microsoft.com/office/powerpoint/2010/main" val="887077888"/>
+        <p14:creationId xmlns:p14="http://schemas.microsoft.com/office/powerpoint/2010/main" val="1747844822"/>
       </p:ext>
     </p:extLst>
   </p:cSld>
@@ -6760,7 +9398,7 @@
           <a:p>
             <a:r>
               <a:rPr kumimoji="1" lang="en-US" altLang="zh-CN" dirty="0" smtClean="0"/>
-              <a:t>demo1</a:t>
+              <a:t>ValueAnimator</a:t>
             </a:r>
             <a:endParaRPr kumimoji="1" lang="zh-CN" altLang="en-US" dirty="0"/>
           </a:p>
@@ -6768,87 +9406,43 @@
       </p:sp>
       <p:pic>
         <p:nvPicPr>
-          <p:cNvPr id="5" name="图片 4"/>
+          <p:cNvPr id="4" name="内容占位符 3"/>
           <p:cNvPicPr>
-            <a:picLocks noChangeAspect="1"/>
+            <a:picLocks noGrp="1" noChangeAspect="1"/>
           </p:cNvPicPr>
-          <p:nvPr/>
+          <p:nvPr>
+            <p:ph idx="1"/>
+          </p:nvPr>
         </p:nvPicPr>
         <p:blipFill>
-          <a:blip r:embed="rId3"/>
+          <a:blip r:embed="rId3">
+            <a:extLst>
+              <a:ext uri="{28A0092B-C50C-407E-A947-70E740481C1C}">
+                <a14:useLocalDpi xmlns:a14="http://schemas.microsoft.com/office/drawing/2010/main" val="0"/>
+              </a:ext>
+            </a:extLst>
+          </a:blip>
           <a:stretch>
             <a:fillRect/>
           </a:stretch>
         </p:blipFill>
         <p:spPr>
           <a:xfrm>
-            <a:off x="1425575" y="1690688"/>
-            <a:ext cx="9928225" cy="4096652"/>
+            <a:off x="311382" y="1487488"/>
+            <a:ext cx="11569235" cy="5370512"/>
           </a:xfrm>
-          <a:prstGeom prst="rect">
-            <a:avLst/>
-          </a:prstGeom>
         </p:spPr>
       </p:pic>
-      <p:sp>
-        <p:nvSpPr>
-          <p:cNvPr id="3" name="圆角矩形 2"/>
-          <p:cNvSpPr/>
-          <p:nvPr/>
-        </p:nvSpPr>
-        <p:spPr>
-          <a:xfrm>
-            <a:off x="1425574" y="2200275"/>
-            <a:ext cx="7889875" cy="314325"/>
-          </a:xfrm>
-          <a:prstGeom prst="roundRect">
-            <a:avLst/>
-          </a:prstGeom>
-          <a:noFill/>
-          <a:ln>
-            <a:solidFill>
-              <a:srgbClr val="FF0000"/>
-            </a:solidFill>
-          </a:ln>
-        </p:spPr>
-        <p:style>
-          <a:lnRef idx="2">
-            <a:schemeClr val="accent1">
-              <a:shade val="50000"/>
-            </a:schemeClr>
-          </a:lnRef>
-          <a:fillRef idx="1">
-            <a:schemeClr val="accent1"/>
-          </a:fillRef>
-          <a:effectRef idx="0">
-            <a:schemeClr val="accent1"/>
-          </a:effectRef>
-          <a:fontRef idx="minor">
-            <a:schemeClr val="lt1"/>
-          </a:fontRef>
-        </p:style>
-        <p:txBody>
-          <a:bodyPr rtlCol="0" anchor="ctr"/>
-          <a:lstStyle/>
-          <a:p>
-            <a:pPr algn="ctr"/>
-            <a:endParaRPr kumimoji="1" lang="zh-CN" altLang="en-US"/>
-          </a:p>
-        </p:txBody>
-      </p:sp>
     </p:spTree>
     <p:extLst>
       <p:ext uri="{BB962C8B-B14F-4D97-AF65-F5344CB8AC3E}">
-        <p14:creationId xmlns:p14="http://schemas.microsoft.com/office/powerpoint/2010/main" val="1745790417"/>
+        <p14:creationId xmlns:p14="http://schemas.microsoft.com/office/powerpoint/2010/main" val="107734713"/>
       </p:ext>
     </p:extLst>
   </p:cSld>
   <p:clrMapOvr>
     <a:masterClrMapping/>
   </p:clrMapOvr>
-  <p:transition spd="med">
-    <p:pull/>
-  </p:transition>
   <p:timing>
     <p:tnLst>
       <p:par>

--- a/AnimationSkillShare/动画实用技巧.pptx
+++ b/AnimationSkillShare/动画实用技巧.pptx
@@ -5,29 +5,34 @@
     <p:sldMasterId id="2147483648" r:id="rId1"/>
   </p:sldMasterIdLst>
   <p:notesMasterIdLst>
-    <p:notesMasterId r:id="rId22"/>
+    <p:notesMasterId r:id="rId27"/>
   </p:notesMasterIdLst>
   <p:sldIdLst>
-    <p:sldId id="256" r:id="rId2"/>
-    <p:sldId id="263" r:id="rId3"/>
-    <p:sldId id="257" r:id="rId4"/>
-    <p:sldId id="258" r:id="rId5"/>
-    <p:sldId id="265" r:id="rId6"/>
-    <p:sldId id="264" r:id="rId7"/>
-    <p:sldId id="271" r:id="rId8"/>
-    <p:sldId id="274" r:id="rId9"/>
-    <p:sldId id="275" r:id="rId10"/>
-    <p:sldId id="272" r:id="rId11"/>
-    <p:sldId id="276" r:id="rId12"/>
-    <p:sldId id="277" r:id="rId13"/>
-    <p:sldId id="273" r:id="rId14"/>
-    <p:sldId id="267" r:id="rId15"/>
-    <p:sldId id="268" r:id="rId16"/>
-    <p:sldId id="270" r:id="rId17"/>
-    <p:sldId id="278" r:id="rId18"/>
-    <p:sldId id="279" r:id="rId19"/>
+    <p:sldId id="263" r:id="rId2"/>
+    <p:sldId id="257" r:id="rId3"/>
+    <p:sldId id="258" r:id="rId4"/>
+    <p:sldId id="265" r:id="rId5"/>
+    <p:sldId id="264" r:id="rId6"/>
+    <p:sldId id="271" r:id="rId7"/>
+    <p:sldId id="274" r:id="rId8"/>
+    <p:sldId id="275" r:id="rId9"/>
+    <p:sldId id="272" r:id="rId10"/>
+    <p:sldId id="276" r:id="rId11"/>
+    <p:sldId id="277" r:id="rId12"/>
+    <p:sldId id="273" r:id="rId13"/>
+    <p:sldId id="267" r:id="rId14"/>
+    <p:sldId id="268" r:id="rId15"/>
+    <p:sldId id="270" r:id="rId16"/>
+    <p:sldId id="278" r:id="rId17"/>
+    <p:sldId id="279" r:id="rId18"/>
+    <p:sldId id="282" r:id="rId19"/>
     <p:sldId id="280" r:id="rId20"/>
     <p:sldId id="281" r:id="rId21"/>
+    <p:sldId id="284" r:id="rId22"/>
+    <p:sldId id="283" r:id="rId23"/>
+    <p:sldId id="285" r:id="rId24"/>
+    <p:sldId id="287" r:id="rId25"/>
+    <p:sldId id="286" r:id="rId26"/>
   </p:sldIdLst>
   <p:sldSz cx="12192000" cy="6858000"/>
   <p:notesSz cx="6858000" cy="9144000"/>
@@ -530,9 +535,8 @@
           <a:p>
             <a:r>
               <a:rPr kumimoji="1" lang="zh-CN" altLang="en-US" dirty="0" smtClean="0"/>
-              <a:t>尽量讲大家平时接触得比较少的</a:t>
-            </a:r>
-            <a:endParaRPr kumimoji="1" lang="zh-CN" altLang="en-US" dirty="0"/>
+              <a:t>今天的主角</a:t>
+            </a:r>
           </a:p>
         </p:txBody>
       </p:sp>
@@ -562,7 +566,7 @@
     </p:spTree>
     <p:extLst>
       <p:ext uri="{BB962C8B-B14F-4D97-AF65-F5344CB8AC3E}">
-        <p14:creationId xmlns:p14="http://schemas.microsoft.com/office/powerpoint/2010/main" val="1827336327"/>
+        <p14:creationId xmlns:p14="http://schemas.microsoft.com/office/powerpoint/2010/main" val="135497281"/>
       </p:ext>
     </p:extLst>
   </p:cSld>
@@ -617,22 +621,28 @@
           <a:lstStyle/>
           <a:p>
             <a:r>
-              <a:rPr kumimoji="1" lang="zh-CN" altLang="en-US" dirty="0" smtClean="0"/>
-              <a:t>再回到</a:t>
-            </a:r>
-            <a:r>
               <a:rPr kumimoji="1" lang="en-US" altLang="zh-CN" dirty="0" smtClean="0"/>
-              <a:t>demo1</a:t>
-            </a:r>
-            <a:r>
-              <a:rPr kumimoji="1" lang="zh-CN" altLang="en-US" dirty="0" smtClean="0"/>
-              <a:t>，</a:t>
-            </a:r>
-          </a:p>
-          <a:p>
-            <a:r>
-              <a:rPr kumimoji="1" lang="zh-CN" altLang="en-US" dirty="0" smtClean="0"/>
-              <a:t>接下来讲一下，</a:t>
+              <a:t>ValueAnimator</a:t>
+            </a:r>
+            <a:r>
+              <a:rPr kumimoji="1" lang="zh-CN" altLang="en-US" dirty="0" smtClean="0"/>
+              <a:t>的</a:t>
+            </a:r>
+            <a:r>
+              <a:rPr kumimoji="1" lang="en-US" altLang="zh-CN" dirty="0" err="1" smtClean="0"/>
+              <a:t>getAnimated</a:t>
+            </a:r>
+            <a:r>
+              <a:rPr kumimoji="1" lang="zh-CN" altLang="en-US" dirty="0" smtClean="0"/>
+              <a:t>方法，取</a:t>
+            </a:r>
+            <a:r>
+              <a:rPr kumimoji="1" lang="en-US" altLang="zh-CN" dirty="0" err="1" smtClean="0"/>
+              <a:t>ProperyValuesHolder</a:t>
+            </a:r>
+            <a:r>
+              <a:rPr kumimoji="1" lang="zh-CN" altLang="en-US" dirty="0" smtClean="0"/>
+              <a:t>中的第一个对象，调它的</a:t>
             </a:r>
             <a:r>
               <a:rPr kumimoji="1" lang="en-US" altLang="zh-CN" dirty="0" err="1" smtClean="0"/>
@@ -640,13 +650,122 @@
             </a:r>
             <a:r>
               <a:rPr kumimoji="1" lang="zh-CN" altLang="en-US" dirty="0" smtClean="0"/>
-              <a:t>这个方法</a:t>
-            </a:r>
-          </a:p>
-          <a:p>
-            <a:endParaRPr kumimoji="1" lang="en-US" altLang="zh-CN" dirty="0" smtClean="0"/>
-          </a:p>
-          <a:p>
+              <a:t>方法，然后直接返回了</a:t>
+            </a:r>
+            <a:r>
+              <a:rPr kumimoji="1" lang="en-US" altLang="zh-CN" dirty="0" err="1" smtClean="0"/>
+              <a:t>mAnimatedValue</a:t>
+            </a:r>
+            <a:r>
+              <a:rPr kumimoji="1" lang="zh-CN" altLang="en-US" dirty="0" smtClean="0"/>
+              <a:t>这个成员变量的值</a:t>
+            </a:r>
+          </a:p>
+          <a:p>
+            <a:r>
+              <a:rPr kumimoji="1" lang="zh-CN" altLang="en-US" dirty="0" smtClean="0"/>
+              <a:t>其实在调</a:t>
+            </a:r>
+            <a:r>
+              <a:rPr kumimoji="1" lang="en-US" altLang="zh-CN" dirty="0" smtClean="0"/>
+              <a:t>onAnimationUpdate</a:t>
+            </a:r>
+            <a:r>
+              <a:rPr kumimoji="1" lang="zh-CN" altLang="en-US" dirty="0" smtClean="0"/>
+              <a:t>之前，已经计算好了值</a:t>
+            </a:r>
+          </a:p>
+          <a:p>
+            <a:r>
+              <a:rPr kumimoji="1" lang="en-US" altLang="zh-CN" dirty="0" smtClean="0"/>
+              <a:t>ValueAnimator</a:t>
+            </a:r>
+            <a:r>
+              <a:rPr kumimoji="1" lang="zh-CN" altLang="en-US" dirty="0" smtClean="0"/>
+              <a:t>中有一个</a:t>
+            </a:r>
+            <a:r>
+              <a:rPr kumimoji="1" lang="en-US" altLang="zh-CN" dirty="0" err="1" smtClean="0"/>
+              <a:t>animateValue</a:t>
+            </a:r>
+            <a:r>
+              <a:rPr kumimoji="1" lang="zh-CN" altLang="en-US" dirty="0" smtClean="0"/>
+              <a:t>方法，先用</a:t>
+            </a:r>
+            <a:r>
+              <a:rPr kumimoji="1" lang="en-US" altLang="zh-CN" dirty="0" err="1" smtClean="0"/>
+              <a:t>mInterpolator</a:t>
+            </a:r>
+            <a:r>
+              <a:rPr kumimoji="1" lang="zh-CN" altLang="en-US" dirty="0" smtClean="0"/>
+              <a:t>计算出</a:t>
+            </a:r>
+            <a:r>
+              <a:rPr kumimoji="1" lang="en-US" altLang="zh-CN" dirty="0" smtClean="0"/>
+              <a:t>fraction</a:t>
+            </a:r>
+            <a:r>
+              <a:rPr kumimoji="1" lang="zh-CN" altLang="en-US" dirty="0" smtClean="0"/>
+              <a:t>，然后调</a:t>
+            </a:r>
+            <a:r>
+              <a:rPr kumimoji="1" lang="en-US" altLang="zh-CN" dirty="0" err="1" smtClean="0"/>
+              <a:t>ProperyValuesHolder</a:t>
+            </a:r>
+            <a:r>
+              <a:rPr kumimoji="1" lang="zh-CN" altLang="en-US" dirty="0" smtClean="0"/>
+              <a:t>对象的</a:t>
+            </a:r>
+            <a:r>
+              <a:rPr kumimoji="1" lang="en-US" altLang="zh-CN" dirty="0" err="1" smtClean="0"/>
+              <a:t>calculateValue</a:t>
+            </a:r>
+            <a:r>
+              <a:rPr kumimoji="1" lang="zh-CN" altLang="en-US" dirty="0" smtClean="0"/>
+              <a:t>方法取计算值，然后再调</a:t>
+            </a:r>
+            <a:r>
+              <a:rPr kumimoji="1" lang="en-US" altLang="zh-CN" dirty="0" err="1" smtClean="0"/>
+              <a:t>OnAnimatorUpdate</a:t>
+            </a:r>
+            <a:r>
+              <a:rPr kumimoji="1" lang="zh-CN" altLang="en-US" dirty="0" smtClean="0"/>
+              <a:t>，</a:t>
+            </a:r>
+          </a:p>
+          <a:p>
+            <a:r>
+              <a:rPr kumimoji="1" lang="zh-CN" altLang="en-US" dirty="0" smtClean="0"/>
+              <a:t>其实也是去调</a:t>
+            </a:r>
+            <a:r>
+              <a:rPr kumimoji="1" lang="en-US" altLang="zh-CN" dirty="0" err="1" smtClean="0"/>
+              <a:t>KeyFrames</a:t>
+            </a:r>
+            <a:r>
+              <a:rPr kumimoji="1" lang="zh-CN" altLang="en-US" dirty="0" smtClean="0"/>
+              <a:t>的</a:t>
+            </a:r>
+            <a:r>
+              <a:rPr kumimoji="1" lang="en-US" altLang="zh-CN" dirty="0" err="1" smtClean="0"/>
+              <a:t>getValue</a:t>
+            </a:r>
+            <a:r>
+              <a:rPr kumimoji="1" lang="zh-CN" altLang="en-US" dirty="0" smtClean="0"/>
+              <a:t>方法获取值，最终是去调</a:t>
+            </a:r>
+            <a:r>
+              <a:rPr kumimoji="1" lang="en-US" altLang="zh-CN" dirty="0" err="1" smtClean="0"/>
+              <a:t>KeyFrame</a:t>
+            </a:r>
+            <a:r>
+              <a:rPr kumimoji="1" lang="zh-CN" altLang="en-US" dirty="0" smtClean="0"/>
+              <a:t>的</a:t>
+            </a:r>
+            <a:r>
+              <a:rPr kumimoji="1" lang="en-US" altLang="zh-CN" dirty="0" err="1" smtClean="0"/>
+              <a:t>getValue</a:t>
+            </a:r>
             <a:endParaRPr kumimoji="1" lang="zh-CN" altLang="en-US" dirty="0" smtClean="0"/>
           </a:p>
         </p:txBody>
@@ -677,7 +796,7 @@
     </p:spTree>
     <p:extLst>
       <p:ext uri="{BB962C8B-B14F-4D97-AF65-F5344CB8AC3E}">
-        <p14:creationId xmlns:p14="http://schemas.microsoft.com/office/powerpoint/2010/main" val="530498338"/>
+        <p14:creationId xmlns:p14="http://schemas.microsoft.com/office/powerpoint/2010/main" val="292423943"/>
       </p:ext>
     </p:extLst>
   </p:cSld>
@@ -731,153 +850,7 @@
           <a:bodyPr/>
           <a:lstStyle/>
           <a:p>
-            <a:r>
-              <a:rPr kumimoji="1" lang="en-US" altLang="zh-CN" dirty="0" smtClean="0"/>
-              <a:t>ValueAnimator</a:t>
-            </a:r>
-            <a:r>
-              <a:rPr kumimoji="1" lang="zh-CN" altLang="en-US" dirty="0" smtClean="0"/>
-              <a:t>的</a:t>
-            </a:r>
-            <a:r>
-              <a:rPr kumimoji="1" lang="en-US" altLang="zh-CN" dirty="0" err="1" smtClean="0"/>
-              <a:t>getAnimated</a:t>
-            </a:r>
-            <a:r>
-              <a:rPr kumimoji="1" lang="zh-CN" altLang="en-US" dirty="0" smtClean="0"/>
-              <a:t>方法，取</a:t>
-            </a:r>
-            <a:r>
-              <a:rPr kumimoji="1" lang="en-US" altLang="zh-CN" dirty="0" err="1" smtClean="0"/>
-              <a:t>ProperyValuesHolder</a:t>
-            </a:r>
-            <a:r>
-              <a:rPr kumimoji="1" lang="zh-CN" altLang="en-US" dirty="0" smtClean="0"/>
-              <a:t>中的第一个对象，调它的</a:t>
-            </a:r>
-            <a:r>
-              <a:rPr kumimoji="1" lang="en-US" altLang="zh-CN" dirty="0" err="1" smtClean="0"/>
-              <a:t>getAnimatedValue</a:t>
-            </a:r>
-            <a:r>
-              <a:rPr kumimoji="1" lang="zh-CN" altLang="en-US" dirty="0" smtClean="0"/>
-              <a:t>方法，然后直接返回了</a:t>
-            </a:r>
-            <a:r>
-              <a:rPr kumimoji="1" lang="en-US" altLang="zh-CN" dirty="0" err="1" smtClean="0"/>
-              <a:t>mAnimatedValue</a:t>
-            </a:r>
-            <a:r>
-              <a:rPr kumimoji="1" lang="zh-CN" altLang="en-US" dirty="0" smtClean="0"/>
-              <a:t>这个成员变量的值</a:t>
-            </a:r>
-          </a:p>
-          <a:p>
-            <a:r>
-              <a:rPr kumimoji="1" lang="zh-CN" altLang="en-US" dirty="0" smtClean="0"/>
-              <a:t>其实在调</a:t>
-            </a:r>
-            <a:r>
-              <a:rPr kumimoji="1" lang="en-US" altLang="zh-CN" dirty="0" smtClean="0"/>
-              <a:t>onAnimationUpdate</a:t>
-            </a:r>
-            <a:r>
-              <a:rPr kumimoji="1" lang="zh-CN" altLang="en-US" dirty="0" smtClean="0"/>
-              <a:t>之前，已经计算好了值</a:t>
-            </a:r>
-          </a:p>
-          <a:p>
-            <a:r>
-              <a:rPr kumimoji="1" lang="en-US" altLang="zh-CN" dirty="0" smtClean="0"/>
-              <a:t>ValueAnimator</a:t>
-            </a:r>
-            <a:r>
-              <a:rPr kumimoji="1" lang="zh-CN" altLang="en-US" dirty="0" smtClean="0"/>
-              <a:t>中有一个</a:t>
-            </a:r>
-            <a:r>
-              <a:rPr kumimoji="1" lang="en-US" altLang="zh-CN" dirty="0" err="1" smtClean="0"/>
-              <a:t>animateValue</a:t>
-            </a:r>
-            <a:r>
-              <a:rPr kumimoji="1" lang="zh-CN" altLang="en-US" dirty="0" smtClean="0"/>
-              <a:t>方法，先用</a:t>
-            </a:r>
-            <a:r>
-              <a:rPr kumimoji="1" lang="en-US" altLang="zh-CN" dirty="0" err="1" smtClean="0"/>
-              <a:t>mInterpolator</a:t>
-            </a:r>
-            <a:r>
-              <a:rPr kumimoji="1" lang="zh-CN" altLang="en-US" dirty="0" smtClean="0"/>
-              <a:t>计算出</a:t>
-            </a:r>
-            <a:r>
-              <a:rPr kumimoji="1" lang="en-US" altLang="zh-CN" dirty="0" smtClean="0"/>
-              <a:t>fraction</a:t>
-            </a:r>
-            <a:r>
-              <a:rPr kumimoji="1" lang="zh-CN" altLang="en-US" dirty="0" smtClean="0"/>
-              <a:t>，然后调</a:t>
-            </a:r>
-            <a:r>
-              <a:rPr kumimoji="1" lang="en-US" altLang="zh-CN" dirty="0" err="1" smtClean="0"/>
-              <a:t>ProperyValuesHolder</a:t>
-            </a:r>
-            <a:r>
-              <a:rPr kumimoji="1" lang="zh-CN" altLang="en-US" dirty="0" smtClean="0"/>
-              <a:t>对象的</a:t>
-            </a:r>
-            <a:r>
-              <a:rPr kumimoji="1" lang="en-US" altLang="zh-CN" dirty="0" err="1" smtClean="0"/>
-              <a:t>calculateValue</a:t>
-            </a:r>
-            <a:r>
-              <a:rPr kumimoji="1" lang="zh-CN" altLang="en-US" dirty="0" smtClean="0"/>
-              <a:t>方法取计算值，然后再调</a:t>
-            </a:r>
-            <a:r>
-              <a:rPr kumimoji="1" lang="en-US" altLang="zh-CN" dirty="0" err="1" smtClean="0"/>
-              <a:t>OnAnimatorUpdate</a:t>
-            </a:r>
-            <a:r>
-              <a:rPr kumimoji="1" lang="zh-CN" altLang="en-US" dirty="0" smtClean="0"/>
-              <a:t>，</a:t>
-            </a:r>
-          </a:p>
-          <a:p>
-            <a:r>
-              <a:rPr kumimoji="1" lang="zh-CN" altLang="en-US" dirty="0" smtClean="0"/>
-              <a:t>其实也是去调</a:t>
-            </a:r>
-            <a:r>
-              <a:rPr kumimoji="1" lang="en-US" altLang="zh-CN" dirty="0" err="1" smtClean="0"/>
-              <a:t>KeyFrames</a:t>
-            </a:r>
-            <a:r>
-              <a:rPr kumimoji="1" lang="zh-CN" altLang="en-US" dirty="0" smtClean="0"/>
-              <a:t>的</a:t>
-            </a:r>
-            <a:r>
-              <a:rPr kumimoji="1" lang="en-US" altLang="zh-CN" dirty="0" err="1" smtClean="0"/>
-              <a:t>getValue</a:t>
-            </a:r>
-            <a:r>
-              <a:rPr kumimoji="1" lang="zh-CN" altLang="en-US" dirty="0" smtClean="0"/>
-              <a:t>方法获取值，最终是去调</a:t>
-            </a:r>
-            <a:r>
-              <a:rPr kumimoji="1" lang="en-US" altLang="zh-CN" dirty="0" err="1" smtClean="0"/>
-              <a:t>KeyFrame</a:t>
-            </a:r>
-            <a:r>
-              <a:rPr kumimoji="1" lang="zh-CN" altLang="en-US" dirty="0" smtClean="0"/>
-              <a:t>的</a:t>
-            </a:r>
-            <a:r>
-              <a:rPr kumimoji="1" lang="en-US" altLang="zh-CN" dirty="0" err="1" smtClean="0"/>
-              <a:t>getValue</a:t>
-            </a:r>
-            <a:endParaRPr kumimoji="1" lang="zh-CN" altLang="en-US" dirty="0" smtClean="0"/>
+            <a:endParaRPr kumimoji="1" lang="zh-CN" altLang="en-US" dirty="0"/>
           </a:p>
         </p:txBody>
       </p:sp>
@@ -907,7 +880,7 @@
     </p:spTree>
     <p:extLst>
       <p:ext uri="{BB962C8B-B14F-4D97-AF65-F5344CB8AC3E}">
-        <p14:creationId xmlns:p14="http://schemas.microsoft.com/office/powerpoint/2010/main" val="292423943"/>
+        <p14:creationId xmlns:p14="http://schemas.microsoft.com/office/powerpoint/2010/main" val="164826621"/>
       </p:ext>
     </p:extLst>
   </p:cSld>
@@ -961,6 +934,71 @@
           <a:bodyPr/>
           <a:lstStyle/>
           <a:p>
+            <a:r>
+              <a:rPr kumimoji="1" lang="zh-CN" altLang="en-US" dirty="0" smtClean="0"/>
+              <a:t>回到刚才的</a:t>
+            </a:r>
+            <a:r>
+              <a:rPr kumimoji="1" lang="en-US" altLang="zh-CN" dirty="0" smtClean="0"/>
+              <a:t>demo</a:t>
+            </a:r>
+            <a:r>
+              <a:rPr kumimoji="1" lang="zh-CN" altLang="en-US" dirty="0" smtClean="0"/>
+              <a:t>，来看一下插值器，插值器大家应该都很熟悉，</a:t>
+            </a:r>
+          </a:p>
+          <a:p>
+            <a:r>
+              <a:rPr kumimoji="1" lang="zh-CN" altLang="en-US" dirty="0" smtClean="0"/>
+              <a:t>常用的有线性、加速、减速、先加速后减速这些，其他的要用的时候到网上搜一下就行</a:t>
+            </a:r>
+          </a:p>
+          <a:p>
+            <a:r>
+              <a:rPr kumimoji="1" lang="zh-CN" altLang="en-US" dirty="0" smtClean="0"/>
+              <a:t>考虑下面这种场景</a:t>
+            </a:r>
+            <a:r>
+              <a:rPr kumimoji="1" lang="zh-CN" altLang="en-US" dirty="0" smtClean="0">
+                <a:sym typeface="Wingdings"/>
+              </a:rPr>
+              <a:t>：</a:t>
+            </a:r>
+          </a:p>
+          <a:p>
+            <a:r>
+              <a:rPr kumimoji="1" lang="zh-CN" altLang="en-US" dirty="0" smtClean="0"/>
+              <a:t>场景待补充</a:t>
+            </a:r>
+          </a:p>
+          <a:p>
+            <a:r>
+              <a:rPr kumimoji="1" lang="is-IS" altLang="zh-CN" dirty="0" smtClean="0"/>
+              <a:t>…...</a:t>
+            </a:r>
+          </a:p>
+          <a:p>
+            <a:endParaRPr kumimoji="1" lang="is-IS" altLang="zh-CN" dirty="0" smtClean="0"/>
+          </a:p>
+          <a:p>
+            <a:r>
+              <a:rPr kumimoji="1" lang="zh-CN" altLang="en-US" dirty="0" smtClean="0"/>
+              <a:t>现有的插值器都不能满足我们的需求</a:t>
+            </a:r>
+          </a:p>
+          <a:p>
+            <a:r>
+              <a:rPr kumimoji="1" lang="zh-CN" altLang="en-US" dirty="0" smtClean="0"/>
+              <a:t>就需要自定义擦值器</a:t>
+            </a:r>
+          </a:p>
+          <a:p>
+            <a:r>
+              <a:rPr kumimoji="1" lang="zh-CN" altLang="en-US" dirty="0" smtClean="0"/>
+              <a:t>进入下一页</a:t>
+            </a:r>
+          </a:p>
+          <a:p>
             <a:endParaRPr kumimoji="1" lang="zh-CN" altLang="en-US" dirty="0"/>
           </a:p>
         </p:txBody>
@@ -991,7 +1029,7 @@
     </p:spTree>
     <p:extLst>
       <p:ext uri="{BB962C8B-B14F-4D97-AF65-F5344CB8AC3E}">
-        <p14:creationId xmlns:p14="http://schemas.microsoft.com/office/powerpoint/2010/main" val="164826621"/>
+        <p14:creationId xmlns:p14="http://schemas.microsoft.com/office/powerpoint/2010/main" val="1251300606"/>
       </p:ext>
     </p:extLst>
   </p:cSld>
@@ -1047,67 +1085,90 @@
           <a:p>
             <a:r>
               <a:rPr kumimoji="1" lang="zh-CN" altLang="en-US" dirty="0" smtClean="0"/>
-              <a:t>回到刚才的</a:t>
+              <a:t>实现</a:t>
             </a:r>
             <a:r>
               <a:rPr kumimoji="1" lang="en-US" altLang="zh-CN" dirty="0" smtClean="0"/>
-              <a:t>demo</a:t>
-            </a:r>
-            <a:r>
-              <a:rPr kumimoji="1" lang="zh-CN" altLang="en-US" dirty="0" smtClean="0"/>
-              <a:t>，来看一下插值器，插值器大家应该都很熟悉，</a:t>
-            </a:r>
-          </a:p>
-          <a:p>
-            <a:r>
-              <a:rPr kumimoji="1" lang="zh-CN" altLang="en-US" dirty="0" smtClean="0"/>
-              <a:t>常用的有线性、加速、减速、先加速后减速这些，其他的要用的时候到网上搜一下就行</a:t>
-            </a:r>
-          </a:p>
-          <a:p>
-            <a:r>
-              <a:rPr kumimoji="1" lang="zh-CN" altLang="en-US" dirty="0" smtClean="0"/>
-              <a:t>考虑下面这种场景</a:t>
-            </a:r>
-            <a:r>
-              <a:rPr kumimoji="1" lang="zh-CN" altLang="en-US" dirty="0" smtClean="0">
-                <a:sym typeface="Wingdings"/>
-              </a:rPr>
-              <a:t>：</a:t>
-            </a:r>
-          </a:p>
-          <a:p>
-            <a:r>
-              <a:rPr kumimoji="1" lang="zh-CN" altLang="en-US" dirty="0" smtClean="0"/>
-              <a:t>场景待补充</a:t>
-            </a:r>
-          </a:p>
-          <a:p>
-            <a:r>
-              <a:rPr kumimoji="1" lang="is-IS" altLang="zh-CN" dirty="0" smtClean="0"/>
-              <a:t>…...</a:t>
-            </a:r>
-          </a:p>
-          <a:p>
-            <a:endParaRPr kumimoji="1" lang="is-IS" altLang="zh-CN" dirty="0" smtClean="0"/>
-          </a:p>
-          <a:p>
-            <a:r>
-              <a:rPr kumimoji="1" lang="zh-CN" altLang="en-US" dirty="0" smtClean="0"/>
-              <a:t>现有的插值器都不能满足我们的需求</a:t>
-            </a:r>
-          </a:p>
-          <a:p>
-            <a:r>
-              <a:rPr kumimoji="1" lang="zh-CN" altLang="en-US" dirty="0" smtClean="0"/>
-              <a:t>就需要自定义擦值器</a:t>
-            </a:r>
-          </a:p>
-          <a:p>
-            <a:r>
-              <a:rPr kumimoji="1" lang="zh-CN" altLang="en-US" dirty="0" smtClean="0"/>
-              <a:t>进入下一页</a:t>
-            </a:r>
+              <a:t>Interpolator</a:t>
+            </a:r>
+            <a:r>
+              <a:rPr kumimoji="1" lang="zh-CN" altLang="en-US" dirty="0" smtClean="0"/>
+              <a:t>和</a:t>
+            </a:r>
+            <a:r>
+              <a:rPr kumimoji="1" lang="en-US" altLang="zh-CN" dirty="0" err="1" smtClean="0"/>
+              <a:t>TimeInterpolator</a:t>
+            </a:r>
+            <a:r>
+              <a:rPr kumimoji="1" lang="zh-CN" altLang="en-US" dirty="0" smtClean="0"/>
+              <a:t>都可以</a:t>
+            </a:r>
+          </a:p>
+          <a:p>
+            <a:r>
+              <a:rPr kumimoji="1" lang="zh-CN" altLang="en-US" dirty="0" smtClean="0"/>
+              <a:t>关于为什么有这两个，看代码里面的注释，是说先有的</a:t>
+            </a:r>
+            <a:r>
+              <a:rPr kumimoji="1" lang="en-US" altLang="zh-CN" dirty="0" smtClean="0"/>
+              <a:t>Interpolator</a:t>
+            </a:r>
+            <a:r>
+              <a:rPr kumimoji="1" lang="zh-CN" altLang="en-US" dirty="0" smtClean="0"/>
+              <a:t>，后来引入了</a:t>
+            </a:r>
+            <a:r>
+              <a:rPr kumimoji="1" lang="en-US" altLang="zh-CN" dirty="0" err="1" smtClean="0"/>
+              <a:t>TimeInterpolator</a:t>
+            </a:r>
+            <a:r>
+              <a:rPr kumimoji="1" lang="zh-CN" altLang="en-US" dirty="0" smtClean="0"/>
+              <a:t>，</a:t>
+            </a:r>
+            <a:r>
+              <a:rPr kumimoji="1" lang="en-US" altLang="zh-CN" dirty="0" smtClean="0"/>
+              <a:t>Interpolator</a:t>
+            </a:r>
+            <a:r>
+              <a:rPr kumimoji="1" lang="zh-CN" altLang="en-US" dirty="0" smtClean="0"/>
+              <a:t>就继承</a:t>
+            </a:r>
+            <a:r>
+              <a:rPr kumimoji="1" lang="en-US" altLang="zh-CN" dirty="0" err="1" smtClean="0"/>
+              <a:t>TimeInterpolator</a:t>
+            </a:r>
+            <a:r>
+              <a:rPr kumimoji="1" lang="zh-CN" altLang="en-US" dirty="0" smtClean="0"/>
+              <a:t>，这样两个都可以用</a:t>
+            </a:r>
+          </a:p>
+          <a:p>
+            <a:endParaRPr kumimoji="1" lang="zh-CN" altLang="en-US" dirty="0" smtClean="0"/>
+          </a:p>
+          <a:p>
+            <a:r>
+              <a:rPr kumimoji="1" lang="zh-CN" altLang="en-US" dirty="0" smtClean="0"/>
+              <a:t>只需要实现</a:t>
+            </a:r>
+            <a:r>
+              <a:rPr kumimoji="1" lang="en-US" altLang="zh-CN" dirty="0" err="1" smtClean="0"/>
+              <a:t>getInterpolation</a:t>
+            </a:r>
+            <a:r>
+              <a:rPr kumimoji="1" lang="zh-CN" altLang="en-US" dirty="0" smtClean="0"/>
+              <a:t>这个接口就可以</a:t>
+            </a:r>
+          </a:p>
+          <a:p>
+            <a:r>
+              <a:rPr kumimoji="1" lang="zh-CN" altLang="en-US" dirty="0" smtClean="0"/>
+              <a:t>看</a:t>
+            </a:r>
+            <a:r>
+              <a:rPr kumimoji="1" lang="en-US" altLang="zh-CN" dirty="0" smtClean="0"/>
+              <a:t>demo2</a:t>
+            </a:r>
+            <a:endParaRPr kumimoji="1" lang="zh-CN" altLang="en-US" dirty="0" smtClean="0"/>
           </a:p>
           <a:p>
             <a:endParaRPr kumimoji="1" lang="zh-CN" altLang="en-US" dirty="0"/>
@@ -1140,7 +1201,7 @@
     </p:spTree>
     <p:extLst>
       <p:ext uri="{BB962C8B-B14F-4D97-AF65-F5344CB8AC3E}">
-        <p14:creationId xmlns:p14="http://schemas.microsoft.com/office/powerpoint/2010/main" val="1251300606"/>
+        <p14:creationId xmlns:p14="http://schemas.microsoft.com/office/powerpoint/2010/main" val="620145550"/>
       </p:ext>
     </p:extLst>
   </p:cSld>
@@ -1195,94 +1256,158 @@
           <a:lstStyle/>
           <a:p>
             <a:r>
-              <a:rPr kumimoji="1" lang="zh-CN" altLang="en-US" dirty="0" smtClean="0"/>
-              <a:t>实现</a:t>
+              <a:rPr kumimoji="1" lang="en-US" altLang="zh-CN" baseline="0" dirty="0" smtClean="0"/>
+              <a:t> </a:t>
+            </a:r>
+            <a:r>
+              <a:rPr kumimoji="1" lang="zh-CN" altLang="en-US" baseline="0" dirty="0" smtClean="0"/>
+              <a:t>看一下刚才那个</a:t>
+            </a:r>
+            <a:r>
+              <a:rPr kumimoji="1" lang="en-US" altLang="zh-CN" baseline="0" dirty="0" smtClean="0"/>
+              <a:t>demo</a:t>
+            </a:r>
+            <a:r>
+              <a:rPr kumimoji="1" lang="zh-CN" altLang="en-US" baseline="0" dirty="0" smtClean="0"/>
+              <a:t>中的自定义插值器，</a:t>
+            </a:r>
+          </a:p>
+          <a:p>
+            <a:r>
+              <a:rPr kumimoji="1" lang="zh-CN" altLang="en-US" dirty="0" smtClean="0"/>
+              <a:t>对</a:t>
             </a:r>
             <a:r>
               <a:rPr kumimoji="1" lang="en-US" altLang="zh-CN" dirty="0" smtClean="0"/>
-              <a:t>Interpolator</a:t>
-            </a:r>
-            <a:r>
-              <a:rPr kumimoji="1" lang="zh-CN" altLang="en-US" dirty="0" smtClean="0"/>
-              <a:t>和</a:t>
-            </a:r>
-            <a:r>
-              <a:rPr kumimoji="1" lang="en-US" altLang="zh-CN" dirty="0" err="1" smtClean="0"/>
-              <a:t>TimeInterpolator</a:t>
-            </a:r>
-            <a:r>
-              <a:rPr kumimoji="1" lang="zh-CN" altLang="en-US" dirty="0" smtClean="0"/>
-              <a:t>都可以</a:t>
-            </a:r>
-          </a:p>
-          <a:p>
-            <a:r>
-              <a:rPr kumimoji="1" lang="zh-CN" altLang="en-US" dirty="0" smtClean="0"/>
-              <a:t>关于为什么有这两个，看代码里面的注释，是说先有的</a:t>
+              <a:t>input</a:t>
+            </a:r>
+            <a:r>
+              <a:rPr kumimoji="1" lang="zh-CN" altLang="en-US" dirty="0" smtClean="0"/>
+              <a:t>乘以</a:t>
             </a:r>
             <a:r>
               <a:rPr kumimoji="1" lang="en-US" altLang="zh-CN" dirty="0" smtClean="0"/>
-              <a:t>Interpolator</a:t>
-            </a:r>
-            <a:r>
-              <a:rPr kumimoji="1" lang="zh-CN" altLang="en-US" dirty="0" smtClean="0"/>
-              <a:t>，后来引入了</a:t>
-            </a:r>
-            <a:r>
-              <a:rPr kumimoji="1" lang="en-US" altLang="zh-CN" dirty="0" err="1" smtClean="0"/>
-              <a:t>TimeInterpolator</a:t>
+              <a:t>PI</a:t>
+            </a:r>
+            <a:r>
+              <a:rPr kumimoji="1" lang="zh-CN" altLang="en-US" dirty="0" smtClean="0"/>
+              <a:t>，再取三角函数</a:t>
+            </a:r>
+            <a:r>
+              <a:rPr kumimoji="1" lang="en-US" altLang="zh-CN" dirty="0" smtClean="0"/>
+              <a:t>sin</a:t>
+            </a:r>
+            <a:endParaRPr kumimoji="1" lang="zh-CN" altLang="en-US" dirty="0" smtClean="0"/>
+          </a:p>
+          <a:p>
+            <a:r>
+              <a:rPr kumimoji="1" lang="en-US" altLang="zh-CN" dirty="0" smtClean="0"/>
+              <a:t>Input</a:t>
+            </a:r>
+            <a:r>
+              <a:rPr kumimoji="1" lang="zh-CN" altLang="en-US" dirty="0" smtClean="0"/>
+              <a:t>是</a:t>
+            </a:r>
+            <a:r>
+              <a:rPr kumimoji="1" lang="en-US" altLang="zh-CN" dirty="0" smtClean="0"/>
+              <a:t>0</a:t>
+            </a:r>
+            <a:r>
+              <a:rPr kumimoji="1" lang="zh-CN" altLang="en-US" dirty="0" smtClean="0"/>
+              <a:t>到</a:t>
+            </a:r>
+            <a:r>
+              <a:rPr kumimoji="1" lang="en-US" altLang="zh-CN" dirty="0" smtClean="0"/>
+              <a:t>1,</a:t>
+            </a:r>
+          </a:p>
+          <a:p>
+            <a:r>
+              <a:rPr kumimoji="1" lang="zh-CN" altLang="en-US" dirty="0" smtClean="0"/>
+              <a:t>来看一下</a:t>
+            </a:r>
+            <a:r>
+              <a:rPr kumimoji="1" lang="en-US" altLang="zh-CN" dirty="0" smtClean="0"/>
+              <a:t>y</a:t>
+            </a:r>
+            <a:r>
+              <a:rPr kumimoji="1" lang="zh-CN" altLang="en-US" dirty="0" smtClean="0"/>
+              <a:t>＝</a:t>
+            </a:r>
+            <a:r>
+              <a:rPr kumimoji="1" lang="en-US" altLang="zh-CN" dirty="0" smtClean="0"/>
+              <a:t>sin(x)</a:t>
+            </a:r>
+            <a:r>
+              <a:rPr kumimoji="1" lang="zh-CN" altLang="en-US" dirty="0" smtClean="0"/>
+              <a:t>的图像</a:t>
+            </a:r>
+          </a:p>
+          <a:p>
+            <a:r>
+              <a:rPr kumimoji="1" lang="en-US" altLang="zh-CN" dirty="0" smtClean="0"/>
+              <a:t>input</a:t>
+            </a:r>
+            <a:r>
+              <a:rPr kumimoji="1" lang="zh-CN" altLang="en-US" dirty="0" smtClean="0"/>
+              <a:t>乘以</a:t>
+            </a:r>
+            <a:r>
+              <a:rPr kumimoji="1" lang="en-US" altLang="zh-CN" dirty="0" smtClean="0"/>
+              <a:t>PI</a:t>
+            </a:r>
+            <a:r>
+              <a:rPr kumimoji="1" lang="zh-CN" altLang="en-US" dirty="0" smtClean="0"/>
+              <a:t>，就是</a:t>
+            </a:r>
+            <a:r>
+              <a:rPr kumimoji="1" lang="en-US" altLang="zh-CN" dirty="0" smtClean="0"/>
+              <a:t>0</a:t>
+            </a:r>
+            <a:r>
+              <a:rPr kumimoji="1" lang="zh-CN" altLang="en-US" dirty="0" smtClean="0"/>
+              <a:t>到</a:t>
+            </a:r>
+            <a:r>
+              <a:rPr kumimoji="1" lang="en-US" altLang="zh-CN" dirty="0" smtClean="0"/>
+              <a:t>PI</a:t>
             </a:r>
             <a:r>
               <a:rPr kumimoji="1" lang="zh-CN" altLang="en-US" dirty="0" smtClean="0"/>
               <a:t>，</a:t>
             </a:r>
+          </a:p>
+          <a:p>
+            <a:r>
+              <a:rPr kumimoji="1" lang="zh-CN" altLang="en-US" dirty="0" smtClean="0"/>
+              <a:t>返回值就是</a:t>
+            </a:r>
             <a:r>
               <a:rPr kumimoji="1" lang="en-US" altLang="zh-CN" dirty="0" smtClean="0"/>
-              <a:t>Interpolator</a:t>
-            </a:r>
-            <a:r>
-              <a:rPr kumimoji="1" lang="zh-CN" altLang="en-US" dirty="0" smtClean="0"/>
-              <a:t>就继承</a:t>
-            </a:r>
-            <a:r>
-              <a:rPr kumimoji="1" lang="en-US" altLang="zh-CN" dirty="0" err="1" smtClean="0"/>
-              <a:t>TimeInterpolator</a:t>
-            </a:r>
-            <a:r>
-              <a:rPr kumimoji="1" lang="zh-CN" altLang="en-US" dirty="0" smtClean="0"/>
-              <a:t>，这样两个都可以用</a:t>
-            </a:r>
+              <a:t>0</a:t>
+            </a:r>
+            <a:r>
+              <a:rPr kumimoji="1" lang="zh-CN" altLang="en-US" dirty="0" smtClean="0"/>
+              <a:t>到</a:t>
+            </a:r>
+            <a:r>
+              <a:rPr kumimoji="1" lang="en-US" altLang="zh-CN" dirty="0" smtClean="0"/>
+              <a:t>1</a:t>
+            </a:r>
+            <a:r>
+              <a:rPr kumimoji="1" lang="zh-CN" altLang="en-US" dirty="0" smtClean="0"/>
+              <a:t>再到</a:t>
+            </a:r>
+            <a:r>
+              <a:rPr kumimoji="1" lang="en-US" altLang="zh-CN" dirty="0" smtClean="0"/>
+              <a:t>0</a:t>
+            </a:r>
+          </a:p>
+          <a:p>
+            <a:endParaRPr kumimoji="1" lang="en-US" altLang="zh-CN" dirty="0" smtClean="0"/>
           </a:p>
           <a:p>
             <a:endParaRPr kumimoji="1" lang="zh-CN" altLang="en-US" dirty="0" smtClean="0"/>
-          </a:p>
-          <a:p>
-            <a:r>
-              <a:rPr kumimoji="1" lang="zh-CN" altLang="en-US" dirty="0" smtClean="0"/>
-              <a:t>只需要实现</a:t>
-            </a:r>
-            <a:r>
-              <a:rPr kumimoji="1" lang="en-US" altLang="zh-CN" dirty="0" err="1" smtClean="0"/>
-              <a:t>getInterpolation</a:t>
-            </a:r>
-            <a:r>
-              <a:rPr kumimoji="1" lang="zh-CN" altLang="en-US" dirty="0" smtClean="0"/>
-              <a:t>这个接口就可以</a:t>
-            </a:r>
-          </a:p>
-          <a:p>
-            <a:r>
-              <a:rPr kumimoji="1" lang="zh-CN" altLang="en-US" dirty="0" smtClean="0"/>
-              <a:t>看</a:t>
-            </a:r>
-            <a:r>
-              <a:rPr kumimoji="1" lang="en-US" altLang="zh-CN" dirty="0" smtClean="0"/>
-              <a:t>demo2</a:t>
-            </a:r>
-            <a:endParaRPr kumimoji="1" lang="zh-CN" altLang="en-US" dirty="0" smtClean="0"/>
-          </a:p>
-          <a:p>
-            <a:endParaRPr kumimoji="1" lang="zh-CN" altLang="en-US" dirty="0"/>
           </a:p>
         </p:txBody>
       </p:sp>
@@ -1312,7 +1437,7 @@
     </p:spTree>
     <p:extLst>
       <p:ext uri="{BB962C8B-B14F-4D97-AF65-F5344CB8AC3E}">
-        <p14:creationId xmlns:p14="http://schemas.microsoft.com/office/powerpoint/2010/main" val="620145550"/>
+        <p14:creationId xmlns:p14="http://schemas.microsoft.com/office/powerpoint/2010/main" val="430253414"/>
       </p:ext>
     </p:extLst>
   </p:cSld>
@@ -1367,151 +1492,89 @@
           <a:lstStyle/>
           <a:p>
             <a:r>
-              <a:rPr kumimoji="1" lang="en-US" altLang="zh-CN" baseline="0" dirty="0" smtClean="0"/>
-              <a:t> </a:t>
-            </a:r>
-            <a:r>
-              <a:rPr kumimoji="1" lang="zh-CN" altLang="en-US" baseline="0" dirty="0" smtClean="0"/>
-              <a:t>看一下刚才那个</a:t>
-            </a:r>
-            <a:r>
-              <a:rPr kumimoji="1" lang="en-US" altLang="zh-CN" baseline="0" dirty="0" smtClean="0"/>
+              <a:rPr kumimoji="1" lang="zh-CN" altLang="en-US" dirty="0" smtClean="0"/>
+              <a:t>需要实现接口</a:t>
+            </a:r>
+            <a:r>
+              <a:rPr kumimoji="1" lang="en-US" altLang="zh-CN" dirty="0" err="1" smtClean="0"/>
+              <a:t>TypeEvaluator</a:t>
+            </a:r>
+            <a:r>
+              <a:rPr kumimoji="1" lang="zh-CN" altLang="en-US" dirty="0" smtClean="0"/>
+              <a:t>，</a:t>
+            </a:r>
+          </a:p>
+          <a:p>
+            <a:r>
+              <a:rPr kumimoji="1" lang="en-US" altLang="zh-CN" dirty="0" err="1" smtClean="0"/>
+              <a:t>FloatEvaluator</a:t>
+            </a:r>
+            <a:endParaRPr kumimoji="1" lang="zh-CN" altLang="en-US" dirty="0" smtClean="0"/>
+          </a:p>
+          <a:p>
+            <a:pPr marL="0" marR="0" indent="0" algn="l" defTabSz="914400" rtl="0" eaLnBrk="1" fontAlgn="auto" latinLnBrk="0" hangingPunct="1">
+              <a:lnSpc>
+                <a:spcPct val="100000"/>
+              </a:lnSpc>
+              <a:spcBef>
+                <a:spcPts val="0"/>
+              </a:spcBef>
+              <a:spcAft>
+                <a:spcPts val="0"/>
+              </a:spcAft>
+              <a:buClrTx/>
+              <a:buSzTx/>
+              <a:buFontTx/>
+              <a:buNone/>
+              <a:tabLst/>
+              <a:defRPr/>
+            </a:pPr>
+            <a:r>
+              <a:rPr kumimoji="1" lang="zh-CN" altLang="en-US" dirty="0" smtClean="0"/>
+              <a:t>看</a:t>
+            </a:r>
+            <a:r>
+              <a:rPr kumimoji="1" lang="en-US" altLang="zh-CN" dirty="0" smtClean="0"/>
+              <a:t>demo3</a:t>
+            </a:r>
+            <a:r>
+              <a:rPr kumimoji="1" lang="zh-CN" altLang="en-US" dirty="0" smtClean="0"/>
+              <a:t>，自定义</a:t>
+            </a:r>
+            <a:r>
+              <a:rPr kumimoji="1" lang="en-US" altLang="zh-CN" dirty="0" err="1" smtClean="0"/>
+              <a:t>TypeEvaluator</a:t>
+            </a:r>
+            <a:endParaRPr kumimoji="1" lang="zh-CN" altLang="en-US" dirty="0" smtClean="0"/>
+          </a:p>
+          <a:p>
+            <a:r>
+              <a:rPr kumimoji="1" lang="zh-CN" altLang="en-US" dirty="0" smtClean="0"/>
+              <a:t>刚才的</a:t>
+            </a:r>
+            <a:r>
+              <a:rPr kumimoji="1" lang="en-US" altLang="zh-CN" dirty="0" smtClean="0"/>
               <a:t>demo</a:t>
             </a:r>
             <a:r>
-              <a:rPr kumimoji="1" lang="zh-CN" altLang="en-US" baseline="0" dirty="0" smtClean="0"/>
-              <a:t>中的自定义插值器，</a:t>
-            </a:r>
-          </a:p>
-          <a:p>
-            <a:r>
-              <a:rPr kumimoji="1" lang="zh-CN" altLang="en-US" dirty="0" smtClean="0"/>
-              <a:t>对</a:t>
+              <a:rPr kumimoji="1" lang="zh-CN" altLang="en-US" dirty="0" smtClean="0"/>
+              <a:t>里面是重载了</a:t>
+            </a:r>
+            <a:r>
+              <a:rPr kumimoji="1" lang="en-US" altLang="zh-CN" dirty="0" err="1" smtClean="0"/>
+              <a:t>FloatEvaluator</a:t>
+            </a:r>
+            <a:r>
+              <a:rPr kumimoji="1" lang="zh-CN" altLang="en-US" dirty="0" smtClean="0"/>
+              <a:t>的</a:t>
             </a:r>
             <a:r>
               <a:rPr kumimoji="1" lang="en-US" altLang="zh-CN" dirty="0" smtClean="0"/>
-              <a:t>input</a:t>
-            </a:r>
-            <a:r>
-              <a:rPr kumimoji="1" lang="zh-CN" altLang="en-US" dirty="0" smtClean="0"/>
-              <a:t>乘以</a:t>
-            </a:r>
-            <a:r>
-              <a:rPr kumimoji="1" lang="en-US" altLang="zh-CN" dirty="0" smtClean="0"/>
-              <a:t>PI</a:t>
-            </a:r>
-            <a:r>
-              <a:rPr kumimoji="1" lang="zh-CN" altLang="en-US" dirty="0" smtClean="0"/>
-              <a:t>，再取三角函数</a:t>
-            </a:r>
-            <a:r>
-              <a:rPr kumimoji="1" lang="en-US" altLang="zh-CN" dirty="0" smtClean="0"/>
-              <a:t>sin</a:t>
-            </a:r>
-            <a:endParaRPr kumimoji="1" lang="zh-CN" altLang="en-US" dirty="0" smtClean="0"/>
-          </a:p>
-          <a:p>
-            <a:r>
-              <a:rPr kumimoji="1" lang="en-US" altLang="zh-CN" dirty="0" smtClean="0"/>
-              <a:t>Input</a:t>
-            </a:r>
-            <a:r>
-              <a:rPr kumimoji="1" lang="zh-CN" altLang="en-US" dirty="0" smtClean="0"/>
-              <a:t>是</a:t>
-            </a:r>
-            <a:r>
-              <a:rPr kumimoji="1" lang="en-US" altLang="zh-CN" dirty="0" smtClean="0"/>
-              <a:t>0</a:t>
-            </a:r>
-            <a:r>
-              <a:rPr kumimoji="1" lang="zh-CN" altLang="en-US" dirty="0" smtClean="0"/>
-              <a:t>到</a:t>
-            </a:r>
-            <a:r>
-              <a:rPr kumimoji="1" lang="en-US" altLang="zh-CN" dirty="0" smtClean="0"/>
-              <a:t>1,</a:t>
-            </a:r>
-          </a:p>
-          <a:p>
-            <a:r>
-              <a:rPr kumimoji="1" lang="zh-CN" altLang="en-US" dirty="0" smtClean="0"/>
-              <a:t>来看一下</a:t>
-            </a:r>
-            <a:r>
-              <a:rPr kumimoji="1" lang="en-US" altLang="zh-CN" dirty="0" smtClean="0"/>
-              <a:t>y</a:t>
-            </a:r>
-            <a:r>
-              <a:rPr kumimoji="1" lang="zh-CN" altLang="en-US" dirty="0" smtClean="0"/>
-              <a:t>＝</a:t>
-            </a:r>
-            <a:r>
-              <a:rPr kumimoji="1" lang="en-US" altLang="zh-CN" dirty="0" smtClean="0"/>
-              <a:t>sin(x)</a:t>
-            </a:r>
-            <a:r>
-              <a:rPr kumimoji="1" lang="zh-CN" altLang="en-US" dirty="0" smtClean="0"/>
-              <a:t>的图像</a:t>
-            </a:r>
-          </a:p>
-          <a:p>
-            <a:r>
-              <a:rPr kumimoji="1" lang="en-US" altLang="zh-CN" dirty="0" smtClean="0"/>
-              <a:t>input</a:t>
-            </a:r>
-            <a:r>
-              <a:rPr kumimoji="1" lang="zh-CN" altLang="en-US" dirty="0" smtClean="0"/>
-              <a:t>乘以</a:t>
-            </a:r>
-            <a:r>
-              <a:rPr kumimoji="1" lang="en-US" altLang="zh-CN" dirty="0" smtClean="0"/>
-              <a:t>PI</a:t>
-            </a:r>
-            <a:r>
-              <a:rPr kumimoji="1" lang="zh-CN" altLang="en-US" dirty="0" smtClean="0"/>
-              <a:t>，就是</a:t>
-            </a:r>
-            <a:r>
-              <a:rPr kumimoji="1" lang="en-US" altLang="zh-CN" dirty="0" smtClean="0"/>
-              <a:t>0</a:t>
-            </a:r>
-            <a:r>
-              <a:rPr kumimoji="1" lang="zh-CN" altLang="en-US" dirty="0" smtClean="0"/>
-              <a:t>到</a:t>
-            </a:r>
-            <a:r>
-              <a:rPr kumimoji="1" lang="en-US" altLang="zh-CN" dirty="0" smtClean="0"/>
-              <a:t>PI</a:t>
-            </a:r>
-            <a:r>
-              <a:rPr kumimoji="1" lang="zh-CN" altLang="en-US" dirty="0" smtClean="0"/>
-              <a:t>，</a:t>
-            </a:r>
-          </a:p>
-          <a:p>
-            <a:r>
-              <a:rPr kumimoji="1" lang="zh-CN" altLang="en-US" dirty="0" smtClean="0"/>
-              <a:t>返回值就是</a:t>
-            </a:r>
-            <a:r>
-              <a:rPr kumimoji="1" lang="en-US" altLang="zh-CN" dirty="0" smtClean="0"/>
-              <a:t>0</a:t>
-            </a:r>
-            <a:r>
-              <a:rPr kumimoji="1" lang="zh-CN" altLang="en-US" dirty="0" smtClean="0"/>
-              <a:t>到</a:t>
-            </a:r>
-            <a:r>
-              <a:rPr kumimoji="1" lang="en-US" altLang="zh-CN" dirty="0" smtClean="0"/>
-              <a:t>1</a:t>
-            </a:r>
-            <a:r>
-              <a:rPr kumimoji="1" lang="zh-CN" altLang="en-US" dirty="0" smtClean="0"/>
-              <a:t>再到</a:t>
-            </a:r>
-            <a:r>
-              <a:rPr kumimoji="1" lang="en-US" altLang="zh-CN" dirty="0" smtClean="0"/>
-              <a:t>0</a:t>
+              <a:t>evaluate</a:t>
+            </a:r>
+            <a:r>
+              <a:rPr kumimoji="1" lang="zh-CN" altLang="en-US" dirty="0" smtClean="0"/>
+              <a:t>方法</a:t>
             </a:r>
             <a:endParaRPr kumimoji="1" lang="zh-CN" altLang="en-US" dirty="0"/>
           </a:p>
@@ -1543,7 +1606,7 @@
     </p:spTree>
     <p:extLst>
       <p:ext uri="{BB962C8B-B14F-4D97-AF65-F5344CB8AC3E}">
-        <p14:creationId xmlns:p14="http://schemas.microsoft.com/office/powerpoint/2010/main" val="430253414"/>
+        <p14:creationId xmlns:p14="http://schemas.microsoft.com/office/powerpoint/2010/main" val="1466942491"/>
       </p:ext>
     </p:extLst>
   </p:cSld>
@@ -1599,54 +1662,46 @@
           <a:p>
             <a:r>
               <a:rPr kumimoji="1" lang="zh-CN" altLang="en-US" dirty="0" smtClean="0"/>
-              <a:t>需要实现接口</a:t>
+              <a:t>结束动画有两个方法，</a:t>
+            </a:r>
+            <a:r>
+              <a:rPr kumimoji="1" lang="en-US" altLang="zh-CN" dirty="0" smtClean="0"/>
+              <a:t>end</a:t>
+            </a:r>
+            <a:r>
+              <a:rPr kumimoji="1" lang="zh-CN" altLang="en-US" dirty="0" smtClean="0"/>
+              <a:t>和</a:t>
+            </a:r>
+            <a:r>
+              <a:rPr kumimoji="1" lang="en-US" altLang="zh-CN" dirty="0" smtClean="0"/>
+              <a:t>cancel</a:t>
+            </a:r>
+            <a:endParaRPr kumimoji="1" lang="zh-CN" altLang="en-US" dirty="0" smtClean="0"/>
+          </a:p>
+          <a:p>
+            <a:r>
+              <a:rPr kumimoji="1" lang="zh-CN" altLang="en-US" dirty="0" smtClean="0"/>
+              <a:t>这两个方法有什么区别呢</a:t>
+            </a:r>
+          </a:p>
+          <a:p>
+            <a:r>
+              <a:rPr kumimoji="1" lang="zh-CN" altLang="en-US" dirty="0" smtClean="0"/>
+              <a:t>先来看</a:t>
+            </a:r>
+            <a:r>
+              <a:rPr kumimoji="1" lang="en-US" altLang="zh-CN" dirty="0" smtClean="0"/>
+              <a:t>demo4</a:t>
+            </a:r>
+            <a:r>
+              <a:rPr kumimoji="1" lang="zh-CN" altLang="en-US" dirty="0" smtClean="0"/>
+              <a:t>，</a:t>
             </a:r>
             <a:r>
               <a:rPr kumimoji="1" lang="en-US" altLang="zh-CN" dirty="0" err="1" smtClean="0"/>
-              <a:t>TypeEvaluator</a:t>
-            </a:r>
-            <a:r>
-              <a:rPr kumimoji="1" lang="zh-CN" altLang="en-US" dirty="0" smtClean="0"/>
-              <a:t>，</a:t>
-            </a:r>
-          </a:p>
-          <a:p>
-            <a:r>
-              <a:rPr kumimoji="1" lang="en-US" altLang="zh-CN" dirty="0" err="1" smtClean="0"/>
-              <a:t>FloatEvaluator</a:t>
+              <a:t>endandcancel</a:t>
             </a:r>
             <a:endParaRPr kumimoji="1" lang="zh-CN" altLang="en-US" dirty="0" smtClean="0"/>
-          </a:p>
-          <a:p>
-            <a:r>
-              <a:rPr kumimoji="1" lang="zh-CN" altLang="en-US" dirty="0" smtClean="0"/>
-              <a:t>刚才的</a:t>
-            </a:r>
-            <a:r>
-              <a:rPr kumimoji="1" lang="en-US" altLang="zh-CN" dirty="0" smtClean="0"/>
-              <a:t>demo</a:t>
-            </a:r>
-            <a:r>
-              <a:rPr kumimoji="1" lang="zh-CN" altLang="en-US" dirty="0" smtClean="0"/>
-              <a:t>里面是重载了</a:t>
-            </a:r>
-            <a:r>
-              <a:rPr kumimoji="1" lang="en-US" altLang="zh-CN" dirty="0" err="1" smtClean="0"/>
-              <a:t>FloatEvaluator</a:t>
-            </a:r>
-            <a:r>
-              <a:rPr kumimoji="1" lang="zh-CN" altLang="en-US" dirty="0" smtClean="0"/>
-              <a:t>的</a:t>
-            </a:r>
-            <a:r>
-              <a:rPr kumimoji="1" lang="en-US" altLang="zh-CN" dirty="0" smtClean="0"/>
-              <a:t>evaluate</a:t>
-            </a:r>
-            <a:r>
-              <a:rPr kumimoji="1" lang="zh-CN" altLang="en-US" dirty="0" smtClean="0"/>
-              <a:t>方法</a:t>
-            </a:r>
-            <a:endParaRPr kumimoji="1" lang="zh-CN" altLang="en-US" dirty="0"/>
           </a:p>
         </p:txBody>
       </p:sp>
@@ -1676,7 +1731,403 @@
     </p:spTree>
     <p:extLst>
       <p:ext uri="{BB962C8B-B14F-4D97-AF65-F5344CB8AC3E}">
-        <p14:creationId xmlns:p14="http://schemas.microsoft.com/office/powerpoint/2010/main" val="1466942491"/>
+        <p14:creationId xmlns:p14="http://schemas.microsoft.com/office/powerpoint/2010/main" val="672655340"/>
+      </p:ext>
+    </p:extLst>
+  </p:cSld>
+  <p:clrMapOvr>
+    <a:masterClrMapping/>
+  </p:clrMapOvr>
+</p:notes>
+</file>
+
+<file path=ppt/notesSlides/notesSlide17.xml><?xml version="1.0" encoding="utf-8"?>
+<p:notes xmlns:a="http://schemas.openxmlformats.org/drawingml/2006/main" xmlns:r="http://schemas.openxmlformats.org/officeDocument/2006/relationships" xmlns:p="http://schemas.openxmlformats.org/presentationml/2006/main">
+  <p:cSld>
+    <p:spTree>
+      <p:nvGrpSpPr>
+        <p:cNvPr id="1" name=""/>
+        <p:cNvGrpSpPr/>
+        <p:nvPr/>
+      </p:nvGrpSpPr>
+      <p:grpSpPr>
+        <a:xfrm>
+          <a:off x="0" y="0"/>
+          <a:ext cx="0" cy="0"/>
+          <a:chOff x="0" y="0"/>
+          <a:chExt cx="0" cy="0"/>
+        </a:xfrm>
+      </p:grpSpPr>
+      <p:sp>
+        <p:nvSpPr>
+          <p:cNvPr id="2" name="幻灯片图像占位符 1"/>
+          <p:cNvSpPr>
+            <a:spLocks noGrp="1" noRot="1" noChangeAspect="1"/>
+          </p:cNvSpPr>
+          <p:nvPr>
+            <p:ph type="sldImg"/>
+          </p:nvPr>
+        </p:nvSpPr>
+        <p:spPr/>
+      </p:sp>
+      <p:sp>
+        <p:nvSpPr>
+          <p:cNvPr id="3" name="备注占位符 2"/>
+          <p:cNvSpPr>
+            <a:spLocks noGrp="1"/>
+          </p:cNvSpPr>
+          <p:nvPr>
+            <p:ph type="body" idx="1"/>
+          </p:nvPr>
+        </p:nvSpPr>
+        <p:spPr/>
+        <p:txBody>
+          <a:bodyPr/>
+          <a:lstStyle/>
+          <a:p>
+            <a:r>
+              <a:rPr kumimoji="1" lang="zh-CN" altLang="en-US" dirty="0" smtClean="0"/>
+              <a:t>来看一下</a:t>
+            </a:r>
+            <a:r>
+              <a:rPr kumimoji="1" lang="en-US" altLang="zh-CN" dirty="0" err="1" smtClean="0"/>
+              <a:t>ObjectAnimator</a:t>
+            </a:r>
+            <a:endParaRPr kumimoji="1" lang="zh-CN" altLang="en-US" dirty="0" smtClean="0"/>
+          </a:p>
+          <a:p>
+            <a:r>
+              <a:rPr kumimoji="1" lang="en-US" altLang="zh-CN" dirty="0" err="1" smtClean="0"/>
+              <a:t>ObjectAnimator</a:t>
+            </a:r>
+            <a:r>
+              <a:rPr kumimoji="1" lang="zh-CN" altLang="en-US" dirty="0" smtClean="0"/>
+              <a:t>继承</a:t>
+            </a:r>
+            <a:r>
+              <a:rPr kumimoji="1" lang="en-US" altLang="zh-CN" dirty="0" err="1" smtClean="0"/>
+              <a:t>ValueAnimator</a:t>
+            </a:r>
+            <a:endParaRPr kumimoji="1" lang="zh-CN" altLang="en-US" dirty="0" smtClean="0"/>
+          </a:p>
+          <a:p>
+            <a:r>
+              <a:rPr kumimoji="1" lang="zh-CN" altLang="en-US" dirty="0" smtClean="0"/>
+              <a:t>可以直接更改</a:t>
+            </a:r>
+            <a:r>
+              <a:rPr kumimoji="1" lang="en-US" altLang="zh-CN" dirty="0" smtClean="0"/>
+              <a:t>Object</a:t>
+            </a:r>
+            <a:r>
+              <a:rPr kumimoji="1" lang="zh-CN" altLang="en-US" dirty="0" smtClean="0"/>
+              <a:t>的属性，不需要在</a:t>
+            </a:r>
+            <a:r>
+              <a:rPr kumimoji="1" lang="en-US" altLang="zh-CN" dirty="0" err="1" smtClean="0"/>
+              <a:t>onAnimationUpdate</a:t>
+            </a:r>
+            <a:r>
+              <a:rPr kumimoji="1" lang="zh-CN" altLang="en-US" dirty="0" smtClean="0"/>
+              <a:t>中自己计算，赋值</a:t>
+            </a:r>
+          </a:p>
+          <a:p>
+            <a:r>
+              <a:rPr kumimoji="1" lang="zh-CN" altLang="en-US" dirty="0" smtClean="0"/>
+              <a:t>看</a:t>
+            </a:r>
+            <a:r>
+              <a:rPr kumimoji="1" lang="en-US" altLang="zh-CN" dirty="0" smtClean="0"/>
+              <a:t>demo5</a:t>
+            </a:r>
+            <a:r>
+              <a:rPr kumimoji="1" lang="zh-CN" altLang="en-US" dirty="0" smtClean="0"/>
+              <a:t>，</a:t>
+            </a:r>
+            <a:r>
+              <a:rPr kumimoji="1" lang="en-US" altLang="zh-CN" dirty="0" err="1" smtClean="0"/>
+              <a:t>ObjectAnimator</a:t>
+            </a:r>
+            <a:endParaRPr kumimoji="1" lang="zh-CN" altLang="en-US" dirty="0" smtClean="0"/>
+          </a:p>
+          <a:p>
+            <a:r>
+              <a:rPr kumimoji="1" lang="zh-CN" altLang="en-US" dirty="0" smtClean="0"/>
+              <a:t>这里我们不再是在自定义</a:t>
+            </a:r>
+            <a:r>
+              <a:rPr kumimoji="1" lang="en-US" altLang="zh-CN" dirty="0" smtClean="0"/>
+              <a:t>view</a:t>
+            </a:r>
+            <a:r>
+              <a:rPr kumimoji="1" lang="zh-CN" altLang="en-US" dirty="0" smtClean="0"/>
+              <a:t>中绘制，而是改变</a:t>
+            </a:r>
+            <a:r>
+              <a:rPr kumimoji="1" lang="en-US" altLang="zh-CN" dirty="0" smtClean="0"/>
+              <a:t>view</a:t>
+            </a:r>
+            <a:r>
+              <a:rPr kumimoji="1" lang="zh-CN" altLang="en-US" dirty="0" smtClean="0"/>
+              <a:t>的属性，做</a:t>
+            </a:r>
+            <a:r>
+              <a:rPr kumimoji="1" lang="en-US" altLang="zh-CN" dirty="0" smtClean="0"/>
+              <a:t>view</a:t>
+            </a:r>
+            <a:r>
+              <a:rPr kumimoji="1" lang="zh-CN" altLang="en-US" dirty="0" smtClean="0"/>
+              <a:t>的动画</a:t>
+            </a:r>
+          </a:p>
+        </p:txBody>
+      </p:sp>
+      <p:sp>
+        <p:nvSpPr>
+          <p:cNvPr id="4" name="幻灯片编号占位符 3"/>
+          <p:cNvSpPr>
+            <a:spLocks noGrp="1"/>
+          </p:cNvSpPr>
+          <p:nvPr>
+            <p:ph type="sldNum" sz="quarter" idx="10"/>
+          </p:nvPr>
+        </p:nvSpPr>
+        <p:spPr/>
+        <p:txBody>
+          <a:bodyPr/>
+          <a:lstStyle/>
+          <a:p>
+            <a:fld id="{53190343-A285-E444-9B8B-A03A0DB5BFEC}" type="slidenum">
+              <a:rPr kumimoji="1" lang="zh-CN" altLang="en-US" smtClean="0"/>
+              <a:t>17</a:t>
+            </a:fld>
+            <a:endParaRPr kumimoji="1" lang="zh-CN" altLang="en-US"/>
+          </a:p>
+        </p:txBody>
+      </p:sp>
+    </p:spTree>
+    <p:extLst>
+      <p:ext uri="{BB962C8B-B14F-4D97-AF65-F5344CB8AC3E}">
+        <p14:creationId xmlns:p14="http://schemas.microsoft.com/office/powerpoint/2010/main" val="425245975"/>
+      </p:ext>
+    </p:extLst>
+  </p:cSld>
+  <p:clrMapOvr>
+    <a:masterClrMapping/>
+  </p:clrMapOvr>
+</p:notes>
+</file>
+
+<file path=ppt/notesSlides/notesSlide18.xml><?xml version="1.0" encoding="utf-8"?>
+<p:notes xmlns:a="http://schemas.openxmlformats.org/drawingml/2006/main" xmlns:r="http://schemas.openxmlformats.org/officeDocument/2006/relationships" xmlns:p="http://schemas.openxmlformats.org/presentationml/2006/main">
+  <p:cSld>
+    <p:spTree>
+      <p:nvGrpSpPr>
+        <p:cNvPr id="1" name=""/>
+        <p:cNvGrpSpPr/>
+        <p:nvPr/>
+      </p:nvGrpSpPr>
+      <p:grpSpPr>
+        <a:xfrm>
+          <a:off x="0" y="0"/>
+          <a:ext cx="0" cy="0"/>
+          <a:chOff x="0" y="0"/>
+          <a:chExt cx="0" cy="0"/>
+        </a:xfrm>
+      </p:grpSpPr>
+      <p:sp>
+        <p:nvSpPr>
+          <p:cNvPr id="2" name="幻灯片图像占位符 1"/>
+          <p:cNvSpPr>
+            <a:spLocks noGrp="1" noRot="1" noChangeAspect="1"/>
+          </p:cNvSpPr>
+          <p:nvPr>
+            <p:ph type="sldImg"/>
+          </p:nvPr>
+        </p:nvSpPr>
+        <p:spPr/>
+      </p:sp>
+      <p:sp>
+        <p:nvSpPr>
+          <p:cNvPr id="3" name="备注占位符 2"/>
+          <p:cNvSpPr>
+            <a:spLocks noGrp="1"/>
+          </p:cNvSpPr>
+          <p:nvPr>
+            <p:ph type="body" idx="1"/>
+          </p:nvPr>
+        </p:nvSpPr>
+        <p:spPr/>
+        <p:txBody>
+          <a:bodyPr/>
+          <a:lstStyle/>
+          <a:p>
+            <a:endParaRPr kumimoji="1" lang="zh-CN" altLang="en-US" dirty="0"/>
+          </a:p>
+        </p:txBody>
+      </p:sp>
+      <p:sp>
+        <p:nvSpPr>
+          <p:cNvPr id="4" name="幻灯片编号占位符 3"/>
+          <p:cNvSpPr>
+            <a:spLocks noGrp="1"/>
+          </p:cNvSpPr>
+          <p:nvPr>
+            <p:ph type="sldNum" sz="quarter" idx="10"/>
+          </p:nvPr>
+        </p:nvSpPr>
+        <p:spPr/>
+        <p:txBody>
+          <a:bodyPr/>
+          <a:lstStyle/>
+          <a:p>
+            <a:fld id="{53190343-A285-E444-9B8B-A03A0DB5BFEC}" type="slidenum">
+              <a:rPr kumimoji="1" lang="zh-CN" altLang="en-US" smtClean="0"/>
+              <a:t>18</a:t>
+            </a:fld>
+            <a:endParaRPr kumimoji="1" lang="zh-CN" altLang="en-US"/>
+          </a:p>
+        </p:txBody>
+      </p:sp>
+    </p:spTree>
+    <p:extLst>
+      <p:ext uri="{BB962C8B-B14F-4D97-AF65-F5344CB8AC3E}">
+        <p14:creationId xmlns:p14="http://schemas.microsoft.com/office/powerpoint/2010/main" val="1717226057"/>
+      </p:ext>
+    </p:extLst>
+  </p:cSld>
+  <p:clrMapOvr>
+    <a:masterClrMapping/>
+  </p:clrMapOvr>
+</p:notes>
+</file>
+
+<file path=ppt/notesSlides/notesSlide19.xml><?xml version="1.0" encoding="utf-8"?>
+<p:notes xmlns:a="http://schemas.openxmlformats.org/drawingml/2006/main" xmlns:r="http://schemas.openxmlformats.org/officeDocument/2006/relationships" xmlns:p="http://schemas.openxmlformats.org/presentationml/2006/main">
+  <p:cSld>
+    <p:spTree>
+      <p:nvGrpSpPr>
+        <p:cNvPr id="1" name=""/>
+        <p:cNvGrpSpPr/>
+        <p:nvPr/>
+      </p:nvGrpSpPr>
+      <p:grpSpPr>
+        <a:xfrm>
+          <a:off x="0" y="0"/>
+          <a:ext cx="0" cy="0"/>
+          <a:chOff x="0" y="0"/>
+          <a:chExt cx="0" cy="0"/>
+        </a:xfrm>
+      </p:grpSpPr>
+      <p:sp>
+        <p:nvSpPr>
+          <p:cNvPr id="2" name="幻灯片图像占位符 1"/>
+          <p:cNvSpPr>
+            <a:spLocks noGrp="1" noRot="1" noChangeAspect="1"/>
+          </p:cNvSpPr>
+          <p:nvPr>
+            <p:ph type="sldImg"/>
+          </p:nvPr>
+        </p:nvSpPr>
+        <p:spPr/>
+      </p:sp>
+      <p:sp>
+        <p:nvSpPr>
+          <p:cNvPr id="3" name="备注占位符 2"/>
+          <p:cNvSpPr>
+            <a:spLocks noGrp="1"/>
+          </p:cNvSpPr>
+          <p:nvPr>
+            <p:ph type="body" idx="1"/>
+          </p:nvPr>
+        </p:nvSpPr>
+        <p:spPr/>
+        <p:txBody>
+          <a:bodyPr/>
+          <a:lstStyle/>
+          <a:p>
+            <a:r>
+              <a:rPr kumimoji="1" lang="zh-CN" altLang="en-US" dirty="0" smtClean="0"/>
+              <a:t>继承</a:t>
+            </a:r>
+            <a:r>
+              <a:rPr kumimoji="1" lang="en-US" altLang="zh-CN" dirty="0" err="1" smtClean="0"/>
+              <a:t>ValueAnimator</a:t>
+            </a:r>
+            <a:r>
+              <a:rPr kumimoji="1" lang="zh-CN" altLang="en-US" dirty="0" smtClean="0"/>
+              <a:t>，多一个</a:t>
+            </a:r>
+            <a:r>
+              <a:rPr kumimoji="1" lang="en-US" altLang="zh-CN" dirty="0" err="1" smtClean="0"/>
+              <a:t>TimeListener</a:t>
+            </a:r>
+            <a:r>
+              <a:rPr kumimoji="1" lang="zh-CN" altLang="en-US" dirty="0" smtClean="0"/>
+              <a:t>接口，</a:t>
+            </a:r>
+          </a:p>
+          <a:p>
+            <a:r>
+              <a:rPr kumimoji="1" lang="en-US" altLang="zh-CN" dirty="0" err="1" smtClean="0"/>
+              <a:t>Totaltime</a:t>
+            </a:r>
+            <a:r>
+              <a:rPr kumimoji="1" lang="zh-CN" altLang="en-US" dirty="0" smtClean="0"/>
+              <a:t>是动画已经运行的时间</a:t>
+            </a:r>
+          </a:p>
+          <a:p>
+            <a:r>
+              <a:rPr kumimoji="1" lang="en-US" altLang="zh-CN" dirty="0" err="1" smtClean="0"/>
+              <a:t>deltaTime</a:t>
+            </a:r>
+            <a:r>
+              <a:rPr kumimoji="1" lang="zh-CN" altLang="en-US" dirty="0" smtClean="0"/>
+              <a:t>是上一帧到这一帧的时间</a:t>
+            </a:r>
+          </a:p>
+          <a:p>
+            <a:r>
+              <a:rPr kumimoji="1" lang="zh-CN" altLang="en-US" dirty="0" smtClean="0"/>
+              <a:t>看</a:t>
+            </a:r>
+            <a:r>
+              <a:rPr kumimoji="1" lang="en-US" altLang="zh-CN" dirty="0" smtClean="0"/>
+              <a:t>demo</a:t>
+            </a:r>
+            <a:endParaRPr kumimoji="1" lang="zh-CN" altLang="en-US" dirty="0"/>
+          </a:p>
+        </p:txBody>
+      </p:sp>
+      <p:sp>
+        <p:nvSpPr>
+          <p:cNvPr id="4" name="幻灯片编号占位符 3"/>
+          <p:cNvSpPr>
+            <a:spLocks noGrp="1"/>
+          </p:cNvSpPr>
+          <p:nvPr>
+            <p:ph type="sldNum" sz="quarter" idx="10"/>
+          </p:nvPr>
+        </p:nvSpPr>
+        <p:spPr/>
+        <p:txBody>
+          <a:bodyPr/>
+          <a:lstStyle/>
+          <a:p>
+            <a:fld id="{53190343-A285-E444-9B8B-A03A0DB5BFEC}" type="slidenum">
+              <a:rPr kumimoji="1" lang="zh-CN" altLang="en-US" smtClean="0"/>
+              <a:t>19</a:t>
+            </a:fld>
+            <a:endParaRPr kumimoji="1" lang="zh-CN" altLang="en-US"/>
+          </a:p>
+        </p:txBody>
+      </p:sp>
+    </p:spTree>
+    <p:extLst>
+      <p:ext uri="{BB962C8B-B14F-4D97-AF65-F5344CB8AC3E}">
+        <p14:creationId xmlns:p14="http://schemas.microsoft.com/office/powerpoint/2010/main" val="402903177"/>
       </p:ext>
     </p:extLst>
   </p:cSld>
@@ -1732,8 +2183,143 @@
           <a:p>
             <a:r>
               <a:rPr kumimoji="1" lang="zh-CN" altLang="en-US" dirty="0" smtClean="0"/>
-              <a:t>今天的主角</a:t>
-            </a:r>
+              <a:t>首先，讲</a:t>
+            </a:r>
+            <a:r>
+              <a:rPr kumimoji="1" lang="en-US" altLang="zh-CN" dirty="0" smtClean="0"/>
+              <a:t>Animator</a:t>
+            </a:r>
+            <a:endParaRPr kumimoji="1" lang="zh-CN" altLang="en-US" dirty="0" smtClean="0"/>
+          </a:p>
+          <a:p>
+            <a:r>
+              <a:rPr kumimoji="1" lang="en-US" altLang="zh-CN" dirty="0" smtClean="0"/>
+              <a:t>Animator</a:t>
+            </a:r>
+            <a:r>
+              <a:rPr kumimoji="1" lang="zh-CN" altLang="en-US" dirty="0" smtClean="0"/>
+              <a:t>，顾名思义，就是用来制作动画的</a:t>
+            </a:r>
+            <a:endParaRPr kumimoji="1" lang="en-US" altLang="zh-CN" dirty="0" smtClean="0"/>
+          </a:p>
+          <a:p>
+            <a:r>
+              <a:rPr kumimoji="1" lang="en-US" altLang="zh-CN" dirty="0" smtClean="0"/>
+              <a:t>Animator</a:t>
+            </a:r>
+            <a:r>
+              <a:rPr kumimoji="1" lang="zh-CN" altLang="en-US" dirty="0" smtClean="0"/>
+              <a:t>是这一系列的基类</a:t>
+            </a:r>
+          </a:p>
+          <a:p>
+            <a:r>
+              <a:rPr kumimoji="1" lang="zh-CN" altLang="en-US" dirty="0" smtClean="0"/>
+              <a:t>右边那一块基本上是没用的</a:t>
+            </a:r>
+          </a:p>
+          <a:p>
+            <a:r>
+              <a:rPr kumimoji="1" lang="en-US" altLang="zh-CN" dirty="0" err="1" smtClean="0"/>
+              <a:t>AnimatorSet</a:t>
+            </a:r>
+            <a:r>
+              <a:rPr kumimoji="1" lang="zh-CN" altLang="en-US" dirty="0" smtClean="0"/>
+              <a:t>是用来组合</a:t>
+            </a:r>
+            <a:r>
+              <a:rPr kumimoji="1" lang="en-US" altLang="zh-CN" dirty="0" smtClean="0"/>
+              <a:t>Animator </a:t>
+            </a:r>
+            <a:r>
+              <a:rPr kumimoji="1" lang="zh-CN" altLang="en-US" dirty="0" smtClean="0"/>
+              <a:t>的</a:t>
+            </a:r>
+          </a:p>
+          <a:p>
+            <a:r>
+              <a:rPr kumimoji="1" lang="en-US" altLang="zh-CN" dirty="0" smtClean="0"/>
+              <a:t>ValueAnimator</a:t>
+            </a:r>
+            <a:r>
+              <a:rPr kumimoji="1" lang="zh-CN" altLang="en-US" dirty="0" smtClean="0"/>
+              <a:t>、</a:t>
+            </a:r>
+            <a:r>
+              <a:rPr kumimoji="1" lang="en-US" altLang="zh-CN" dirty="0" err="1" smtClean="0"/>
+              <a:t>ObjectAnimator</a:t>
+            </a:r>
+            <a:r>
+              <a:rPr kumimoji="1" lang="zh-CN" altLang="en-US" dirty="0" smtClean="0"/>
+              <a:t>和</a:t>
+            </a:r>
+            <a:r>
+              <a:rPr kumimoji="1" lang="en-US" altLang="zh-CN" dirty="0" err="1" smtClean="0"/>
+              <a:t>TimeAnimator</a:t>
+            </a:r>
+            <a:r>
+              <a:rPr kumimoji="1" lang="zh-CN" altLang="en-US" dirty="0" smtClean="0"/>
+              <a:t>，以后再分别介绍</a:t>
+            </a:r>
+          </a:p>
+          <a:p>
+            <a:endParaRPr kumimoji="1" lang="zh-CN" altLang="en-US" dirty="0" smtClean="0"/>
+          </a:p>
+          <a:p>
+            <a:pPr marL="0" marR="0" indent="0" algn="l" defTabSz="914400" rtl="0" eaLnBrk="1" fontAlgn="auto" latinLnBrk="0" hangingPunct="1">
+              <a:lnSpc>
+                <a:spcPct val="100000"/>
+              </a:lnSpc>
+              <a:spcBef>
+                <a:spcPts val="0"/>
+              </a:spcBef>
+              <a:spcAft>
+                <a:spcPts val="0"/>
+              </a:spcAft>
+              <a:buClrTx/>
+              <a:buSzTx/>
+              <a:buFontTx/>
+              <a:buNone/>
+              <a:tabLst/>
+              <a:defRPr/>
+            </a:pPr>
+            <a:r>
+              <a:rPr kumimoji="1" lang="zh-CN" altLang="en-US" dirty="0" smtClean="0"/>
+              <a:t>先来看一个</a:t>
+            </a:r>
+            <a:r>
+              <a:rPr kumimoji="1" lang="en-US" altLang="zh-CN" dirty="0" smtClean="0"/>
+              <a:t>demo</a:t>
+            </a:r>
+            <a:r>
+              <a:rPr kumimoji="1" lang="zh-CN" altLang="en-US" dirty="0" smtClean="0"/>
+              <a:t>，切换展示</a:t>
+            </a:r>
+            <a:r>
+              <a:rPr kumimoji="1" lang="en-US" altLang="zh-CN" dirty="0" smtClean="0"/>
+              <a:t>demo1</a:t>
+            </a:r>
+            <a:r>
+              <a:rPr kumimoji="1" lang="zh-CN" altLang="en-US" dirty="0" smtClean="0"/>
+              <a:t>的动画效果</a:t>
+            </a:r>
+          </a:p>
+          <a:p>
+            <a:r>
+              <a:rPr kumimoji="1" lang="zh-CN" altLang="en-US" dirty="0" smtClean="0"/>
+              <a:t>展示完动画效果，再看一下绘制的代码，最后看一下动画控制的代码，然后切回</a:t>
+            </a:r>
+            <a:r>
+              <a:rPr kumimoji="1" lang="en-US" altLang="zh-CN" dirty="0" err="1" smtClean="0"/>
+              <a:t>ppt</a:t>
+            </a:r>
+            <a:r>
+              <a:rPr kumimoji="1" lang="zh-CN" altLang="en-US" dirty="0" smtClean="0"/>
+              <a:t>，进入下一张</a:t>
+            </a:r>
+          </a:p>
+          <a:p>
+            <a:endParaRPr kumimoji="1" lang="zh-CN" altLang="en-US" dirty="0"/>
           </a:p>
         </p:txBody>
       </p:sp>
@@ -1763,7 +2349,456 @@
     </p:spTree>
     <p:extLst>
       <p:ext uri="{BB962C8B-B14F-4D97-AF65-F5344CB8AC3E}">
-        <p14:creationId xmlns:p14="http://schemas.microsoft.com/office/powerpoint/2010/main" val="135497281"/>
+        <p14:creationId xmlns:p14="http://schemas.microsoft.com/office/powerpoint/2010/main" val="1369133069"/>
+      </p:ext>
+    </p:extLst>
+  </p:cSld>
+  <p:clrMapOvr>
+    <a:masterClrMapping/>
+  </p:clrMapOvr>
+</p:notes>
+</file>
+
+<file path=ppt/notesSlides/notesSlide20.xml><?xml version="1.0" encoding="utf-8"?>
+<p:notes xmlns:a="http://schemas.openxmlformats.org/drawingml/2006/main" xmlns:r="http://schemas.openxmlformats.org/officeDocument/2006/relationships" xmlns:p="http://schemas.openxmlformats.org/presentationml/2006/main">
+  <p:cSld>
+    <p:spTree>
+      <p:nvGrpSpPr>
+        <p:cNvPr id="1" name=""/>
+        <p:cNvGrpSpPr/>
+        <p:nvPr/>
+      </p:nvGrpSpPr>
+      <p:grpSpPr>
+        <a:xfrm>
+          <a:off x="0" y="0"/>
+          <a:ext cx="0" cy="0"/>
+          <a:chOff x="0" y="0"/>
+          <a:chExt cx="0" cy="0"/>
+        </a:xfrm>
+      </p:grpSpPr>
+      <p:sp>
+        <p:nvSpPr>
+          <p:cNvPr id="2" name="幻灯片图像占位符 1"/>
+          <p:cNvSpPr>
+            <a:spLocks noGrp="1" noRot="1" noChangeAspect="1"/>
+          </p:cNvSpPr>
+          <p:nvPr>
+            <p:ph type="sldImg"/>
+          </p:nvPr>
+        </p:nvSpPr>
+        <p:spPr/>
+      </p:sp>
+      <p:sp>
+        <p:nvSpPr>
+          <p:cNvPr id="3" name="备注占位符 2"/>
+          <p:cNvSpPr>
+            <a:spLocks noGrp="1"/>
+          </p:cNvSpPr>
+          <p:nvPr>
+            <p:ph type="body" idx="1"/>
+          </p:nvPr>
+        </p:nvSpPr>
+        <p:spPr/>
+        <p:txBody>
+          <a:bodyPr/>
+          <a:lstStyle/>
+          <a:p>
+            <a:r>
+              <a:rPr kumimoji="1" lang="en-US" altLang="zh-CN" dirty="0" err="1" smtClean="0"/>
+              <a:t>AnimatorSet</a:t>
+            </a:r>
+            <a:r>
+              <a:rPr kumimoji="1" lang="en-US" altLang="zh-CN" dirty="0" smtClean="0"/>
+              <a:t> </a:t>
+            </a:r>
+            <a:r>
+              <a:rPr kumimoji="1" lang="zh-CN" altLang="en-US" dirty="0" smtClean="0"/>
+              <a:t>继承 </a:t>
+            </a:r>
+            <a:r>
+              <a:rPr kumimoji="1" lang="en-US" altLang="zh-CN" dirty="0" smtClean="0"/>
+              <a:t>Animator</a:t>
+            </a:r>
+            <a:endParaRPr kumimoji="1" lang="zh-CN" altLang="en-US" dirty="0" smtClean="0"/>
+          </a:p>
+          <a:p>
+            <a:r>
+              <a:rPr kumimoji="1" lang="zh-CN" altLang="en-US" dirty="0" smtClean="0"/>
+              <a:t>用来组合动画</a:t>
+            </a:r>
+            <a:endParaRPr kumimoji="1" lang="en-US" altLang="zh-CN" dirty="0" smtClean="0"/>
+          </a:p>
+          <a:p>
+            <a:r>
+              <a:rPr kumimoji="1" lang="zh-CN" altLang="en-US" dirty="0" smtClean="0"/>
+              <a:t>这些方法的参数都是</a:t>
+            </a:r>
+            <a:r>
+              <a:rPr kumimoji="1" lang="en-US" altLang="zh-CN" dirty="0" smtClean="0"/>
+              <a:t>Animator</a:t>
+            </a:r>
+            <a:r>
+              <a:rPr kumimoji="1" lang="zh-CN" altLang="en-US" dirty="0" smtClean="0"/>
+              <a:t>，耳</a:t>
+            </a:r>
+            <a:r>
+              <a:rPr kumimoji="1" lang="en-US" altLang="zh-CN" dirty="0" err="1" smtClean="0"/>
+              <a:t>AnimatorSet</a:t>
+            </a:r>
+            <a:r>
+              <a:rPr kumimoji="1" lang="zh-CN" altLang="en-US" dirty="0" smtClean="0"/>
+              <a:t>也是</a:t>
+            </a:r>
+            <a:r>
+              <a:rPr kumimoji="1" lang="en-US" altLang="zh-CN" dirty="0" smtClean="0"/>
+              <a:t>Animator</a:t>
+            </a:r>
+            <a:r>
+              <a:rPr kumimoji="1" lang="zh-CN" altLang="en-US" dirty="0" smtClean="0"/>
+              <a:t>的子类，</a:t>
+            </a:r>
+          </a:p>
+          <a:p>
+            <a:pPr marL="0" marR="0" indent="0" algn="l" defTabSz="914400" rtl="0" eaLnBrk="1" fontAlgn="auto" latinLnBrk="0" hangingPunct="1">
+              <a:lnSpc>
+                <a:spcPct val="100000"/>
+              </a:lnSpc>
+              <a:spcBef>
+                <a:spcPts val="0"/>
+              </a:spcBef>
+              <a:spcAft>
+                <a:spcPts val="0"/>
+              </a:spcAft>
+              <a:buClrTx/>
+              <a:buSzTx/>
+              <a:buFontTx/>
+              <a:buNone/>
+              <a:tabLst/>
+              <a:defRPr/>
+            </a:pPr>
+            <a:r>
+              <a:rPr kumimoji="1" lang="zh-CN" altLang="en-US" dirty="0" smtClean="0"/>
+              <a:t>没错，</a:t>
+            </a:r>
+            <a:r>
+              <a:rPr kumimoji="1" lang="en-US" altLang="zh-CN" dirty="0" err="1" smtClean="0"/>
+              <a:t>AnimatorSet</a:t>
+            </a:r>
+            <a:r>
+              <a:rPr kumimoji="1" lang="zh-CN" altLang="en-US" dirty="0" smtClean="0"/>
+              <a:t>也可以组合</a:t>
+            </a:r>
+            <a:r>
+              <a:rPr kumimoji="1" lang="en-US" altLang="zh-CN" dirty="0" err="1" smtClean="0"/>
+              <a:t>AnimatorSet</a:t>
+            </a:r>
+            <a:endParaRPr kumimoji="1" lang="zh-CN" altLang="en-US" dirty="0" smtClean="0"/>
+          </a:p>
+          <a:p>
+            <a:endParaRPr kumimoji="1" lang="zh-CN" altLang="en-US" dirty="0" smtClean="0"/>
+          </a:p>
+          <a:p>
+            <a:endParaRPr kumimoji="1" lang="zh-CN" altLang="en-US" dirty="0"/>
+          </a:p>
+        </p:txBody>
+      </p:sp>
+      <p:sp>
+        <p:nvSpPr>
+          <p:cNvPr id="4" name="幻灯片编号占位符 3"/>
+          <p:cNvSpPr>
+            <a:spLocks noGrp="1"/>
+          </p:cNvSpPr>
+          <p:nvPr>
+            <p:ph type="sldNum" sz="quarter" idx="10"/>
+          </p:nvPr>
+        </p:nvSpPr>
+        <p:spPr/>
+        <p:txBody>
+          <a:bodyPr/>
+          <a:lstStyle/>
+          <a:p>
+            <a:fld id="{53190343-A285-E444-9B8B-A03A0DB5BFEC}" type="slidenum">
+              <a:rPr kumimoji="1" lang="zh-CN" altLang="en-US" smtClean="0"/>
+              <a:t>20</a:t>
+            </a:fld>
+            <a:endParaRPr kumimoji="1" lang="zh-CN" altLang="en-US"/>
+          </a:p>
+        </p:txBody>
+      </p:sp>
+    </p:spTree>
+    <p:extLst>
+      <p:ext uri="{BB962C8B-B14F-4D97-AF65-F5344CB8AC3E}">
+        <p14:creationId xmlns:p14="http://schemas.microsoft.com/office/powerpoint/2010/main" val="1402961682"/>
+      </p:ext>
+    </p:extLst>
+  </p:cSld>
+  <p:clrMapOvr>
+    <a:masterClrMapping/>
+  </p:clrMapOvr>
+</p:notes>
+</file>
+
+<file path=ppt/notesSlides/notesSlide21.xml><?xml version="1.0" encoding="utf-8"?>
+<p:notes xmlns:a="http://schemas.openxmlformats.org/drawingml/2006/main" xmlns:r="http://schemas.openxmlformats.org/officeDocument/2006/relationships" xmlns:p="http://schemas.openxmlformats.org/presentationml/2006/main">
+  <p:cSld>
+    <p:spTree>
+      <p:nvGrpSpPr>
+        <p:cNvPr id="1" name=""/>
+        <p:cNvGrpSpPr/>
+        <p:nvPr/>
+      </p:nvGrpSpPr>
+      <p:grpSpPr>
+        <a:xfrm>
+          <a:off x="0" y="0"/>
+          <a:ext cx="0" cy="0"/>
+          <a:chOff x="0" y="0"/>
+          <a:chExt cx="0" cy="0"/>
+        </a:xfrm>
+      </p:grpSpPr>
+      <p:sp>
+        <p:nvSpPr>
+          <p:cNvPr id="2" name="幻灯片图像占位符 1"/>
+          <p:cNvSpPr>
+            <a:spLocks noGrp="1" noRot="1" noChangeAspect="1"/>
+          </p:cNvSpPr>
+          <p:nvPr>
+            <p:ph type="sldImg"/>
+          </p:nvPr>
+        </p:nvSpPr>
+        <p:spPr/>
+      </p:sp>
+      <p:sp>
+        <p:nvSpPr>
+          <p:cNvPr id="3" name="备注占位符 2"/>
+          <p:cNvSpPr>
+            <a:spLocks noGrp="1"/>
+          </p:cNvSpPr>
+          <p:nvPr>
+            <p:ph type="body" idx="1"/>
+          </p:nvPr>
+        </p:nvSpPr>
+        <p:spPr/>
+        <p:txBody>
+          <a:bodyPr/>
+          <a:lstStyle/>
+          <a:p>
+            <a:r>
+              <a:rPr kumimoji="1" lang="en-US" altLang="zh-CN" dirty="0" err="1" smtClean="0"/>
+              <a:t>AnimatorSet</a:t>
+            </a:r>
+            <a:r>
+              <a:rPr kumimoji="1" lang="zh-CN" altLang="en-US" dirty="0" smtClean="0"/>
+              <a:t>也可以组合</a:t>
+            </a:r>
+            <a:r>
+              <a:rPr kumimoji="1" lang="en-US" altLang="zh-CN" dirty="0" err="1" smtClean="0"/>
+              <a:t>AnimatorSet</a:t>
+            </a:r>
+            <a:endParaRPr kumimoji="1" lang="zh-CN" altLang="en-US" dirty="0"/>
+          </a:p>
+        </p:txBody>
+      </p:sp>
+      <p:sp>
+        <p:nvSpPr>
+          <p:cNvPr id="4" name="幻灯片编号占位符 3"/>
+          <p:cNvSpPr>
+            <a:spLocks noGrp="1"/>
+          </p:cNvSpPr>
+          <p:nvPr>
+            <p:ph type="sldNum" sz="quarter" idx="10"/>
+          </p:nvPr>
+        </p:nvSpPr>
+        <p:spPr/>
+        <p:txBody>
+          <a:bodyPr/>
+          <a:lstStyle/>
+          <a:p>
+            <a:fld id="{53190343-A285-E444-9B8B-A03A0DB5BFEC}" type="slidenum">
+              <a:rPr kumimoji="1" lang="zh-CN" altLang="en-US" smtClean="0"/>
+              <a:t>21</a:t>
+            </a:fld>
+            <a:endParaRPr kumimoji="1" lang="zh-CN" altLang="en-US"/>
+          </a:p>
+        </p:txBody>
+      </p:sp>
+    </p:spTree>
+    <p:extLst>
+      <p:ext uri="{BB962C8B-B14F-4D97-AF65-F5344CB8AC3E}">
+        <p14:creationId xmlns:p14="http://schemas.microsoft.com/office/powerpoint/2010/main" val="1353436873"/>
+      </p:ext>
+    </p:extLst>
+  </p:cSld>
+  <p:clrMapOvr>
+    <a:masterClrMapping/>
+  </p:clrMapOvr>
+</p:notes>
+</file>
+
+<file path=ppt/notesSlides/notesSlide22.xml><?xml version="1.0" encoding="utf-8"?>
+<p:notes xmlns:a="http://schemas.openxmlformats.org/drawingml/2006/main" xmlns:r="http://schemas.openxmlformats.org/officeDocument/2006/relationships" xmlns:p="http://schemas.openxmlformats.org/presentationml/2006/main">
+  <p:cSld>
+    <p:spTree>
+      <p:nvGrpSpPr>
+        <p:cNvPr id="1" name=""/>
+        <p:cNvGrpSpPr/>
+        <p:nvPr/>
+      </p:nvGrpSpPr>
+      <p:grpSpPr>
+        <a:xfrm>
+          <a:off x="0" y="0"/>
+          <a:ext cx="0" cy="0"/>
+          <a:chOff x="0" y="0"/>
+          <a:chExt cx="0" cy="0"/>
+        </a:xfrm>
+      </p:grpSpPr>
+      <p:sp>
+        <p:nvSpPr>
+          <p:cNvPr id="2" name="幻灯片图像占位符 1"/>
+          <p:cNvSpPr>
+            <a:spLocks noGrp="1" noRot="1" noChangeAspect="1"/>
+          </p:cNvSpPr>
+          <p:nvPr>
+            <p:ph type="sldImg"/>
+          </p:nvPr>
+        </p:nvSpPr>
+        <p:spPr/>
+      </p:sp>
+      <p:sp>
+        <p:nvSpPr>
+          <p:cNvPr id="3" name="备注占位符 2"/>
+          <p:cNvSpPr>
+            <a:spLocks noGrp="1"/>
+          </p:cNvSpPr>
+          <p:nvPr>
+            <p:ph type="body" idx="1"/>
+          </p:nvPr>
+        </p:nvSpPr>
+        <p:spPr/>
+        <p:txBody>
+          <a:bodyPr/>
+          <a:lstStyle/>
+          <a:p>
+            <a:r>
+              <a:rPr kumimoji="1" lang="zh-CN" altLang="en-US" dirty="0" smtClean="0"/>
+              <a:t>很灵活，可以实现很多效果</a:t>
+            </a:r>
+          </a:p>
+          <a:p>
+            <a:endParaRPr kumimoji="1" lang="zh-CN" altLang="en-US" dirty="0"/>
+          </a:p>
+        </p:txBody>
+      </p:sp>
+      <p:sp>
+        <p:nvSpPr>
+          <p:cNvPr id="4" name="幻灯片编号占位符 3"/>
+          <p:cNvSpPr>
+            <a:spLocks noGrp="1"/>
+          </p:cNvSpPr>
+          <p:nvPr>
+            <p:ph type="sldNum" sz="quarter" idx="10"/>
+          </p:nvPr>
+        </p:nvSpPr>
+        <p:spPr/>
+        <p:txBody>
+          <a:bodyPr/>
+          <a:lstStyle/>
+          <a:p>
+            <a:fld id="{53190343-A285-E444-9B8B-A03A0DB5BFEC}" type="slidenum">
+              <a:rPr kumimoji="1" lang="zh-CN" altLang="en-US" smtClean="0"/>
+              <a:t>22</a:t>
+            </a:fld>
+            <a:endParaRPr kumimoji="1" lang="zh-CN" altLang="en-US"/>
+          </a:p>
+        </p:txBody>
+      </p:sp>
+    </p:spTree>
+    <p:extLst>
+      <p:ext uri="{BB962C8B-B14F-4D97-AF65-F5344CB8AC3E}">
+        <p14:creationId xmlns:p14="http://schemas.microsoft.com/office/powerpoint/2010/main" val="941804289"/>
+      </p:ext>
+    </p:extLst>
+  </p:cSld>
+  <p:clrMapOvr>
+    <a:masterClrMapping/>
+  </p:clrMapOvr>
+</p:notes>
+</file>
+
+<file path=ppt/notesSlides/notesSlide23.xml><?xml version="1.0" encoding="utf-8"?>
+<p:notes xmlns:a="http://schemas.openxmlformats.org/drawingml/2006/main" xmlns:r="http://schemas.openxmlformats.org/officeDocument/2006/relationships" xmlns:p="http://schemas.openxmlformats.org/presentationml/2006/main">
+  <p:cSld>
+    <p:spTree>
+      <p:nvGrpSpPr>
+        <p:cNvPr id="1" name=""/>
+        <p:cNvGrpSpPr/>
+        <p:nvPr/>
+      </p:nvGrpSpPr>
+      <p:grpSpPr>
+        <a:xfrm>
+          <a:off x="0" y="0"/>
+          <a:ext cx="0" cy="0"/>
+          <a:chOff x="0" y="0"/>
+          <a:chExt cx="0" cy="0"/>
+        </a:xfrm>
+      </p:grpSpPr>
+      <p:sp>
+        <p:nvSpPr>
+          <p:cNvPr id="2" name="幻灯片图像占位符 1"/>
+          <p:cNvSpPr>
+            <a:spLocks noGrp="1" noRot="1" noChangeAspect="1"/>
+          </p:cNvSpPr>
+          <p:nvPr>
+            <p:ph type="sldImg"/>
+          </p:nvPr>
+        </p:nvSpPr>
+        <p:spPr/>
+      </p:sp>
+      <p:sp>
+        <p:nvSpPr>
+          <p:cNvPr id="3" name="备注占位符 2"/>
+          <p:cNvSpPr>
+            <a:spLocks noGrp="1"/>
+          </p:cNvSpPr>
+          <p:nvPr>
+            <p:ph type="body" idx="1"/>
+          </p:nvPr>
+        </p:nvSpPr>
+        <p:spPr/>
+        <p:txBody>
+          <a:bodyPr/>
+          <a:lstStyle/>
+          <a:p>
+            <a:endParaRPr kumimoji="1" lang="zh-CN" altLang="en-US" dirty="0"/>
+          </a:p>
+        </p:txBody>
+      </p:sp>
+      <p:sp>
+        <p:nvSpPr>
+          <p:cNvPr id="4" name="幻灯片编号占位符 3"/>
+          <p:cNvSpPr>
+            <a:spLocks noGrp="1"/>
+          </p:cNvSpPr>
+          <p:nvPr>
+            <p:ph type="sldNum" sz="quarter" idx="10"/>
+          </p:nvPr>
+        </p:nvSpPr>
+        <p:spPr/>
+        <p:txBody>
+          <a:bodyPr/>
+          <a:lstStyle/>
+          <a:p>
+            <a:fld id="{53190343-A285-E444-9B8B-A03A0DB5BFEC}" type="slidenum">
+              <a:rPr kumimoji="1" lang="zh-CN" altLang="en-US" smtClean="0"/>
+              <a:t>23</a:t>
+            </a:fld>
+            <a:endParaRPr kumimoji="1" lang="zh-CN" altLang="en-US"/>
+          </a:p>
+        </p:txBody>
+      </p:sp>
+    </p:spTree>
+    <p:extLst>
+      <p:ext uri="{BB962C8B-B14F-4D97-AF65-F5344CB8AC3E}">
+        <p14:creationId xmlns:p14="http://schemas.microsoft.com/office/powerpoint/2010/main" val="1404196431"/>
       </p:ext>
     </p:extLst>
   </p:cSld>
@@ -1819,142 +2854,32 @@
           <a:p>
             <a:r>
               <a:rPr kumimoji="1" lang="zh-CN" altLang="en-US" dirty="0" smtClean="0"/>
-              <a:t>首先，讲</a:t>
+              <a:t>介绍动画逻辑：动画每一帧更新时，</a:t>
+            </a:r>
+            <a:r>
+              <a:rPr kumimoji="1" lang="en-US" altLang="zh-CN" dirty="0" err="1" smtClean="0"/>
+              <a:t>getAnimatedValue</a:t>
+            </a:r>
+            <a:r>
+              <a:rPr kumimoji="1" lang="zh-CN" altLang="en-US" dirty="0" smtClean="0"/>
+              <a:t>获取值，再乘以高度，然后重绘</a:t>
+            </a:r>
+          </a:p>
+          <a:p>
+            <a:r>
+              <a:rPr kumimoji="1" lang="zh-CN" altLang="en-US" dirty="0" smtClean="0"/>
+              <a:t>介绍一下各个方法</a:t>
+            </a:r>
+          </a:p>
+          <a:p>
+            <a:r>
+              <a:rPr kumimoji="1" lang="zh-CN" altLang="en-US" dirty="0" smtClean="0"/>
+              <a:t>接着来看一下</a:t>
             </a:r>
             <a:r>
               <a:rPr kumimoji="1" lang="en-US" altLang="zh-CN" dirty="0" smtClean="0"/>
-              <a:t>Animator</a:t>
-            </a:r>
-            <a:endParaRPr kumimoji="1" lang="zh-CN" altLang="en-US" dirty="0" smtClean="0"/>
-          </a:p>
-          <a:p>
-            <a:r>
-              <a:rPr kumimoji="1" lang="en-US" altLang="zh-CN" dirty="0" smtClean="0"/>
-              <a:t>Animator</a:t>
-            </a:r>
-            <a:r>
-              <a:rPr kumimoji="1" lang="zh-CN" altLang="en-US" dirty="0" smtClean="0"/>
-              <a:t>，顾名思义，就是用来制作动画的</a:t>
-            </a:r>
-            <a:endParaRPr kumimoji="1" lang="en-US" altLang="zh-CN" dirty="0" smtClean="0"/>
-          </a:p>
-          <a:p>
-            <a:r>
-              <a:rPr kumimoji="1" lang="en-US" altLang="zh-CN" dirty="0" smtClean="0"/>
-              <a:t>Animator</a:t>
-            </a:r>
-            <a:r>
-              <a:rPr kumimoji="1" lang="zh-CN" altLang="en-US" dirty="0" smtClean="0"/>
-              <a:t>是这一系列的基类</a:t>
-            </a:r>
-          </a:p>
-          <a:p>
-            <a:r>
-              <a:rPr kumimoji="1" lang="zh-CN" altLang="en-US" dirty="0" smtClean="0"/>
-              <a:t>右边那一块基本上是没用的</a:t>
-            </a:r>
-          </a:p>
-          <a:p>
-            <a:r>
-              <a:rPr kumimoji="1" lang="en-US" altLang="zh-CN" dirty="0" err="1" smtClean="0"/>
-              <a:t>AnimatorSet</a:t>
-            </a:r>
-            <a:r>
-              <a:rPr kumimoji="1" lang="zh-CN" altLang="en-US" dirty="0" smtClean="0"/>
-              <a:t>是用来组合</a:t>
-            </a:r>
-            <a:r>
-              <a:rPr kumimoji="1" lang="en-US" altLang="zh-CN" dirty="0" smtClean="0"/>
-              <a:t>Animator </a:t>
-            </a:r>
-            <a:r>
-              <a:rPr kumimoji="1" lang="zh-CN" altLang="en-US" dirty="0" smtClean="0"/>
-              <a:t>的</a:t>
-            </a:r>
-          </a:p>
-          <a:p>
-            <a:r>
-              <a:rPr kumimoji="1" lang="en-US" altLang="zh-CN" dirty="0" smtClean="0"/>
-              <a:t>ValueAnimator</a:t>
-            </a:r>
-            <a:r>
-              <a:rPr kumimoji="1" lang="zh-CN" altLang="en-US" dirty="0" smtClean="0"/>
-              <a:t>、</a:t>
-            </a:r>
-            <a:r>
-              <a:rPr kumimoji="1" lang="en-US" altLang="zh-CN" dirty="0" err="1" smtClean="0"/>
-              <a:t>ObjectAnimator</a:t>
-            </a:r>
-            <a:r>
-              <a:rPr kumimoji="1" lang="zh-CN" altLang="en-US" dirty="0" smtClean="0"/>
-              <a:t>和</a:t>
-            </a:r>
-            <a:r>
-              <a:rPr kumimoji="1" lang="en-US" altLang="zh-CN" dirty="0" err="1" smtClean="0"/>
-              <a:t>TimeAnimator</a:t>
-            </a:r>
-            <a:r>
-              <a:rPr kumimoji="1" lang="zh-CN" altLang="en-US" dirty="0" smtClean="0"/>
-              <a:t>，以后再分别介绍</a:t>
-            </a:r>
-          </a:p>
-          <a:p>
-            <a:endParaRPr kumimoji="1" lang="zh-CN" altLang="en-US" dirty="0" smtClean="0"/>
-          </a:p>
-          <a:p>
-            <a:pPr marL="0" marR="0" indent="0" algn="l" defTabSz="914400" rtl="0" eaLnBrk="1" fontAlgn="auto" latinLnBrk="0" hangingPunct="1">
-              <a:lnSpc>
-                <a:spcPct val="100000"/>
-              </a:lnSpc>
-              <a:spcBef>
-                <a:spcPts val="0"/>
-              </a:spcBef>
-              <a:spcAft>
-                <a:spcPts val="0"/>
-              </a:spcAft>
-              <a:buClrTx/>
-              <a:buSzTx/>
-              <a:buFontTx/>
-              <a:buNone/>
-              <a:tabLst/>
-              <a:defRPr/>
-            </a:pPr>
-            <a:r>
-              <a:rPr kumimoji="1" lang="zh-CN" altLang="en-US" dirty="0" smtClean="0"/>
-              <a:t>先来看一个</a:t>
-            </a:r>
-            <a:r>
-              <a:rPr kumimoji="1" lang="en-US" altLang="zh-CN" dirty="0" smtClean="0"/>
-              <a:t>demo</a:t>
-            </a:r>
-            <a:r>
-              <a:rPr kumimoji="1" lang="zh-CN" altLang="en-US" dirty="0" smtClean="0"/>
-              <a:t>，切换展示</a:t>
-            </a:r>
-            <a:r>
-              <a:rPr kumimoji="1" lang="en-US" altLang="zh-CN" dirty="0" smtClean="0"/>
-              <a:t>demo1</a:t>
-            </a:r>
-            <a:r>
-              <a:rPr kumimoji="1" lang="zh-CN" altLang="en-US" dirty="0" smtClean="0"/>
-              <a:t>的动画效果</a:t>
-            </a:r>
-          </a:p>
-          <a:p>
-            <a:r>
-              <a:rPr kumimoji="1" lang="zh-CN" altLang="en-US" dirty="0" smtClean="0"/>
-              <a:t>展示完动画效果，再看一下绘制的代码，最后看一下动画控制的代码，然后切回</a:t>
-            </a:r>
-            <a:r>
-              <a:rPr kumimoji="1" lang="en-US" altLang="zh-CN" dirty="0" err="1" smtClean="0"/>
-              <a:t>ppt</a:t>
-            </a:r>
-            <a:r>
-              <a:rPr kumimoji="1" lang="zh-CN" altLang="en-US" dirty="0" smtClean="0"/>
-              <a:t>，进入下一张</a:t>
-            </a:r>
-          </a:p>
-          <a:p>
+              <a:t>AnimatorUpdateListener</a:t>
+            </a:r>
             <a:endParaRPr kumimoji="1" lang="zh-CN" altLang="en-US" dirty="0"/>
           </a:p>
         </p:txBody>
@@ -1985,7 +2910,7 @@
     </p:spTree>
     <p:extLst>
       <p:ext uri="{BB962C8B-B14F-4D97-AF65-F5344CB8AC3E}">
-        <p14:creationId xmlns:p14="http://schemas.microsoft.com/office/powerpoint/2010/main" val="1369133069"/>
+        <p14:creationId xmlns:p14="http://schemas.microsoft.com/office/powerpoint/2010/main" val="603570492"/>
       </p:ext>
     </p:extLst>
   </p:cSld>
@@ -2040,33 +2965,21 @@
           <a:lstStyle/>
           <a:p>
             <a:r>
-              <a:rPr kumimoji="1" lang="zh-CN" altLang="en-US" dirty="0" smtClean="0"/>
-              <a:t>介绍动画逻辑：动画每一帧更新时，</a:t>
-            </a:r>
-            <a:r>
-              <a:rPr kumimoji="1" lang="en-US" altLang="zh-CN" dirty="0" err="1" smtClean="0"/>
-              <a:t>getAnimatedValue</a:t>
-            </a:r>
-            <a:r>
-              <a:rPr kumimoji="1" lang="zh-CN" altLang="en-US" dirty="0" smtClean="0"/>
-              <a:t>获取值，再乘以高度，然后重绘</a:t>
-            </a:r>
-          </a:p>
-          <a:p>
-            <a:r>
-              <a:rPr kumimoji="1" lang="zh-CN" altLang="en-US" dirty="0" smtClean="0"/>
-              <a:t>介绍一下各个方法</a:t>
-            </a:r>
-          </a:p>
-          <a:p>
-            <a:r>
-              <a:rPr kumimoji="1" lang="zh-CN" altLang="en-US" dirty="0" smtClean="0"/>
-              <a:t>接着来看一下</a:t>
-            </a:r>
-            <a:r>
               <a:rPr kumimoji="1" lang="en-US" altLang="zh-CN" dirty="0" smtClean="0"/>
-              <a:t>AnimatorUpdateListener</a:t>
-            </a:r>
+              <a:t>onAnimationUpdate</a:t>
+            </a:r>
+            <a:r>
+              <a:rPr kumimoji="1" lang="zh-CN" altLang="en-US" dirty="0" smtClean="0"/>
+              <a:t>每一帧调一次</a:t>
+            </a:r>
+          </a:p>
+          <a:p>
+            <a:endParaRPr kumimoji="1" lang="zh-CN" altLang="en-US" dirty="0" smtClean="0"/>
+          </a:p>
+          <a:p>
+            <a:endParaRPr kumimoji="1" lang="zh-CN" altLang="en-US" dirty="0" smtClean="0"/>
+          </a:p>
+          <a:p>
             <a:endParaRPr kumimoji="1" lang="zh-CN" altLang="en-US" dirty="0"/>
           </a:p>
         </p:txBody>
@@ -2097,7 +3010,7 @@
     </p:spTree>
     <p:extLst>
       <p:ext uri="{BB962C8B-B14F-4D97-AF65-F5344CB8AC3E}">
-        <p14:creationId xmlns:p14="http://schemas.microsoft.com/office/powerpoint/2010/main" val="603570492"/>
+        <p14:creationId xmlns:p14="http://schemas.microsoft.com/office/powerpoint/2010/main" val="1529195746"/>
       </p:ext>
     </p:extLst>
   </p:cSld>
@@ -2151,19 +3064,6 @@
           <a:bodyPr/>
           <a:lstStyle/>
           <a:p>
-            <a:r>
-              <a:rPr kumimoji="1" lang="en-US" altLang="zh-CN" dirty="0" smtClean="0"/>
-              <a:t>onAnimationUpdate</a:t>
-            </a:r>
-            <a:r>
-              <a:rPr kumimoji="1" lang="zh-CN" altLang="en-US" dirty="0" smtClean="0"/>
-              <a:t>每一帧调一次</a:t>
-            </a:r>
-          </a:p>
-          <a:p>
-            <a:endParaRPr kumimoji="1" lang="zh-CN" altLang="en-US" dirty="0" smtClean="0"/>
-          </a:p>
-          <a:p>
             <a:endParaRPr kumimoji="1" lang="zh-CN" altLang="en-US" dirty="0" smtClean="0"/>
           </a:p>
           <a:p>
@@ -2197,7 +3097,7 @@
     </p:spTree>
     <p:extLst>
       <p:ext uri="{BB962C8B-B14F-4D97-AF65-F5344CB8AC3E}">
-        <p14:creationId xmlns:p14="http://schemas.microsoft.com/office/powerpoint/2010/main" val="1529195746"/>
+        <p14:creationId xmlns:p14="http://schemas.microsoft.com/office/powerpoint/2010/main" val="150122846"/>
       </p:ext>
     </p:extLst>
   </p:cSld>
@@ -2251,9 +3151,96 @@
           <a:bodyPr/>
           <a:lstStyle/>
           <a:p>
-            <a:endParaRPr kumimoji="1" lang="zh-CN" altLang="en-US" dirty="0" smtClean="0"/>
-          </a:p>
-          <a:p>
+            <a:r>
+              <a:rPr kumimoji="1" lang="en-US" altLang="zh-CN" dirty="0" smtClean="0"/>
+              <a:t>ValueAnimator</a:t>
+            </a:r>
+            <a:r>
+              <a:rPr kumimoji="1" lang="zh-CN" altLang="en-US" dirty="0" smtClean="0"/>
+              <a:t>里面有</a:t>
+            </a:r>
+            <a:r>
+              <a:rPr kumimoji="1" lang="en-US" altLang="zh-CN" dirty="0" err="1" smtClean="0"/>
+              <a:t>PropertyValuesHolder</a:t>
+            </a:r>
+            <a:r>
+              <a:rPr kumimoji="1" lang="zh-CN" altLang="en-US" dirty="0" smtClean="0"/>
+              <a:t>的数组</a:t>
+            </a:r>
+          </a:p>
+          <a:p>
+            <a:r>
+              <a:rPr kumimoji="1" lang="en-US" altLang="zh-CN" dirty="0" err="1" smtClean="0"/>
+              <a:t>PropertyValuesHolder</a:t>
+            </a:r>
+            <a:r>
+              <a:rPr kumimoji="1" lang="zh-CN" altLang="en-US" dirty="0" smtClean="0"/>
+              <a:t>用来保存属性和属性的值的信息，根据属性类型不同，有好多子类</a:t>
+            </a:r>
+          </a:p>
+          <a:p>
+            <a:r>
+              <a:rPr kumimoji="1" lang="en-US" altLang="zh-CN" dirty="0" err="1" smtClean="0"/>
+              <a:t>KeyFrames</a:t>
+            </a:r>
+            <a:r>
+              <a:rPr kumimoji="1" lang="zh-CN" altLang="en-US" dirty="0" smtClean="0"/>
+              <a:t>这个接口用来存储</a:t>
+            </a:r>
+            <a:r>
+              <a:rPr kumimoji="1" lang="en-US" altLang="zh-CN" dirty="0" err="1" smtClean="0"/>
+              <a:t>KeyFrame</a:t>
+            </a:r>
+            <a:r>
+              <a:rPr kumimoji="1" lang="zh-CN" altLang="en-US" dirty="0" smtClean="0"/>
+              <a:t>的对象列表，并提供根据这些</a:t>
+            </a:r>
+            <a:r>
+              <a:rPr kumimoji="1" lang="en-US" altLang="zh-CN" dirty="0" err="1" smtClean="0"/>
+              <a:t>KeyFrame</a:t>
+            </a:r>
+            <a:r>
+              <a:rPr kumimoji="1" lang="zh-CN" altLang="en-US" dirty="0" smtClean="0"/>
+              <a:t>计算值的方法</a:t>
+            </a:r>
+          </a:p>
+          <a:p>
+            <a:r>
+              <a:rPr kumimoji="1" lang="zh-CN" altLang="en-US" dirty="0" smtClean="0"/>
+              <a:t>实际上用到的是</a:t>
+            </a:r>
+            <a:r>
+              <a:rPr kumimoji="1" lang="en-US" altLang="zh-CN" dirty="0" err="1" smtClean="0"/>
+              <a:t>KeyFrameSets</a:t>
+            </a:r>
+            <a:r>
+              <a:rPr kumimoji="1" lang="zh-CN" altLang="en-US" dirty="0" smtClean="0"/>
+              <a:t>这个类</a:t>
+            </a:r>
+          </a:p>
+          <a:p>
+            <a:r>
+              <a:rPr kumimoji="1" lang="en-US" altLang="zh-CN" dirty="0" err="1" smtClean="0"/>
+              <a:t>KeyFrame</a:t>
+            </a:r>
+            <a:r>
+              <a:rPr kumimoji="1" lang="zh-CN" altLang="en-US" dirty="0" smtClean="0"/>
+              <a:t>，就是关键帧，同样也根据类型有不同的子类</a:t>
+            </a:r>
+          </a:p>
+          <a:p>
+            <a:r>
+              <a:rPr kumimoji="1" lang="zh-CN" altLang="en-US" dirty="0" smtClean="0"/>
+              <a:t>对照类图，来看一下前面</a:t>
+            </a:r>
+            <a:r>
+              <a:rPr kumimoji="1" lang="en-US" altLang="zh-CN" dirty="0" smtClean="0"/>
+              <a:t>demo</a:t>
+            </a:r>
+            <a:r>
+              <a:rPr kumimoji="1" lang="zh-CN" altLang="en-US" dirty="0" smtClean="0"/>
+              <a:t>中用到的几个方法</a:t>
+            </a:r>
             <a:endParaRPr kumimoji="1" lang="zh-CN" altLang="en-US" dirty="0"/>
           </a:p>
         </p:txBody>
@@ -2284,7 +3271,7 @@
     </p:spTree>
     <p:extLst>
       <p:ext uri="{BB962C8B-B14F-4D97-AF65-F5344CB8AC3E}">
-        <p14:creationId xmlns:p14="http://schemas.microsoft.com/office/powerpoint/2010/main" val="150122846"/>
+        <p14:creationId xmlns:p14="http://schemas.microsoft.com/office/powerpoint/2010/main" val="1215828993"/>
       </p:ext>
     </p:extLst>
   </p:cSld>
@@ -2339,94 +3326,16 @@
           <a:lstStyle/>
           <a:p>
             <a:r>
-              <a:rPr kumimoji="1" lang="en-US" altLang="zh-CN" dirty="0" smtClean="0"/>
-              <a:t>ValueAnimator</a:t>
-            </a:r>
-            <a:r>
-              <a:rPr kumimoji="1" lang="zh-CN" altLang="en-US" dirty="0" smtClean="0"/>
-              <a:t>里面有</a:t>
+              <a:rPr kumimoji="1" lang="zh-CN" altLang="en-US" dirty="0" smtClean="0"/>
+              <a:t>来看一下</a:t>
             </a:r>
             <a:r>
               <a:rPr kumimoji="1" lang="en-US" altLang="zh-CN" dirty="0" err="1" smtClean="0"/>
-              <a:t>PropertyValuesHolder</a:t>
-            </a:r>
-            <a:r>
-              <a:rPr kumimoji="1" lang="zh-CN" altLang="en-US" dirty="0" smtClean="0"/>
-              <a:t>的数组</a:t>
-            </a:r>
-          </a:p>
-          <a:p>
-            <a:r>
-              <a:rPr kumimoji="1" lang="en-US" altLang="zh-CN" dirty="0" err="1" smtClean="0"/>
-              <a:t>PropertyValuesHolder</a:t>
-            </a:r>
-            <a:r>
-              <a:rPr kumimoji="1" lang="zh-CN" altLang="en-US" dirty="0" smtClean="0"/>
-              <a:t>用来保存属性和属性的值的信息，根据属性类型不同，有好多子类</a:t>
-            </a:r>
-          </a:p>
-          <a:p>
-            <a:r>
-              <a:rPr kumimoji="1" lang="en-US" altLang="zh-CN" dirty="0" err="1" smtClean="0"/>
-              <a:t>KeyFrames</a:t>
-            </a:r>
-            <a:r>
-              <a:rPr kumimoji="1" lang="zh-CN" altLang="en-US" dirty="0" smtClean="0"/>
-              <a:t>这个接口用来存储</a:t>
-            </a:r>
-            <a:r>
-              <a:rPr kumimoji="1" lang="en-US" altLang="zh-CN" dirty="0" err="1" smtClean="0"/>
-              <a:t>KeyFrame</a:t>
-            </a:r>
-            <a:r>
-              <a:rPr kumimoji="1" lang="zh-CN" altLang="en-US" dirty="0" smtClean="0"/>
-              <a:t>的对象列表，并提供根据这些</a:t>
-            </a:r>
-            <a:r>
-              <a:rPr kumimoji="1" lang="en-US" altLang="zh-CN" dirty="0" err="1" smtClean="0"/>
-              <a:t>KeyFrame</a:t>
-            </a:r>
-            <a:r>
-              <a:rPr kumimoji="1" lang="zh-CN" altLang="en-US" dirty="0" smtClean="0"/>
-              <a:t>计算值的方法</a:t>
-            </a:r>
-          </a:p>
-          <a:p>
-            <a:r>
-              <a:rPr kumimoji="1" lang="zh-CN" altLang="en-US" dirty="0" smtClean="0"/>
-              <a:t>实际上用到的是</a:t>
-            </a:r>
-            <a:r>
-              <a:rPr kumimoji="1" lang="en-US" altLang="zh-CN" dirty="0" err="1" smtClean="0"/>
-              <a:t>KeyFrameSets</a:t>
-            </a:r>
-            <a:r>
-              <a:rPr kumimoji="1" lang="zh-CN" altLang="en-US" dirty="0" smtClean="0"/>
-              <a:t>这个类</a:t>
-            </a:r>
-          </a:p>
-          <a:p>
-            <a:r>
-              <a:rPr kumimoji="1" lang="en-US" altLang="zh-CN" dirty="0" err="1" smtClean="0"/>
-              <a:t>KeyFrame</a:t>
-            </a:r>
-            <a:r>
-              <a:rPr kumimoji="1" lang="zh-CN" altLang="en-US" dirty="0" smtClean="0"/>
-              <a:t>，就是关键帧，同样也根据类型有不同的子类</a:t>
-            </a:r>
-          </a:p>
-          <a:p>
-            <a:r>
-              <a:rPr kumimoji="1" lang="zh-CN" altLang="en-US" dirty="0" smtClean="0"/>
-              <a:t>对照类图，来看一下前面</a:t>
-            </a:r>
-            <a:r>
-              <a:rPr kumimoji="1" lang="en-US" altLang="zh-CN" dirty="0" smtClean="0"/>
-              <a:t>demo</a:t>
-            </a:r>
-            <a:r>
-              <a:rPr kumimoji="1" lang="zh-CN" altLang="en-US" dirty="0" smtClean="0"/>
-              <a:t>中用到的几个方法</a:t>
+              <a:t>ofFloat</a:t>
+            </a:r>
+            <a:r>
+              <a:rPr kumimoji="1" lang="zh-CN" altLang="en-US" dirty="0" smtClean="0"/>
+              <a:t>这个静态方法</a:t>
             </a:r>
             <a:endParaRPr kumimoji="1" lang="zh-CN" altLang="en-US" dirty="0"/>
           </a:p>
@@ -2458,7 +3367,7 @@
     </p:spTree>
     <p:extLst>
       <p:ext uri="{BB962C8B-B14F-4D97-AF65-F5344CB8AC3E}">
-        <p14:creationId xmlns:p14="http://schemas.microsoft.com/office/powerpoint/2010/main" val="1215828993"/>
+        <p14:creationId xmlns:p14="http://schemas.microsoft.com/office/powerpoint/2010/main" val="1617876982"/>
       </p:ext>
     </p:extLst>
   </p:cSld>
@@ -2513,8 +3422,12 @@
           <a:lstStyle/>
           <a:p>
             <a:r>
-              <a:rPr kumimoji="1" lang="zh-CN" altLang="en-US" dirty="0" smtClean="0"/>
-              <a:t>来看一下</a:t>
+              <a:rPr kumimoji="1" lang="en-US" altLang="zh-CN" dirty="0" smtClean="0"/>
+              <a:t>ValueAnimator</a:t>
+            </a:r>
+            <a:r>
+              <a:rPr kumimoji="1" lang="zh-CN" altLang="en-US" dirty="0" smtClean="0"/>
+              <a:t>的</a:t>
             </a:r>
             <a:r>
               <a:rPr kumimoji="1" lang="en-US" altLang="zh-CN" dirty="0" err="1" smtClean="0"/>
@@ -2522,7 +3435,223 @@
             </a:r>
             <a:r>
               <a:rPr kumimoji="1" lang="zh-CN" altLang="en-US" dirty="0" smtClean="0"/>
-              <a:t>这个静态方法</a:t>
+              <a:t>方法，首先</a:t>
+            </a:r>
+            <a:r>
+              <a:rPr kumimoji="1" lang="en-US" altLang="zh-CN" dirty="0" smtClean="0"/>
+              <a:t>new</a:t>
+            </a:r>
+            <a:r>
+              <a:rPr kumimoji="1" lang="zh-CN" altLang="en-US" dirty="0" smtClean="0"/>
+              <a:t>一个</a:t>
+            </a:r>
+            <a:r>
+              <a:rPr kumimoji="1" lang="en-US" altLang="zh-CN" dirty="0" smtClean="0"/>
+              <a:t>ValueAnimator</a:t>
+            </a:r>
+            <a:r>
+              <a:rPr kumimoji="1" lang="zh-CN" altLang="en-US" dirty="0" smtClean="0"/>
+              <a:t>，然后调</a:t>
+            </a:r>
+            <a:r>
+              <a:rPr kumimoji="1" lang="en-US" altLang="zh-CN" dirty="0" err="1" smtClean="0"/>
+              <a:t>setFloatValues</a:t>
+            </a:r>
+            <a:r>
+              <a:rPr kumimoji="1" lang="zh-CN" altLang="en-US" dirty="0" smtClean="0"/>
+              <a:t>方法</a:t>
+            </a:r>
+          </a:p>
+          <a:p>
+            <a:r>
+              <a:rPr kumimoji="1" lang="zh-CN" altLang="en-US" dirty="0" smtClean="0"/>
+              <a:t>在</a:t>
+            </a:r>
+            <a:r>
+              <a:rPr kumimoji="1" lang="en-US" altLang="zh-CN" dirty="0" err="1" smtClean="0"/>
+              <a:t>setFloatValues</a:t>
+            </a:r>
+            <a:r>
+              <a:rPr kumimoji="1" lang="zh-CN" altLang="en-US" dirty="0" smtClean="0"/>
+              <a:t>这个方法里面，会去检查</a:t>
+            </a:r>
+            <a:r>
+              <a:rPr kumimoji="1" lang="en-US" altLang="zh-CN" dirty="0" err="1" smtClean="0"/>
+              <a:t>PropertyValuesHolder</a:t>
+            </a:r>
+            <a:r>
+              <a:rPr kumimoji="1" lang="zh-CN" altLang="en-US" dirty="0" smtClean="0"/>
+              <a:t>这个数组是不是空的，如果不是空的，就直接取第一个，调</a:t>
+            </a:r>
+            <a:r>
+              <a:rPr kumimoji="1" lang="en-US" altLang="zh-CN" dirty="0" err="1" smtClean="0"/>
+              <a:t>setFloatValues</a:t>
+            </a:r>
+            <a:r>
+              <a:rPr kumimoji="1" lang="zh-CN" altLang="en-US" dirty="0" smtClean="0"/>
+              <a:t>方法，否则就调</a:t>
+            </a:r>
+            <a:r>
+              <a:rPr kumimoji="1" lang="en-US" altLang="zh-CN" dirty="0" err="1" smtClean="0"/>
+              <a:t>PropertyValuesHolder</a:t>
+            </a:r>
+            <a:r>
+              <a:rPr kumimoji="1" lang="zh-CN" altLang="en-US" dirty="0" smtClean="0"/>
+              <a:t>的</a:t>
+            </a:r>
+            <a:r>
+              <a:rPr kumimoji="1" lang="en-US" altLang="zh-CN" dirty="0" err="1" smtClean="0"/>
+              <a:t>ofFloat</a:t>
+            </a:r>
+            <a:r>
+              <a:rPr kumimoji="1" lang="zh-CN" altLang="en-US" dirty="0" smtClean="0"/>
+              <a:t>静态方法</a:t>
+            </a:r>
+          </a:p>
+          <a:p>
+            <a:r>
+              <a:rPr kumimoji="1" lang="en-US" altLang="zh-CN" dirty="0" err="1" smtClean="0"/>
+              <a:t>PropertyValuesHolder</a:t>
+            </a:r>
+            <a:r>
+              <a:rPr kumimoji="1" lang="zh-CN" altLang="en-US" dirty="0" smtClean="0"/>
+              <a:t>的</a:t>
+            </a:r>
+            <a:r>
+              <a:rPr kumimoji="1" lang="en-US" altLang="zh-CN" dirty="0" err="1" smtClean="0"/>
+              <a:t>ofFloat</a:t>
+            </a:r>
+            <a:r>
+              <a:rPr kumimoji="1" lang="zh-CN" altLang="en-US" dirty="0" smtClean="0"/>
+              <a:t>方法返回一个</a:t>
+            </a:r>
+            <a:r>
+              <a:rPr kumimoji="1" lang="en-US" altLang="zh-CN" dirty="0" err="1" smtClean="0"/>
+              <a:t>FloatPropertyValuesHolder</a:t>
+            </a:r>
+            <a:r>
+              <a:rPr kumimoji="1" lang="zh-CN" altLang="en-US" dirty="0" smtClean="0"/>
+              <a:t>的对象，图上只写了</a:t>
+            </a:r>
+            <a:r>
+              <a:rPr kumimoji="1" lang="en-US" altLang="zh-CN" dirty="0" err="1" smtClean="0"/>
+              <a:t>ofFloat</a:t>
+            </a:r>
+            <a:r>
+              <a:rPr kumimoji="1" lang="zh-CN" altLang="en-US" dirty="0" smtClean="0"/>
+              <a:t>方法，还有很多其他的，比如</a:t>
+            </a:r>
+            <a:r>
+              <a:rPr kumimoji="1" lang="en-US" altLang="zh-CN" dirty="0" err="1" smtClean="0"/>
+              <a:t>ofInt</a:t>
+            </a:r>
+            <a:r>
+              <a:rPr kumimoji="1" lang="zh-CN" altLang="en-US" dirty="0" smtClean="0"/>
+              <a:t>，就返回一个</a:t>
+            </a:r>
+            <a:r>
+              <a:rPr kumimoji="1" lang="en-US" altLang="zh-CN" dirty="0" err="1" smtClean="0"/>
+              <a:t>IntPropertyValuesHolder</a:t>
+            </a:r>
+            <a:r>
+              <a:rPr kumimoji="1" lang="zh-CN" altLang="en-US" dirty="0" smtClean="0"/>
+              <a:t>对象，这个应该算是工厂模式</a:t>
+            </a:r>
+          </a:p>
+          <a:p>
+            <a:r>
+              <a:rPr kumimoji="1" lang="en-US" altLang="zh-CN" dirty="0" err="1" smtClean="0"/>
+              <a:t>FloatPropertyValuesHolder</a:t>
+            </a:r>
+            <a:r>
+              <a:rPr kumimoji="1" lang="zh-CN" altLang="en-US" dirty="0" smtClean="0"/>
+              <a:t>的构造函数里面，调用</a:t>
+            </a:r>
+            <a:r>
+              <a:rPr kumimoji="1" lang="en-US" altLang="zh-CN" dirty="0" err="1" smtClean="0"/>
+              <a:t>setFloatValues</a:t>
+            </a:r>
+            <a:r>
+              <a:rPr kumimoji="1" lang="zh-CN" altLang="en-US" dirty="0" smtClean="0"/>
+              <a:t>方法，然后又调到父类的</a:t>
+            </a:r>
+            <a:r>
+              <a:rPr kumimoji="1" lang="en-US" altLang="zh-CN" dirty="0" err="1" smtClean="0"/>
+              <a:t>setFloatValues</a:t>
+            </a:r>
+            <a:r>
+              <a:rPr kumimoji="1" lang="zh-CN" altLang="en-US" dirty="0" smtClean="0"/>
+              <a:t>方法</a:t>
+            </a:r>
+          </a:p>
+          <a:p>
+            <a:r>
+              <a:rPr kumimoji="1" lang="en-US" altLang="zh-CN" dirty="0" err="1" smtClean="0"/>
+              <a:t>PropertyValuesHolder</a:t>
+            </a:r>
+            <a:r>
+              <a:rPr kumimoji="1" lang="zh-CN" altLang="en-US" dirty="0" smtClean="0"/>
+              <a:t>的</a:t>
+            </a:r>
+            <a:r>
+              <a:rPr kumimoji="1" lang="en-US" altLang="zh-CN" dirty="0" err="1" smtClean="0"/>
+              <a:t>setFloatValues</a:t>
+            </a:r>
+            <a:r>
+              <a:rPr kumimoji="1" lang="zh-CN" altLang="en-US" dirty="0" smtClean="0"/>
+              <a:t>方法里面，会去调</a:t>
+            </a:r>
+            <a:r>
+              <a:rPr kumimoji="1" lang="en-US" altLang="zh-CN" dirty="0" err="1" smtClean="0"/>
+              <a:t>KeyFrameSet</a:t>
+            </a:r>
+            <a:r>
+              <a:rPr kumimoji="1" lang="zh-CN" altLang="en-US" dirty="0" smtClean="0"/>
+              <a:t>的</a:t>
+            </a:r>
+            <a:r>
+              <a:rPr kumimoji="1" lang="en-US" altLang="zh-CN" dirty="0" err="1" smtClean="0"/>
+              <a:t>ofFloat</a:t>
+            </a:r>
+            <a:r>
+              <a:rPr kumimoji="1" lang="zh-CN" altLang="en-US" dirty="0" smtClean="0"/>
+              <a:t>方法，</a:t>
+            </a:r>
+            <a:r>
+              <a:rPr kumimoji="1" lang="en-US" altLang="zh-CN" dirty="0" smtClean="0"/>
+              <a:t>new</a:t>
+            </a:r>
+            <a:r>
+              <a:rPr kumimoji="1" lang="zh-CN" altLang="en-US" dirty="0" smtClean="0"/>
+              <a:t>一个</a:t>
+            </a:r>
+            <a:r>
+              <a:rPr kumimoji="1" lang="en-US" altLang="zh-CN" dirty="0" err="1" smtClean="0"/>
+              <a:t>KeyFrameSets</a:t>
+            </a:r>
+            <a:r>
+              <a:rPr kumimoji="1" lang="zh-CN" altLang="en-US" dirty="0" smtClean="0"/>
+              <a:t>对象，然后会根据</a:t>
+            </a:r>
+            <a:r>
+              <a:rPr kumimoji="1" lang="en-US" altLang="zh-CN" dirty="0" err="1" smtClean="0"/>
+              <a:t>vaues</a:t>
+            </a:r>
+            <a:r>
+              <a:rPr kumimoji="1" lang="zh-CN" altLang="en-US" dirty="0" smtClean="0"/>
+              <a:t>参数创建相应的</a:t>
+            </a:r>
+            <a:r>
+              <a:rPr kumimoji="1" lang="en-US" altLang="zh-CN" dirty="0" err="1" smtClean="0"/>
+              <a:t>KeyFrame</a:t>
+            </a:r>
+            <a:r>
+              <a:rPr kumimoji="1" lang="zh-CN" altLang="en-US" dirty="0" smtClean="0"/>
+              <a:t>，这里是</a:t>
+            </a:r>
+            <a:r>
+              <a:rPr kumimoji="1" lang="en-US" altLang="zh-CN" dirty="0" err="1" smtClean="0"/>
+              <a:t>FloatKeyFrame</a:t>
             </a:r>
             <a:endParaRPr kumimoji="1" lang="zh-CN" altLang="en-US" dirty="0"/>
           </a:p>
@@ -2554,7 +3683,7 @@
     </p:spTree>
     <p:extLst>
       <p:ext uri="{BB962C8B-B14F-4D97-AF65-F5344CB8AC3E}">
-        <p14:creationId xmlns:p14="http://schemas.microsoft.com/office/powerpoint/2010/main" val="1617876982"/>
+        <p14:creationId xmlns:p14="http://schemas.microsoft.com/office/powerpoint/2010/main" val="1646478179"/>
       </p:ext>
     </p:extLst>
   </p:cSld>
@@ -2609,238 +3738,37 @@
           <a:lstStyle/>
           <a:p>
             <a:r>
+              <a:rPr kumimoji="1" lang="zh-CN" altLang="en-US" dirty="0" smtClean="0"/>
+              <a:t>再回到</a:t>
+            </a:r>
+            <a:r>
               <a:rPr kumimoji="1" lang="en-US" altLang="zh-CN" dirty="0" smtClean="0"/>
-              <a:t>ValueAnimator</a:t>
-            </a:r>
-            <a:r>
-              <a:rPr kumimoji="1" lang="zh-CN" altLang="en-US" dirty="0" smtClean="0"/>
-              <a:t>的</a:t>
+              <a:t>demo1</a:t>
+            </a:r>
+            <a:r>
+              <a:rPr kumimoji="1" lang="zh-CN" altLang="en-US" dirty="0" smtClean="0"/>
+              <a:t>，</a:t>
+            </a:r>
+          </a:p>
+          <a:p>
+            <a:r>
+              <a:rPr kumimoji="1" lang="zh-CN" altLang="en-US" dirty="0" smtClean="0"/>
+              <a:t>接下来讲一下，</a:t>
             </a:r>
             <a:r>
               <a:rPr kumimoji="1" lang="en-US" altLang="zh-CN" dirty="0" err="1" smtClean="0"/>
-              <a:t>ofFloat</a:t>
-            </a:r>
-            <a:r>
-              <a:rPr kumimoji="1" lang="zh-CN" altLang="en-US" dirty="0" smtClean="0"/>
-              <a:t>方法，首先</a:t>
-            </a:r>
-            <a:r>
-              <a:rPr kumimoji="1" lang="en-US" altLang="zh-CN" dirty="0" smtClean="0"/>
-              <a:t>new</a:t>
-            </a:r>
-            <a:r>
-              <a:rPr kumimoji="1" lang="zh-CN" altLang="en-US" dirty="0" smtClean="0"/>
-              <a:t>一个</a:t>
-            </a:r>
-            <a:r>
-              <a:rPr kumimoji="1" lang="en-US" altLang="zh-CN" dirty="0" smtClean="0"/>
-              <a:t>ValueAnimator</a:t>
-            </a:r>
-            <a:r>
-              <a:rPr kumimoji="1" lang="zh-CN" altLang="en-US" dirty="0" smtClean="0"/>
-              <a:t>，然后调</a:t>
-            </a:r>
-            <a:r>
-              <a:rPr kumimoji="1" lang="en-US" altLang="zh-CN" dirty="0" err="1" smtClean="0"/>
-              <a:t>setFloatValues</a:t>
-            </a:r>
-            <a:r>
-              <a:rPr kumimoji="1" lang="zh-CN" altLang="en-US" dirty="0" smtClean="0"/>
-              <a:t>方法</a:t>
-            </a:r>
-          </a:p>
-          <a:p>
-            <a:r>
-              <a:rPr kumimoji="1" lang="zh-CN" altLang="en-US" dirty="0" smtClean="0"/>
-              <a:t>在</a:t>
-            </a:r>
-            <a:r>
-              <a:rPr kumimoji="1" lang="en-US" altLang="zh-CN" dirty="0" err="1" smtClean="0"/>
-              <a:t>setFloatValues</a:t>
-            </a:r>
-            <a:r>
-              <a:rPr kumimoji="1" lang="zh-CN" altLang="en-US" dirty="0" smtClean="0"/>
-              <a:t>这个方法里面，会去检查</a:t>
-            </a:r>
-            <a:r>
-              <a:rPr kumimoji="1" lang="en-US" altLang="zh-CN" dirty="0" err="1" smtClean="0"/>
-              <a:t>PropertyValuesHolder</a:t>
-            </a:r>
-            <a:r>
-              <a:rPr kumimoji="1" lang="zh-CN" altLang="en-US" dirty="0" smtClean="0"/>
-              <a:t>这个数组是不是空的，如果不是空的，就直接取第一个，调</a:t>
-            </a:r>
-            <a:r>
-              <a:rPr kumimoji="1" lang="en-US" altLang="zh-CN" dirty="0" err="1" smtClean="0"/>
-              <a:t>setFloatValues</a:t>
-            </a:r>
-            <a:r>
-              <a:rPr kumimoji="1" lang="zh-CN" altLang="en-US" dirty="0" smtClean="0"/>
-              <a:t>方法，否则就调</a:t>
-            </a:r>
-            <a:r>
-              <a:rPr kumimoji="1" lang="en-US" altLang="zh-CN" dirty="0" err="1" smtClean="0"/>
-              <a:t>PropertyValuesHolder</a:t>
-            </a:r>
-            <a:r>
-              <a:rPr kumimoji="1" lang="zh-CN" altLang="en-US" dirty="0" smtClean="0"/>
-              <a:t>的</a:t>
-            </a:r>
-            <a:r>
-              <a:rPr kumimoji="1" lang="en-US" altLang="zh-CN" dirty="0" err="1" smtClean="0"/>
-              <a:t>ofFloat</a:t>
-            </a:r>
-            <a:r>
-              <a:rPr kumimoji="1" lang="zh-CN" altLang="en-US" dirty="0" smtClean="0"/>
-              <a:t>静态方法</a:t>
-            </a:r>
-          </a:p>
-          <a:p>
-            <a:r>
-              <a:rPr kumimoji="1" lang="en-US" altLang="zh-CN" dirty="0" err="1" smtClean="0"/>
-              <a:t>PropertyValuesHolder</a:t>
-            </a:r>
-            <a:r>
-              <a:rPr kumimoji="1" lang="zh-CN" altLang="en-US" dirty="0" smtClean="0"/>
-              <a:t>的</a:t>
-            </a:r>
-            <a:r>
-              <a:rPr kumimoji="1" lang="en-US" altLang="zh-CN" dirty="0" err="1" smtClean="0"/>
-              <a:t>ofFloat</a:t>
-            </a:r>
-            <a:r>
-              <a:rPr kumimoji="1" lang="zh-CN" altLang="en-US" dirty="0" smtClean="0"/>
-              <a:t>方法返回一个</a:t>
-            </a:r>
-            <a:r>
-              <a:rPr kumimoji="1" lang="en-US" altLang="zh-CN" dirty="0" err="1" smtClean="0"/>
-              <a:t>FloatPropertyValuesHolder</a:t>
-            </a:r>
-            <a:r>
-              <a:rPr kumimoji="1" lang="zh-CN" altLang="en-US" dirty="0" smtClean="0"/>
-              <a:t>的对象，图上只写了</a:t>
-            </a:r>
-            <a:r>
-              <a:rPr kumimoji="1" lang="en-US" altLang="zh-CN" dirty="0" err="1" smtClean="0"/>
-              <a:t>ofFloat</a:t>
-            </a:r>
-            <a:r>
-              <a:rPr kumimoji="1" lang="zh-CN" altLang="en-US" dirty="0" smtClean="0"/>
-              <a:t>方法，还有很多其他的，比如</a:t>
-            </a:r>
-            <a:r>
-              <a:rPr kumimoji="1" lang="en-US" altLang="zh-CN" dirty="0" err="1" smtClean="0"/>
-              <a:t>ofInt</a:t>
-            </a:r>
-            <a:r>
-              <a:rPr kumimoji="1" lang="zh-CN" altLang="en-US" dirty="0" smtClean="0"/>
-              <a:t>，就返回一个</a:t>
-            </a:r>
-            <a:r>
-              <a:rPr kumimoji="1" lang="en-US" altLang="zh-CN" dirty="0" err="1" smtClean="0"/>
-              <a:t>IntPropertyValuesHolder</a:t>
-            </a:r>
-            <a:r>
-              <a:rPr kumimoji="1" lang="zh-CN" altLang="en-US" dirty="0" smtClean="0"/>
-              <a:t>对象，这个应该算是工厂模式</a:t>
-            </a:r>
-          </a:p>
-          <a:p>
-            <a:r>
-              <a:rPr kumimoji="1" lang="en-US" altLang="zh-CN" dirty="0" err="1" smtClean="0"/>
-              <a:t>FloatPropertyValuesHolder</a:t>
-            </a:r>
-            <a:r>
-              <a:rPr kumimoji="1" lang="zh-CN" altLang="en-US" dirty="0" smtClean="0"/>
-              <a:t>的构造函数里面，调用</a:t>
-            </a:r>
-            <a:r>
-              <a:rPr kumimoji="1" lang="en-US" altLang="zh-CN" dirty="0" err="1" smtClean="0"/>
-              <a:t>setFloatValues</a:t>
-            </a:r>
-            <a:r>
-              <a:rPr kumimoji="1" lang="zh-CN" altLang="en-US" dirty="0" smtClean="0"/>
-              <a:t>方法，然后又调到父类的</a:t>
-            </a:r>
-            <a:r>
-              <a:rPr kumimoji="1" lang="en-US" altLang="zh-CN" dirty="0" err="1" smtClean="0"/>
-              <a:t>setFloatValues</a:t>
-            </a:r>
-            <a:r>
-              <a:rPr kumimoji="1" lang="zh-CN" altLang="en-US" dirty="0" smtClean="0"/>
-              <a:t>方法</a:t>
-            </a:r>
-          </a:p>
-          <a:p>
-            <a:r>
-              <a:rPr kumimoji="1" lang="en-US" altLang="zh-CN" dirty="0" err="1" smtClean="0"/>
-              <a:t>PropertyValuesHolder</a:t>
-            </a:r>
-            <a:r>
-              <a:rPr kumimoji="1" lang="zh-CN" altLang="en-US" dirty="0" smtClean="0"/>
-              <a:t>的</a:t>
-            </a:r>
-            <a:r>
-              <a:rPr kumimoji="1" lang="en-US" altLang="zh-CN" dirty="0" err="1" smtClean="0"/>
-              <a:t>setFloatValues</a:t>
-            </a:r>
-            <a:r>
-              <a:rPr kumimoji="1" lang="zh-CN" altLang="en-US" dirty="0" smtClean="0"/>
-              <a:t>方法里面，会去调</a:t>
-            </a:r>
-            <a:r>
-              <a:rPr kumimoji="1" lang="en-US" altLang="zh-CN" dirty="0" err="1" smtClean="0"/>
-              <a:t>KeyFrameSet</a:t>
-            </a:r>
-            <a:r>
-              <a:rPr kumimoji="1" lang="zh-CN" altLang="en-US" dirty="0" smtClean="0"/>
-              <a:t>的</a:t>
-            </a:r>
-            <a:r>
-              <a:rPr kumimoji="1" lang="en-US" altLang="zh-CN" dirty="0" err="1" smtClean="0"/>
-              <a:t>ofFloat</a:t>
-            </a:r>
-            <a:r>
-              <a:rPr kumimoji="1" lang="zh-CN" altLang="en-US" dirty="0" smtClean="0"/>
-              <a:t>方法，</a:t>
-            </a:r>
-            <a:r>
-              <a:rPr kumimoji="1" lang="en-US" altLang="zh-CN" dirty="0" smtClean="0"/>
-              <a:t>new</a:t>
-            </a:r>
-            <a:r>
-              <a:rPr kumimoji="1" lang="zh-CN" altLang="en-US" dirty="0" smtClean="0"/>
-              <a:t>一个</a:t>
-            </a:r>
-            <a:r>
-              <a:rPr kumimoji="1" lang="en-US" altLang="zh-CN" dirty="0" err="1" smtClean="0"/>
-              <a:t>KeyFrameSets</a:t>
-            </a:r>
-            <a:r>
-              <a:rPr kumimoji="1" lang="zh-CN" altLang="en-US" dirty="0" smtClean="0"/>
-              <a:t>对象，然后会根据</a:t>
-            </a:r>
-            <a:r>
-              <a:rPr kumimoji="1" lang="en-US" altLang="zh-CN" dirty="0" err="1" smtClean="0"/>
-              <a:t>vaues</a:t>
-            </a:r>
-            <a:r>
-              <a:rPr kumimoji="1" lang="zh-CN" altLang="en-US" dirty="0" smtClean="0"/>
-              <a:t>参数创建相应的</a:t>
-            </a:r>
-            <a:r>
-              <a:rPr kumimoji="1" lang="en-US" altLang="zh-CN" dirty="0" err="1" smtClean="0"/>
-              <a:t>KeyFrame</a:t>
-            </a:r>
-            <a:r>
-              <a:rPr kumimoji="1" lang="zh-CN" altLang="en-US" dirty="0" smtClean="0"/>
-              <a:t>，这里是</a:t>
-            </a:r>
-            <a:r>
-              <a:rPr kumimoji="1" lang="en-US" altLang="zh-CN" dirty="0" err="1" smtClean="0"/>
-              <a:t>FloatKeyFrame</a:t>
-            </a:r>
-            <a:endParaRPr kumimoji="1" lang="zh-CN" altLang="en-US" dirty="0"/>
+              <a:t>getAnimatedValue</a:t>
+            </a:r>
+            <a:r>
+              <a:rPr kumimoji="1" lang="zh-CN" altLang="en-US" dirty="0" smtClean="0"/>
+              <a:t>这个方法</a:t>
+            </a:r>
+          </a:p>
+          <a:p>
+            <a:endParaRPr kumimoji="1" lang="en-US" altLang="zh-CN" dirty="0" smtClean="0"/>
+          </a:p>
+          <a:p>
+            <a:endParaRPr kumimoji="1" lang="zh-CN" altLang="en-US" dirty="0" smtClean="0"/>
           </a:p>
         </p:txBody>
       </p:sp>
@@ -2870,7 +3798,7 @@
     </p:spTree>
     <p:extLst>
       <p:ext uri="{BB962C8B-B14F-4D97-AF65-F5344CB8AC3E}">
-        <p14:creationId xmlns:p14="http://schemas.microsoft.com/office/powerpoint/2010/main" val="1646478179"/>
+        <p14:creationId xmlns:p14="http://schemas.microsoft.com/office/powerpoint/2010/main" val="530498338"/>
       </p:ext>
     </p:extLst>
   </p:cSld>
@@ -5753,8 +6681,8 @@
           <a:lstStyle/>
           <a:p>
             <a:r>
-              <a:rPr kumimoji="1" lang="zh-CN" altLang="en-US" dirty="0" smtClean="0"/>
-              <a:t>属性动画</a:t>
+              <a:rPr kumimoji="1" lang="en-US" altLang="zh-CN" dirty="0" smtClean="0"/>
+              <a:t>Animator</a:t>
             </a:r>
             <a:endParaRPr kumimoji="1" lang="zh-CN" altLang="en-US" dirty="0"/>
           </a:p>
@@ -5762,7 +6690,7 @@
       </p:sp>
       <p:sp>
         <p:nvSpPr>
-          <p:cNvPr id="4" name="副标题 3"/>
+          <p:cNvPr id="3" name="副标题 2"/>
           <p:cNvSpPr>
             <a:spLocks noGrp="1"/>
           </p:cNvSpPr>
@@ -5775,14 +6703,14 @@
           <a:bodyPr/>
           <a:lstStyle/>
           <a:p>
-            <a:endParaRPr kumimoji="1" lang="zh-CN" altLang="en-US" dirty="0"/>
+            <a:endParaRPr kumimoji="1" lang="zh-CN" altLang="en-US"/>
           </a:p>
         </p:txBody>
       </p:sp>
     </p:spTree>
     <p:extLst>
       <p:ext uri="{BB962C8B-B14F-4D97-AF65-F5344CB8AC3E}">
-        <p14:creationId xmlns:p14="http://schemas.microsoft.com/office/powerpoint/2010/main" val="719885386"/>
+        <p14:creationId xmlns:p14="http://schemas.microsoft.com/office/powerpoint/2010/main" val="149798315"/>
       </p:ext>
     </p:extLst>
   </p:cSld>
@@ -5803,139 +6731,6 @@
 </file>
 
 <file path=ppt/slides/slide10.xml><?xml version="1.0" encoding="utf-8"?>
-<p:sld xmlns:a="http://schemas.openxmlformats.org/drawingml/2006/main" xmlns:r="http://schemas.openxmlformats.org/officeDocument/2006/relationships" xmlns:p="http://schemas.openxmlformats.org/presentationml/2006/main">
-  <p:cSld>
-    <p:spTree>
-      <p:nvGrpSpPr>
-        <p:cNvPr id="1" name=""/>
-        <p:cNvGrpSpPr/>
-        <p:nvPr/>
-      </p:nvGrpSpPr>
-      <p:grpSpPr>
-        <a:xfrm>
-          <a:off x="0" y="0"/>
-          <a:ext cx="0" cy="0"/>
-          <a:chOff x="0" y="0"/>
-          <a:chExt cx="0" cy="0"/>
-        </a:xfrm>
-      </p:grpSpPr>
-      <p:sp>
-        <p:nvSpPr>
-          <p:cNvPr id="2" name="标题 1"/>
-          <p:cNvSpPr>
-            <a:spLocks noGrp="1"/>
-          </p:cNvSpPr>
-          <p:nvPr>
-            <p:ph type="title"/>
-          </p:nvPr>
-        </p:nvSpPr>
-        <p:spPr/>
-        <p:txBody>
-          <a:bodyPr/>
-          <a:lstStyle/>
-          <a:p>
-            <a:r>
-              <a:rPr kumimoji="1" lang="en-US" altLang="zh-CN" dirty="0" smtClean="0"/>
-              <a:t>demo1</a:t>
-            </a:r>
-            <a:endParaRPr kumimoji="1" lang="zh-CN" altLang="en-US" dirty="0"/>
-          </a:p>
-        </p:txBody>
-      </p:sp>
-      <p:pic>
-        <p:nvPicPr>
-          <p:cNvPr id="5" name="图片 4"/>
-          <p:cNvPicPr>
-            <a:picLocks noChangeAspect="1"/>
-          </p:cNvPicPr>
-          <p:nvPr/>
-        </p:nvPicPr>
-        <p:blipFill>
-          <a:blip r:embed="rId3"/>
-          <a:stretch>
-            <a:fillRect/>
-          </a:stretch>
-        </p:blipFill>
-        <p:spPr>
-          <a:xfrm>
-            <a:off x="1425575" y="1690688"/>
-            <a:ext cx="9928225" cy="4096652"/>
-          </a:xfrm>
-          <a:prstGeom prst="rect">
-            <a:avLst/>
-          </a:prstGeom>
-        </p:spPr>
-      </p:pic>
-      <p:sp>
-        <p:nvSpPr>
-          <p:cNvPr id="4" name="圆角矩形 3"/>
-          <p:cNvSpPr/>
-          <p:nvPr/>
-        </p:nvSpPr>
-        <p:spPr>
-          <a:xfrm>
-            <a:off x="5457826" y="3971925"/>
-            <a:ext cx="4171950" cy="400049"/>
-          </a:xfrm>
-          <a:prstGeom prst="roundRect">
-            <a:avLst/>
-          </a:prstGeom>
-          <a:noFill/>
-          <a:ln>
-            <a:solidFill>
-              <a:srgbClr val="FF0000"/>
-            </a:solidFill>
-          </a:ln>
-        </p:spPr>
-        <p:style>
-          <a:lnRef idx="2">
-            <a:schemeClr val="accent1">
-              <a:shade val="50000"/>
-            </a:schemeClr>
-          </a:lnRef>
-          <a:fillRef idx="1">
-            <a:schemeClr val="accent1"/>
-          </a:fillRef>
-          <a:effectRef idx="0">
-            <a:schemeClr val="accent1"/>
-          </a:effectRef>
-          <a:fontRef idx="minor">
-            <a:schemeClr val="lt1"/>
-          </a:fontRef>
-        </p:style>
-        <p:txBody>
-          <a:bodyPr rtlCol="0" anchor="ctr"/>
-          <a:lstStyle/>
-          <a:p>
-            <a:pPr algn="ctr"/>
-            <a:endParaRPr kumimoji="1" lang="zh-CN" altLang="en-US"/>
-          </a:p>
-        </p:txBody>
-      </p:sp>
-    </p:spTree>
-    <p:extLst>
-      <p:ext uri="{BB962C8B-B14F-4D97-AF65-F5344CB8AC3E}">
-        <p14:creationId xmlns:p14="http://schemas.microsoft.com/office/powerpoint/2010/main" val="887077888"/>
-      </p:ext>
-    </p:extLst>
-  </p:cSld>
-  <p:clrMapOvr>
-    <a:masterClrMapping/>
-  </p:clrMapOvr>
-  <p:transition spd="med">
-    <p:pull/>
-  </p:transition>
-  <p:timing>
-    <p:tnLst>
-      <p:par>
-        <p:cTn id="1" dur="indefinite" restart="never" nodeType="tmRoot"/>
-      </p:par>
-    </p:tnLst>
-  </p:timing>
-</p:sld>
-</file>
-
-<file path=ppt/slides/slide11.xml><?xml version="1.0" encoding="utf-8"?>
 <p:sld xmlns:a="http://schemas.openxmlformats.org/drawingml/2006/main" xmlns:r="http://schemas.openxmlformats.org/officeDocument/2006/relationships" xmlns:p="http://schemas.openxmlformats.org/presentationml/2006/main">
   <p:cSld>
     <p:spTree>
@@ -6024,7 +6819,7 @@
 </p:sld>
 </file>
 
-<file path=ppt/slides/slide12.xml><?xml version="1.0" encoding="utf-8"?>
+<file path=ppt/slides/slide11.xml><?xml version="1.0" encoding="utf-8"?>
 <p:sld xmlns:a="http://schemas.openxmlformats.org/drawingml/2006/main" xmlns:r="http://schemas.openxmlformats.org/officeDocument/2006/relationships" xmlns:p="http://schemas.openxmlformats.org/presentationml/2006/main">
   <p:cSld>
     <p:spTree>
@@ -6542,7 +7337,7 @@
 </p:sld>
 </file>
 
-<file path=ppt/slides/slide13.xml><?xml version="1.0" encoding="utf-8"?>
+<file path=ppt/slides/slide12.xml><?xml version="1.0" encoding="utf-8"?>
 <p:sld xmlns:a="http://schemas.openxmlformats.org/drawingml/2006/main" xmlns:r="http://schemas.openxmlformats.org/officeDocument/2006/relationships" xmlns:p="http://schemas.openxmlformats.org/presentationml/2006/main">
   <p:cSld>
     <p:spTree>
@@ -6675,7 +7470,7 @@
 </p:sld>
 </file>
 
-<file path=ppt/slides/slide14.xml><?xml version="1.0" encoding="utf-8"?>
+<file path=ppt/slides/slide13.xml><?xml version="1.0" encoding="utf-8"?>
 <p:sld xmlns:a="http://schemas.openxmlformats.org/drawingml/2006/main" xmlns:r="http://schemas.openxmlformats.org/officeDocument/2006/relationships" xmlns:p="http://schemas.openxmlformats.org/presentationml/2006/main">
   <p:cSld>
     <p:spTree>
@@ -7011,7 +7806,7 @@
 </p:sld>
 </file>
 
-<file path=ppt/slides/slide15.xml><?xml version="1.0" encoding="utf-8"?>
+<file path=ppt/slides/slide14.xml><?xml version="1.0" encoding="utf-8"?>
 <p:sld xmlns:a="http://schemas.openxmlformats.org/drawingml/2006/main" xmlns:r="http://schemas.openxmlformats.org/officeDocument/2006/relationships" xmlns:p="http://schemas.openxmlformats.org/presentationml/2006/main">
   <p:cSld>
     <p:spTree>
@@ -7566,6 +8361,428 @@
 </p:sld>
 </file>
 
+<file path=ppt/slides/slide15.xml><?xml version="1.0" encoding="utf-8"?>
+<p:sld xmlns:a="http://schemas.openxmlformats.org/drawingml/2006/main" xmlns:r="http://schemas.openxmlformats.org/officeDocument/2006/relationships" xmlns:p="http://schemas.openxmlformats.org/presentationml/2006/main">
+  <p:cSld>
+    <p:spTree>
+      <p:nvGrpSpPr>
+        <p:cNvPr id="1" name=""/>
+        <p:cNvGrpSpPr/>
+        <p:nvPr/>
+      </p:nvGrpSpPr>
+      <p:grpSpPr>
+        <a:xfrm>
+          <a:off x="0" y="0"/>
+          <a:ext cx="0" cy="0"/>
+          <a:chOff x="0" y="0"/>
+          <a:chExt cx="0" cy="0"/>
+        </a:xfrm>
+      </p:grpSpPr>
+      <p:sp>
+        <p:nvSpPr>
+          <p:cNvPr id="2" name="标题 1"/>
+          <p:cNvSpPr>
+            <a:spLocks noGrp="1"/>
+          </p:cNvSpPr>
+          <p:nvPr>
+            <p:ph type="title"/>
+          </p:nvPr>
+        </p:nvSpPr>
+        <p:spPr/>
+        <p:txBody>
+          <a:bodyPr/>
+          <a:lstStyle/>
+          <a:p>
+            <a:r>
+              <a:rPr kumimoji="1" lang="zh-CN" altLang="en-US" dirty="0" smtClean="0"/>
+              <a:t>自定义</a:t>
+            </a:r>
+            <a:r>
+              <a:rPr kumimoji="1" lang="en-US" altLang="zh-CN" dirty="0" err="1" smtClean="0"/>
+              <a:t>TypeEvaluator</a:t>
+            </a:r>
+            <a:endParaRPr kumimoji="1" lang="zh-CN" altLang="en-US" dirty="0"/>
+          </a:p>
+        </p:txBody>
+      </p:sp>
+      <p:sp>
+        <p:nvSpPr>
+          <p:cNvPr id="3" name="内容占位符 2"/>
+          <p:cNvSpPr>
+            <a:spLocks noGrp="1"/>
+          </p:cNvSpPr>
+          <p:nvPr>
+            <p:ph idx="1"/>
+          </p:nvPr>
+        </p:nvSpPr>
+        <p:spPr/>
+        <p:txBody>
+          <a:bodyPr>
+            <a:normAutofit fontScale="85000" lnSpcReduction="10000"/>
+          </a:bodyPr>
+          <a:lstStyle/>
+          <a:p>
+            <a:pPr marL="0" indent="0">
+              <a:buNone/>
+            </a:pPr>
+            <a:r>
+              <a:rPr lang="en-US" altLang="zh-CN" b="1" dirty="0">
+                <a:solidFill>
+                  <a:srgbClr val="000080"/>
+                </a:solidFill>
+              </a:rPr>
+              <a:t>public interface </a:t>
+            </a:r>
+            <a:r>
+              <a:rPr lang="en-US" altLang="zh-CN" dirty="0" err="1"/>
+              <a:t>TypeEvaluator</a:t>
+            </a:r>
+            <a:r>
+              <a:rPr lang="en-US" altLang="zh-CN" dirty="0"/>
+              <a:t>&lt;</a:t>
+            </a:r>
+            <a:r>
+              <a:rPr lang="en-US" altLang="zh-CN" dirty="0">
+                <a:solidFill>
+                  <a:srgbClr val="20999D"/>
+                </a:solidFill>
+              </a:rPr>
+              <a:t>T</a:t>
+            </a:r>
+            <a:r>
+              <a:rPr lang="en-US" altLang="zh-CN" dirty="0"/>
+              <a:t>&gt; {</a:t>
+            </a:r>
+            <a:br>
+              <a:rPr lang="en-US" altLang="zh-CN" dirty="0"/>
+            </a:br>
+            <a:r>
+              <a:rPr lang="en-US" altLang="zh-CN" i="1" dirty="0">
+                <a:solidFill>
+                  <a:srgbClr val="808080"/>
+                </a:solidFill>
+              </a:rPr>
+              <a:t/>
+            </a:r>
+            <a:br>
+              <a:rPr lang="en-US" altLang="zh-CN" i="1" dirty="0">
+                <a:solidFill>
+                  <a:srgbClr val="808080"/>
+                </a:solidFill>
+              </a:rPr>
+            </a:br>
+            <a:r>
+              <a:rPr lang="en-US" altLang="zh-CN" i="1" dirty="0">
+                <a:solidFill>
+                  <a:srgbClr val="808080"/>
+                </a:solidFill>
+              </a:rPr>
+              <a:t>    </a:t>
+            </a:r>
+            <a:r>
+              <a:rPr lang="en-US" altLang="zh-CN" b="1" dirty="0">
+                <a:solidFill>
+                  <a:srgbClr val="000080"/>
+                </a:solidFill>
+              </a:rPr>
+              <a:t>public </a:t>
+            </a:r>
+            <a:r>
+              <a:rPr lang="en-US" altLang="zh-CN" dirty="0">
+                <a:solidFill>
+                  <a:srgbClr val="20999D"/>
+                </a:solidFill>
+              </a:rPr>
+              <a:t>T </a:t>
+            </a:r>
+            <a:r>
+              <a:rPr lang="en-US" altLang="zh-CN" dirty="0"/>
+              <a:t>evaluate(</a:t>
+            </a:r>
+            <a:r>
+              <a:rPr lang="en-US" altLang="zh-CN" b="1" dirty="0">
+                <a:solidFill>
+                  <a:srgbClr val="000080"/>
+                </a:solidFill>
+              </a:rPr>
+              <a:t>float </a:t>
+            </a:r>
+            <a:r>
+              <a:rPr lang="en-US" altLang="zh-CN" dirty="0"/>
+              <a:t>fraction, </a:t>
+            </a:r>
+            <a:r>
+              <a:rPr lang="en-US" altLang="zh-CN" dirty="0">
+                <a:solidFill>
+                  <a:srgbClr val="20999D"/>
+                </a:solidFill>
+              </a:rPr>
+              <a:t>T </a:t>
+            </a:r>
+            <a:r>
+              <a:rPr lang="en-US" altLang="zh-CN" dirty="0" err="1"/>
+              <a:t>startValue</a:t>
+            </a:r>
+            <a:r>
+              <a:rPr lang="en-US" altLang="zh-CN" dirty="0"/>
+              <a:t>, </a:t>
+            </a:r>
+            <a:r>
+              <a:rPr lang="en-US" altLang="zh-CN" dirty="0">
+                <a:solidFill>
+                  <a:srgbClr val="20999D"/>
+                </a:solidFill>
+              </a:rPr>
+              <a:t>T </a:t>
+            </a:r>
+            <a:r>
+              <a:rPr lang="en-US" altLang="zh-CN" dirty="0" err="1"/>
+              <a:t>endValue</a:t>
+            </a:r>
+            <a:r>
+              <a:rPr lang="en-US" altLang="zh-CN" dirty="0"/>
+              <a:t>);</a:t>
+            </a:r>
+            <a:br>
+              <a:rPr lang="en-US" altLang="zh-CN" dirty="0"/>
+            </a:br>
+            <a:r>
+              <a:rPr lang="en-US" altLang="zh-CN" dirty="0"/>
+              <a:t/>
+            </a:r>
+            <a:br>
+              <a:rPr lang="en-US" altLang="zh-CN" dirty="0"/>
+            </a:br>
+            <a:r>
+              <a:rPr lang="en-US" altLang="zh-CN" dirty="0"/>
+              <a:t>}</a:t>
+            </a:r>
+            <a:r>
+              <a:rPr lang="en-US" altLang="zh-CN" dirty="0" smtClean="0"/>
+              <a:t/>
+            </a:r>
+            <a:br>
+              <a:rPr lang="en-US" altLang="zh-CN" dirty="0" smtClean="0"/>
+            </a:br>
+            <a:endParaRPr lang="zh-CN" altLang="en-US" dirty="0" smtClean="0"/>
+          </a:p>
+          <a:p>
+            <a:pPr marL="0" indent="0">
+              <a:buNone/>
+            </a:pPr>
+            <a:r>
+              <a:rPr lang="en-US" altLang="zh-CN" b="1" dirty="0">
+                <a:solidFill>
+                  <a:srgbClr val="000080"/>
+                </a:solidFill>
+              </a:rPr>
+              <a:t>public class </a:t>
+            </a:r>
+            <a:r>
+              <a:rPr lang="en-US" altLang="zh-CN" dirty="0" err="1"/>
+              <a:t>FloatEvaluator</a:t>
+            </a:r>
+            <a:r>
+              <a:rPr lang="en-US" altLang="zh-CN" dirty="0"/>
+              <a:t> </a:t>
+            </a:r>
+            <a:r>
+              <a:rPr lang="en-US" altLang="zh-CN" b="1" dirty="0">
+                <a:solidFill>
+                  <a:srgbClr val="000080"/>
+                </a:solidFill>
+              </a:rPr>
+              <a:t>implements </a:t>
+            </a:r>
+            <a:r>
+              <a:rPr lang="en-US" altLang="zh-CN" dirty="0" err="1"/>
+              <a:t>TypeEvaluator</a:t>
+            </a:r>
+            <a:r>
+              <a:rPr lang="en-US" altLang="zh-CN" dirty="0"/>
+              <a:t>&lt;Number&gt; {</a:t>
+            </a:r>
+            <a:br>
+              <a:rPr lang="en-US" altLang="zh-CN" dirty="0"/>
+            </a:br>
+            <a:r>
+              <a:rPr lang="en-US" altLang="zh-CN" dirty="0"/>
+              <a:t/>
+            </a:r>
+            <a:br>
+              <a:rPr lang="en-US" altLang="zh-CN" dirty="0"/>
+            </a:br>
+            <a:r>
+              <a:rPr lang="en-US" altLang="zh-CN" i="1" dirty="0">
+                <a:solidFill>
+                  <a:srgbClr val="808080"/>
+                </a:solidFill>
+              </a:rPr>
+              <a:t/>
+            </a:r>
+            <a:br>
+              <a:rPr lang="en-US" altLang="zh-CN" i="1" dirty="0">
+                <a:solidFill>
+                  <a:srgbClr val="808080"/>
+                </a:solidFill>
+              </a:rPr>
+            </a:br>
+            <a:r>
+              <a:rPr lang="en-US" altLang="zh-CN" i="1" dirty="0">
+                <a:solidFill>
+                  <a:srgbClr val="808080"/>
+                </a:solidFill>
+              </a:rPr>
+              <a:t>    </a:t>
+            </a:r>
+            <a:r>
+              <a:rPr lang="en-US" altLang="zh-CN" b="1" dirty="0">
+                <a:solidFill>
+                  <a:srgbClr val="000080"/>
+                </a:solidFill>
+              </a:rPr>
+              <a:t>public </a:t>
+            </a:r>
+            <a:r>
+              <a:rPr lang="en-US" altLang="zh-CN" dirty="0"/>
+              <a:t>Float evaluate(</a:t>
+            </a:r>
+            <a:r>
+              <a:rPr lang="en-US" altLang="zh-CN" b="1" dirty="0">
+                <a:solidFill>
+                  <a:srgbClr val="000080"/>
+                </a:solidFill>
+              </a:rPr>
+              <a:t>float </a:t>
+            </a:r>
+            <a:r>
+              <a:rPr lang="en-US" altLang="zh-CN" dirty="0"/>
+              <a:t>fraction, Number </a:t>
+            </a:r>
+            <a:r>
+              <a:rPr lang="en-US" altLang="zh-CN" dirty="0" err="1"/>
+              <a:t>startValue</a:t>
+            </a:r>
+            <a:r>
+              <a:rPr lang="en-US" altLang="zh-CN" dirty="0"/>
+              <a:t>, Number </a:t>
+            </a:r>
+            <a:r>
+              <a:rPr lang="en-US" altLang="zh-CN" dirty="0" err="1"/>
+              <a:t>endValue</a:t>
+            </a:r>
+            <a:r>
+              <a:rPr lang="en-US" altLang="zh-CN" dirty="0"/>
+              <a:t>) {</a:t>
+            </a:r>
+            <a:br>
+              <a:rPr lang="en-US" altLang="zh-CN" dirty="0"/>
+            </a:br>
+            <a:r>
+              <a:rPr lang="en-US" altLang="zh-CN" dirty="0"/>
+              <a:t>        </a:t>
+            </a:r>
+            <a:r>
+              <a:rPr lang="en-US" altLang="zh-CN" b="1" dirty="0">
+                <a:solidFill>
+                  <a:srgbClr val="000080"/>
+                </a:solidFill>
+              </a:rPr>
+              <a:t>float </a:t>
+            </a:r>
+            <a:r>
+              <a:rPr lang="en-US" altLang="zh-CN" dirty="0" err="1"/>
+              <a:t>startFloat</a:t>
+            </a:r>
+            <a:r>
+              <a:rPr lang="en-US" altLang="zh-CN" dirty="0"/>
+              <a:t> = </a:t>
+            </a:r>
+            <a:r>
+              <a:rPr lang="en-US" altLang="zh-CN" dirty="0" err="1"/>
+              <a:t>startValue.floatValue</a:t>
+            </a:r>
+            <a:r>
+              <a:rPr lang="en-US" altLang="zh-CN" dirty="0"/>
+              <a:t>();</a:t>
+            </a:r>
+            <a:br>
+              <a:rPr lang="en-US" altLang="zh-CN" dirty="0"/>
+            </a:br>
+            <a:r>
+              <a:rPr lang="en-US" altLang="zh-CN" dirty="0"/>
+              <a:t>        </a:t>
+            </a:r>
+            <a:r>
+              <a:rPr lang="en-US" altLang="zh-CN" b="1" dirty="0">
+                <a:solidFill>
+                  <a:srgbClr val="000080"/>
+                </a:solidFill>
+              </a:rPr>
+              <a:t>return </a:t>
+            </a:r>
+            <a:r>
+              <a:rPr lang="en-US" altLang="zh-CN" dirty="0" err="1"/>
+              <a:t>startFloat</a:t>
+            </a:r>
+            <a:r>
+              <a:rPr lang="en-US" altLang="zh-CN" dirty="0"/>
+              <a:t> + fraction * (</a:t>
+            </a:r>
+            <a:r>
+              <a:rPr lang="en-US" altLang="zh-CN" dirty="0" err="1"/>
+              <a:t>endValue.floatValue</a:t>
+            </a:r>
+            <a:r>
+              <a:rPr lang="en-US" altLang="zh-CN" dirty="0"/>
+              <a:t>() - </a:t>
+            </a:r>
+            <a:r>
+              <a:rPr lang="en-US" altLang="zh-CN" dirty="0" err="1"/>
+              <a:t>startFloat</a:t>
+            </a:r>
+            <a:r>
+              <a:rPr lang="en-US" altLang="zh-CN" dirty="0"/>
+              <a:t>);</a:t>
+            </a:r>
+            <a:br>
+              <a:rPr lang="en-US" altLang="zh-CN" dirty="0"/>
+            </a:br>
+            <a:r>
+              <a:rPr lang="en-US" altLang="zh-CN" dirty="0"/>
+              <a:t>    }</a:t>
+            </a:r>
+            <a:br>
+              <a:rPr lang="en-US" altLang="zh-CN" dirty="0"/>
+            </a:br>
+            <a:r>
+              <a:rPr lang="en-US" altLang="zh-CN" dirty="0"/>
+              <a:t>}</a:t>
+            </a:r>
+            <a:endParaRPr kumimoji="1" lang="zh-CN" altLang="en-US" dirty="0"/>
+          </a:p>
+        </p:txBody>
+      </p:sp>
+    </p:spTree>
+    <p:extLst>
+      <p:ext uri="{BB962C8B-B14F-4D97-AF65-F5344CB8AC3E}">
+        <p14:creationId xmlns:p14="http://schemas.microsoft.com/office/powerpoint/2010/main" val="1586903190"/>
+      </p:ext>
+    </p:extLst>
+  </p:cSld>
+  <p:clrMapOvr>
+    <a:masterClrMapping/>
+  </p:clrMapOvr>
+  <p:timing>
+    <p:tnLst>
+      <p:par>
+        <p:cTn id="1" dur="indefinite" restart="never" nodeType="tmRoot"/>
+      </p:par>
+    </p:tnLst>
+  </p:timing>
+</p:sld>
+</file>
+
 <file path=ppt/slides/slide16.xml><?xml version="1.0" encoding="utf-8"?>
 <p:sld xmlns:a="http://schemas.openxmlformats.org/drawingml/2006/main" xmlns:r="http://schemas.openxmlformats.org/officeDocument/2006/relationships" xmlns:p="http://schemas.openxmlformats.org/presentationml/2006/main">
   <p:cSld>
@@ -7599,12 +8816,8 @@
           <a:lstStyle/>
           <a:p>
             <a:r>
-              <a:rPr kumimoji="1" lang="zh-CN" altLang="en-US" dirty="0" smtClean="0"/>
-              <a:t>自定义</a:t>
-            </a:r>
-            <a:r>
               <a:rPr kumimoji="1" lang="en-US" altLang="zh-CN" dirty="0" err="1" smtClean="0"/>
-              <a:t>TypeEvaluator</a:t>
+              <a:t>end&amp;cancel</a:t>
             </a:r>
             <a:endParaRPr kumimoji="1" lang="zh-CN" altLang="en-US" dirty="0"/>
           </a:p>
@@ -7622,347 +8835,81 @@
         </p:nvSpPr>
         <p:spPr/>
         <p:txBody>
-          <a:bodyPr>
-            <a:normAutofit fontScale="85000" lnSpcReduction="10000"/>
-          </a:bodyPr>
-          <a:lstStyle/>
-          <a:p>
-            <a:pPr marL="0" indent="0">
-              <a:buNone/>
-            </a:pPr>
-            <a:r>
-              <a:rPr lang="en-US" altLang="zh-CN" b="1" dirty="0">
-                <a:solidFill>
-                  <a:srgbClr val="000080"/>
-                </a:solidFill>
-              </a:rPr>
-              <a:t>public interface </a:t>
-            </a:r>
-            <a:r>
-              <a:rPr lang="en-US" altLang="zh-CN" dirty="0" err="1"/>
-              <a:t>TypeEvaluator</a:t>
-            </a:r>
-            <a:r>
-              <a:rPr lang="en-US" altLang="zh-CN" dirty="0"/>
-              <a:t>&lt;</a:t>
-            </a:r>
-            <a:r>
-              <a:rPr lang="en-US" altLang="zh-CN" dirty="0">
-                <a:solidFill>
-                  <a:srgbClr val="20999D"/>
-                </a:solidFill>
-              </a:rPr>
-              <a:t>T</a:t>
-            </a:r>
-            <a:r>
-              <a:rPr lang="en-US" altLang="zh-CN" dirty="0"/>
-              <a:t>&gt; {</a:t>
-            </a:r>
-            <a:br>
-              <a:rPr lang="en-US" altLang="zh-CN" dirty="0"/>
-            </a:br>
-            <a:r>
-              <a:rPr lang="en-US" altLang="zh-CN" i="1" dirty="0">
-                <a:solidFill>
-                  <a:srgbClr val="808080"/>
-                </a:solidFill>
-              </a:rPr>
-              <a:t/>
-            </a:r>
-            <a:br>
-              <a:rPr lang="en-US" altLang="zh-CN" i="1" dirty="0">
-                <a:solidFill>
-                  <a:srgbClr val="808080"/>
-                </a:solidFill>
-              </a:rPr>
-            </a:br>
-            <a:r>
-              <a:rPr lang="en-US" altLang="zh-CN" i="1" dirty="0">
-                <a:solidFill>
-                  <a:srgbClr val="808080"/>
-                </a:solidFill>
-              </a:rPr>
-              <a:t>    </a:t>
-            </a:r>
-            <a:r>
-              <a:rPr lang="en-US" altLang="zh-CN" b="1" dirty="0">
-                <a:solidFill>
-                  <a:srgbClr val="000080"/>
-                </a:solidFill>
-              </a:rPr>
-              <a:t>public </a:t>
-            </a:r>
-            <a:r>
-              <a:rPr lang="en-US" altLang="zh-CN" dirty="0">
-                <a:solidFill>
-                  <a:srgbClr val="20999D"/>
-                </a:solidFill>
-              </a:rPr>
-              <a:t>T </a:t>
-            </a:r>
-            <a:r>
-              <a:rPr lang="en-US" altLang="zh-CN" dirty="0"/>
-              <a:t>evaluate(</a:t>
-            </a:r>
-            <a:r>
-              <a:rPr lang="en-US" altLang="zh-CN" b="1" dirty="0">
-                <a:solidFill>
-                  <a:srgbClr val="000080"/>
-                </a:solidFill>
-              </a:rPr>
-              <a:t>float </a:t>
-            </a:r>
-            <a:r>
-              <a:rPr lang="en-US" altLang="zh-CN" dirty="0"/>
-              <a:t>fraction, </a:t>
-            </a:r>
-            <a:r>
-              <a:rPr lang="en-US" altLang="zh-CN" dirty="0">
-                <a:solidFill>
-                  <a:srgbClr val="20999D"/>
-                </a:solidFill>
-              </a:rPr>
-              <a:t>T </a:t>
-            </a:r>
-            <a:r>
-              <a:rPr lang="en-US" altLang="zh-CN" dirty="0" err="1"/>
-              <a:t>startValue</a:t>
-            </a:r>
-            <a:r>
-              <a:rPr lang="en-US" altLang="zh-CN" dirty="0"/>
-              <a:t>, </a:t>
-            </a:r>
-            <a:r>
-              <a:rPr lang="en-US" altLang="zh-CN" dirty="0">
-                <a:solidFill>
-                  <a:srgbClr val="20999D"/>
-                </a:solidFill>
-              </a:rPr>
-              <a:t>T </a:t>
-            </a:r>
-            <a:r>
-              <a:rPr lang="en-US" altLang="zh-CN" dirty="0" err="1"/>
-              <a:t>endValue</a:t>
-            </a:r>
-            <a:r>
-              <a:rPr lang="en-US" altLang="zh-CN" dirty="0"/>
-              <a:t>);</a:t>
-            </a:r>
-            <a:br>
-              <a:rPr lang="en-US" altLang="zh-CN" dirty="0"/>
-            </a:br>
-            <a:r>
-              <a:rPr lang="en-US" altLang="zh-CN" dirty="0"/>
-              <a:t/>
-            </a:r>
-            <a:br>
-              <a:rPr lang="en-US" altLang="zh-CN" dirty="0"/>
-            </a:br>
-            <a:r>
-              <a:rPr lang="en-US" altLang="zh-CN" dirty="0"/>
-              <a:t>}</a:t>
-            </a:r>
-            <a:r>
-              <a:rPr lang="en-US" altLang="zh-CN" dirty="0" smtClean="0"/>
-              <a:t/>
-            </a:r>
-            <a:br>
-              <a:rPr lang="en-US" altLang="zh-CN" dirty="0" smtClean="0"/>
-            </a:br>
-            <a:endParaRPr lang="zh-CN" altLang="en-US" dirty="0" smtClean="0"/>
-          </a:p>
-          <a:p>
-            <a:pPr marL="0" indent="0">
-              <a:buNone/>
-            </a:pPr>
-            <a:r>
-              <a:rPr lang="en-US" altLang="zh-CN" b="1" dirty="0">
-                <a:solidFill>
-                  <a:srgbClr val="000080"/>
-                </a:solidFill>
-              </a:rPr>
-              <a:t>public class </a:t>
-            </a:r>
-            <a:r>
-              <a:rPr lang="en-US" altLang="zh-CN" dirty="0" err="1"/>
-              <a:t>FloatEvaluator</a:t>
-            </a:r>
-            <a:r>
-              <a:rPr lang="en-US" altLang="zh-CN" dirty="0"/>
-              <a:t> </a:t>
-            </a:r>
-            <a:r>
-              <a:rPr lang="en-US" altLang="zh-CN" b="1" dirty="0">
-                <a:solidFill>
-                  <a:srgbClr val="000080"/>
-                </a:solidFill>
-              </a:rPr>
-              <a:t>implements </a:t>
-            </a:r>
-            <a:r>
-              <a:rPr lang="en-US" altLang="zh-CN" dirty="0" err="1"/>
-              <a:t>TypeEvaluator</a:t>
-            </a:r>
-            <a:r>
-              <a:rPr lang="en-US" altLang="zh-CN" dirty="0"/>
-              <a:t>&lt;Number&gt; {</a:t>
-            </a:r>
-            <a:br>
-              <a:rPr lang="en-US" altLang="zh-CN" dirty="0"/>
-            </a:br>
-            <a:r>
-              <a:rPr lang="en-US" altLang="zh-CN" dirty="0"/>
-              <a:t/>
-            </a:r>
-            <a:br>
-              <a:rPr lang="en-US" altLang="zh-CN" dirty="0"/>
-            </a:br>
-            <a:r>
-              <a:rPr lang="en-US" altLang="zh-CN" i="1" dirty="0">
-                <a:solidFill>
-                  <a:srgbClr val="808080"/>
-                </a:solidFill>
-              </a:rPr>
-              <a:t/>
-            </a:r>
-            <a:br>
-              <a:rPr lang="en-US" altLang="zh-CN" i="1" dirty="0">
-                <a:solidFill>
-                  <a:srgbClr val="808080"/>
-                </a:solidFill>
-              </a:rPr>
-            </a:br>
-            <a:r>
-              <a:rPr lang="en-US" altLang="zh-CN" i="1" dirty="0">
-                <a:solidFill>
-                  <a:srgbClr val="808080"/>
-                </a:solidFill>
-              </a:rPr>
-              <a:t>    </a:t>
-            </a:r>
-            <a:r>
-              <a:rPr lang="en-US" altLang="zh-CN" b="1" dirty="0">
-                <a:solidFill>
-                  <a:srgbClr val="000080"/>
-                </a:solidFill>
-              </a:rPr>
-              <a:t>public </a:t>
-            </a:r>
-            <a:r>
-              <a:rPr lang="en-US" altLang="zh-CN" dirty="0"/>
-              <a:t>Float evaluate(</a:t>
-            </a:r>
-            <a:r>
-              <a:rPr lang="en-US" altLang="zh-CN" b="1" dirty="0">
-                <a:solidFill>
-                  <a:srgbClr val="000080"/>
-                </a:solidFill>
-              </a:rPr>
-              <a:t>float </a:t>
-            </a:r>
-            <a:r>
-              <a:rPr lang="en-US" altLang="zh-CN" dirty="0"/>
-              <a:t>fraction, Number </a:t>
-            </a:r>
-            <a:r>
-              <a:rPr lang="en-US" altLang="zh-CN" dirty="0" err="1"/>
-              <a:t>startValue</a:t>
-            </a:r>
-            <a:r>
-              <a:rPr lang="en-US" altLang="zh-CN" dirty="0"/>
-              <a:t>, Number </a:t>
-            </a:r>
-            <a:r>
-              <a:rPr lang="en-US" altLang="zh-CN" dirty="0" err="1"/>
-              <a:t>endValue</a:t>
-            </a:r>
-            <a:r>
-              <a:rPr lang="en-US" altLang="zh-CN" dirty="0"/>
-              <a:t>) {</a:t>
-            </a:r>
-            <a:br>
-              <a:rPr lang="en-US" altLang="zh-CN" dirty="0"/>
-            </a:br>
-            <a:r>
-              <a:rPr lang="en-US" altLang="zh-CN" dirty="0"/>
-              <a:t>        </a:t>
-            </a:r>
-            <a:r>
-              <a:rPr lang="en-US" altLang="zh-CN" b="1" dirty="0">
-                <a:solidFill>
-                  <a:srgbClr val="000080"/>
-                </a:solidFill>
-              </a:rPr>
-              <a:t>float </a:t>
-            </a:r>
-            <a:r>
-              <a:rPr lang="en-US" altLang="zh-CN" dirty="0" err="1"/>
-              <a:t>startFloat</a:t>
-            </a:r>
-            <a:r>
-              <a:rPr lang="en-US" altLang="zh-CN" dirty="0"/>
-              <a:t> = </a:t>
-            </a:r>
-            <a:r>
-              <a:rPr lang="en-US" altLang="zh-CN" dirty="0" err="1"/>
-              <a:t>startValue.floatValue</a:t>
-            </a:r>
-            <a:r>
-              <a:rPr lang="en-US" altLang="zh-CN" dirty="0"/>
-              <a:t>();</a:t>
-            </a:r>
-            <a:br>
-              <a:rPr lang="en-US" altLang="zh-CN" dirty="0"/>
-            </a:br>
-            <a:r>
-              <a:rPr lang="en-US" altLang="zh-CN" dirty="0"/>
-              <a:t>        </a:t>
-            </a:r>
-            <a:r>
-              <a:rPr lang="en-US" altLang="zh-CN" b="1" dirty="0">
-                <a:solidFill>
-                  <a:srgbClr val="000080"/>
-                </a:solidFill>
-              </a:rPr>
-              <a:t>return </a:t>
-            </a:r>
-            <a:r>
-              <a:rPr lang="en-US" altLang="zh-CN" dirty="0" err="1"/>
-              <a:t>startFloat</a:t>
-            </a:r>
-            <a:r>
-              <a:rPr lang="en-US" altLang="zh-CN" dirty="0"/>
-              <a:t> + fraction * (</a:t>
-            </a:r>
-            <a:r>
-              <a:rPr lang="en-US" altLang="zh-CN" dirty="0" err="1"/>
-              <a:t>endValue.floatValue</a:t>
-            </a:r>
-            <a:r>
-              <a:rPr lang="en-US" altLang="zh-CN" dirty="0"/>
-              <a:t>() - </a:t>
-            </a:r>
-            <a:r>
-              <a:rPr lang="en-US" altLang="zh-CN" dirty="0" err="1"/>
-              <a:t>startFloat</a:t>
-            </a:r>
-            <a:r>
-              <a:rPr lang="en-US" altLang="zh-CN" dirty="0"/>
-              <a:t>);</a:t>
-            </a:r>
-            <a:br>
-              <a:rPr lang="en-US" altLang="zh-CN" dirty="0"/>
-            </a:br>
-            <a:r>
-              <a:rPr lang="en-US" altLang="zh-CN" dirty="0"/>
-              <a:t>    }</a:t>
-            </a:r>
-            <a:br>
-              <a:rPr lang="en-US" altLang="zh-CN" dirty="0"/>
-            </a:br>
-            <a:r>
-              <a:rPr lang="en-US" altLang="zh-CN" dirty="0"/>
-              <a:t>}</a:t>
+          <a:bodyPr/>
+          <a:lstStyle/>
+          <a:p>
+            <a:r>
+              <a:rPr kumimoji="1" lang="en-US" altLang="zh-CN" dirty="0" smtClean="0"/>
+              <a:t>end</a:t>
+            </a:r>
+            <a:r>
+              <a:rPr kumimoji="1" lang="zh-CN" altLang="en-US" dirty="0" smtClean="0"/>
+              <a:t>：</a:t>
+            </a:r>
+          </a:p>
+          <a:p>
+            <a:pPr lvl="1"/>
+            <a:r>
+              <a:rPr kumimoji="1" lang="zh-CN" altLang="en-US" dirty="0" smtClean="0"/>
+              <a:t>计算结束状态的值</a:t>
+            </a:r>
+          </a:p>
+          <a:p>
+            <a:pPr lvl="1"/>
+            <a:r>
+              <a:rPr kumimoji="1" lang="zh-CN" altLang="en-US" dirty="0" smtClean="0"/>
+              <a:t>调用</a:t>
+            </a:r>
+            <a:r>
+              <a:rPr kumimoji="1" lang="en-US" altLang="zh-CN" dirty="0" err="1" smtClean="0"/>
+              <a:t>onAnimationUpdate</a:t>
+            </a:r>
+            <a:endParaRPr kumimoji="1" lang="zh-CN" altLang="en-US" dirty="0" smtClean="0"/>
+          </a:p>
+          <a:p>
+            <a:pPr lvl="1"/>
+            <a:r>
+              <a:rPr kumimoji="1" lang="zh-CN" altLang="en-US" dirty="0" smtClean="0"/>
+              <a:t>调用</a:t>
+            </a:r>
+            <a:r>
+              <a:rPr kumimoji="1" lang="en-US" altLang="zh-CN" dirty="0" err="1" smtClean="0"/>
+              <a:t>onAnimationEnd</a:t>
+            </a:r>
+            <a:endParaRPr kumimoji="1" lang="zh-CN" altLang="en-US" dirty="0" smtClean="0"/>
+          </a:p>
+          <a:p>
+            <a:pPr lvl="1"/>
+            <a:endParaRPr kumimoji="1" lang="zh-CN" altLang="en-US" dirty="0"/>
+          </a:p>
+          <a:p>
+            <a:r>
+              <a:rPr kumimoji="1" lang="en-US" altLang="zh-CN" dirty="0" smtClean="0"/>
+              <a:t>cancel</a:t>
+            </a:r>
+            <a:endParaRPr kumimoji="1" lang="zh-CN" altLang="en-US" dirty="0" smtClean="0"/>
+          </a:p>
+          <a:p>
+            <a:pPr lvl="1"/>
+            <a:r>
+              <a:rPr kumimoji="1" lang="zh-CN" altLang="en-US" dirty="0" smtClean="0"/>
+              <a:t>调用</a:t>
+            </a:r>
+            <a:r>
+              <a:rPr kumimoji="1" lang="en-US" altLang="zh-CN" dirty="0" err="1" smtClean="0"/>
+              <a:t>onAnimationCancel</a:t>
+            </a:r>
+            <a:endParaRPr kumimoji="1" lang="zh-CN" altLang="en-US" dirty="0" smtClean="0"/>
+          </a:p>
+          <a:p>
+            <a:pPr lvl="1"/>
+            <a:r>
+              <a:rPr kumimoji="1" lang="zh-CN" altLang="en-US" dirty="0" smtClean="0"/>
+              <a:t>调用</a:t>
+            </a:r>
+            <a:r>
+              <a:rPr kumimoji="1" lang="en-US" altLang="zh-CN" dirty="0" err="1" smtClean="0"/>
+              <a:t>onAnimationEnd</a:t>
             </a:r>
             <a:endParaRPr kumimoji="1" lang="zh-CN" altLang="en-US" dirty="0"/>
           </a:p>
@@ -7971,7 +8918,7 @@
     </p:spTree>
     <p:extLst>
       <p:ext uri="{BB962C8B-B14F-4D97-AF65-F5344CB8AC3E}">
-        <p14:creationId xmlns:p14="http://schemas.microsoft.com/office/powerpoint/2010/main" val="1586903190"/>
+        <p14:creationId xmlns:p14="http://schemas.microsoft.com/office/powerpoint/2010/main" val="1889804310"/>
       </p:ext>
     </p:extLst>
   </p:cSld>
@@ -7981,9 +8928,372 @@
   <p:timing>
     <p:tnLst>
       <p:par>
-        <p:cTn id="1" dur="indefinite" restart="never" nodeType="tmRoot"/>
+        <p:cTn id="1" dur="indefinite" restart="never" nodeType="tmRoot">
+          <p:childTnLst>
+            <p:seq concurrent="1" nextAc="seek">
+              <p:cTn id="2" dur="indefinite" nodeType="mainSeq">
+                <p:childTnLst>
+                  <p:par>
+                    <p:cTn id="3" fill="hold">
+                      <p:stCondLst>
+                        <p:cond delay="indefinite"/>
+                      </p:stCondLst>
+                      <p:childTnLst>
+                        <p:par>
+                          <p:cTn id="4" fill="hold">
+                            <p:stCondLst>
+                              <p:cond delay="0"/>
+                            </p:stCondLst>
+                            <p:childTnLst>
+                              <p:par>
+                                <p:cTn id="5" presetID="3" presetClass="entr" presetSubtype="10" fill="hold" grpId="0" nodeType="clickEffect">
+                                  <p:stCondLst>
+                                    <p:cond delay="0"/>
+                                  </p:stCondLst>
+                                  <p:childTnLst>
+                                    <p:set>
+                                      <p:cBhvr>
+                                        <p:cTn id="6" dur="1" fill="hold">
+                                          <p:stCondLst>
+                                            <p:cond delay="0"/>
+                                          </p:stCondLst>
+                                        </p:cTn>
+                                        <p:tgtEl>
+                                          <p:spTgt spid="3">
+                                            <p:txEl>
+                                              <p:pRg st="0" end="0"/>
+                                            </p:txEl>
+                                          </p:spTgt>
+                                        </p:tgtEl>
+                                        <p:attrNameLst>
+                                          <p:attrName>style.visibility</p:attrName>
+                                        </p:attrNameLst>
+                                      </p:cBhvr>
+                                      <p:to>
+                                        <p:strVal val="visible"/>
+                                      </p:to>
+                                    </p:set>
+                                    <p:animEffect transition="in" filter="blinds(horizontal)">
+                                      <p:cBhvr>
+                                        <p:cTn id="7" dur="500"/>
+                                        <p:tgtEl>
+                                          <p:spTgt spid="3">
+                                            <p:txEl>
+                                              <p:pRg st="0" end="0"/>
+                                            </p:txEl>
+                                          </p:spTgt>
+                                        </p:tgtEl>
+                                      </p:cBhvr>
+                                    </p:animEffect>
+                                  </p:childTnLst>
+                                </p:cTn>
+                              </p:par>
+                              <p:par>
+                                <p:cTn id="8" presetID="3" presetClass="entr" presetSubtype="10" fill="hold" grpId="0" nodeType="withEffect">
+                                  <p:stCondLst>
+                                    <p:cond delay="0"/>
+                                  </p:stCondLst>
+                                  <p:childTnLst>
+                                    <p:set>
+                                      <p:cBhvr>
+                                        <p:cTn id="9" dur="1" fill="hold">
+                                          <p:stCondLst>
+                                            <p:cond delay="0"/>
+                                          </p:stCondLst>
+                                        </p:cTn>
+                                        <p:tgtEl>
+                                          <p:spTgt spid="3">
+                                            <p:txEl>
+                                              <p:pRg st="1" end="1"/>
+                                            </p:txEl>
+                                          </p:spTgt>
+                                        </p:tgtEl>
+                                        <p:attrNameLst>
+                                          <p:attrName>style.visibility</p:attrName>
+                                        </p:attrNameLst>
+                                      </p:cBhvr>
+                                      <p:to>
+                                        <p:strVal val="visible"/>
+                                      </p:to>
+                                    </p:set>
+                                    <p:animEffect transition="in" filter="blinds(horizontal)">
+                                      <p:cBhvr>
+                                        <p:cTn id="10" dur="500"/>
+                                        <p:tgtEl>
+                                          <p:spTgt spid="3">
+                                            <p:txEl>
+                                              <p:pRg st="1" end="1"/>
+                                            </p:txEl>
+                                          </p:spTgt>
+                                        </p:tgtEl>
+                                      </p:cBhvr>
+                                    </p:animEffect>
+                                  </p:childTnLst>
+                                </p:cTn>
+                              </p:par>
+                              <p:par>
+                                <p:cTn id="11" presetID="3" presetClass="entr" presetSubtype="10" fill="hold" grpId="0" nodeType="withEffect">
+                                  <p:stCondLst>
+                                    <p:cond delay="0"/>
+                                  </p:stCondLst>
+                                  <p:childTnLst>
+                                    <p:set>
+                                      <p:cBhvr>
+                                        <p:cTn id="12" dur="1" fill="hold">
+                                          <p:stCondLst>
+                                            <p:cond delay="0"/>
+                                          </p:stCondLst>
+                                        </p:cTn>
+                                        <p:tgtEl>
+                                          <p:spTgt spid="3">
+                                            <p:txEl>
+                                              <p:pRg st="2" end="2"/>
+                                            </p:txEl>
+                                          </p:spTgt>
+                                        </p:tgtEl>
+                                        <p:attrNameLst>
+                                          <p:attrName>style.visibility</p:attrName>
+                                        </p:attrNameLst>
+                                      </p:cBhvr>
+                                      <p:to>
+                                        <p:strVal val="visible"/>
+                                      </p:to>
+                                    </p:set>
+                                    <p:animEffect transition="in" filter="blinds(horizontal)">
+                                      <p:cBhvr>
+                                        <p:cTn id="13" dur="500"/>
+                                        <p:tgtEl>
+                                          <p:spTgt spid="3">
+                                            <p:txEl>
+                                              <p:pRg st="2" end="2"/>
+                                            </p:txEl>
+                                          </p:spTgt>
+                                        </p:tgtEl>
+                                      </p:cBhvr>
+                                    </p:animEffect>
+                                  </p:childTnLst>
+                                </p:cTn>
+                              </p:par>
+                              <p:par>
+                                <p:cTn id="14" presetID="3" presetClass="entr" presetSubtype="10" fill="hold" grpId="0" nodeType="withEffect">
+                                  <p:stCondLst>
+                                    <p:cond delay="0"/>
+                                  </p:stCondLst>
+                                  <p:childTnLst>
+                                    <p:set>
+                                      <p:cBhvr>
+                                        <p:cTn id="15" dur="1" fill="hold">
+                                          <p:stCondLst>
+                                            <p:cond delay="0"/>
+                                          </p:stCondLst>
+                                        </p:cTn>
+                                        <p:tgtEl>
+                                          <p:spTgt spid="3">
+                                            <p:txEl>
+                                              <p:pRg st="3" end="3"/>
+                                            </p:txEl>
+                                          </p:spTgt>
+                                        </p:tgtEl>
+                                        <p:attrNameLst>
+                                          <p:attrName>style.visibility</p:attrName>
+                                        </p:attrNameLst>
+                                      </p:cBhvr>
+                                      <p:to>
+                                        <p:strVal val="visible"/>
+                                      </p:to>
+                                    </p:set>
+                                    <p:animEffect transition="in" filter="blinds(horizontal)">
+                                      <p:cBhvr>
+                                        <p:cTn id="16" dur="500"/>
+                                        <p:tgtEl>
+                                          <p:spTgt spid="3">
+                                            <p:txEl>
+                                              <p:pRg st="3" end="3"/>
+                                            </p:txEl>
+                                          </p:spTgt>
+                                        </p:tgtEl>
+                                      </p:cBhvr>
+                                    </p:animEffect>
+                                  </p:childTnLst>
+                                </p:cTn>
+                              </p:par>
+                            </p:childTnLst>
+                          </p:cTn>
+                        </p:par>
+                      </p:childTnLst>
+                    </p:cTn>
+                  </p:par>
+                  <p:par>
+                    <p:cTn id="17" fill="hold">
+                      <p:stCondLst>
+                        <p:cond delay="indefinite"/>
+                      </p:stCondLst>
+                      <p:childTnLst>
+                        <p:par>
+                          <p:cTn id="18" fill="hold">
+                            <p:stCondLst>
+                              <p:cond delay="0"/>
+                            </p:stCondLst>
+                            <p:childTnLst>
+                              <p:par>
+                                <p:cTn id="19" presetID="3" presetClass="entr" presetSubtype="10" fill="hold" grpId="0" nodeType="clickEffect">
+                                  <p:stCondLst>
+                                    <p:cond delay="0"/>
+                                  </p:stCondLst>
+                                  <p:childTnLst>
+                                    <p:set>
+                                      <p:cBhvr>
+                                        <p:cTn id="20" dur="1" fill="hold">
+                                          <p:stCondLst>
+                                            <p:cond delay="0"/>
+                                          </p:stCondLst>
+                                        </p:cTn>
+                                        <p:tgtEl>
+                                          <p:spTgt spid="3">
+                                            <p:txEl>
+                                              <p:pRg st="5" end="5"/>
+                                            </p:txEl>
+                                          </p:spTgt>
+                                        </p:tgtEl>
+                                        <p:attrNameLst>
+                                          <p:attrName>style.visibility</p:attrName>
+                                        </p:attrNameLst>
+                                      </p:cBhvr>
+                                      <p:to>
+                                        <p:strVal val="visible"/>
+                                      </p:to>
+                                    </p:set>
+                                    <p:animEffect transition="in" filter="blinds(horizontal)">
+                                      <p:cBhvr>
+                                        <p:cTn id="21" dur="500"/>
+                                        <p:tgtEl>
+                                          <p:spTgt spid="3">
+                                            <p:txEl>
+                                              <p:pRg st="5" end="5"/>
+                                            </p:txEl>
+                                          </p:spTgt>
+                                        </p:tgtEl>
+                                      </p:cBhvr>
+                                    </p:animEffect>
+                                  </p:childTnLst>
+                                </p:cTn>
+                              </p:par>
+                              <p:par>
+                                <p:cTn id="22" presetID="3" presetClass="entr" presetSubtype="10" fill="hold" grpId="0" nodeType="withEffect">
+                                  <p:stCondLst>
+                                    <p:cond delay="0"/>
+                                  </p:stCondLst>
+                                  <p:childTnLst>
+                                    <p:set>
+                                      <p:cBhvr>
+                                        <p:cTn id="23" dur="1" fill="hold">
+                                          <p:stCondLst>
+                                            <p:cond delay="0"/>
+                                          </p:stCondLst>
+                                        </p:cTn>
+                                        <p:tgtEl>
+                                          <p:spTgt spid="3">
+                                            <p:txEl>
+                                              <p:pRg st="6" end="6"/>
+                                            </p:txEl>
+                                          </p:spTgt>
+                                        </p:tgtEl>
+                                        <p:attrNameLst>
+                                          <p:attrName>style.visibility</p:attrName>
+                                        </p:attrNameLst>
+                                      </p:cBhvr>
+                                      <p:to>
+                                        <p:strVal val="visible"/>
+                                      </p:to>
+                                    </p:set>
+                                    <p:animEffect transition="in" filter="blinds(horizontal)">
+                                      <p:cBhvr>
+                                        <p:cTn id="24" dur="500"/>
+                                        <p:tgtEl>
+                                          <p:spTgt spid="3">
+                                            <p:txEl>
+                                              <p:pRg st="6" end="6"/>
+                                            </p:txEl>
+                                          </p:spTgt>
+                                        </p:tgtEl>
+                                      </p:cBhvr>
+                                    </p:animEffect>
+                                  </p:childTnLst>
+                                </p:cTn>
+                              </p:par>
+                              <p:par>
+                                <p:cTn id="25" presetID="3" presetClass="entr" presetSubtype="10" fill="hold" grpId="0" nodeType="withEffect">
+                                  <p:stCondLst>
+                                    <p:cond delay="0"/>
+                                  </p:stCondLst>
+                                  <p:childTnLst>
+                                    <p:set>
+                                      <p:cBhvr>
+                                        <p:cTn id="26" dur="1" fill="hold">
+                                          <p:stCondLst>
+                                            <p:cond delay="0"/>
+                                          </p:stCondLst>
+                                        </p:cTn>
+                                        <p:tgtEl>
+                                          <p:spTgt spid="3">
+                                            <p:txEl>
+                                              <p:pRg st="7" end="7"/>
+                                            </p:txEl>
+                                          </p:spTgt>
+                                        </p:tgtEl>
+                                        <p:attrNameLst>
+                                          <p:attrName>style.visibility</p:attrName>
+                                        </p:attrNameLst>
+                                      </p:cBhvr>
+                                      <p:to>
+                                        <p:strVal val="visible"/>
+                                      </p:to>
+                                    </p:set>
+                                    <p:animEffect transition="in" filter="blinds(horizontal)">
+                                      <p:cBhvr>
+                                        <p:cTn id="27" dur="500"/>
+                                        <p:tgtEl>
+                                          <p:spTgt spid="3">
+                                            <p:txEl>
+                                              <p:pRg st="7" end="7"/>
+                                            </p:txEl>
+                                          </p:spTgt>
+                                        </p:tgtEl>
+                                      </p:cBhvr>
+                                    </p:animEffect>
+                                  </p:childTnLst>
+                                </p:cTn>
+                              </p:par>
+                            </p:childTnLst>
+                          </p:cTn>
+                        </p:par>
+                      </p:childTnLst>
+                    </p:cTn>
+                  </p:par>
+                </p:childTnLst>
+              </p:cTn>
+              <p:prevCondLst>
+                <p:cond evt="onPrev" delay="0">
+                  <p:tgtEl>
+                    <p:sldTgt/>
+                  </p:tgtEl>
+                </p:cond>
+              </p:prevCondLst>
+              <p:nextCondLst>
+                <p:cond evt="onNext" delay="0">
+                  <p:tgtEl>
+                    <p:sldTgt/>
+                  </p:tgtEl>
+                </p:cond>
+              </p:nextCondLst>
+            </p:seq>
+          </p:childTnLst>
+        </p:cTn>
       </p:par>
     </p:tnLst>
+    <p:bldLst>
+      <p:bldP spid="3" grpId="0" build="p"/>
+    </p:bldLst>
   </p:timing>
 </p:sld>
 </file>
@@ -8022,7 +9332,7 @@
           <a:p>
             <a:r>
               <a:rPr kumimoji="1" lang="en-US" altLang="zh-CN" dirty="0" err="1" smtClean="0"/>
-              <a:t>end&amp;cancel</a:t>
+              <a:t>ObjectAnimator</a:t>
             </a:r>
             <a:endParaRPr kumimoji="1" lang="zh-CN" altLang="en-US" dirty="0"/>
           </a:p>
@@ -8043,87 +9353,227 @@
           <a:bodyPr/>
           <a:lstStyle/>
           <a:p>
+            <a:pPr marL="0" indent="0">
+              <a:buNone/>
+            </a:pPr>
+            <a:r>
+              <a:rPr lang="en-US" altLang="zh-CN" b="1" dirty="0" err="1" smtClean="0">
+                <a:solidFill>
+                  <a:srgbClr val="660E7A"/>
+                </a:solidFill>
+              </a:rPr>
+              <a:t>mObjectAnimator</a:t>
+            </a:r>
+            <a:r>
+              <a:rPr lang="en-US" altLang="zh-CN" b="1" dirty="0" smtClean="0">
+                <a:solidFill>
+                  <a:srgbClr val="660E7A"/>
+                </a:solidFill>
+              </a:rPr>
+              <a:t> </a:t>
+            </a:r>
+            <a:r>
+              <a:rPr lang="en-US" altLang="zh-CN" dirty="0"/>
+              <a:t>= </a:t>
+            </a:r>
+            <a:r>
+              <a:rPr lang="en-US" altLang="zh-CN" dirty="0" err="1"/>
+              <a:t>ObjectAnimator.</a:t>
+            </a:r>
+            <a:r>
+              <a:rPr lang="en-US" altLang="zh-CN" i="1" dirty="0" err="1"/>
+              <a:t>ofInt</a:t>
+            </a:r>
+            <a:r>
+              <a:rPr lang="en-US" altLang="zh-CN" dirty="0"/>
+              <a:t>(</a:t>
+            </a:r>
+            <a:r>
+              <a:rPr lang="en-US" altLang="zh-CN" b="1" dirty="0" err="1">
+                <a:solidFill>
+                  <a:srgbClr val="660E7A"/>
+                </a:solidFill>
+              </a:rPr>
+              <a:t>mView</a:t>
+            </a:r>
+            <a:r>
+              <a:rPr lang="en-US" altLang="zh-CN" dirty="0"/>
+              <a:t>, </a:t>
+            </a:r>
+            <a:r>
+              <a:rPr lang="en-US" altLang="zh-CN" b="1" dirty="0" smtClean="0">
+                <a:solidFill>
+                  <a:srgbClr val="008000"/>
+                </a:solidFill>
+              </a:rPr>
+              <a:t>“Height”</a:t>
+            </a:r>
+            <a:r>
+              <a:rPr lang="en-US" altLang="zh-CN" dirty="0" smtClean="0"/>
+              <a:t>, </a:t>
+            </a:r>
+            <a:r>
+              <a:rPr lang="en-US" altLang="zh-CN" dirty="0">
+                <a:solidFill>
+                  <a:srgbClr val="0000FF"/>
+                </a:solidFill>
+              </a:rPr>
+              <a:t>0</a:t>
+            </a:r>
+            <a:r>
+              <a:rPr lang="en-US" altLang="zh-CN" dirty="0"/>
+              <a:t>, </a:t>
+            </a:r>
+            <a:r>
+              <a:rPr lang="en-US" altLang="zh-CN" dirty="0">
+                <a:solidFill>
+                  <a:srgbClr val="0000FF"/>
+                </a:solidFill>
+              </a:rPr>
+              <a:t>1920</a:t>
+            </a:r>
+            <a:r>
+              <a:rPr lang="en-US" altLang="zh-CN" dirty="0" smtClean="0"/>
+              <a:t>);</a:t>
+            </a:r>
+            <a:r>
+              <a:rPr lang="en-US" altLang="zh-CN" dirty="0"/>
+              <a:t/>
+            </a:r>
+            <a:br>
+              <a:rPr lang="en-US" altLang="zh-CN" dirty="0"/>
+            </a:br>
+            <a:r>
+              <a:rPr lang="en-US" altLang="zh-CN" b="1" dirty="0" err="1">
+                <a:solidFill>
+                  <a:srgbClr val="660E7A"/>
+                </a:solidFill>
+              </a:rPr>
+              <a:t>mObjectAnimator</a:t>
+            </a:r>
+            <a:r>
+              <a:rPr lang="en-US" altLang="zh-CN" dirty="0" err="1"/>
+              <a:t>.setDuration</a:t>
+            </a:r>
+            <a:r>
+              <a:rPr lang="en-US" altLang="zh-CN" dirty="0"/>
+              <a:t>(</a:t>
+            </a:r>
+            <a:r>
+              <a:rPr lang="en-US" altLang="zh-CN" dirty="0">
+                <a:solidFill>
+                  <a:srgbClr val="0000FF"/>
+                </a:solidFill>
+              </a:rPr>
+              <a:t>1000</a:t>
+            </a:r>
+            <a:r>
+              <a:rPr lang="en-US" altLang="zh-CN" dirty="0"/>
+              <a:t>);</a:t>
+            </a:r>
+            <a:br>
+              <a:rPr lang="en-US" altLang="zh-CN" dirty="0"/>
+            </a:br>
+            <a:r>
+              <a:rPr lang="en-US" altLang="zh-CN" b="1" dirty="0" err="1">
+                <a:solidFill>
+                  <a:srgbClr val="660E7A"/>
+                </a:solidFill>
+              </a:rPr>
+              <a:t>mObjectAnimator</a:t>
+            </a:r>
+            <a:r>
+              <a:rPr lang="en-US" altLang="zh-CN" dirty="0" err="1"/>
+              <a:t>.setRepeatCount</a:t>
+            </a:r>
+            <a:r>
+              <a:rPr lang="en-US" altLang="zh-CN" dirty="0"/>
+              <a:t>(</a:t>
+            </a:r>
+            <a:r>
+              <a:rPr lang="en-US" altLang="zh-CN" dirty="0" err="1"/>
+              <a:t>ValueAnimator.</a:t>
+            </a:r>
+            <a:r>
+              <a:rPr lang="en-US" altLang="zh-CN" b="1" i="1" dirty="0" err="1">
+                <a:solidFill>
+                  <a:srgbClr val="660E7A"/>
+                </a:solidFill>
+              </a:rPr>
+              <a:t>INFINITE</a:t>
+            </a:r>
+            <a:r>
+              <a:rPr lang="en-US" altLang="zh-CN" dirty="0"/>
+              <a:t>);</a:t>
+            </a:r>
+            <a:br>
+              <a:rPr lang="en-US" altLang="zh-CN" dirty="0"/>
+            </a:br>
+            <a:r>
+              <a:rPr lang="en-US" altLang="zh-CN" b="1" dirty="0" err="1" smtClean="0">
+                <a:solidFill>
+                  <a:srgbClr val="660E7A"/>
+                </a:solidFill>
+              </a:rPr>
+              <a:t>mObjectAnimator</a:t>
+            </a:r>
+            <a:r>
+              <a:rPr lang="en-US" altLang="zh-CN" dirty="0" err="1" smtClean="0"/>
+              <a:t>.start</a:t>
+            </a:r>
+            <a:r>
+              <a:rPr lang="en-US" altLang="zh-CN" dirty="0" smtClean="0"/>
+              <a:t>();</a:t>
+            </a:r>
+            <a:endParaRPr lang="zh-CN" altLang="en-US" dirty="0" smtClean="0"/>
+          </a:p>
+          <a:p>
+            <a:pPr marL="0" indent="0">
+              <a:buNone/>
+            </a:pPr>
+            <a:endParaRPr kumimoji="1" lang="zh-CN" altLang="en-US" dirty="0"/>
+          </a:p>
+          <a:p>
+            <a:pPr marL="0" indent="0">
+              <a:buNone/>
+            </a:pPr>
+            <a:r>
+              <a:rPr kumimoji="1" lang="zh-CN" altLang="en-US" dirty="0" smtClean="0"/>
+              <a:t>注意：</a:t>
+            </a:r>
+          </a:p>
+          <a:p>
+            <a:pPr marL="0" indent="0">
+              <a:buNone/>
+            </a:pPr>
+            <a:r>
+              <a:rPr kumimoji="1" lang="zh-CN" altLang="en-US" dirty="0" smtClean="0"/>
+              <a:t>做动画的</a:t>
+            </a:r>
             <a:r>
               <a:rPr kumimoji="1" lang="en-US" altLang="zh-CN" dirty="0" smtClean="0"/>
-              <a:t>end</a:t>
-            </a:r>
-            <a:r>
-              <a:rPr kumimoji="1" lang="zh-CN" altLang="en-US" dirty="0" smtClean="0"/>
-              <a:t>：</a:t>
-            </a:r>
-          </a:p>
-          <a:p>
-            <a:pPr lvl="1"/>
-            <a:r>
-              <a:rPr kumimoji="1" lang="zh-CN" altLang="en-US" dirty="0" smtClean="0"/>
-              <a:t>计算结束状态的值</a:t>
-            </a:r>
-          </a:p>
-          <a:p>
-            <a:pPr lvl="1"/>
-            <a:r>
-              <a:rPr kumimoji="1" lang="zh-CN" altLang="en-US" dirty="0" smtClean="0"/>
-              <a:t>调用</a:t>
-            </a:r>
-            <a:r>
-              <a:rPr kumimoji="1" lang="en-US" altLang="zh-CN" dirty="0" err="1" smtClean="0"/>
-              <a:t>onAnimationUpdate</a:t>
-            </a:r>
-            <a:endParaRPr kumimoji="1" lang="zh-CN" altLang="en-US" dirty="0" smtClean="0"/>
-          </a:p>
-          <a:p>
-            <a:pPr lvl="1"/>
-            <a:r>
-              <a:rPr kumimoji="1" lang="zh-CN" altLang="en-US" dirty="0" smtClean="0"/>
-              <a:t>调用</a:t>
-            </a:r>
-            <a:r>
-              <a:rPr kumimoji="1" lang="en-US" altLang="zh-CN" dirty="0" err="1" smtClean="0"/>
-              <a:t>onAnimationEnd</a:t>
-            </a:r>
-            <a:endParaRPr kumimoji="1" lang="zh-CN" altLang="en-US" dirty="0" smtClean="0"/>
-          </a:p>
-          <a:p>
-            <a:pPr lvl="1"/>
-            <a:endParaRPr kumimoji="1" lang="zh-CN" altLang="en-US" dirty="0"/>
-          </a:p>
-          <a:p>
+              <a:t>Object</a:t>
+            </a:r>
+            <a:r>
+              <a:rPr kumimoji="1" lang="zh-CN" altLang="en-US" dirty="0" smtClean="0"/>
+              <a:t>必须实现相应属性的</a:t>
+            </a:r>
             <a:r>
               <a:rPr kumimoji="1" lang="en-US" altLang="zh-CN" dirty="0" smtClean="0"/>
-              <a:t>cancel</a:t>
-            </a:r>
-            <a:endParaRPr kumimoji="1" lang="zh-CN" altLang="en-US" dirty="0" smtClean="0"/>
-          </a:p>
-          <a:p>
-            <a:pPr lvl="1"/>
-            <a:r>
-              <a:rPr kumimoji="1" lang="zh-CN" altLang="en-US" smtClean="0"/>
-              <a:t>调用</a:t>
-            </a:r>
-            <a:r>
-              <a:rPr kumimoji="1" lang="en-US" altLang="zh-CN" smtClean="0"/>
-              <a:t>onAnimationCancel</a:t>
-            </a:r>
-            <a:endParaRPr kumimoji="1" lang="zh-CN" altLang="en-US" dirty="0" smtClean="0"/>
-          </a:p>
-          <a:p>
-            <a:pPr lvl="1"/>
-            <a:r>
-              <a:rPr kumimoji="1" lang="zh-CN" altLang="en-US" dirty="0" smtClean="0"/>
-              <a:t>调用</a:t>
-            </a:r>
-            <a:r>
-              <a:rPr kumimoji="1" lang="en-US" altLang="zh-CN" dirty="0" err="1" smtClean="0"/>
-              <a:t>onAnimationEnd</a:t>
-            </a:r>
-            <a:endParaRPr kumimoji="1" lang="zh-CN" altLang="en-US" dirty="0"/>
+              <a:t>set</a:t>
+            </a:r>
+            <a:r>
+              <a:rPr kumimoji="1" lang="zh-CN" altLang="en-US" dirty="0" smtClean="0"/>
+              <a:t>方法</a:t>
+            </a:r>
+            <a:endParaRPr kumimoji="1" lang="en-US" altLang="zh-CN" dirty="0" smtClean="0"/>
           </a:p>
         </p:txBody>
       </p:sp>
     </p:spTree>
     <p:extLst>
       <p:ext uri="{BB962C8B-B14F-4D97-AF65-F5344CB8AC3E}">
-        <p14:creationId xmlns:p14="http://schemas.microsoft.com/office/powerpoint/2010/main" val="1889804310"/>
+        <p14:creationId xmlns:p14="http://schemas.microsoft.com/office/powerpoint/2010/main" val="646755199"/>
       </p:ext>
     </p:extLst>
   </p:cSld>
@@ -8133,9 +9583,218 @@
   <p:timing>
     <p:tnLst>
       <p:par>
-        <p:cTn id="1" dur="indefinite" restart="never" nodeType="tmRoot"/>
+        <p:cTn id="1" dur="indefinite" restart="never" nodeType="tmRoot">
+          <p:childTnLst>
+            <p:seq concurrent="1" nextAc="seek">
+              <p:cTn id="2" dur="indefinite" nodeType="mainSeq">
+                <p:childTnLst>
+                  <p:par>
+                    <p:cTn id="3" fill="hold">
+                      <p:stCondLst>
+                        <p:cond delay="indefinite"/>
+                      </p:stCondLst>
+                      <p:childTnLst>
+                        <p:par>
+                          <p:cTn id="4" fill="hold">
+                            <p:stCondLst>
+                              <p:cond delay="0"/>
+                            </p:stCondLst>
+                            <p:childTnLst>
+                              <p:par>
+                                <p:cTn id="5" presetID="3" presetClass="entr" presetSubtype="10" fill="hold" grpId="0" nodeType="clickEffect">
+                                  <p:stCondLst>
+                                    <p:cond delay="0"/>
+                                  </p:stCondLst>
+                                  <p:childTnLst>
+                                    <p:set>
+                                      <p:cBhvr>
+                                        <p:cTn id="6" dur="1" fill="hold">
+                                          <p:stCondLst>
+                                            <p:cond delay="0"/>
+                                          </p:stCondLst>
+                                        </p:cTn>
+                                        <p:tgtEl>
+                                          <p:spTgt spid="3">
+                                            <p:txEl>
+                                              <p:pRg st="0" end="0"/>
+                                            </p:txEl>
+                                          </p:spTgt>
+                                        </p:tgtEl>
+                                        <p:attrNameLst>
+                                          <p:attrName>style.visibility</p:attrName>
+                                        </p:attrNameLst>
+                                      </p:cBhvr>
+                                      <p:to>
+                                        <p:strVal val="visible"/>
+                                      </p:to>
+                                    </p:set>
+                                    <p:animEffect transition="in" filter="blinds(horizontal)">
+                                      <p:cBhvr>
+                                        <p:cTn id="7" dur="500"/>
+                                        <p:tgtEl>
+                                          <p:spTgt spid="3">
+                                            <p:txEl>
+                                              <p:pRg st="0" end="0"/>
+                                            </p:txEl>
+                                          </p:spTgt>
+                                        </p:tgtEl>
+                                      </p:cBhvr>
+                                    </p:animEffect>
+                                  </p:childTnLst>
+                                </p:cTn>
+                              </p:par>
+                            </p:childTnLst>
+                          </p:cTn>
+                        </p:par>
+                      </p:childTnLst>
+                    </p:cTn>
+                  </p:par>
+                  <p:par>
+                    <p:cTn id="8" fill="hold">
+                      <p:stCondLst>
+                        <p:cond delay="indefinite"/>
+                      </p:stCondLst>
+                      <p:childTnLst>
+                        <p:par>
+                          <p:cTn id="9" fill="hold">
+                            <p:stCondLst>
+                              <p:cond delay="0"/>
+                            </p:stCondLst>
+                            <p:childTnLst>
+                              <p:par>
+                                <p:cTn id="10" presetID="3" presetClass="entr" presetSubtype="10" fill="hold" grpId="0" nodeType="clickEffect">
+                                  <p:stCondLst>
+                                    <p:cond delay="0"/>
+                                  </p:stCondLst>
+                                  <p:childTnLst>
+                                    <p:set>
+                                      <p:cBhvr>
+                                        <p:cTn id="11" dur="1" fill="hold">
+                                          <p:stCondLst>
+                                            <p:cond delay="0"/>
+                                          </p:stCondLst>
+                                        </p:cTn>
+                                        <p:tgtEl>
+                                          <p:spTgt spid="3">
+                                            <p:txEl>
+                                              <p:pRg st="2" end="2"/>
+                                            </p:txEl>
+                                          </p:spTgt>
+                                        </p:tgtEl>
+                                        <p:attrNameLst>
+                                          <p:attrName>style.visibility</p:attrName>
+                                        </p:attrNameLst>
+                                      </p:cBhvr>
+                                      <p:to>
+                                        <p:strVal val="visible"/>
+                                      </p:to>
+                                    </p:set>
+                                    <p:animEffect transition="in" filter="blinds(horizontal)">
+                                      <p:cBhvr>
+                                        <p:cTn id="12" dur="500"/>
+                                        <p:tgtEl>
+                                          <p:spTgt spid="3">
+                                            <p:txEl>
+                                              <p:pRg st="2" end="2"/>
+                                            </p:txEl>
+                                          </p:spTgt>
+                                        </p:tgtEl>
+                                      </p:cBhvr>
+                                    </p:animEffect>
+                                  </p:childTnLst>
+                                </p:cTn>
+                              </p:par>
+                            </p:childTnLst>
+                          </p:cTn>
+                        </p:par>
+                      </p:childTnLst>
+                    </p:cTn>
+                  </p:par>
+                  <p:par>
+                    <p:cTn id="13" fill="hold">
+                      <p:stCondLst>
+                        <p:cond delay="indefinite"/>
+                      </p:stCondLst>
+                      <p:childTnLst>
+                        <p:par>
+                          <p:cTn id="14" fill="hold">
+                            <p:stCondLst>
+                              <p:cond delay="0"/>
+                            </p:stCondLst>
+                            <p:childTnLst>
+                              <p:par>
+                                <p:cTn id="15" presetID="3" presetClass="entr" presetSubtype="10" fill="hold" grpId="0" nodeType="clickEffect">
+                                  <p:stCondLst>
+                                    <p:cond delay="0"/>
+                                  </p:stCondLst>
+                                  <p:childTnLst>
+                                    <p:set>
+                                      <p:cBhvr>
+                                        <p:cTn id="16" dur="1" fill="hold">
+                                          <p:stCondLst>
+                                            <p:cond delay="0"/>
+                                          </p:stCondLst>
+                                        </p:cTn>
+                                        <p:tgtEl>
+                                          <p:spTgt spid="3">
+                                            <p:txEl>
+                                              <p:pRg st="3" end="3"/>
+                                            </p:txEl>
+                                          </p:spTgt>
+                                        </p:tgtEl>
+                                        <p:attrNameLst>
+                                          <p:attrName>style.visibility</p:attrName>
+                                        </p:attrNameLst>
+                                      </p:cBhvr>
+                                      <p:to>
+                                        <p:strVal val="visible"/>
+                                      </p:to>
+                                    </p:set>
+                                    <p:animEffect transition="in" filter="blinds(horizontal)">
+                                      <p:cBhvr>
+                                        <p:cTn id="17" dur="500"/>
+                                        <p:tgtEl>
+                                          <p:spTgt spid="3">
+                                            <p:txEl>
+                                              <p:pRg st="3" end="3"/>
+                                            </p:txEl>
+                                          </p:spTgt>
+                                        </p:tgtEl>
+                                      </p:cBhvr>
+                                    </p:animEffect>
+                                  </p:childTnLst>
+                                </p:cTn>
+                              </p:par>
+                            </p:childTnLst>
+                          </p:cTn>
+                        </p:par>
+                      </p:childTnLst>
+                    </p:cTn>
+                  </p:par>
+                </p:childTnLst>
+              </p:cTn>
+              <p:prevCondLst>
+                <p:cond evt="onPrev" delay="0">
+                  <p:tgtEl>
+                    <p:sldTgt/>
+                  </p:tgtEl>
+                </p:cond>
+              </p:prevCondLst>
+              <p:nextCondLst>
+                <p:cond evt="onNext" delay="0">
+                  <p:tgtEl>
+                    <p:sldTgt/>
+                  </p:tgtEl>
+                </p:cond>
+              </p:nextCondLst>
+            </p:seq>
+          </p:childTnLst>
+        </p:cTn>
       </p:par>
     </p:tnLst>
+    <p:bldLst>
+      <p:bldP spid="3" grpId="0" build="p"/>
+    </p:bldLst>
   </p:timing>
 </p:sld>
 </file>
@@ -8174,7 +9833,7 @@
           <a:p>
             <a:r>
               <a:rPr kumimoji="1" lang="en-US" altLang="zh-CN" dirty="0" err="1" smtClean="0"/>
-              <a:t>ObjectAnimator</a:t>
+              <a:t>MyView.setHeight</a:t>
             </a:r>
             <a:endParaRPr kumimoji="1" lang="zh-CN" altLang="en-US" dirty="0"/>
           </a:p>
@@ -8195,14 +9854,167 @@
           <a:bodyPr/>
           <a:lstStyle/>
           <a:p>
-            <a:endParaRPr kumimoji="1" lang="zh-CN" altLang="en-US"/>
+            <a:pPr marL="0" indent="0">
+              <a:buNone/>
+            </a:pPr>
+            <a:endParaRPr lang="en-US" altLang="zh-CN" b="1" dirty="0" smtClean="0">
+              <a:solidFill>
+                <a:srgbClr val="000080"/>
+              </a:solidFill>
+            </a:endParaRPr>
+          </a:p>
+          <a:p>
+            <a:pPr marL="0" indent="0">
+              <a:buNone/>
+            </a:pPr>
+            <a:r>
+              <a:rPr lang="en-US" altLang="zh-CN" b="1" dirty="0" smtClean="0">
+                <a:solidFill>
+                  <a:srgbClr val="000080"/>
+                </a:solidFill>
+              </a:rPr>
+              <a:t>public </a:t>
+            </a:r>
+            <a:r>
+              <a:rPr lang="en-US" altLang="zh-CN" b="1" dirty="0">
+                <a:solidFill>
+                  <a:srgbClr val="000080"/>
+                </a:solidFill>
+              </a:rPr>
+              <a:t>void </a:t>
+            </a:r>
+            <a:r>
+              <a:rPr lang="en-US" altLang="zh-CN" dirty="0" err="1"/>
+              <a:t>setHeight</a:t>
+            </a:r>
+            <a:r>
+              <a:rPr lang="en-US" altLang="zh-CN" dirty="0"/>
+              <a:t>(</a:t>
+            </a:r>
+            <a:r>
+              <a:rPr lang="en-US" altLang="zh-CN" b="1" dirty="0" err="1">
+                <a:solidFill>
+                  <a:srgbClr val="000080"/>
+                </a:solidFill>
+              </a:rPr>
+              <a:t>int</a:t>
+            </a:r>
+            <a:r>
+              <a:rPr lang="en-US" altLang="zh-CN" b="1" dirty="0">
+                <a:solidFill>
+                  <a:srgbClr val="000080"/>
+                </a:solidFill>
+              </a:rPr>
+              <a:t> </a:t>
+            </a:r>
+            <a:r>
+              <a:rPr lang="en-US" altLang="zh-CN" dirty="0"/>
+              <a:t>height) {</a:t>
+            </a:r>
+            <a:br>
+              <a:rPr lang="en-US" altLang="zh-CN" dirty="0"/>
+            </a:br>
+            <a:r>
+              <a:rPr lang="en-US" altLang="zh-CN" dirty="0"/>
+              <a:t>    </a:t>
+            </a:r>
+            <a:r>
+              <a:rPr lang="en-US" altLang="zh-CN" dirty="0" err="1"/>
+              <a:t>ViewGroup.LayoutParams</a:t>
+            </a:r>
+            <a:r>
+              <a:rPr lang="en-US" altLang="zh-CN" dirty="0"/>
+              <a:t> </a:t>
+            </a:r>
+            <a:r>
+              <a:rPr lang="en-US" altLang="zh-CN" dirty="0" err="1"/>
+              <a:t>lp</a:t>
+            </a:r>
+            <a:r>
+              <a:rPr lang="en-US" altLang="zh-CN" dirty="0"/>
+              <a:t> = </a:t>
+            </a:r>
+            <a:r>
+              <a:rPr lang="en-US" altLang="zh-CN" dirty="0" err="1"/>
+              <a:t>getLayoutParams</a:t>
+            </a:r>
+            <a:r>
+              <a:rPr lang="en-US" altLang="zh-CN" dirty="0"/>
+              <a:t>();</a:t>
+            </a:r>
+            <a:br>
+              <a:rPr lang="en-US" altLang="zh-CN" dirty="0"/>
+            </a:br>
+            <a:r>
+              <a:rPr lang="en-US" altLang="zh-CN" dirty="0"/>
+              <a:t>    </a:t>
+            </a:r>
+            <a:r>
+              <a:rPr lang="en-US" altLang="zh-CN" dirty="0" err="1"/>
+              <a:t>lp.</a:t>
+            </a:r>
+            <a:r>
+              <a:rPr lang="en-US" altLang="zh-CN" b="1" dirty="0" err="1">
+                <a:solidFill>
+                  <a:srgbClr val="660E7A"/>
+                </a:solidFill>
+              </a:rPr>
+              <a:t>height</a:t>
+            </a:r>
+            <a:r>
+              <a:rPr lang="en-US" altLang="zh-CN" b="1" dirty="0">
+                <a:solidFill>
+                  <a:srgbClr val="660E7A"/>
+                </a:solidFill>
+              </a:rPr>
+              <a:t> </a:t>
+            </a:r>
+            <a:r>
+              <a:rPr lang="en-US" altLang="zh-CN" dirty="0"/>
+              <a:t>= height;</a:t>
+            </a:r>
+            <a:br>
+              <a:rPr lang="en-US" altLang="zh-CN" dirty="0"/>
+            </a:br>
+            <a:r>
+              <a:rPr lang="en-US" altLang="zh-CN" dirty="0"/>
+              <a:t>    </a:t>
+            </a:r>
+            <a:r>
+              <a:rPr lang="en-US" altLang="zh-CN" dirty="0" err="1"/>
+              <a:t>setLayoutParams</a:t>
+            </a:r>
+            <a:r>
+              <a:rPr lang="en-US" altLang="zh-CN" dirty="0"/>
+              <a:t>(</a:t>
+            </a:r>
+            <a:r>
+              <a:rPr lang="en-US" altLang="zh-CN" dirty="0" err="1"/>
+              <a:t>lp</a:t>
+            </a:r>
+            <a:r>
+              <a:rPr lang="en-US" altLang="zh-CN" dirty="0" smtClean="0"/>
+              <a:t>);</a:t>
+            </a:r>
+            <a:r>
+              <a:rPr lang="en-US" altLang="zh-CN" dirty="0"/>
+              <a:t/>
+            </a:r>
+            <a:br>
+              <a:rPr lang="en-US" altLang="zh-CN" dirty="0"/>
+            </a:br>
+            <a:r>
+              <a:rPr lang="en-US" altLang="zh-CN" dirty="0"/>
+              <a:t>}</a:t>
+            </a:r>
+            <a:endParaRPr kumimoji="1" lang="zh-CN" altLang="en-US" dirty="0"/>
           </a:p>
         </p:txBody>
       </p:sp>
     </p:spTree>
     <p:extLst>
       <p:ext uri="{BB962C8B-B14F-4D97-AF65-F5344CB8AC3E}">
-        <p14:creationId xmlns:p14="http://schemas.microsoft.com/office/powerpoint/2010/main" val="646755199"/>
+        <p14:creationId xmlns:p14="http://schemas.microsoft.com/office/powerpoint/2010/main" val="496060028"/>
       </p:ext>
     </p:extLst>
   </p:cSld>
@@ -8271,10 +10083,114 @@
         </p:nvSpPr>
         <p:spPr/>
         <p:txBody>
-          <a:bodyPr/>
-          <a:lstStyle/>
-          <a:p>
-            <a:endParaRPr kumimoji="1" lang="zh-CN" altLang="en-US"/>
+          <a:bodyPr>
+            <a:normAutofit/>
+          </a:bodyPr>
+          <a:lstStyle/>
+          <a:p>
+            <a:pPr marL="0" indent="0">
+              <a:buNone/>
+            </a:pPr>
+            <a:r>
+              <a:rPr lang="en-US" altLang="zh-CN" b="1" dirty="0">
+                <a:solidFill>
+                  <a:srgbClr val="000080"/>
+                </a:solidFill>
+              </a:rPr>
+              <a:t>public static interface </a:t>
+            </a:r>
+            <a:r>
+              <a:rPr lang="en-US" altLang="zh-CN" dirty="0" err="1"/>
+              <a:t>TimeListener</a:t>
+            </a:r>
+            <a:r>
+              <a:rPr lang="en-US" altLang="zh-CN" dirty="0"/>
+              <a:t> {</a:t>
+            </a:r>
+            <a:br>
+              <a:rPr lang="en-US" altLang="zh-CN" dirty="0"/>
+            </a:br>
+            <a:r>
+              <a:rPr lang="en-US" altLang="zh-CN" dirty="0"/>
+              <a:t> </a:t>
+            </a:r>
+            <a:endParaRPr lang="en-US" altLang="zh-CN" dirty="0" smtClean="0"/>
+          </a:p>
+          <a:p>
+            <a:pPr marL="0" indent="0">
+              <a:buNone/>
+            </a:pPr>
+            <a:r>
+              <a:rPr lang="en-US" altLang="zh-CN" b="1" dirty="0" smtClean="0">
+                <a:solidFill>
+                  <a:srgbClr val="000080"/>
+                </a:solidFill>
+              </a:rPr>
+              <a:t>void </a:t>
+            </a:r>
+            <a:r>
+              <a:rPr lang="en-US" altLang="zh-CN" dirty="0" err="1"/>
+              <a:t>onTimeUpdate</a:t>
+            </a:r>
+            <a:r>
+              <a:rPr lang="en-US" altLang="zh-CN" dirty="0"/>
+              <a:t>(</a:t>
+            </a:r>
+            <a:r>
+              <a:rPr lang="en-US" altLang="zh-CN" dirty="0" err="1"/>
+              <a:t>TimeAnimator</a:t>
+            </a:r>
+            <a:r>
+              <a:rPr lang="en-US" altLang="zh-CN" dirty="0"/>
+              <a:t> animation, </a:t>
+            </a:r>
+            <a:r>
+              <a:rPr lang="en-US" altLang="zh-CN" b="1" dirty="0">
+                <a:solidFill>
+                  <a:srgbClr val="000080"/>
+                </a:solidFill>
+              </a:rPr>
+              <a:t>long </a:t>
+            </a:r>
+            <a:r>
+              <a:rPr lang="en-US" altLang="zh-CN" dirty="0" err="1"/>
+              <a:t>totalTime</a:t>
+            </a:r>
+            <a:r>
+              <a:rPr lang="en-US" altLang="zh-CN" dirty="0"/>
+              <a:t>, </a:t>
+            </a:r>
+            <a:r>
+              <a:rPr lang="en-US" altLang="zh-CN" b="1" dirty="0" smtClean="0">
+                <a:solidFill>
+                  <a:srgbClr val="000080"/>
+                </a:solidFill>
+              </a:rPr>
+              <a:t>long </a:t>
+            </a:r>
+            <a:r>
+              <a:rPr lang="en-US" altLang="zh-CN" dirty="0" err="1" smtClean="0"/>
+              <a:t>deltaTime</a:t>
+            </a:r>
+            <a:r>
+              <a:rPr lang="en-US" altLang="zh-CN" dirty="0"/>
+              <a:t>);</a:t>
+            </a:r>
+            <a:br>
+              <a:rPr lang="en-US" altLang="zh-CN" dirty="0"/>
+            </a:br>
+            <a:r>
+              <a:rPr lang="en-US" altLang="zh-CN" dirty="0"/>
+              <a:t/>
+            </a:r>
+            <a:br>
+              <a:rPr lang="en-US" altLang="zh-CN" dirty="0"/>
+            </a:br>
+            <a:r>
+              <a:rPr lang="en-US" altLang="zh-CN" dirty="0"/>
+              <a:t>}</a:t>
+            </a:r>
+            <a:endParaRPr kumimoji="1" lang="zh-CN" altLang="en-US" dirty="0"/>
           </a:p>
         </p:txBody>
       </p:sp>
@@ -8299,167 +10215,6 @@
 </file>
 
 <file path=ppt/slides/slide2.xml><?xml version="1.0" encoding="utf-8"?>
-<p:sld xmlns:a="http://schemas.openxmlformats.org/drawingml/2006/main" xmlns:r="http://schemas.openxmlformats.org/officeDocument/2006/relationships" xmlns:p="http://schemas.openxmlformats.org/presentationml/2006/main">
-  <p:cSld>
-    <p:spTree>
-      <p:nvGrpSpPr>
-        <p:cNvPr id="1" name=""/>
-        <p:cNvGrpSpPr/>
-        <p:nvPr/>
-      </p:nvGrpSpPr>
-      <p:grpSpPr>
-        <a:xfrm>
-          <a:off x="0" y="0"/>
-          <a:ext cx="0" cy="0"/>
-          <a:chOff x="0" y="0"/>
-          <a:chExt cx="0" cy="0"/>
-        </a:xfrm>
-      </p:grpSpPr>
-      <p:sp>
-        <p:nvSpPr>
-          <p:cNvPr id="2" name="标题 1"/>
-          <p:cNvSpPr>
-            <a:spLocks noGrp="1"/>
-          </p:cNvSpPr>
-          <p:nvPr>
-            <p:ph type="ctrTitle"/>
-          </p:nvPr>
-        </p:nvSpPr>
-        <p:spPr/>
-        <p:txBody>
-          <a:bodyPr/>
-          <a:lstStyle/>
-          <a:p>
-            <a:r>
-              <a:rPr kumimoji="1" lang="en-US" altLang="zh-CN" dirty="0" smtClean="0"/>
-              <a:t>Animator</a:t>
-            </a:r>
-            <a:endParaRPr kumimoji="1" lang="zh-CN" altLang="en-US" dirty="0"/>
-          </a:p>
-        </p:txBody>
-      </p:sp>
-      <p:sp>
-        <p:nvSpPr>
-          <p:cNvPr id="3" name="副标题 2"/>
-          <p:cNvSpPr>
-            <a:spLocks noGrp="1"/>
-          </p:cNvSpPr>
-          <p:nvPr>
-            <p:ph type="subTitle" idx="1"/>
-          </p:nvPr>
-        </p:nvSpPr>
-        <p:spPr/>
-        <p:txBody>
-          <a:bodyPr/>
-          <a:lstStyle/>
-          <a:p>
-            <a:endParaRPr kumimoji="1" lang="zh-CN" altLang="en-US"/>
-          </a:p>
-        </p:txBody>
-      </p:sp>
-    </p:spTree>
-    <p:extLst>
-      <p:ext uri="{BB962C8B-B14F-4D97-AF65-F5344CB8AC3E}">
-        <p14:creationId xmlns:p14="http://schemas.microsoft.com/office/powerpoint/2010/main" val="149798315"/>
-      </p:ext>
-    </p:extLst>
-  </p:cSld>
-  <p:clrMapOvr>
-    <a:masterClrMapping/>
-  </p:clrMapOvr>
-  <p:transition spd="med">
-    <p:pull/>
-  </p:transition>
-  <p:timing>
-    <p:tnLst>
-      <p:par>
-        <p:cTn id="1" dur="indefinite" restart="never" nodeType="tmRoot"/>
-      </p:par>
-    </p:tnLst>
-  </p:timing>
-</p:sld>
-</file>
-
-<file path=ppt/slides/slide20.xml><?xml version="1.0" encoding="utf-8"?>
-<p:sld xmlns:a="http://schemas.openxmlformats.org/drawingml/2006/main" xmlns:r="http://schemas.openxmlformats.org/officeDocument/2006/relationships" xmlns:p="http://schemas.openxmlformats.org/presentationml/2006/main">
-  <p:cSld>
-    <p:spTree>
-      <p:nvGrpSpPr>
-        <p:cNvPr id="1" name=""/>
-        <p:cNvGrpSpPr/>
-        <p:nvPr/>
-      </p:nvGrpSpPr>
-      <p:grpSpPr>
-        <a:xfrm>
-          <a:off x="0" y="0"/>
-          <a:ext cx="0" cy="0"/>
-          <a:chOff x="0" y="0"/>
-          <a:chExt cx="0" cy="0"/>
-        </a:xfrm>
-      </p:grpSpPr>
-      <p:sp>
-        <p:nvSpPr>
-          <p:cNvPr id="2" name="标题 1"/>
-          <p:cNvSpPr>
-            <a:spLocks noGrp="1"/>
-          </p:cNvSpPr>
-          <p:nvPr>
-            <p:ph type="title"/>
-          </p:nvPr>
-        </p:nvSpPr>
-        <p:spPr/>
-        <p:txBody>
-          <a:bodyPr/>
-          <a:lstStyle/>
-          <a:p>
-            <a:r>
-              <a:rPr kumimoji="1" lang="en-US" altLang="zh-CN" dirty="0" err="1" smtClean="0"/>
-              <a:t>AnimatorSet</a:t>
-            </a:r>
-            <a:endParaRPr kumimoji="1" lang="zh-CN" altLang="en-US" dirty="0"/>
-          </a:p>
-        </p:txBody>
-      </p:sp>
-      <p:sp>
-        <p:nvSpPr>
-          <p:cNvPr id="3" name="内容占位符 2"/>
-          <p:cNvSpPr>
-            <a:spLocks noGrp="1"/>
-          </p:cNvSpPr>
-          <p:nvPr>
-            <p:ph idx="1"/>
-          </p:nvPr>
-        </p:nvSpPr>
-        <p:spPr/>
-        <p:txBody>
-          <a:bodyPr/>
-          <a:lstStyle/>
-          <a:p>
-            <a:endParaRPr kumimoji="1" lang="zh-CN" altLang="en-US"/>
-          </a:p>
-        </p:txBody>
-      </p:sp>
-    </p:spTree>
-    <p:extLst>
-      <p:ext uri="{BB962C8B-B14F-4D97-AF65-F5344CB8AC3E}">
-        <p14:creationId xmlns:p14="http://schemas.microsoft.com/office/powerpoint/2010/main" val="1104561852"/>
-      </p:ext>
-    </p:extLst>
-  </p:cSld>
-  <p:clrMapOvr>
-    <a:masterClrMapping/>
-  </p:clrMapOvr>
-  <p:timing>
-    <p:tnLst>
-      <p:par>
-        <p:cTn id="1" dur="indefinite" restart="never" nodeType="tmRoot"/>
-      </p:par>
-    </p:tnLst>
-  </p:timing>
-</p:sld>
-</file>
-
-<file path=ppt/slides/slide3.xml><?xml version="1.0" encoding="utf-8"?>
 <p:sld xmlns:a="http://schemas.openxmlformats.org/drawingml/2006/main" xmlns:r="http://schemas.openxmlformats.org/officeDocument/2006/relationships" xmlns:p="http://schemas.openxmlformats.org/presentationml/2006/main">
   <p:cSld>
     <p:spTree>
@@ -8546,7 +10301,1157 @@
 </p:sld>
 </file>
 
-<file path=ppt/slides/slide4.xml><?xml version="1.0" encoding="utf-8"?>
+<file path=ppt/slides/slide20.xml><?xml version="1.0" encoding="utf-8"?>
+<p:sld xmlns:a="http://schemas.openxmlformats.org/drawingml/2006/main" xmlns:r="http://schemas.openxmlformats.org/officeDocument/2006/relationships" xmlns:p="http://schemas.openxmlformats.org/presentationml/2006/main">
+  <p:cSld>
+    <p:spTree>
+      <p:nvGrpSpPr>
+        <p:cNvPr id="1" name=""/>
+        <p:cNvGrpSpPr/>
+        <p:nvPr/>
+      </p:nvGrpSpPr>
+      <p:grpSpPr>
+        <a:xfrm>
+          <a:off x="0" y="0"/>
+          <a:ext cx="0" cy="0"/>
+          <a:chOff x="0" y="0"/>
+          <a:chExt cx="0" cy="0"/>
+        </a:xfrm>
+      </p:grpSpPr>
+      <p:sp>
+        <p:nvSpPr>
+          <p:cNvPr id="2" name="标题 1"/>
+          <p:cNvSpPr>
+            <a:spLocks noGrp="1"/>
+          </p:cNvSpPr>
+          <p:nvPr>
+            <p:ph type="title"/>
+          </p:nvPr>
+        </p:nvSpPr>
+        <p:spPr/>
+        <p:txBody>
+          <a:bodyPr/>
+          <a:lstStyle/>
+          <a:p>
+            <a:r>
+              <a:rPr kumimoji="1" lang="en-US" altLang="zh-CN" dirty="0" err="1" smtClean="0"/>
+              <a:t>AnimatorSet</a:t>
+            </a:r>
+            <a:endParaRPr kumimoji="1" lang="zh-CN" altLang="en-US" dirty="0"/>
+          </a:p>
+        </p:txBody>
+      </p:sp>
+      <p:sp>
+        <p:nvSpPr>
+          <p:cNvPr id="3" name="内容占位符 2"/>
+          <p:cNvSpPr>
+            <a:spLocks noGrp="1"/>
+          </p:cNvSpPr>
+          <p:nvPr>
+            <p:ph idx="1"/>
+          </p:nvPr>
+        </p:nvSpPr>
+        <p:spPr/>
+        <p:txBody>
+          <a:bodyPr/>
+          <a:lstStyle/>
+          <a:p>
+            <a:pPr marL="0" indent="0">
+              <a:buNone/>
+            </a:pPr>
+            <a:r>
+              <a:rPr lang="en-US" altLang="zh-CN" b="1" dirty="0" err="1">
+                <a:solidFill>
+                  <a:srgbClr val="660E7A"/>
+                </a:solidFill>
+              </a:rPr>
+              <a:t>mAnimatorSet</a:t>
+            </a:r>
+            <a:r>
+              <a:rPr lang="en-US" altLang="zh-CN" dirty="0" err="1"/>
+              <a:t>.play</a:t>
+            </a:r>
+            <a:r>
+              <a:rPr lang="en-US" altLang="zh-CN" dirty="0"/>
+              <a:t>(</a:t>
+            </a:r>
+            <a:r>
+              <a:rPr lang="en-US" altLang="zh-CN" dirty="0" err="1"/>
+              <a:t>dropAnimator</a:t>
+            </a:r>
+            <a:r>
+              <a:rPr lang="en-US" altLang="zh-CN" dirty="0"/>
+              <a:t>).with(</a:t>
+            </a:r>
+            <a:r>
+              <a:rPr lang="en-US" altLang="zh-CN" dirty="0" err="1"/>
+              <a:t>fadeInAnimator</a:t>
+            </a:r>
+            <a:r>
+              <a:rPr lang="en-US" altLang="zh-CN" dirty="0"/>
+              <a:t>).before(</a:t>
+            </a:r>
+            <a:r>
+              <a:rPr lang="en-US" altLang="zh-CN" dirty="0" err="1"/>
+              <a:t>dropInWaterAnimator</a:t>
+            </a:r>
+            <a:r>
+              <a:rPr lang="en-US" altLang="zh-CN" dirty="0"/>
+              <a:t>);</a:t>
+            </a:r>
+            <a:br>
+              <a:rPr lang="en-US" altLang="zh-CN" dirty="0"/>
+            </a:br>
+            <a:r>
+              <a:rPr lang="en-US" altLang="zh-CN" b="1" dirty="0" err="1">
+                <a:solidFill>
+                  <a:srgbClr val="660E7A"/>
+                </a:solidFill>
+              </a:rPr>
+              <a:t>mAnimatorSet</a:t>
+            </a:r>
+            <a:r>
+              <a:rPr lang="en-US" altLang="zh-CN" dirty="0" err="1"/>
+              <a:t>.play</a:t>
+            </a:r>
+            <a:r>
+              <a:rPr lang="en-US" altLang="zh-CN" dirty="0"/>
+              <a:t>(</a:t>
+            </a:r>
+            <a:r>
+              <a:rPr lang="en-US" altLang="zh-CN" dirty="0" err="1"/>
+              <a:t>dropInWaterAnimator</a:t>
+            </a:r>
+            <a:r>
+              <a:rPr lang="en-US" altLang="zh-CN" dirty="0"/>
+              <a:t>).with(</a:t>
+            </a:r>
+            <a:r>
+              <a:rPr lang="en-US" altLang="zh-CN" dirty="0" err="1"/>
+              <a:t>fadeOutAnimator</a:t>
+            </a:r>
+            <a:r>
+              <a:rPr lang="en-US" altLang="zh-CN" dirty="0"/>
+              <a:t>).with(</a:t>
+            </a:r>
+            <a:r>
+              <a:rPr lang="en-US" altLang="zh-CN" dirty="0" err="1"/>
+              <a:t>sprayFadeInAnimator</a:t>
+            </a:r>
+            <a:r>
+              <a:rPr lang="en-US" altLang="zh-CN" dirty="0"/>
+              <a:t>).with(</a:t>
+            </a:r>
+            <a:r>
+              <a:rPr lang="en-US" altLang="zh-CN" dirty="0" err="1"/>
+              <a:t>sprayScaleAnimator</a:t>
+            </a:r>
+            <a:r>
+              <a:rPr lang="en-US" altLang="zh-CN" dirty="0"/>
+              <a:t>);</a:t>
+            </a:r>
+            <a:br>
+              <a:rPr lang="en-US" altLang="zh-CN" dirty="0"/>
+            </a:br>
+            <a:r>
+              <a:rPr lang="en-US" altLang="zh-CN" b="1" dirty="0" err="1">
+                <a:solidFill>
+                  <a:srgbClr val="660E7A"/>
+                </a:solidFill>
+              </a:rPr>
+              <a:t>mAnimatorSet</a:t>
+            </a:r>
+            <a:r>
+              <a:rPr lang="en-US" altLang="zh-CN" dirty="0" err="1"/>
+              <a:t>.play</a:t>
+            </a:r>
+            <a:r>
+              <a:rPr lang="en-US" altLang="zh-CN" dirty="0"/>
+              <a:t>(</a:t>
+            </a:r>
+            <a:r>
+              <a:rPr lang="en-US" altLang="zh-CN" dirty="0" err="1"/>
+              <a:t>sprayFadeInAnimator</a:t>
+            </a:r>
+            <a:r>
+              <a:rPr lang="en-US" altLang="zh-CN" dirty="0"/>
+              <a:t>).before(</a:t>
+            </a:r>
+            <a:r>
+              <a:rPr lang="en-US" altLang="zh-CN" dirty="0" err="1"/>
+              <a:t>sprayStayAnimator</a:t>
+            </a:r>
+            <a:r>
+              <a:rPr lang="en-US" altLang="zh-CN" dirty="0"/>
+              <a:t>).before(</a:t>
+            </a:r>
+            <a:r>
+              <a:rPr lang="en-US" altLang="zh-CN" dirty="0" err="1"/>
+              <a:t>sprayFadeOutAnimator</a:t>
+            </a:r>
+            <a:r>
+              <a:rPr lang="en-US" altLang="zh-CN" dirty="0"/>
+              <a:t>);</a:t>
+            </a:r>
+            <a:br>
+              <a:rPr lang="en-US" altLang="zh-CN" dirty="0"/>
+            </a:br>
+            <a:r>
+              <a:rPr lang="en-US" altLang="zh-CN" dirty="0"/>
+              <a:t/>
+            </a:r>
+            <a:br>
+              <a:rPr lang="en-US" altLang="zh-CN" dirty="0"/>
+            </a:br>
+            <a:r>
+              <a:rPr lang="en-US" altLang="zh-CN" b="1" dirty="0" err="1">
+                <a:solidFill>
+                  <a:srgbClr val="660E7A"/>
+                </a:solidFill>
+              </a:rPr>
+              <a:t>mAnimatorSet</a:t>
+            </a:r>
+            <a:r>
+              <a:rPr lang="en-US" altLang="zh-CN" dirty="0" err="1"/>
+              <a:t>.start</a:t>
+            </a:r>
+            <a:r>
+              <a:rPr lang="en-US" altLang="zh-CN" dirty="0"/>
+              <a:t>();</a:t>
+            </a:r>
+            <a:endParaRPr kumimoji="1" lang="zh-CN" altLang="en-US" dirty="0"/>
+          </a:p>
+        </p:txBody>
+      </p:sp>
+    </p:spTree>
+    <p:extLst>
+      <p:ext uri="{BB962C8B-B14F-4D97-AF65-F5344CB8AC3E}">
+        <p14:creationId xmlns:p14="http://schemas.microsoft.com/office/powerpoint/2010/main" val="1104561852"/>
+      </p:ext>
+    </p:extLst>
+  </p:cSld>
+  <p:clrMapOvr>
+    <a:masterClrMapping/>
+  </p:clrMapOvr>
+  <p:timing>
+    <p:tnLst>
+      <p:par>
+        <p:cTn id="1" dur="indefinite" restart="never" nodeType="tmRoot"/>
+      </p:par>
+    </p:tnLst>
+  </p:timing>
+</p:sld>
+</file>
+
+<file path=ppt/slides/slide21.xml><?xml version="1.0" encoding="utf-8"?>
+<p:sld xmlns:a="http://schemas.openxmlformats.org/drawingml/2006/main" xmlns:r="http://schemas.openxmlformats.org/officeDocument/2006/relationships" xmlns:p="http://schemas.openxmlformats.org/presentationml/2006/main">
+  <p:cSld>
+    <p:spTree>
+      <p:nvGrpSpPr>
+        <p:cNvPr id="1" name=""/>
+        <p:cNvGrpSpPr/>
+        <p:nvPr/>
+      </p:nvGrpSpPr>
+      <p:grpSpPr>
+        <a:xfrm>
+          <a:off x="0" y="0"/>
+          <a:ext cx="0" cy="0"/>
+          <a:chOff x="0" y="0"/>
+          <a:chExt cx="0" cy="0"/>
+        </a:xfrm>
+      </p:grpSpPr>
+      <p:sp>
+        <p:nvSpPr>
+          <p:cNvPr id="2" name="标题 1"/>
+          <p:cNvSpPr>
+            <a:spLocks noGrp="1"/>
+          </p:cNvSpPr>
+          <p:nvPr>
+            <p:ph type="title"/>
+          </p:nvPr>
+        </p:nvSpPr>
+        <p:spPr/>
+        <p:txBody>
+          <a:bodyPr/>
+          <a:lstStyle/>
+          <a:p>
+            <a:r>
+              <a:rPr kumimoji="1" lang="en-US" altLang="zh-CN" dirty="0" err="1" smtClean="0"/>
+              <a:t>AnimatorSet</a:t>
+            </a:r>
+            <a:endParaRPr kumimoji="1" lang="zh-CN" altLang="en-US" dirty="0"/>
+          </a:p>
+        </p:txBody>
+      </p:sp>
+      <p:sp>
+        <p:nvSpPr>
+          <p:cNvPr id="3" name="内容占位符 2"/>
+          <p:cNvSpPr>
+            <a:spLocks noGrp="1"/>
+          </p:cNvSpPr>
+          <p:nvPr>
+            <p:ph idx="1"/>
+          </p:nvPr>
+        </p:nvSpPr>
+        <p:spPr/>
+        <p:txBody>
+          <a:bodyPr>
+            <a:normAutofit lnSpcReduction="10000"/>
+          </a:bodyPr>
+          <a:lstStyle/>
+          <a:p>
+            <a:pPr marL="0" indent="0">
+              <a:buNone/>
+            </a:pPr>
+            <a:r>
+              <a:rPr lang="en-US" altLang="zh-CN" dirty="0"/>
+              <a:t>animatorSet1.play(</a:t>
+            </a:r>
+            <a:r>
+              <a:rPr lang="en-US" altLang="zh-CN" dirty="0" err="1"/>
+              <a:t>dropAnimator</a:t>
+            </a:r>
+            <a:r>
+              <a:rPr lang="en-US" altLang="zh-CN" dirty="0"/>
+              <a:t>).with(</a:t>
+            </a:r>
+            <a:r>
+              <a:rPr lang="en-US" altLang="zh-CN" dirty="0" err="1"/>
+              <a:t>fadeInAnimator</a:t>
+            </a:r>
+            <a:r>
+              <a:rPr lang="en-US" altLang="zh-CN" dirty="0"/>
+              <a:t>).before(</a:t>
+            </a:r>
+            <a:r>
+              <a:rPr lang="en-US" altLang="zh-CN" dirty="0" err="1"/>
+              <a:t>dropInWaterAnimator</a:t>
+            </a:r>
+            <a:r>
+              <a:rPr lang="en-US" altLang="zh-CN" dirty="0"/>
+              <a:t>);</a:t>
+            </a:r>
+            <a:br>
+              <a:rPr lang="en-US" altLang="zh-CN" dirty="0"/>
+            </a:br>
+            <a:r>
+              <a:rPr lang="en-US" altLang="zh-CN" dirty="0"/>
+              <a:t>   animatorSet2.play(</a:t>
+            </a:r>
+            <a:r>
+              <a:rPr lang="en-US" altLang="zh-CN" dirty="0" err="1"/>
+              <a:t>fadeOutAnimator</a:t>
+            </a:r>
+            <a:r>
+              <a:rPr lang="en-US" altLang="zh-CN" dirty="0"/>
+              <a:t>).with(</a:t>
+            </a:r>
+            <a:r>
+              <a:rPr lang="en-US" altLang="zh-CN" dirty="0" err="1"/>
+              <a:t>sprayFadeInAnimator</a:t>
+            </a:r>
+            <a:r>
+              <a:rPr lang="en-US" altLang="zh-CN" dirty="0"/>
+              <a:t>).with(</a:t>
+            </a:r>
+            <a:r>
+              <a:rPr lang="en-US" altLang="zh-CN" dirty="0" err="1"/>
+              <a:t>sprayScaleAnimator</a:t>
+            </a:r>
+            <a:r>
+              <a:rPr lang="en-US" altLang="zh-CN" dirty="0"/>
+              <a:t>);</a:t>
+            </a:r>
+            <a:br>
+              <a:rPr lang="en-US" altLang="zh-CN" dirty="0"/>
+            </a:br>
+            <a:r>
+              <a:rPr lang="en-US" altLang="zh-CN" dirty="0"/>
+              <a:t>   animatorSet3.play(</a:t>
+            </a:r>
+            <a:r>
+              <a:rPr lang="en-US" altLang="zh-CN" dirty="0" err="1"/>
+              <a:t>sprayStayAnimator</a:t>
+            </a:r>
+            <a:r>
+              <a:rPr lang="en-US" altLang="zh-CN" dirty="0"/>
+              <a:t>).before(</a:t>
+            </a:r>
+            <a:r>
+              <a:rPr lang="en-US" altLang="zh-CN" dirty="0" err="1"/>
+              <a:t>sprayFadeOutAnimator</a:t>
+            </a:r>
+            <a:r>
+              <a:rPr lang="en-US" altLang="zh-CN" dirty="0"/>
+              <a:t>);</a:t>
+            </a:r>
+            <a:br>
+              <a:rPr lang="en-US" altLang="zh-CN" dirty="0"/>
+            </a:br>
+            <a:r>
+              <a:rPr lang="en-US" altLang="zh-CN" dirty="0"/>
+              <a:t>   </a:t>
+            </a:r>
+            <a:r>
+              <a:rPr lang="en-US" altLang="zh-CN" b="1" dirty="0" err="1">
+                <a:solidFill>
+                  <a:srgbClr val="660E7A"/>
+                </a:solidFill>
+              </a:rPr>
+              <a:t>mAnimatorSet</a:t>
+            </a:r>
+            <a:r>
+              <a:rPr lang="en-US" altLang="zh-CN" dirty="0" err="1"/>
+              <a:t>.play</a:t>
+            </a:r>
+            <a:r>
+              <a:rPr lang="en-US" altLang="zh-CN" dirty="0"/>
+              <a:t>(animatorSet1).before(animatorSet2).before(animatorSet3);</a:t>
+            </a:r>
+            <a:br>
+              <a:rPr lang="en-US" altLang="zh-CN" dirty="0"/>
+            </a:br>
+            <a:r>
+              <a:rPr lang="en-US" altLang="zh-CN" dirty="0"/>
+              <a:t/>
+            </a:r>
+            <a:br>
+              <a:rPr lang="en-US" altLang="zh-CN" dirty="0"/>
+            </a:br>
+            <a:r>
+              <a:rPr lang="en-US" altLang="zh-CN" b="1" dirty="0" err="1">
+                <a:solidFill>
+                  <a:srgbClr val="660E7A"/>
+                </a:solidFill>
+              </a:rPr>
+              <a:t>mAnimatorSet</a:t>
+            </a:r>
+            <a:r>
+              <a:rPr lang="en-US" altLang="zh-CN" dirty="0" err="1"/>
+              <a:t>.start</a:t>
+            </a:r>
+            <a:r>
+              <a:rPr lang="en-US" altLang="zh-CN" dirty="0"/>
+              <a:t>();</a:t>
+            </a:r>
+            <a:endParaRPr lang="zh-CN" altLang="en-US" b="1" dirty="0" smtClean="0">
+              <a:solidFill>
+                <a:srgbClr val="660E7A"/>
+              </a:solidFill>
+            </a:endParaRPr>
+          </a:p>
+        </p:txBody>
+      </p:sp>
+    </p:spTree>
+    <p:extLst>
+      <p:ext uri="{BB962C8B-B14F-4D97-AF65-F5344CB8AC3E}">
+        <p14:creationId xmlns:p14="http://schemas.microsoft.com/office/powerpoint/2010/main" val="318561886"/>
+      </p:ext>
+    </p:extLst>
+  </p:cSld>
+  <p:clrMapOvr>
+    <a:masterClrMapping/>
+  </p:clrMapOvr>
+  <p:timing>
+    <p:tnLst>
+      <p:par>
+        <p:cTn id="1" dur="indefinite" restart="never" nodeType="tmRoot"/>
+      </p:par>
+    </p:tnLst>
+  </p:timing>
+</p:sld>
+</file>
+
+<file path=ppt/slides/slide22.xml><?xml version="1.0" encoding="utf-8"?>
+<p:sld xmlns:a="http://schemas.openxmlformats.org/drawingml/2006/main" xmlns:r="http://schemas.openxmlformats.org/officeDocument/2006/relationships" xmlns:p="http://schemas.openxmlformats.org/presentationml/2006/main">
+  <p:cSld>
+    <p:spTree>
+      <p:nvGrpSpPr>
+        <p:cNvPr id="1" name=""/>
+        <p:cNvGrpSpPr/>
+        <p:nvPr/>
+      </p:nvGrpSpPr>
+      <p:grpSpPr>
+        <a:xfrm>
+          <a:off x="0" y="0"/>
+          <a:ext cx="0" cy="0"/>
+          <a:chOff x="0" y="0"/>
+          <a:chExt cx="0" cy="0"/>
+        </a:xfrm>
+      </p:grpSpPr>
+      <p:sp>
+        <p:nvSpPr>
+          <p:cNvPr id="2" name="标题 1"/>
+          <p:cNvSpPr>
+            <a:spLocks noGrp="1"/>
+          </p:cNvSpPr>
+          <p:nvPr>
+            <p:ph type="title"/>
+          </p:nvPr>
+        </p:nvSpPr>
+        <p:spPr/>
+        <p:txBody>
+          <a:bodyPr/>
+          <a:lstStyle/>
+          <a:p>
+            <a:r>
+              <a:rPr kumimoji="1" lang="zh-CN" altLang="en-US" dirty="0" smtClean="0"/>
+              <a:t>相交模式</a:t>
+            </a:r>
+            <a:endParaRPr kumimoji="1" lang="zh-CN" altLang="en-US" dirty="0"/>
+          </a:p>
+        </p:txBody>
+      </p:sp>
+      <p:pic>
+        <p:nvPicPr>
+          <p:cNvPr id="4" name="内容占位符 3"/>
+          <p:cNvPicPr>
+            <a:picLocks noGrp="1" noChangeAspect="1"/>
+          </p:cNvPicPr>
+          <p:nvPr>
+            <p:ph idx="1"/>
+          </p:nvPr>
+        </p:nvPicPr>
+        <p:blipFill>
+          <a:blip r:embed="rId3"/>
+          <a:stretch>
+            <a:fillRect/>
+          </a:stretch>
+        </p:blipFill>
+        <p:spPr>
+          <a:xfrm>
+            <a:off x="6549081" y="365125"/>
+            <a:ext cx="4487890" cy="6339346"/>
+          </a:xfrm>
+          <a:prstGeom prst="rect">
+            <a:avLst/>
+          </a:prstGeom>
+        </p:spPr>
+      </p:pic>
+    </p:spTree>
+    <p:extLst>
+      <p:ext uri="{BB962C8B-B14F-4D97-AF65-F5344CB8AC3E}">
+        <p14:creationId xmlns:p14="http://schemas.microsoft.com/office/powerpoint/2010/main" val="1748349614"/>
+      </p:ext>
+    </p:extLst>
+  </p:cSld>
+  <p:clrMapOvr>
+    <a:masterClrMapping/>
+  </p:clrMapOvr>
+  <p:timing>
+    <p:tnLst>
+      <p:par>
+        <p:cTn id="1" dur="indefinite" restart="never" nodeType="tmRoot"/>
+      </p:par>
+    </p:tnLst>
+  </p:timing>
+</p:sld>
+</file>
+
+<file path=ppt/slides/slide23.xml><?xml version="1.0" encoding="utf-8"?>
+<p:sld xmlns:a="http://schemas.openxmlformats.org/drawingml/2006/main" xmlns:r="http://schemas.openxmlformats.org/officeDocument/2006/relationships" xmlns:p="http://schemas.openxmlformats.org/presentationml/2006/main">
+  <p:cSld>
+    <p:spTree>
+      <p:nvGrpSpPr>
+        <p:cNvPr id="1" name=""/>
+        <p:cNvGrpSpPr/>
+        <p:nvPr/>
+      </p:nvGrpSpPr>
+      <p:grpSpPr>
+        <a:xfrm>
+          <a:off x="0" y="0"/>
+          <a:ext cx="0" cy="0"/>
+          <a:chOff x="0" y="0"/>
+          <a:chExt cx="0" cy="0"/>
+        </a:xfrm>
+      </p:grpSpPr>
+      <p:sp>
+        <p:nvSpPr>
+          <p:cNvPr id="2" name="标题 1"/>
+          <p:cNvSpPr>
+            <a:spLocks noGrp="1"/>
+          </p:cNvSpPr>
+          <p:nvPr>
+            <p:ph type="title"/>
+          </p:nvPr>
+        </p:nvSpPr>
+        <p:spPr/>
+        <p:txBody>
+          <a:bodyPr/>
+          <a:lstStyle/>
+          <a:p>
+            <a:r>
+              <a:rPr kumimoji="1" lang="zh-CN" altLang="en-US" dirty="0" smtClean="0"/>
+              <a:t>上色</a:t>
+            </a:r>
+            <a:endParaRPr kumimoji="1" lang="zh-CN" altLang="en-US" dirty="0"/>
+          </a:p>
+        </p:txBody>
+      </p:sp>
+      <p:pic>
+        <p:nvPicPr>
+          <p:cNvPr id="4" name="图片 3"/>
+          <p:cNvPicPr>
+            <a:picLocks noChangeAspect="1"/>
+          </p:cNvPicPr>
+          <p:nvPr/>
+        </p:nvPicPr>
+        <p:blipFill>
+          <a:blip r:embed="rId3"/>
+          <a:stretch>
+            <a:fillRect/>
+          </a:stretch>
+        </p:blipFill>
+        <p:spPr>
+          <a:xfrm>
+            <a:off x="2125363" y="2287089"/>
+            <a:ext cx="3123170" cy="3113349"/>
+          </a:xfrm>
+          <a:prstGeom prst="rect">
+            <a:avLst/>
+          </a:prstGeom>
+        </p:spPr>
+      </p:pic>
+      <p:pic>
+        <p:nvPicPr>
+          <p:cNvPr id="5" name="图片 4"/>
+          <p:cNvPicPr>
+            <a:picLocks noChangeAspect="1"/>
+          </p:cNvPicPr>
+          <p:nvPr/>
+        </p:nvPicPr>
+        <p:blipFill>
+          <a:blip r:embed="rId4"/>
+          <a:stretch>
+            <a:fillRect/>
+          </a:stretch>
+        </p:blipFill>
+        <p:spPr>
+          <a:xfrm>
+            <a:off x="6524368" y="2276711"/>
+            <a:ext cx="2861962" cy="3123727"/>
+          </a:xfrm>
+          <a:prstGeom prst="rect">
+            <a:avLst/>
+          </a:prstGeom>
+        </p:spPr>
+      </p:pic>
+    </p:spTree>
+    <p:extLst>
+      <p:ext uri="{BB962C8B-B14F-4D97-AF65-F5344CB8AC3E}">
+        <p14:creationId xmlns:p14="http://schemas.microsoft.com/office/powerpoint/2010/main" val="716334471"/>
+      </p:ext>
+    </p:extLst>
+  </p:cSld>
+  <p:clrMapOvr>
+    <a:masterClrMapping/>
+  </p:clrMapOvr>
+  <p:timing>
+    <p:tnLst>
+      <p:par>
+        <p:cTn id="1" dur="indefinite" restart="never" nodeType="tmRoot"/>
+      </p:par>
+    </p:tnLst>
+  </p:timing>
+</p:sld>
+</file>
+
+<file path=ppt/slides/slide24.xml><?xml version="1.0" encoding="utf-8"?>
+<p:sld xmlns:a="http://schemas.openxmlformats.org/drawingml/2006/main" xmlns:r="http://schemas.openxmlformats.org/officeDocument/2006/relationships" xmlns:p="http://schemas.openxmlformats.org/presentationml/2006/main">
+  <p:cSld>
+    <p:spTree>
+      <p:nvGrpSpPr>
+        <p:cNvPr id="1" name=""/>
+        <p:cNvGrpSpPr/>
+        <p:nvPr/>
+      </p:nvGrpSpPr>
+      <p:grpSpPr>
+        <a:xfrm>
+          <a:off x="0" y="0"/>
+          <a:ext cx="0" cy="0"/>
+          <a:chOff x="0" y="0"/>
+          <a:chExt cx="0" cy="0"/>
+        </a:xfrm>
+      </p:grpSpPr>
+      <p:sp>
+        <p:nvSpPr>
+          <p:cNvPr id="2" name="标题 1"/>
+          <p:cNvSpPr>
+            <a:spLocks noGrp="1"/>
+          </p:cNvSpPr>
+          <p:nvPr>
+            <p:ph type="title"/>
+          </p:nvPr>
+        </p:nvSpPr>
+        <p:spPr/>
+        <p:txBody>
+          <a:bodyPr/>
+          <a:lstStyle/>
+          <a:p>
+            <a:r>
+              <a:rPr kumimoji="1" lang="zh-CN" altLang="en-US" dirty="0" smtClean="0"/>
+              <a:t>使用</a:t>
+            </a:r>
+            <a:endParaRPr kumimoji="1" lang="zh-CN" altLang="en-US" dirty="0"/>
+          </a:p>
+        </p:txBody>
+      </p:sp>
+      <p:sp>
+        <p:nvSpPr>
+          <p:cNvPr id="3" name="内容占位符 2"/>
+          <p:cNvSpPr>
+            <a:spLocks noGrp="1"/>
+          </p:cNvSpPr>
+          <p:nvPr>
+            <p:ph idx="1"/>
+          </p:nvPr>
+        </p:nvSpPr>
+        <p:spPr/>
+        <p:txBody>
+          <a:bodyPr/>
+          <a:lstStyle/>
+          <a:p>
+            <a:pPr marL="0" indent="0">
+              <a:buNone/>
+            </a:pPr>
+            <a:r>
+              <a:rPr lang="en-US" altLang="zh-CN" b="1" dirty="0" err="1">
+                <a:solidFill>
+                  <a:srgbClr val="000080"/>
+                </a:solidFill>
+              </a:rPr>
+              <a:t>int</a:t>
+            </a:r>
+            <a:r>
+              <a:rPr lang="en-US" altLang="zh-CN" b="1" dirty="0">
+                <a:solidFill>
+                  <a:srgbClr val="000080"/>
+                </a:solidFill>
+              </a:rPr>
+              <a:t> </a:t>
+            </a:r>
+            <a:r>
+              <a:rPr lang="en-US" altLang="zh-CN" dirty="0" err="1"/>
+              <a:t>sc</a:t>
+            </a:r>
+            <a:r>
+              <a:rPr lang="en-US" altLang="zh-CN" dirty="0"/>
+              <a:t> = </a:t>
+            </a:r>
+            <a:r>
+              <a:rPr lang="en-US" altLang="zh-CN" dirty="0" err="1"/>
+              <a:t>canvas.saveLayer</a:t>
+            </a:r>
+            <a:r>
+              <a:rPr lang="en-US" altLang="zh-CN" dirty="0"/>
+              <a:t>(</a:t>
+            </a:r>
+            <a:r>
+              <a:rPr lang="en-US" altLang="zh-CN" dirty="0">
+                <a:solidFill>
+                  <a:srgbClr val="0000FF"/>
+                </a:solidFill>
+              </a:rPr>
+              <a:t>0</a:t>
+            </a:r>
+            <a:r>
+              <a:rPr lang="en-US" altLang="zh-CN" dirty="0"/>
+              <a:t>, </a:t>
+            </a:r>
+            <a:r>
+              <a:rPr lang="en-US" altLang="zh-CN" dirty="0">
+                <a:solidFill>
+                  <a:srgbClr val="0000FF"/>
+                </a:solidFill>
+              </a:rPr>
+              <a:t>0</a:t>
+            </a:r>
+            <a:r>
+              <a:rPr lang="en-US" altLang="zh-CN" dirty="0"/>
+              <a:t>, </a:t>
+            </a:r>
+            <a:r>
+              <a:rPr lang="en-US" altLang="zh-CN" b="1" dirty="0" err="1">
+                <a:solidFill>
+                  <a:srgbClr val="660E7A"/>
+                </a:solidFill>
+              </a:rPr>
+              <a:t>mWidth</a:t>
+            </a:r>
+            <a:r>
+              <a:rPr lang="en-US" altLang="zh-CN" dirty="0"/>
+              <a:t>, </a:t>
+            </a:r>
+            <a:r>
+              <a:rPr lang="en-US" altLang="zh-CN" b="1" dirty="0" err="1">
+                <a:solidFill>
+                  <a:srgbClr val="660E7A"/>
+                </a:solidFill>
+              </a:rPr>
+              <a:t>mHeight</a:t>
+            </a:r>
+            <a:r>
+              <a:rPr lang="en-US" altLang="zh-CN" dirty="0"/>
+              <a:t>, </a:t>
+            </a:r>
+            <a:r>
+              <a:rPr lang="en-US" altLang="zh-CN" b="1" dirty="0">
+                <a:solidFill>
+                  <a:srgbClr val="000080"/>
+                </a:solidFill>
+              </a:rPr>
+              <a:t>null</a:t>
+            </a:r>
+            <a:r>
+              <a:rPr lang="en-US" altLang="zh-CN" dirty="0"/>
+              <a:t>, </a:t>
+            </a:r>
+            <a:r>
+              <a:rPr lang="en-US" altLang="zh-CN" dirty="0" err="1"/>
+              <a:t>Canvas.</a:t>
+            </a:r>
+            <a:r>
+              <a:rPr lang="en-US" altLang="zh-CN" b="1" i="1" dirty="0" err="1">
+                <a:solidFill>
+                  <a:srgbClr val="660E7A"/>
+                </a:solidFill>
+              </a:rPr>
+              <a:t>ALL_SAVE_FLAG</a:t>
+            </a:r>
+            <a:r>
+              <a:rPr lang="en-US" altLang="zh-CN" dirty="0"/>
+              <a:t>);</a:t>
+            </a:r>
+            <a:br>
+              <a:rPr lang="en-US" altLang="zh-CN" dirty="0"/>
+            </a:br>
+            <a:r>
+              <a:rPr lang="en-US" altLang="zh-CN" dirty="0" err="1"/>
+              <a:t>canvas.drawBitmap</a:t>
+            </a:r>
+            <a:r>
+              <a:rPr lang="en-US" altLang="zh-CN" dirty="0"/>
+              <a:t>(</a:t>
+            </a:r>
+            <a:r>
+              <a:rPr lang="en-US" altLang="zh-CN" b="1" dirty="0" err="1">
+                <a:solidFill>
+                  <a:srgbClr val="660E7A"/>
+                </a:solidFill>
+              </a:rPr>
+              <a:t>mLoadingBitmap</a:t>
+            </a:r>
+            <a:r>
+              <a:rPr lang="en-US" altLang="zh-CN" dirty="0"/>
+              <a:t>, </a:t>
+            </a:r>
+            <a:r>
+              <a:rPr lang="en-US" altLang="zh-CN" dirty="0">
+                <a:solidFill>
+                  <a:srgbClr val="0000FF"/>
+                </a:solidFill>
+              </a:rPr>
+              <a:t>0</a:t>
+            </a:r>
+            <a:r>
+              <a:rPr lang="en-US" altLang="zh-CN" dirty="0"/>
+              <a:t>, </a:t>
+            </a:r>
+            <a:r>
+              <a:rPr lang="en-US" altLang="zh-CN" dirty="0">
+                <a:solidFill>
+                  <a:srgbClr val="0000FF"/>
+                </a:solidFill>
+              </a:rPr>
+              <a:t>0</a:t>
+            </a:r>
+            <a:r>
+              <a:rPr lang="en-US" altLang="zh-CN" dirty="0"/>
+              <a:t>, </a:t>
+            </a:r>
+            <a:r>
+              <a:rPr lang="en-US" altLang="zh-CN" b="1" dirty="0" err="1">
+                <a:solidFill>
+                  <a:srgbClr val="660E7A"/>
+                </a:solidFill>
+              </a:rPr>
+              <a:t>mPaint</a:t>
+            </a:r>
+            <a:r>
+              <a:rPr lang="en-US" altLang="zh-CN" dirty="0"/>
+              <a:t>);</a:t>
+            </a:r>
+            <a:br>
+              <a:rPr lang="en-US" altLang="zh-CN" dirty="0"/>
+            </a:br>
+            <a:r>
+              <a:rPr lang="en-US" altLang="zh-CN" b="1" dirty="0" err="1">
+                <a:solidFill>
+                  <a:srgbClr val="660E7A"/>
+                </a:solidFill>
+              </a:rPr>
+              <a:t>mPaint</a:t>
+            </a:r>
+            <a:r>
+              <a:rPr lang="en-US" altLang="zh-CN" dirty="0" err="1"/>
+              <a:t>.setXfermode</a:t>
+            </a:r>
+            <a:r>
+              <a:rPr lang="en-US" altLang="zh-CN" dirty="0"/>
+              <a:t>(</a:t>
+            </a:r>
+            <a:r>
+              <a:rPr lang="en-US" altLang="zh-CN" b="1" dirty="0">
+                <a:solidFill>
+                  <a:srgbClr val="000080"/>
+                </a:solidFill>
+              </a:rPr>
+              <a:t>new </a:t>
+            </a:r>
+            <a:r>
+              <a:rPr lang="en-US" altLang="zh-CN" dirty="0" err="1"/>
+              <a:t>PorterDuffXfermode</a:t>
+            </a:r>
+            <a:r>
+              <a:rPr lang="en-US" altLang="zh-CN" dirty="0"/>
+              <a:t>(</a:t>
+            </a:r>
+            <a:r>
+              <a:rPr lang="en-US" altLang="zh-CN" dirty="0" err="1"/>
+              <a:t>Mode.</a:t>
+            </a:r>
+            <a:r>
+              <a:rPr lang="en-US" altLang="zh-CN" b="1" i="1" dirty="0" err="1">
+                <a:solidFill>
+                  <a:srgbClr val="660E7A"/>
+                </a:solidFill>
+              </a:rPr>
+              <a:t>SRC_ATOP</a:t>
+            </a:r>
+            <a:r>
+              <a:rPr lang="en-US" altLang="zh-CN" dirty="0"/>
+              <a:t>));</a:t>
+            </a:r>
+            <a:br>
+              <a:rPr lang="en-US" altLang="zh-CN" dirty="0"/>
+            </a:br>
+            <a:r>
+              <a:rPr lang="en-US" altLang="zh-CN" dirty="0" err="1"/>
+              <a:t>canvas.drawBitmap</a:t>
+            </a:r>
+            <a:r>
+              <a:rPr lang="en-US" altLang="zh-CN" dirty="0"/>
+              <a:t>(</a:t>
+            </a:r>
+            <a:r>
+              <a:rPr lang="en-US" altLang="zh-CN" b="1" dirty="0" err="1">
+                <a:solidFill>
+                  <a:srgbClr val="660E7A"/>
+                </a:solidFill>
+              </a:rPr>
+              <a:t>mMaskBitmap</a:t>
+            </a:r>
+            <a:r>
+              <a:rPr lang="en-US" altLang="zh-CN" dirty="0"/>
+              <a:t>, </a:t>
+            </a:r>
+            <a:r>
+              <a:rPr lang="en-US" altLang="zh-CN" dirty="0">
+                <a:solidFill>
+                  <a:srgbClr val="0000FF"/>
+                </a:solidFill>
+              </a:rPr>
+              <a:t>0</a:t>
+            </a:r>
+            <a:r>
+              <a:rPr lang="en-US" altLang="zh-CN" dirty="0"/>
+              <a:t>, </a:t>
+            </a:r>
+            <a:r>
+              <a:rPr lang="en-US" altLang="zh-CN" b="1" dirty="0" err="1">
+                <a:solidFill>
+                  <a:srgbClr val="660E7A"/>
+                </a:solidFill>
+              </a:rPr>
+              <a:t>mMaskTop</a:t>
+            </a:r>
+            <a:r>
+              <a:rPr lang="en-US" altLang="zh-CN" dirty="0"/>
+              <a:t>, </a:t>
+            </a:r>
+            <a:r>
+              <a:rPr lang="en-US" altLang="zh-CN" b="1" dirty="0" err="1">
+                <a:solidFill>
+                  <a:srgbClr val="660E7A"/>
+                </a:solidFill>
+              </a:rPr>
+              <a:t>mPaint</a:t>
+            </a:r>
+            <a:r>
+              <a:rPr lang="en-US" altLang="zh-CN" dirty="0"/>
+              <a:t>);</a:t>
+            </a:r>
+            <a:br>
+              <a:rPr lang="en-US" altLang="zh-CN" dirty="0"/>
+            </a:br>
+            <a:r>
+              <a:rPr lang="en-US" altLang="zh-CN" b="1" dirty="0" err="1">
+                <a:solidFill>
+                  <a:srgbClr val="660E7A"/>
+                </a:solidFill>
+              </a:rPr>
+              <a:t>mPaint</a:t>
+            </a:r>
+            <a:r>
+              <a:rPr lang="en-US" altLang="zh-CN" dirty="0" err="1"/>
+              <a:t>.setXfermode</a:t>
+            </a:r>
+            <a:r>
+              <a:rPr lang="en-US" altLang="zh-CN" dirty="0"/>
+              <a:t>(</a:t>
+            </a:r>
+            <a:r>
+              <a:rPr lang="en-US" altLang="zh-CN" b="1" dirty="0">
+                <a:solidFill>
+                  <a:srgbClr val="000080"/>
+                </a:solidFill>
+              </a:rPr>
+              <a:t>null</a:t>
+            </a:r>
+            <a:r>
+              <a:rPr lang="en-US" altLang="zh-CN" dirty="0"/>
+              <a:t>);</a:t>
+            </a:r>
+            <a:br>
+              <a:rPr lang="en-US" altLang="zh-CN" dirty="0"/>
+            </a:br>
+            <a:r>
+              <a:rPr lang="en-US" altLang="zh-CN" dirty="0" err="1"/>
+              <a:t>canvas.restoreToCount</a:t>
+            </a:r>
+            <a:r>
+              <a:rPr lang="en-US" altLang="zh-CN" dirty="0"/>
+              <a:t>(</a:t>
+            </a:r>
+            <a:r>
+              <a:rPr lang="en-US" altLang="zh-CN" dirty="0" err="1"/>
+              <a:t>sc</a:t>
+            </a:r>
+            <a:r>
+              <a:rPr lang="en-US" altLang="zh-CN" dirty="0"/>
+              <a:t>);</a:t>
+            </a:r>
+            <a:endParaRPr kumimoji="1" lang="zh-CN" altLang="en-US" dirty="0"/>
+          </a:p>
+        </p:txBody>
+      </p:sp>
+    </p:spTree>
+    <p:extLst>
+      <p:ext uri="{BB962C8B-B14F-4D97-AF65-F5344CB8AC3E}">
+        <p14:creationId xmlns:p14="http://schemas.microsoft.com/office/powerpoint/2010/main" val="1210359231"/>
+      </p:ext>
+    </p:extLst>
+  </p:cSld>
+  <p:clrMapOvr>
+    <a:masterClrMapping/>
+  </p:clrMapOvr>
+  <p:timing>
+    <p:tnLst>
+      <p:par>
+        <p:cTn id="1" dur="indefinite" restart="never" nodeType="tmRoot"/>
+      </p:par>
+    </p:tnLst>
+  </p:timing>
+</p:sld>
+</file>
+
+<file path=ppt/slides/slide25.xml><?xml version="1.0" encoding="utf-8"?>
+<p:sld xmlns:a="http://schemas.openxmlformats.org/drawingml/2006/main" xmlns:r="http://schemas.openxmlformats.org/officeDocument/2006/relationships" xmlns:p="http://schemas.openxmlformats.org/presentationml/2006/main">
+  <p:cSld>
+    <p:spTree>
+      <p:nvGrpSpPr>
+        <p:cNvPr id="1" name=""/>
+        <p:cNvGrpSpPr/>
+        <p:nvPr/>
+      </p:nvGrpSpPr>
+      <p:grpSpPr>
+        <a:xfrm>
+          <a:off x="0" y="0"/>
+          <a:ext cx="0" cy="0"/>
+          <a:chOff x="0" y="0"/>
+          <a:chExt cx="0" cy="0"/>
+        </a:xfrm>
+      </p:grpSpPr>
+      <p:sp>
+        <p:nvSpPr>
+          <p:cNvPr id="2" name="标题 1"/>
+          <p:cNvSpPr>
+            <a:spLocks noGrp="1"/>
+          </p:cNvSpPr>
+          <p:nvPr>
+            <p:ph type="title"/>
+          </p:nvPr>
+        </p:nvSpPr>
+        <p:spPr/>
+        <p:txBody>
+          <a:bodyPr/>
+          <a:lstStyle/>
+          <a:p>
+            <a:r>
+              <a:rPr kumimoji="1" lang="zh-CN" altLang="en-US" dirty="0" smtClean="0"/>
+              <a:t>裁剪</a:t>
+            </a:r>
+            <a:endParaRPr kumimoji="1" lang="zh-CN" altLang="en-US" dirty="0"/>
+          </a:p>
+        </p:txBody>
+      </p:sp>
+      <p:pic>
+        <p:nvPicPr>
+          <p:cNvPr id="4" name="内容占位符 3"/>
+          <p:cNvPicPr>
+            <a:picLocks noGrp="1" noChangeAspect="1"/>
+          </p:cNvPicPr>
+          <p:nvPr>
+            <p:ph idx="1"/>
+          </p:nvPr>
+        </p:nvPicPr>
+        <p:blipFill>
+          <a:blip r:embed="rId2"/>
+          <a:stretch>
+            <a:fillRect/>
+          </a:stretch>
+        </p:blipFill>
+        <p:spPr>
+          <a:xfrm>
+            <a:off x="2292178" y="2675173"/>
+            <a:ext cx="2403390" cy="2385183"/>
+          </a:xfrm>
+          <a:prstGeom prst="rect">
+            <a:avLst/>
+          </a:prstGeom>
+        </p:spPr>
+      </p:pic>
+    </p:spTree>
+    <p:extLst>
+      <p:ext uri="{BB962C8B-B14F-4D97-AF65-F5344CB8AC3E}">
+        <p14:creationId xmlns:p14="http://schemas.microsoft.com/office/powerpoint/2010/main" val="1635550270"/>
+      </p:ext>
+    </p:extLst>
+  </p:cSld>
+  <p:clrMapOvr>
+    <a:masterClrMapping/>
+  </p:clrMapOvr>
+  <p:timing>
+    <p:tnLst>
+      <p:par>
+        <p:cTn id="1" dur="indefinite" restart="never" nodeType="tmRoot"/>
+      </p:par>
+    </p:tnLst>
+  </p:timing>
+</p:sld>
+</file>
+
+<file path=ppt/slides/slide3.xml><?xml version="1.0" encoding="utf-8"?>
 <p:sld xmlns:a="http://schemas.openxmlformats.org/drawingml/2006/main" xmlns:r="http://schemas.openxmlformats.org/officeDocument/2006/relationships" xmlns:p="http://schemas.openxmlformats.org/presentationml/2006/main">
   <p:cSld>
     <p:spTree>
@@ -8633,7 +11538,7 @@
 </p:sld>
 </file>
 
-<file path=ppt/slides/slide5.xml><?xml version="1.0" encoding="utf-8"?>
+<file path=ppt/slides/slide4.xml><?xml version="1.0" encoding="utf-8"?>
 <p:sld xmlns:a="http://schemas.openxmlformats.org/drawingml/2006/main" xmlns:r="http://schemas.openxmlformats.org/officeDocument/2006/relationships" xmlns:p="http://schemas.openxmlformats.org/presentationml/2006/main">
   <p:cSld>
     <p:spTree>
@@ -8720,7 +11625,7 @@
 </p:sld>
 </file>
 
-<file path=ppt/slides/slide6.xml><?xml version="1.0" encoding="utf-8"?>
+<file path=ppt/slides/slide5.xml><?xml version="1.0" encoding="utf-8"?>
 <p:sld xmlns:a="http://schemas.openxmlformats.org/drawingml/2006/main" xmlns:r="http://schemas.openxmlformats.org/officeDocument/2006/relationships" xmlns:p="http://schemas.openxmlformats.org/presentationml/2006/main">
   <p:cSld>
     <p:spTree>
@@ -9142,7 +12047,7 @@
 </p:sld>
 </file>
 
-<file path=ppt/slides/slide7.xml><?xml version="1.0" encoding="utf-8"?>
+<file path=ppt/slides/slide6.xml><?xml version="1.0" encoding="utf-8"?>
 <p:sld xmlns:a="http://schemas.openxmlformats.org/drawingml/2006/main" xmlns:r="http://schemas.openxmlformats.org/officeDocument/2006/relationships" xmlns:p="http://schemas.openxmlformats.org/presentationml/2006/main">
   <p:cSld>
     <p:spTree>
@@ -9231,7 +12136,7 @@
 </p:sld>
 </file>
 
-<file path=ppt/slides/slide8.xml><?xml version="1.0" encoding="utf-8"?>
+<file path=ppt/slides/slide7.xml><?xml version="1.0" encoding="utf-8"?>
 <p:sld xmlns:a="http://schemas.openxmlformats.org/drawingml/2006/main" xmlns:r="http://schemas.openxmlformats.org/officeDocument/2006/relationships" xmlns:p="http://schemas.openxmlformats.org/presentationml/2006/main">
   <p:cSld>
     <p:spTree>
@@ -9364,7 +12269,7 @@
 </p:sld>
 </file>
 
-<file path=ppt/slides/slide9.xml><?xml version="1.0" encoding="utf-8"?>
+<file path=ppt/slides/slide8.xml><?xml version="1.0" encoding="utf-8"?>
 <p:sld xmlns:a="http://schemas.openxmlformats.org/drawingml/2006/main" xmlns:r="http://schemas.openxmlformats.org/officeDocument/2006/relationships" xmlns:p="http://schemas.openxmlformats.org/presentationml/2006/main">
   <p:cSld>
     <p:spTree>
@@ -9443,6 +12348,139 @@
   <p:clrMapOvr>
     <a:masterClrMapping/>
   </p:clrMapOvr>
+  <p:timing>
+    <p:tnLst>
+      <p:par>
+        <p:cTn id="1" dur="indefinite" restart="never" nodeType="tmRoot"/>
+      </p:par>
+    </p:tnLst>
+  </p:timing>
+</p:sld>
+</file>
+
+<file path=ppt/slides/slide9.xml><?xml version="1.0" encoding="utf-8"?>
+<p:sld xmlns:a="http://schemas.openxmlformats.org/drawingml/2006/main" xmlns:r="http://schemas.openxmlformats.org/officeDocument/2006/relationships" xmlns:p="http://schemas.openxmlformats.org/presentationml/2006/main">
+  <p:cSld>
+    <p:spTree>
+      <p:nvGrpSpPr>
+        <p:cNvPr id="1" name=""/>
+        <p:cNvGrpSpPr/>
+        <p:nvPr/>
+      </p:nvGrpSpPr>
+      <p:grpSpPr>
+        <a:xfrm>
+          <a:off x="0" y="0"/>
+          <a:ext cx="0" cy="0"/>
+          <a:chOff x="0" y="0"/>
+          <a:chExt cx="0" cy="0"/>
+        </a:xfrm>
+      </p:grpSpPr>
+      <p:sp>
+        <p:nvSpPr>
+          <p:cNvPr id="2" name="标题 1"/>
+          <p:cNvSpPr>
+            <a:spLocks noGrp="1"/>
+          </p:cNvSpPr>
+          <p:nvPr>
+            <p:ph type="title"/>
+          </p:nvPr>
+        </p:nvSpPr>
+        <p:spPr/>
+        <p:txBody>
+          <a:bodyPr/>
+          <a:lstStyle/>
+          <a:p>
+            <a:r>
+              <a:rPr kumimoji="1" lang="en-US" altLang="zh-CN" dirty="0" smtClean="0"/>
+              <a:t>demo1</a:t>
+            </a:r>
+            <a:endParaRPr kumimoji="1" lang="zh-CN" altLang="en-US" dirty="0"/>
+          </a:p>
+        </p:txBody>
+      </p:sp>
+      <p:pic>
+        <p:nvPicPr>
+          <p:cNvPr id="5" name="图片 4"/>
+          <p:cNvPicPr>
+            <a:picLocks noChangeAspect="1"/>
+          </p:cNvPicPr>
+          <p:nvPr/>
+        </p:nvPicPr>
+        <p:blipFill>
+          <a:blip r:embed="rId3"/>
+          <a:stretch>
+            <a:fillRect/>
+          </a:stretch>
+        </p:blipFill>
+        <p:spPr>
+          <a:xfrm>
+            <a:off x="1425575" y="1690688"/>
+            <a:ext cx="9928225" cy="4096652"/>
+          </a:xfrm>
+          <a:prstGeom prst="rect">
+            <a:avLst/>
+          </a:prstGeom>
+        </p:spPr>
+      </p:pic>
+      <p:sp>
+        <p:nvSpPr>
+          <p:cNvPr id="4" name="圆角矩形 3"/>
+          <p:cNvSpPr/>
+          <p:nvPr/>
+        </p:nvSpPr>
+        <p:spPr>
+          <a:xfrm>
+            <a:off x="5457826" y="3971925"/>
+            <a:ext cx="4171950" cy="400049"/>
+          </a:xfrm>
+          <a:prstGeom prst="roundRect">
+            <a:avLst/>
+          </a:prstGeom>
+          <a:noFill/>
+          <a:ln>
+            <a:solidFill>
+              <a:srgbClr val="FF0000"/>
+            </a:solidFill>
+          </a:ln>
+        </p:spPr>
+        <p:style>
+          <a:lnRef idx="2">
+            <a:schemeClr val="accent1">
+              <a:shade val="50000"/>
+            </a:schemeClr>
+          </a:lnRef>
+          <a:fillRef idx="1">
+            <a:schemeClr val="accent1"/>
+          </a:fillRef>
+          <a:effectRef idx="0">
+            <a:schemeClr val="accent1"/>
+          </a:effectRef>
+          <a:fontRef idx="minor">
+            <a:schemeClr val="lt1"/>
+          </a:fontRef>
+        </p:style>
+        <p:txBody>
+          <a:bodyPr rtlCol="0" anchor="ctr"/>
+          <a:lstStyle/>
+          <a:p>
+            <a:pPr algn="ctr"/>
+            <a:endParaRPr kumimoji="1" lang="zh-CN" altLang="en-US"/>
+          </a:p>
+        </p:txBody>
+      </p:sp>
+    </p:spTree>
+    <p:extLst>
+      <p:ext uri="{BB962C8B-B14F-4D97-AF65-F5344CB8AC3E}">
+        <p14:creationId xmlns:p14="http://schemas.microsoft.com/office/powerpoint/2010/main" val="887077888"/>
+      </p:ext>
+    </p:extLst>
+  </p:cSld>
+  <p:clrMapOvr>
+    <a:masterClrMapping/>
+  </p:clrMapOvr>
+  <p:transition spd="med">
+    <p:pull/>
+  </p:transition>
   <p:timing>
     <p:tnLst>
       <p:par>
